--- a/ПРАВКИ_Презентация ВКР ВО.pptx
+++ b/ПРАВКИ_Презентация ВКР ВО.pptx
@@ -2,37 +2,38 @@
 <file path=ppt/presentation.xml><?xml version="1.0" encoding="utf-8"?>
 <p:presentation xmlns:a="http://schemas.openxmlformats.org/drawingml/2006/main" xmlns:r="http://schemas.openxmlformats.org/officeDocument/2006/relationships" xmlns:p="http://schemas.openxmlformats.org/presentationml/2006/main" saveSubsetFonts="1">
   <p:sldMasterIdLst>
-    <p:sldMasterId id="2147483648" r:id="rId1"/>
+    <p:sldMasterId id="2147483660" r:id="rId1"/>
   </p:sldMasterIdLst>
   <p:notesMasterIdLst>
-    <p:notesMasterId r:id="rId19"/>
+    <p:notesMasterId r:id="rId20"/>
   </p:notesMasterIdLst>
   <p:sldIdLst>
     <p:sldId id="256" r:id="rId2"/>
-    <p:sldId id="257" r:id="rId3"/>
-    <p:sldId id="258" r:id="rId4"/>
-    <p:sldId id="259" r:id="rId5"/>
-    <p:sldId id="260" r:id="rId6"/>
-    <p:sldId id="261" r:id="rId7"/>
-    <p:sldId id="265" r:id="rId8"/>
-    <p:sldId id="262" r:id="rId9"/>
-    <p:sldId id="266" r:id="rId10"/>
-    <p:sldId id="263" r:id="rId11"/>
-    <p:sldId id="264" r:id="rId12"/>
-    <p:sldId id="267" r:id="rId13"/>
-    <p:sldId id="268" r:id="rId14"/>
-    <p:sldId id="269" r:id="rId15"/>
-    <p:sldId id="270" r:id="rId16"/>
-    <p:sldId id="271" r:id="rId17"/>
-    <p:sldId id="272" r:id="rId18"/>
+    <p:sldId id="273" r:id="rId3"/>
+    <p:sldId id="257" r:id="rId4"/>
+    <p:sldId id="258" r:id="rId5"/>
+    <p:sldId id="259" r:id="rId6"/>
+    <p:sldId id="260" r:id="rId7"/>
+    <p:sldId id="261" r:id="rId8"/>
+    <p:sldId id="265" r:id="rId9"/>
+    <p:sldId id="262" r:id="rId10"/>
+    <p:sldId id="266" r:id="rId11"/>
+    <p:sldId id="263" r:id="rId12"/>
+    <p:sldId id="264" r:id="rId13"/>
+    <p:sldId id="267" r:id="rId14"/>
+    <p:sldId id="268" r:id="rId15"/>
+    <p:sldId id="269" r:id="rId16"/>
+    <p:sldId id="270" r:id="rId17"/>
+    <p:sldId id="271" r:id="rId18"/>
+    <p:sldId id="272" r:id="rId19"/>
   </p:sldIdLst>
-  <p:sldSz cx="12192000" cy="6858000"/>
+  <p:sldSz cx="9144000" cy="6858000" type="screen4x3"/>
   <p:notesSz cx="6858000" cy="9144000"/>
   <p:defaultTextStyle>
     <a:defPPr>
-      <a:defRPr lang="ru-RU"/>
+      <a:defRPr lang="en-US"/>
     </a:defPPr>
-    <a:lvl1pPr marL="0" algn="l" defTabSz="914400" rtl="0" eaLnBrk="1" latinLnBrk="0" hangingPunct="1">
+    <a:lvl1pPr marL="0" algn="l" defTabSz="457200" rtl="0" eaLnBrk="1" latinLnBrk="0" hangingPunct="1">
       <a:defRPr sz="1800" kern="1200">
         <a:solidFill>
           <a:schemeClr val="tx1"/>
@@ -42,7 +43,7 @@
         <a:cs typeface="+mn-cs"/>
       </a:defRPr>
     </a:lvl1pPr>
-    <a:lvl2pPr marL="457200" algn="l" defTabSz="914400" rtl="0" eaLnBrk="1" latinLnBrk="0" hangingPunct="1">
+    <a:lvl2pPr marL="457200" algn="l" defTabSz="457200" rtl="0" eaLnBrk="1" latinLnBrk="0" hangingPunct="1">
       <a:defRPr sz="1800" kern="1200">
         <a:solidFill>
           <a:schemeClr val="tx1"/>
@@ -52,7 +53,7 @@
         <a:cs typeface="+mn-cs"/>
       </a:defRPr>
     </a:lvl2pPr>
-    <a:lvl3pPr marL="914400" algn="l" defTabSz="914400" rtl="0" eaLnBrk="1" latinLnBrk="0" hangingPunct="1">
+    <a:lvl3pPr marL="914400" algn="l" defTabSz="457200" rtl="0" eaLnBrk="1" latinLnBrk="0" hangingPunct="1">
       <a:defRPr sz="1800" kern="1200">
         <a:solidFill>
           <a:schemeClr val="tx1"/>
@@ -62,7 +63,7 @@
         <a:cs typeface="+mn-cs"/>
       </a:defRPr>
     </a:lvl3pPr>
-    <a:lvl4pPr marL="1371600" algn="l" defTabSz="914400" rtl="0" eaLnBrk="1" latinLnBrk="0" hangingPunct="1">
+    <a:lvl4pPr marL="1371600" algn="l" defTabSz="457200" rtl="0" eaLnBrk="1" latinLnBrk="0" hangingPunct="1">
       <a:defRPr sz="1800" kern="1200">
         <a:solidFill>
           <a:schemeClr val="tx1"/>
@@ -72,7 +73,7 @@
         <a:cs typeface="+mn-cs"/>
       </a:defRPr>
     </a:lvl4pPr>
-    <a:lvl5pPr marL="1828800" algn="l" defTabSz="914400" rtl="0" eaLnBrk="1" latinLnBrk="0" hangingPunct="1">
+    <a:lvl5pPr marL="1828800" algn="l" defTabSz="457200" rtl="0" eaLnBrk="1" latinLnBrk="0" hangingPunct="1">
       <a:defRPr sz="1800" kern="1200">
         <a:solidFill>
           <a:schemeClr val="tx1"/>
@@ -82,7 +83,7 @@
         <a:cs typeface="+mn-cs"/>
       </a:defRPr>
     </a:lvl5pPr>
-    <a:lvl6pPr marL="2286000" algn="l" defTabSz="914400" rtl="0" eaLnBrk="1" latinLnBrk="0" hangingPunct="1">
+    <a:lvl6pPr marL="2286000" algn="l" defTabSz="457200" rtl="0" eaLnBrk="1" latinLnBrk="0" hangingPunct="1">
       <a:defRPr sz="1800" kern="1200">
         <a:solidFill>
           <a:schemeClr val="tx1"/>
@@ -92,7 +93,7 @@
         <a:cs typeface="+mn-cs"/>
       </a:defRPr>
     </a:lvl6pPr>
-    <a:lvl7pPr marL="2743200" algn="l" defTabSz="914400" rtl="0" eaLnBrk="1" latinLnBrk="0" hangingPunct="1">
+    <a:lvl7pPr marL="2743200" algn="l" defTabSz="457200" rtl="0" eaLnBrk="1" latinLnBrk="0" hangingPunct="1">
       <a:defRPr sz="1800" kern="1200">
         <a:solidFill>
           <a:schemeClr val="tx1"/>
@@ -102,7 +103,7 @@
         <a:cs typeface="+mn-cs"/>
       </a:defRPr>
     </a:lvl7pPr>
-    <a:lvl8pPr marL="3200400" algn="l" defTabSz="914400" rtl="0" eaLnBrk="1" latinLnBrk="0" hangingPunct="1">
+    <a:lvl8pPr marL="3200400" algn="l" defTabSz="457200" rtl="0" eaLnBrk="1" latinLnBrk="0" hangingPunct="1">
       <a:defRPr sz="1800" kern="1200">
         <a:solidFill>
           <a:schemeClr val="tx1"/>
@@ -112,7 +113,7 @@
         <a:cs typeface="+mn-cs"/>
       </a:defRPr>
     </a:lvl8pPr>
-    <a:lvl9pPr marL="3657600" algn="l" defTabSz="914400" rtl="0" eaLnBrk="1" latinLnBrk="0" hangingPunct="1">
+    <a:lvl9pPr marL="3657600" algn="l" defTabSz="457200" rtl="0" eaLnBrk="1" latinLnBrk="0" hangingPunct="1">
       <a:defRPr sz="1800" kern="1200">
         <a:solidFill>
           <a:schemeClr val="tx1"/>
@@ -125,7 +126,18 @@
   </p:defaultTextStyle>
   <p:extLst>
     <p:ext uri="{EFAFB233-063F-42B5-8137-9DF3F51BA10A}">
-      <p15:sldGuideLst xmlns:p15="http://schemas.microsoft.com/office/powerpoint/2012/main" xmlns=""/>
+      <p15:sldGuideLst xmlns:p15="http://schemas.microsoft.com/office/powerpoint/2012/main">
+        <p15:guide id="1" orient="horz" pos="2160" userDrawn="1">
+          <p15:clr>
+            <a:srgbClr val="A4A3A4"/>
+          </p15:clr>
+        </p15:guide>
+        <p15:guide id="2" pos="2880" userDrawn="1">
+          <p15:clr>
+            <a:srgbClr val="A4A3A4"/>
+          </p15:clr>
+        </p15:guide>
+      </p15:sldGuideLst>
     </p:ext>
   </p:extLst>
 </p:presentation>
@@ -133,9 +145,7 @@
 
 <file path=ppt/commentAuthors.xml><?xml version="1.0" encoding="utf-8"?>
 <p:cmAuthorLst xmlns:a="http://schemas.openxmlformats.org/drawingml/2006/main" xmlns:r="http://schemas.openxmlformats.org/officeDocument/2006/relationships" xmlns:p="http://schemas.openxmlformats.org/presentationml/2006/main">
-  <p:cmAuthor id="1" name="Danik Tropin" initials="DT" lastIdx="8" clrIdx="0">
-    <p:extLst/>
-  </p:cmAuthor>
+  <p:cmAuthor id="1" name="Danik Tropin" initials="DT" lastIdx="8" clrIdx="0"/>
   <p:cmAuthor id="2" name="Тропин Даниил Александрович" initials="ТДА" lastIdx="1" clrIdx="1"/>
 </p:cmAuthorLst>
 </file>
@@ -339,7 +349,7 @@
           <a:p>
             <a:fld id="{18DF7F9C-15E8-459E-A0B2-74FEF7E8E10D}" type="datetimeFigureOut">
               <a:rPr lang="ru-RU" smtClean="0"/>
-              <a:t>30.05.2025</a:t>
+              <a:t>31.05.2025</a:t>
             </a:fld>
             <a:endParaRPr lang="ru-RU"/>
           </a:p>
@@ -357,8 +367,8 @@
         </p:nvSpPr>
         <p:spPr>
           <a:xfrm>
-            <a:off x="685800" y="1143000"/>
-            <a:ext cx="5486400" cy="3086100"/>
+            <a:off x="1371600" y="1143000"/>
+            <a:ext cx="4114800" cy="3086100"/>
           </a:xfrm>
           <a:prstGeom prst="rect">
             <a:avLst/>
@@ -633,7 +643,12 @@
             <p:ph type="sldImg"/>
           </p:nvPr>
         </p:nvSpPr>
-        <p:spPr/>
+        <p:spPr>
+          <a:xfrm>
+            <a:off x="1371600" y="1143000"/>
+            <a:ext cx="4114800" cy="3086100"/>
+          </a:xfrm>
+        </p:spPr>
       </p:sp>
       <p:sp>
         <p:nvSpPr>
@@ -671,7 +686,7 @@
           <a:p>
             <a:fld id="{B4B0967B-69A8-4F3D-9960-6992840C5EA5}" type="slidenum">
               <a:rPr lang="ru-RU" smtClean="0"/>
-              <a:t>10</a:t>
+              <a:t>11</a:t>
             </a:fld>
             <a:endParaRPr lang="ru-RU"/>
           </a:p>
@@ -698,7 +713,7 @@
         <p:cNvPr id="1" name="">
           <a:extLst>
             <a:ext uri="{FF2B5EF4-FFF2-40B4-BE49-F238E27FC236}">
-              <a16:creationId xmlns:a16="http://schemas.microsoft.com/office/drawing/2014/main" xmlns="" id="{C3A9F086-9072-4F37-33B6-AF02A842B586}"/>
+              <a16:creationId xmlns:a16="http://schemas.microsoft.com/office/drawing/2014/main" id="{C3A9F086-9072-4F37-33B6-AF02A842B586}"/>
             </a:ext>
           </a:extLst>
         </p:cNvPr>
@@ -718,7 +733,7 @@
           <p:cNvPr id="2" name="Образ слайда 1">
             <a:extLst>
               <a:ext uri="{FF2B5EF4-FFF2-40B4-BE49-F238E27FC236}">
-                <a16:creationId xmlns:a16="http://schemas.microsoft.com/office/drawing/2014/main" xmlns="" id="{8D921F00-B683-7DFE-A109-0C9EA184EA46}"/>
+                <a16:creationId xmlns:a16="http://schemas.microsoft.com/office/drawing/2014/main" id="{8D921F00-B683-7DFE-A109-0C9EA184EA46}"/>
               </a:ext>
             </a:extLst>
           </p:cNvPr>
@@ -729,14 +744,19 @@
             <p:ph type="sldImg"/>
           </p:nvPr>
         </p:nvSpPr>
-        <p:spPr/>
+        <p:spPr>
+          <a:xfrm>
+            <a:off x="1371600" y="1143000"/>
+            <a:ext cx="4114800" cy="3086100"/>
+          </a:xfrm>
+        </p:spPr>
       </p:sp>
       <p:sp>
         <p:nvSpPr>
           <p:cNvPr id="3" name="Заметки 2">
             <a:extLst>
               <a:ext uri="{FF2B5EF4-FFF2-40B4-BE49-F238E27FC236}">
-                <a16:creationId xmlns:a16="http://schemas.microsoft.com/office/drawing/2014/main" xmlns="" id="{7054E683-FB4B-38EC-4F36-ADCA2EA3F415}"/>
+                <a16:creationId xmlns:a16="http://schemas.microsoft.com/office/drawing/2014/main" id="{7054E683-FB4B-38EC-4F36-ADCA2EA3F415}"/>
               </a:ext>
             </a:extLst>
           </p:cNvPr>
@@ -761,7 +781,7 @@
           <p:cNvPr id="4" name="Номер слайда 3">
             <a:extLst>
               <a:ext uri="{FF2B5EF4-FFF2-40B4-BE49-F238E27FC236}">
-                <a16:creationId xmlns:a16="http://schemas.microsoft.com/office/drawing/2014/main" xmlns="" id="{742169A6-20F4-BDB4-4F40-BFE7E8CFA420}"/>
+                <a16:creationId xmlns:a16="http://schemas.microsoft.com/office/drawing/2014/main" id="{742169A6-20F4-BDB4-4F40-BFE7E8CFA420}"/>
               </a:ext>
             </a:extLst>
           </p:cNvPr>
@@ -779,7 +799,7 @@
           <a:p>
             <a:fld id="{B4B0967B-69A8-4F3D-9960-6992840C5EA5}" type="slidenum">
               <a:rPr lang="ru-RU" smtClean="0"/>
-              <a:t>11</a:t>
+              <a:t>12</a:t>
             </a:fld>
             <a:endParaRPr lang="ru-RU"/>
           </a:p>
@@ -817,13 +837,7 @@
       </p:grpSpPr>
       <p:sp>
         <p:nvSpPr>
-          <p:cNvPr id="2" name="Заголовок 1">
-            <a:extLst>
-              <a:ext uri="{FF2B5EF4-FFF2-40B4-BE49-F238E27FC236}">
-                <a16:creationId xmlns:a16="http://schemas.microsoft.com/office/drawing/2014/main" xmlns="" id="{A1F61FE3-B817-796A-515D-AABF3738AE35}"/>
-              </a:ext>
-            </a:extLst>
-          </p:cNvPr>
+          <p:cNvPr id="2" name="Title 1"/>
           <p:cNvSpPr>
             <a:spLocks noGrp="1"/>
           </p:cNvSpPr>
@@ -833,8 +847,8 @@
         </p:nvSpPr>
         <p:spPr>
           <a:xfrm>
-            <a:off x="1524000" y="1122363"/>
-            <a:ext cx="9144000" cy="2387600"/>
+            <a:off x="685800" y="1122363"/>
+            <a:ext cx="7772400" cy="2387600"/>
           </a:xfrm>
         </p:spPr>
         <p:txBody>
@@ -849,18 +863,13 @@
               <a:rPr lang="ru-RU"/>
               <a:t>Образец заголовка</a:t>
             </a:r>
-          </a:p>
-        </p:txBody>
-      </p:sp>
-      <p:sp>
-        <p:nvSpPr>
-          <p:cNvPr id="3" name="Подзаголовок 2">
-            <a:extLst>
-              <a:ext uri="{FF2B5EF4-FFF2-40B4-BE49-F238E27FC236}">
-                <a16:creationId xmlns:a16="http://schemas.microsoft.com/office/drawing/2014/main" xmlns="" id="{528A72E4-EFBB-78AB-30D3-80EA2AC66623}"/>
-              </a:ext>
-            </a:extLst>
-          </p:cNvPr>
+            <a:endParaRPr lang="en-US" dirty="0"/>
+          </a:p>
+        </p:txBody>
+      </p:sp>
+      <p:sp>
+        <p:nvSpPr>
+          <p:cNvPr id="3" name="Subtitle 2"/>
           <p:cNvSpPr>
             <a:spLocks noGrp="1"/>
           </p:cNvSpPr>
@@ -870,8 +879,8 @@
         </p:nvSpPr>
         <p:spPr>
           <a:xfrm>
-            <a:off x="1524000" y="3602038"/>
-            <a:ext cx="9144000" cy="1655762"/>
+            <a:off x="1143000" y="3602038"/>
+            <a:ext cx="6858000" cy="1655762"/>
           </a:xfrm>
         </p:spPr>
         <p:txBody>
@@ -919,18 +928,13 @@
               <a:rPr lang="ru-RU"/>
               <a:t>Образец подзаголовка</a:t>
             </a:r>
-          </a:p>
-        </p:txBody>
-      </p:sp>
-      <p:sp>
-        <p:nvSpPr>
-          <p:cNvPr id="4" name="Дата 3">
-            <a:extLst>
-              <a:ext uri="{FF2B5EF4-FFF2-40B4-BE49-F238E27FC236}">
-                <a16:creationId xmlns:a16="http://schemas.microsoft.com/office/drawing/2014/main" xmlns="" id="{0B844DFC-5494-EE84-52F7-FC4637A454D0}"/>
-              </a:ext>
-            </a:extLst>
-          </p:cNvPr>
+            <a:endParaRPr lang="en-US" dirty="0"/>
+          </a:p>
+        </p:txBody>
+      </p:sp>
+      <p:sp>
+        <p:nvSpPr>
+          <p:cNvPr id="4" name="Date Placeholder 3"/>
           <p:cNvSpPr>
             <a:spLocks noGrp="1"/>
           </p:cNvSpPr>
@@ -943,9 +947,9 @@
           <a:bodyPr/>
           <a:lstStyle/>
           <a:p>
-            <a:fld id="{E5887495-81A3-4746-A6E7-B9455E82D1E1}" type="datetimeFigureOut">
+            <a:fld id="{E18608DC-7CED-4A0F-9646-6A43D07D7F2F}" type="datetime1">
               <a:rPr lang="ru-RU" smtClean="0"/>
-              <a:t>30.05.2025</a:t>
+              <a:t>31.05.2025</a:t>
             </a:fld>
             <a:endParaRPr lang="ru-RU"/>
           </a:p>
@@ -953,13 +957,7 @@
       </p:sp>
       <p:sp>
         <p:nvSpPr>
-          <p:cNvPr id="5" name="Нижний колонтитул 4">
-            <a:extLst>
-              <a:ext uri="{FF2B5EF4-FFF2-40B4-BE49-F238E27FC236}">
-                <a16:creationId xmlns:a16="http://schemas.microsoft.com/office/drawing/2014/main" xmlns="" id="{FCC37CF7-3EBB-2BB7-7708-9500F84C9F64}"/>
-              </a:ext>
-            </a:extLst>
-          </p:cNvPr>
+          <p:cNvPr id="5" name="Footer Placeholder 4"/>
           <p:cNvSpPr>
             <a:spLocks noGrp="1"/>
           </p:cNvSpPr>
@@ -978,13 +976,7 @@
       </p:sp>
       <p:sp>
         <p:nvSpPr>
-          <p:cNvPr id="6" name="Номер слайда 5">
-            <a:extLst>
-              <a:ext uri="{FF2B5EF4-FFF2-40B4-BE49-F238E27FC236}">
-                <a16:creationId xmlns:a16="http://schemas.microsoft.com/office/drawing/2014/main" xmlns="" id="{0147194F-2106-E99A-69C7-2BAC7AB77327}"/>
-              </a:ext>
-            </a:extLst>
-          </p:cNvPr>
+          <p:cNvPr id="6" name="Slide Number Placeholder 5"/>
           <p:cNvSpPr>
             <a:spLocks noGrp="1"/>
           </p:cNvSpPr>
@@ -1008,7 +1000,7 @@
     </p:spTree>
     <p:extLst>
       <p:ext uri="{BB962C8B-B14F-4D97-AF65-F5344CB8AC3E}">
-        <p14:creationId xmlns:p14="http://schemas.microsoft.com/office/powerpoint/2010/main" val="2095638792"/>
+        <p14:creationId xmlns:p14="http://schemas.microsoft.com/office/powerpoint/2010/main" val="1229462284"/>
       </p:ext>
     </p:extLst>
   </p:cSld>
@@ -1037,13 +1029,7 @@
       </p:grpSpPr>
       <p:sp>
         <p:nvSpPr>
-          <p:cNvPr id="2" name="Заголовок 1">
-            <a:extLst>
-              <a:ext uri="{FF2B5EF4-FFF2-40B4-BE49-F238E27FC236}">
-                <a16:creationId xmlns:a16="http://schemas.microsoft.com/office/drawing/2014/main" xmlns="" id="{74041F28-5F82-5F72-F7FF-EAD099263A94}"/>
-              </a:ext>
-            </a:extLst>
-          </p:cNvPr>
+          <p:cNvPr id="2" name="Title 1"/>
           <p:cNvSpPr>
             <a:spLocks noGrp="1"/>
           </p:cNvSpPr>
@@ -1060,18 +1046,13 @@
               <a:rPr lang="ru-RU"/>
               <a:t>Образец заголовка</a:t>
             </a:r>
-          </a:p>
-        </p:txBody>
-      </p:sp>
-      <p:sp>
-        <p:nvSpPr>
-          <p:cNvPr id="3" name="Вертикальный текст 2">
-            <a:extLst>
-              <a:ext uri="{FF2B5EF4-FFF2-40B4-BE49-F238E27FC236}">
-                <a16:creationId xmlns:a16="http://schemas.microsoft.com/office/drawing/2014/main" xmlns="" id="{DD047374-A1FA-A5D6-D32D-A6E6D904C6FD}"/>
-              </a:ext>
-            </a:extLst>
-          </p:cNvPr>
+            <a:endParaRPr lang="en-US" dirty="0"/>
+          </a:p>
+        </p:txBody>
+      </p:sp>
+      <p:sp>
+        <p:nvSpPr>
+          <p:cNvPr id="3" name="Vertical Text Placeholder 2"/>
           <p:cNvSpPr>
             <a:spLocks noGrp="1"/>
           </p:cNvSpPr>
@@ -1117,18 +1098,13 @@
               <a:rPr lang="ru-RU"/>
               <a:t>Пятый уровень</a:t>
             </a:r>
-          </a:p>
-        </p:txBody>
-      </p:sp>
-      <p:sp>
-        <p:nvSpPr>
-          <p:cNvPr id="4" name="Дата 3">
-            <a:extLst>
-              <a:ext uri="{FF2B5EF4-FFF2-40B4-BE49-F238E27FC236}">
-                <a16:creationId xmlns:a16="http://schemas.microsoft.com/office/drawing/2014/main" xmlns="" id="{3CDAB1B6-89BC-716D-5455-CF8AC5A4E37C}"/>
-              </a:ext>
-            </a:extLst>
-          </p:cNvPr>
+            <a:endParaRPr lang="en-US" dirty="0"/>
+          </a:p>
+        </p:txBody>
+      </p:sp>
+      <p:sp>
+        <p:nvSpPr>
+          <p:cNvPr id="4" name="Date Placeholder 3"/>
           <p:cNvSpPr>
             <a:spLocks noGrp="1"/>
           </p:cNvSpPr>
@@ -1141,9 +1117,9 @@
           <a:bodyPr/>
           <a:lstStyle/>
           <a:p>
-            <a:fld id="{E5887495-81A3-4746-A6E7-B9455E82D1E1}" type="datetimeFigureOut">
+            <a:fld id="{48F3F006-7F75-4DF0-9DAE-7DF45EB51706}" type="datetime1">
               <a:rPr lang="ru-RU" smtClean="0"/>
-              <a:t>30.05.2025</a:t>
+              <a:t>31.05.2025</a:t>
             </a:fld>
             <a:endParaRPr lang="ru-RU"/>
           </a:p>
@@ -1151,13 +1127,7 @@
       </p:sp>
       <p:sp>
         <p:nvSpPr>
-          <p:cNvPr id="5" name="Нижний колонтитул 4">
-            <a:extLst>
-              <a:ext uri="{FF2B5EF4-FFF2-40B4-BE49-F238E27FC236}">
-                <a16:creationId xmlns:a16="http://schemas.microsoft.com/office/drawing/2014/main" xmlns="" id="{85CFBC46-EE3C-B678-2FFD-53A0DE0605B4}"/>
-              </a:ext>
-            </a:extLst>
-          </p:cNvPr>
+          <p:cNvPr id="5" name="Footer Placeholder 4"/>
           <p:cNvSpPr>
             <a:spLocks noGrp="1"/>
           </p:cNvSpPr>
@@ -1176,13 +1146,7 @@
       </p:sp>
       <p:sp>
         <p:nvSpPr>
-          <p:cNvPr id="6" name="Номер слайда 5">
-            <a:extLst>
-              <a:ext uri="{FF2B5EF4-FFF2-40B4-BE49-F238E27FC236}">
-                <a16:creationId xmlns:a16="http://schemas.microsoft.com/office/drawing/2014/main" xmlns="" id="{15FB9D26-6921-D3BC-05C2-9C6972C924C8}"/>
-              </a:ext>
-            </a:extLst>
-          </p:cNvPr>
+          <p:cNvPr id="6" name="Slide Number Placeholder 5"/>
           <p:cNvSpPr>
             <a:spLocks noGrp="1"/>
           </p:cNvSpPr>
@@ -1206,7 +1170,7 @@
     </p:spTree>
     <p:extLst>
       <p:ext uri="{BB962C8B-B14F-4D97-AF65-F5344CB8AC3E}">
-        <p14:creationId xmlns:p14="http://schemas.microsoft.com/office/powerpoint/2010/main" val="3577427563"/>
+        <p14:creationId xmlns:p14="http://schemas.microsoft.com/office/powerpoint/2010/main" val="20798696"/>
       </p:ext>
     </p:extLst>
   </p:cSld>
@@ -1235,13 +1199,7 @@
       </p:grpSpPr>
       <p:sp>
         <p:nvSpPr>
-          <p:cNvPr id="2" name="Вертикальный заголовок 1">
-            <a:extLst>
-              <a:ext uri="{FF2B5EF4-FFF2-40B4-BE49-F238E27FC236}">
-                <a16:creationId xmlns:a16="http://schemas.microsoft.com/office/drawing/2014/main" xmlns="" id="{3F53FD63-1433-6973-8B12-2088926270B9}"/>
-              </a:ext>
-            </a:extLst>
-          </p:cNvPr>
+          <p:cNvPr id="2" name="Vertical Title 1"/>
           <p:cNvSpPr>
             <a:spLocks noGrp="1"/>
           </p:cNvSpPr>
@@ -1251,8 +1209,8 @@
         </p:nvSpPr>
         <p:spPr>
           <a:xfrm>
-            <a:off x="8724900" y="365125"/>
-            <a:ext cx="2628900" cy="5811838"/>
+            <a:off x="6543675" y="365125"/>
+            <a:ext cx="1971675" cy="5811838"/>
           </a:xfrm>
         </p:spPr>
         <p:txBody>
@@ -1263,18 +1221,13 @@
               <a:rPr lang="ru-RU"/>
               <a:t>Образец заголовка</a:t>
             </a:r>
-          </a:p>
-        </p:txBody>
-      </p:sp>
-      <p:sp>
-        <p:nvSpPr>
-          <p:cNvPr id="3" name="Вертикальный текст 2">
-            <a:extLst>
-              <a:ext uri="{FF2B5EF4-FFF2-40B4-BE49-F238E27FC236}">
-                <a16:creationId xmlns:a16="http://schemas.microsoft.com/office/drawing/2014/main" xmlns="" id="{B6674ADD-741C-A36B-65E5-FBBF76259050}"/>
-              </a:ext>
-            </a:extLst>
-          </p:cNvPr>
+            <a:endParaRPr lang="en-US" dirty="0"/>
+          </a:p>
+        </p:txBody>
+      </p:sp>
+      <p:sp>
+        <p:nvSpPr>
+          <p:cNvPr id="3" name="Vertical Text Placeholder 2"/>
           <p:cNvSpPr>
             <a:spLocks noGrp="1"/>
           </p:cNvSpPr>
@@ -1284,8 +1237,8 @@
         </p:nvSpPr>
         <p:spPr>
           <a:xfrm>
-            <a:off x="838200" y="365125"/>
-            <a:ext cx="7734300" cy="5811838"/>
+            <a:off x="628650" y="365125"/>
+            <a:ext cx="5800725" cy="5811838"/>
           </a:xfrm>
         </p:spPr>
         <p:txBody>
@@ -1325,18 +1278,13 @@
               <a:rPr lang="ru-RU"/>
               <a:t>Пятый уровень</a:t>
             </a:r>
-          </a:p>
-        </p:txBody>
-      </p:sp>
-      <p:sp>
-        <p:nvSpPr>
-          <p:cNvPr id="4" name="Дата 3">
-            <a:extLst>
-              <a:ext uri="{FF2B5EF4-FFF2-40B4-BE49-F238E27FC236}">
-                <a16:creationId xmlns:a16="http://schemas.microsoft.com/office/drawing/2014/main" xmlns="" id="{D6114EDE-7DB4-D83F-DC78-D96CE7DE77A1}"/>
-              </a:ext>
-            </a:extLst>
-          </p:cNvPr>
+            <a:endParaRPr lang="en-US" dirty="0"/>
+          </a:p>
+        </p:txBody>
+      </p:sp>
+      <p:sp>
+        <p:nvSpPr>
+          <p:cNvPr id="4" name="Date Placeholder 3"/>
           <p:cNvSpPr>
             <a:spLocks noGrp="1"/>
           </p:cNvSpPr>
@@ -1349,9 +1297,9 @@
           <a:bodyPr/>
           <a:lstStyle/>
           <a:p>
-            <a:fld id="{E5887495-81A3-4746-A6E7-B9455E82D1E1}" type="datetimeFigureOut">
+            <a:fld id="{93FECCE7-5DDB-4474-B4C2-A5A9C91D00C2}" type="datetime1">
               <a:rPr lang="ru-RU" smtClean="0"/>
-              <a:t>30.05.2025</a:t>
+              <a:t>31.05.2025</a:t>
             </a:fld>
             <a:endParaRPr lang="ru-RU"/>
           </a:p>
@@ -1359,13 +1307,7 @@
       </p:sp>
       <p:sp>
         <p:nvSpPr>
-          <p:cNvPr id="5" name="Нижний колонтитул 4">
-            <a:extLst>
-              <a:ext uri="{FF2B5EF4-FFF2-40B4-BE49-F238E27FC236}">
-                <a16:creationId xmlns:a16="http://schemas.microsoft.com/office/drawing/2014/main" xmlns="" id="{881580ED-678D-E65B-B62F-4453B6F8B970}"/>
-              </a:ext>
-            </a:extLst>
-          </p:cNvPr>
+          <p:cNvPr id="5" name="Footer Placeholder 4"/>
           <p:cNvSpPr>
             <a:spLocks noGrp="1"/>
           </p:cNvSpPr>
@@ -1384,13 +1326,7 @@
       </p:sp>
       <p:sp>
         <p:nvSpPr>
-          <p:cNvPr id="6" name="Номер слайда 5">
-            <a:extLst>
-              <a:ext uri="{FF2B5EF4-FFF2-40B4-BE49-F238E27FC236}">
-                <a16:creationId xmlns:a16="http://schemas.microsoft.com/office/drawing/2014/main" xmlns="" id="{C2A93AAB-99D7-421D-A529-B6455533C211}"/>
-              </a:ext>
-            </a:extLst>
-          </p:cNvPr>
+          <p:cNvPr id="6" name="Slide Number Placeholder 5"/>
           <p:cNvSpPr>
             <a:spLocks noGrp="1"/>
           </p:cNvSpPr>
@@ -1414,7 +1350,7 @@
     </p:spTree>
     <p:extLst>
       <p:ext uri="{BB962C8B-B14F-4D97-AF65-F5344CB8AC3E}">
-        <p14:creationId xmlns:p14="http://schemas.microsoft.com/office/powerpoint/2010/main" val="1922326556"/>
+        <p14:creationId xmlns:p14="http://schemas.microsoft.com/office/powerpoint/2010/main" val="2510929492"/>
       </p:ext>
     </p:extLst>
   </p:cSld>
@@ -1443,13 +1379,7 @@
       </p:grpSpPr>
       <p:sp>
         <p:nvSpPr>
-          <p:cNvPr id="2" name="Заголовок 1">
-            <a:extLst>
-              <a:ext uri="{FF2B5EF4-FFF2-40B4-BE49-F238E27FC236}">
-                <a16:creationId xmlns:a16="http://schemas.microsoft.com/office/drawing/2014/main" xmlns="" id="{64417FBE-5F2F-B1E9-9B0C-802F61D3C284}"/>
-              </a:ext>
-            </a:extLst>
-          </p:cNvPr>
+          <p:cNvPr id="2" name="Title 1"/>
           <p:cNvSpPr>
             <a:spLocks noGrp="1"/>
           </p:cNvSpPr>
@@ -1466,18 +1396,13 @@
               <a:rPr lang="ru-RU"/>
               <a:t>Образец заголовка</a:t>
             </a:r>
-          </a:p>
-        </p:txBody>
-      </p:sp>
-      <p:sp>
-        <p:nvSpPr>
-          <p:cNvPr id="3" name="Объект 2">
-            <a:extLst>
-              <a:ext uri="{FF2B5EF4-FFF2-40B4-BE49-F238E27FC236}">
-                <a16:creationId xmlns:a16="http://schemas.microsoft.com/office/drawing/2014/main" xmlns="" id="{CCEA0042-AA60-BBAE-747F-F9EE2557CB47}"/>
-              </a:ext>
-            </a:extLst>
-          </p:cNvPr>
+            <a:endParaRPr lang="en-US" dirty="0"/>
+          </a:p>
+        </p:txBody>
+      </p:sp>
+      <p:sp>
+        <p:nvSpPr>
+          <p:cNvPr id="3" name="Content Placeholder 2"/>
           <p:cNvSpPr>
             <a:spLocks noGrp="1"/>
           </p:cNvSpPr>
@@ -1523,18 +1448,13 @@
               <a:rPr lang="ru-RU"/>
               <a:t>Пятый уровень</a:t>
             </a:r>
-          </a:p>
-        </p:txBody>
-      </p:sp>
-      <p:sp>
-        <p:nvSpPr>
-          <p:cNvPr id="4" name="Дата 3">
-            <a:extLst>
-              <a:ext uri="{FF2B5EF4-FFF2-40B4-BE49-F238E27FC236}">
-                <a16:creationId xmlns:a16="http://schemas.microsoft.com/office/drawing/2014/main" xmlns="" id="{C40CBF57-C88E-9763-8381-7A6C7679D5AC}"/>
-              </a:ext>
-            </a:extLst>
-          </p:cNvPr>
+            <a:endParaRPr lang="en-US" dirty="0"/>
+          </a:p>
+        </p:txBody>
+      </p:sp>
+      <p:sp>
+        <p:nvSpPr>
+          <p:cNvPr id="4" name="Date Placeholder 3"/>
           <p:cNvSpPr>
             <a:spLocks noGrp="1"/>
           </p:cNvSpPr>
@@ -1547,9 +1467,9 @@
           <a:bodyPr/>
           <a:lstStyle/>
           <a:p>
-            <a:fld id="{E5887495-81A3-4746-A6E7-B9455E82D1E1}" type="datetimeFigureOut">
+            <a:fld id="{49F1E3A9-1D0A-4BFC-85DF-791A73935979}" type="datetime1">
               <a:rPr lang="ru-RU" smtClean="0"/>
-              <a:t>30.05.2025</a:t>
+              <a:t>31.05.2025</a:t>
             </a:fld>
             <a:endParaRPr lang="ru-RU"/>
           </a:p>
@@ -1557,13 +1477,7 @@
       </p:sp>
       <p:sp>
         <p:nvSpPr>
-          <p:cNvPr id="5" name="Нижний колонтитул 4">
-            <a:extLst>
-              <a:ext uri="{FF2B5EF4-FFF2-40B4-BE49-F238E27FC236}">
-                <a16:creationId xmlns:a16="http://schemas.microsoft.com/office/drawing/2014/main" xmlns="" id="{77C45E24-0262-5FE1-4EB1-03EC33AF5A77}"/>
-              </a:ext>
-            </a:extLst>
-          </p:cNvPr>
+          <p:cNvPr id="5" name="Footer Placeholder 4"/>
           <p:cNvSpPr>
             <a:spLocks noGrp="1"/>
           </p:cNvSpPr>
@@ -1582,13 +1496,7 @@
       </p:sp>
       <p:sp>
         <p:nvSpPr>
-          <p:cNvPr id="6" name="Номер слайда 5">
-            <a:extLst>
-              <a:ext uri="{FF2B5EF4-FFF2-40B4-BE49-F238E27FC236}">
-                <a16:creationId xmlns:a16="http://schemas.microsoft.com/office/drawing/2014/main" xmlns="" id="{6C62247C-FCCF-E0B1-FFCA-AD7C2AE14595}"/>
-              </a:ext>
-            </a:extLst>
-          </p:cNvPr>
+          <p:cNvPr id="6" name="Slide Number Placeholder 5"/>
           <p:cNvSpPr>
             <a:spLocks noGrp="1"/>
           </p:cNvSpPr>
@@ -1612,7 +1520,7 @@
     </p:spTree>
     <p:extLst>
       <p:ext uri="{BB962C8B-B14F-4D97-AF65-F5344CB8AC3E}">
-        <p14:creationId xmlns:p14="http://schemas.microsoft.com/office/powerpoint/2010/main" val="1642637262"/>
+        <p14:creationId xmlns:p14="http://schemas.microsoft.com/office/powerpoint/2010/main" val="2007021589"/>
       </p:ext>
     </p:extLst>
   </p:cSld>
@@ -1641,13 +1549,7 @@
       </p:grpSpPr>
       <p:sp>
         <p:nvSpPr>
-          <p:cNvPr id="2" name="Заголовок 1">
-            <a:extLst>
-              <a:ext uri="{FF2B5EF4-FFF2-40B4-BE49-F238E27FC236}">
-                <a16:creationId xmlns:a16="http://schemas.microsoft.com/office/drawing/2014/main" xmlns="" id="{401EF223-3014-8F3E-07F3-8CE5BFCD8189}"/>
-              </a:ext>
-            </a:extLst>
-          </p:cNvPr>
+          <p:cNvPr id="2" name="Title 1"/>
           <p:cNvSpPr>
             <a:spLocks noGrp="1"/>
           </p:cNvSpPr>
@@ -1657,8 +1559,8 @@
         </p:nvSpPr>
         <p:spPr>
           <a:xfrm>
-            <a:off x="831850" y="1709738"/>
-            <a:ext cx="10515600" cy="2852737"/>
+            <a:off x="623888" y="1709739"/>
+            <a:ext cx="7886700" cy="2852737"/>
           </a:xfrm>
         </p:spPr>
         <p:txBody>
@@ -1673,18 +1575,13 @@
               <a:rPr lang="ru-RU"/>
               <a:t>Образец заголовка</a:t>
             </a:r>
-          </a:p>
-        </p:txBody>
-      </p:sp>
-      <p:sp>
-        <p:nvSpPr>
-          <p:cNvPr id="3" name="Текст 2">
-            <a:extLst>
-              <a:ext uri="{FF2B5EF4-FFF2-40B4-BE49-F238E27FC236}">
-                <a16:creationId xmlns:a16="http://schemas.microsoft.com/office/drawing/2014/main" xmlns="" id="{BCBA6A95-E07C-F112-9780-A919B6F051A7}"/>
-              </a:ext>
-            </a:extLst>
-          </p:cNvPr>
+            <a:endParaRPr lang="en-US" dirty="0"/>
+          </a:p>
+        </p:txBody>
+      </p:sp>
+      <p:sp>
+        <p:nvSpPr>
+          <p:cNvPr id="3" name="Text Placeholder 2"/>
           <p:cNvSpPr>
             <a:spLocks noGrp="1"/>
           </p:cNvSpPr>
@@ -1694,8 +1591,8 @@
         </p:nvSpPr>
         <p:spPr>
           <a:xfrm>
-            <a:off x="831850" y="4589463"/>
-            <a:ext cx="10515600" cy="1500187"/>
+            <a:off x="623888" y="4589464"/>
+            <a:ext cx="7886700" cy="1500187"/>
           </a:xfrm>
         </p:spPr>
         <p:txBody>
@@ -1705,9 +1602,7 @@
               <a:buNone/>
               <a:defRPr sz="2400">
                 <a:solidFill>
-                  <a:schemeClr val="tx1">
-                    <a:tint val="75000"/>
-                  </a:schemeClr>
+                  <a:schemeClr val="tx1"/>
                 </a:solidFill>
               </a:defRPr>
             </a:lvl1pPr>
@@ -1803,13 +1698,7 @@
       </p:sp>
       <p:sp>
         <p:nvSpPr>
-          <p:cNvPr id="4" name="Дата 3">
-            <a:extLst>
-              <a:ext uri="{FF2B5EF4-FFF2-40B4-BE49-F238E27FC236}">
-                <a16:creationId xmlns:a16="http://schemas.microsoft.com/office/drawing/2014/main" xmlns="" id="{6D89B23E-557F-331F-CF6C-8A0608FFA915}"/>
-              </a:ext>
-            </a:extLst>
-          </p:cNvPr>
+          <p:cNvPr id="4" name="Date Placeholder 3"/>
           <p:cNvSpPr>
             <a:spLocks noGrp="1"/>
           </p:cNvSpPr>
@@ -1822,9 +1711,9 @@
           <a:bodyPr/>
           <a:lstStyle/>
           <a:p>
-            <a:fld id="{E5887495-81A3-4746-A6E7-B9455E82D1E1}" type="datetimeFigureOut">
+            <a:fld id="{439FFCF8-4D91-4529-9EC5-A229852B98A6}" type="datetime1">
               <a:rPr lang="ru-RU" smtClean="0"/>
-              <a:t>30.05.2025</a:t>
+              <a:t>31.05.2025</a:t>
             </a:fld>
             <a:endParaRPr lang="ru-RU"/>
           </a:p>
@@ -1832,13 +1721,7 @@
       </p:sp>
       <p:sp>
         <p:nvSpPr>
-          <p:cNvPr id="5" name="Нижний колонтитул 4">
-            <a:extLst>
-              <a:ext uri="{FF2B5EF4-FFF2-40B4-BE49-F238E27FC236}">
-                <a16:creationId xmlns:a16="http://schemas.microsoft.com/office/drawing/2014/main" xmlns="" id="{8F296058-8157-4AB9-99AF-98A9DBB7418E}"/>
-              </a:ext>
-            </a:extLst>
-          </p:cNvPr>
+          <p:cNvPr id="5" name="Footer Placeholder 4"/>
           <p:cNvSpPr>
             <a:spLocks noGrp="1"/>
           </p:cNvSpPr>
@@ -1857,13 +1740,7 @@
       </p:sp>
       <p:sp>
         <p:nvSpPr>
-          <p:cNvPr id="6" name="Номер слайда 5">
-            <a:extLst>
-              <a:ext uri="{FF2B5EF4-FFF2-40B4-BE49-F238E27FC236}">
-                <a16:creationId xmlns:a16="http://schemas.microsoft.com/office/drawing/2014/main" xmlns="" id="{9E97D4EB-0400-E1E5-9231-46BE88274948}"/>
-              </a:ext>
-            </a:extLst>
-          </p:cNvPr>
+          <p:cNvPr id="6" name="Slide Number Placeholder 5"/>
           <p:cNvSpPr>
             <a:spLocks noGrp="1"/>
           </p:cNvSpPr>
@@ -1887,7 +1764,7 @@
     </p:spTree>
     <p:extLst>
       <p:ext uri="{BB962C8B-B14F-4D97-AF65-F5344CB8AC3E}">
-        <p14:creationId xmlns:p14="http://schemas.microsoft.com/office/powerpoint/2010/main" val="1337659456"/>
+        <p14:creationId xmlns:p14="http://schemas.microsoft.com/office/powerpoint/2010/main" val="2212897553"/>
       </p:ext>
     </p:extLst>
   </p:cSld>
@@ -1916,13 +1793,7 @@
       </p:grpSpPr>
       <p:sp>
         <p:nvSpPr>
-          <p:cNvPr id="2" name="Заголовок 1">
-            <a:extLst>
-              <a:ext uri="{FF2B5EF4-FFF2-40B4-BE49-F238E27FC236}">
-                <a16:creationId xmlns:a16="http://schemas.microsoft.com/office/drawing/2014/main" xmlns="" id="{962AC337-236B-B776-3590-E6D27C38A48D}"/>
-              </a:ext>
-            </a:extLst>
-          </p:cNvPr>
+          <p:cNvPr id="2" name="Title 1"/>
           <p:cNvSpPr>
             <a:spLocks noGrp="1"/>
           </p:cNvSpPr>
@@ -1939,18 +1810,13 @@
               <a:rPr lang="ru-RU"/>
               <a:t>Образец заголовка</a:t>
             </a:r>
-          </a:p>
-        </p:txBody>
-      </p:sp>
-      <p:sp>
-        <p:nvSpPr>
-          <p:cNvPr id="3" name="Объект 2">
-            <a:extLst>
-              <a:ext uri="{FF2B5EF4-FFF2-40B4-BE49-F238E27FC236}">
-                <a16:creationId xmlns:a16="http://schemas.microsoft.com/office/drawing/2014/main" xmlns="" id="{28BA209D-6386-2C41-17BF-BA568927A81F}"/>
-              </a:ext>
-            </a:extLst>
-          </p:cNvPr>
+            <a:endParaRPr lang="en-US" dirty="0"/>
+          </a:p>
+        </p:txBody>
+      </p:sp>
+      <p:sp>
+        <p:nvSpPr>
+          <p:cNvPr id="3" name="Content Placeholder 2"/>
           <p:cNvSpPr>
             <a:spLocks noGrp="1"/>
           </p:cNvSpPr>
@@ -1960,8 +1826,8 @@
         </p:nvSpPr>
         <p:spPr>
           <a:xfrm>
-            <a:off x="838200" y="1825625"/>
-            <a:ext cx="5181600" cy="4351338"/>
+            <a:off x="628650" y="1825625"/>
+            <a:ext cx="3886200" cy="4351338"/>
           </a:xfrm>
         </p:spPr>
         <p:txBody>
@@ -2001,18 +1867,13 @@
               <a:rPr lang="ru-RU"/>
               <a:t>Пятый уровень</a:t>
             </a:r>
-          </a:p>
-        </p:txBody>
-      </p:sp>
-      <p:sp>
-        <p:nvSpPr>
-          <p:cNvPr id="4" name="Объект 3">
-            <a:extLst>
-              <a:ext uri="{FF2B5EF4-FFF2-40B4-BE49-F238E27FC236}">
-                <a16:creationId xmlns:a16="http://schemas.microsoft.com/office/drawing/2014/main" xmlns="" id="{C5BD3931-DA89-BFDB-2E46-6F970AFFE14E}"/>
-              </a:ext>
-            </a:extLst>
-          </p:cNvPr>
+            <a:endParaRPr lang="en-US" dirty="0"/>
+          </a:p>
+        </p:txBody>
+      </p:sp>
+      <p:sp>
+        <p:nvSpPr>
+          <p:cNvPr id="4" name="Content Placeholder 3"/>
           <p:cNvSpPr>
             <a:spLocks noGrp="1"/>
           </p:cNvSpPr>
@@ -2022,8 +1883,8 @@
         </p:nvSpPr>
         <p:spPr>
           <a:xfrm>
-            <a:off x="6172200" y="1825625"/>
-            <a:ext cx="5181600" cy="4351338"/>
+            <a:off x="4629150" y="1825625"/>
+            <a:ext cx="3886200" cy="4351338"/>
           </a:xfrm>
         </p:spPr>
         <p:txBody>
@@ -2063,18 +1924,13 @@
               <a:rPr lang="ru-RU"/>
               <a:t>Пятый уровень</a:t>
             </a:r>
-          </a:p>
-        </p:txBody>
-      </p:sp>
-      <p:sp>
-        <p:nvSpPr>
-          <p:cNvPr id="5" name="Дата 4">
-            <a:extLst>
-              <a:ext uri="{FF2B5EF4-FFF2-40B4-BE49-F238E27FC236}">
-                <a16:creationId xmlns:a16="http://schemas.microsoft.com/office/drawing/2014/main" xmlns="" id="{7E9568E2-C2BC-877B-EACE-F49B0D11DFF6}"/>
-              </a:ext>
-            </a:extLst>
-          </p:cNvPr>
+            <a:endParaRPr lang="en-US" dirty="0"/>
+          </a:p>
+        </p:txBody>
+      </p:sp>
+      <p:sp>
+        <p:nvSpPr>
+          <p:cNvPr id="5" name="Date Placeholder 4"/>
           <p:cNvSpPr>
             <a:spLocks noGrp="1"/>
           </p:cNvSpPr>
@@ -2087,9 +1943,9 @@
           <a:bodyPr/>
           <a:lstStyle/>
           <a:p>
-            <a:fld id="{E5887495-81A3-4746-A6E7-B9455E82D1E1}" type="datetimeFigureOut">
+            <a:fld id="{DD8B560E-376B-46E7-B02E-2B138E38ED80}" type="datetime1">
               <a:rPr lang="ru-RU" smtClean="0"/>
-              <a:t>30.05.2025</a:t>
+              <a:t>31.05.2025</a:t>
             </a:fld>
             <a:endParaRPr lang="ru-RU"/>
           </a:p>
@@ -2097,13 +1953,7 @@
       </p:sp>
       <p:sp>
         <p:nvSpPr>
-          <p:cNvPr id="6" name="Нижний колонтитул 5">
-            <a:extLst>
-              <a:ext uri="{FF2B5EF4-FFF2-40B4-BE49-F238E27FC236}">
-                <a16:creationId xmlns:a16="http://schemas.microsoft.com/office/drawing/2014/main" xmlns="" id="{4AEDBC47-2D79-5FFF-FE50-EB614F011F03}"/>
-              </a:ext>
-            </a:extLst>
-          </p:cNvPr>
+          <p:cNvPr id="6" name="Footer Placeholder 5"/>
           <p:cNvSpPr>
             <a:spLocks noGrp="1"/>
           </p:cNvSpPr>
@@ -2122,13 +1972,7 @@
       </p:sp>
       <p:sp>
         <p:nvSpPr>
-          <p:cNvPr id="7" name="Номер слайда 6">
-            <a:extLst>
-              <a:ext uri="{FF2B5EF4-FFF2-40B4-BE49-F238E27FC236}">
-                <a16:creationId xmlns:a16="http://schemas.microsoft.com/office/drawing/2014/main" xmlns="" id="{2C9A545F-1459-B603-CAAC-585CFAF1799E}"/>
-              </a:ext>
-            </a:extLst>
-          </p:cNvPr>
+          <p:cNvPr id="7" name="Slide Number Placeholder 6"/>
           <p:cNvSpPr>
             <a:spLocks noGrp="1"/>
           </p:cNvSpPr>
@@ -2152,7 +1996,7 @@
     </p:spTree>
     <p:extLst>
       <p:ext uri="{BB962C8B-B14F-4D97-AF65-F5344CB8AC3E}">
-        <p14:creationId xmlns:p14="http://schemas.microsoft.com/office/powerpoint/2010/main" val="2243361331"/>
+        <p14:creationId xmlns:p14="http://schemas.microsoft.com/office/powerpoint/2010/main" val="1232180262"/>
       </p:ext>
     </p:extLst>
   </p:cSld>
@@ -2181,13 +2025,7 @@
       </p:grpSpPr>
       <p:sp>
         <p:nvSpPr>
-          <p:cNvPr id="2" name="Заголовок 1">
-            <a:extLst>
-              <a:ext uri="{FF2B5EF4-FFF2-40B4-BE49-F238E27FC236}">
-                <a16:creationId xmlns:a16="http://schemas.microsoft.com/office/drawing/2014/main" xmlns="" id="{6A8C9F2C-0C2D-25A8-B450-CE87B0A3E264}"/>
-              </a:ext>
-            </a:extLst>
-          </p:cNvPr>
+          <p:cNvPr id="2" name="Title 1"/>
           <p:cNvSpPr>
             <a:spLocks noGrp="1"/>
           </p:cNvSpPr>
@@ -2197,8 +2035,8 @@
         </p:nvSpPr>
         <p:spPr>
           <a:xfrm>
-            <a:off x="839788" y="365125"/>
-            <a:ext cx="10515600" cy="1325563"/>
+            <a:off x="629841" y="365126"/>
+            <a:ext cx="7886700" cy="1325563"/>
           </a:xfrm>
         </p:spPr>
         <p:txBody>
@@ -2209,18 +2047,13 @@
               <a:rPr lang="ru-RU"/>
               <a:t>Образец заголовка</a:t>
             </a:r>
-          </a:p>
-        </p:txBody>
-      </p:sp>
-      <p:sp>
-        <p:nvSpPr>
-          <p:cNvPr id="3" name="Текст 2">
-            <a:extLst>
-              <a:ext uri="{FF2B5EF4-FFF2-40B4-BE49-F238E27FC236}">
-                <a16:creationId xmlns:a16="http://schemas.microsoft.com/office/drawing/2014/main" xmlns="" id="{4D60155A-5545-8101-1B96-81F2E39DCF94}"/>
-              </a:ext>
-            </a:extLst>
-          </p:cNvPr>
+            <a:endParaRPr lang="en-US" dirty="0"/>
+          </a:p>
+        </p:txBody>
+      </p:sp>
+      <p:sp>
+        <p:nvSpPr>
+          <p:cNvPr id="3" name="Text Placeholder 2"/>
           <p:cNvSpPr>
             <a:spLocks noGrp="1"/>
           </p:cNvSpPr>
@@ -2230,8 +2063,8 @@
         </p:nvSpPr>
         <p:spPr>
           <a:xfrm>
-            <a:off x="839788" y="1681163"/>
-            <a:ext cx="5157787" cy="823912"/>
+            <a:off x="629842" y="1681163"/>
+            <a:ext cx="3868340" cy="823912"/>
           </a:xfrm>
         </p:spPr>
         <p:txBody>
@@ -2285,13 +2118,7 @@
       </p:sp>
       <p:sp>
         <p:nvSpPr>
-          <p:cNvPr id="4" name="Объект 3">
-            <a:extLst>
-              <a:ext uri="{FF2B5EF4-FFF2-40B4-BE49-F238E27FC236}">
-                <a16:creationId xmlns:a16="http://schemas.microsoft.com/office/drawing/2014/main" xmlns="" id="{26344996-FFFC-E7E8-6AF9-BC920756130D}"/>
-              </a:ext>
-            </a:extLst>
-          </p:cNvPr>
+          <p:cNvPr id="4" name="Content Placeholder 3"/>
           <p:cNvSpPr>
             <a:spLocks noGrp="1"/>
           </p:cNvSpPr>
@@ -2301,8 +2128,8 @@
         </p:nvSpPr>
         <p:spPr>
           <a:xfrm>
-            <a:off x="839788" y="2505075"/>
-            <a:ext cx="5157787" cy="3684588"/>
+            <a:off x="629842" y="2505075"/>
+            <a:ext cx="3868340" cy="3684588"/>
           </a:xfrm>
         </p:spPr>
         <p:txBody>
@@ -2342,18 +2169,13 @@
               <a:rPr lang="ru-RU"/>
               <a:t>Пятый уровень</a:t>
             </a:r>
-          </a:p>
-        </p:txBody>
-      </p:sp>
-      <p:sp>
-        <p:nvSpPr>
-          <p:cNvPr id="5" name="Текст 4">
-            <a:extLst>
-              <a:ext uri="{FF2B5EF4-FFF2-40B4-BE49-F238E27FC236}">
-                <a16:creationId xmlns:a16="http://schemas.microsoft.com/office/drawing/2014/main" xmlns="" id="{421FF5F5-5021-6661-AB84-091ABE286337}"/>
-              </a:ext>
-            </a:extLst>
-          </p:cNvPr>
+            <a:endParaRPr lang="en-US" dirty="0"/>
+          </a:p>
+        </p:txBody>
+      </p:sp>
+      <p:sp>
+        <p:nvSpPr>
+          <p:cNvPr id="5" name="Text Placeholder 4"/>
           <p:cNvSpPr>
             <a:spLocks noGrp="1"/>
           </p:cNvSpPr>
@@ -2363,8 +2185,8 @@
         </p:nvSpPr>
         <p:spPr>
           <a:xfrm>
-            <a:off x="6172200" y="1681163"/>
-            <a:ext cx="5183188" cy="823912"/>
+            <a:off x="4629150" y="1681163"/>
+            <a:ext cx="3887391" cy="823912"/>
           </a:xfrm>
         </p:spPr>
         <p:txBody>
@@ -2418,13 +2240,7 @@
       </p:sp>
       <p:sp>
         <p:nvSpPr>
-          <p:cNvPr id="6" name="Объект 5">
-            <a:extLst>
-              <a:ext uri="{FF2B5EF4-FFF2-40B4-BE49-F238E27FC236}">
-                <a16:creationId xmlns:a16="http://schemas.microsoft.com/office/drawing/2014/main" xmlns="" id="{B0DF5818-B48C-C658-47B4-8A9B2445E6FE}"/>
-              </a:ext>
-            </a:extLst>
-          </p:cNvPr>
+          <p:cNvPr id="6" name="Content Placeholder 5"/>
           <p:cNvSpPr>
             <a:spLocks noGrp="1"/>
           </p:cNvSpPr>
@@ -2434,8 +2250,8 @@
         </p:nvSpPr>
         <p:spPr>
           <a:xfrm>
-            <a:off x="6172200" y="2505075"/>
-            <a:ext cx="5183188" cy="3684588"/>
+            <a:off x="4629150" y="2505075"/>
+            <a:ext cx="3887391" cy="3684588"/>
           </a:xfrm>
         </p:spPr>
         <p:txBody>
@@ -2475,18 +2291,13 @@
               <a:rPr lang="ru-RU"/>
               <a:t>Пятый уровень</a:t>
             </a:r>
-          </a:p>
-        </p:txBody>
-      </p:sp>
-      <p:sp>
-        <p:nvSpPr>
-          <p:cNvPr id="7" name="Дата 6">
-            <a:extLst>
-              <a:ext uri="{FF2B5EF4-FFF2-40B4-BE49-F238E27FC236}">
-                <a16:creationId xmlns:a16="http://schemas.microsoft.com/office/drawing/2014/main" xmlns="" id="{369365BC-5B66-B07E-E812-94D976C6E802}"/>
-              </a:ext>
-            </a:extLst>
-          </p:cNvPr>
+            <a:endParaRPr lang="en-US" dirty="0"/>
+          </a:p>
+        </p:txBody>
+      </p:sp>
+      <p:sp>
+        <p:nvSpPr>
+          <p:cNvPr id="7" name="Date Placeholder 6"/>
           <p:cNvSpPr>
             <a:spLocks noGrp="1"/>
           </p:cNvSpPr>
@@ -2499,9 +2310,9 @@
           <a:bodyPr/>
           <a:lstStyle/>
           <a:p>
-            <a:fld id="{E5887495-81A3-4746-A6E7-B9455E82D1E1}" type="datetimeFigureOut">
+            <a:fld id="{C3B3E27A-8606-4C55-9B9B-E14BA0E8BAE7}" type="datetime1">
               <a:rPr lang="ru-RU" smtClean="0"/>
-              <a:t>30.05.2025</a:t>
+              <a:t>31.05.2025</a:t>
             </a:fld>
             <a:endParaRPr lang="ru-RU"/>
           </a:p>
@@ -2509,13 +2320,7 @@
       </p:sp>
       <p:sp>
         <p:nvSpPr>
-          <p:cNvPr id="8" name="Нижний колонтитул 7">
-            <a:extLst>
-              <a:ext uri="{FF2B5EF4-FFF2-40B4-BE49-F238E27FC236}">
-                <a16:creationId xmlns:a16="http://schemas.microsoft.com/office/drawing/2014/main" xmlns="" id="{C74DA26D-930C-A908-6F10-EB1DD1672D25}"/>
-              </a:ext>
-            </a:extLst>
-          </p:cNvPr>
+          <p:cNvPr id="8" name="Footer Placeholder 7"/>
           <p:cNvSpPr>
             <a:spLocks noGrp="1"/>
           </p:cNvSpPr>
@@ -2534,13 +2339,7 @@
       </p:sp>
       <p:sp>
         <p:nvSpPr>
-          <p:cNvPr id="9" name="Номер слайда 8">
-            <a:extLst>
-              <a:ext uri="{FF2B5EF4-FFF2-40B4-BE49-F238E27FC236}">
-                <a16:creationId xmlns:a16="http://schemas.microsoft.com/office/drawing/2014/main" xmlns="" id="{0014AA84-1AE5-C37F-E96B-1F7E28A4744A}"/>
-              </a:ext>
-            </a:extLst>
-          </p:cNvPr>
+          <p:cNvPr id="9" name="Slide Number Placeholder 8"/>
           <p:cNvSpPr>
             <a:spLocks noGrp="1"/>
           </p:cNvSpPr>
@@ -2564,7 +2363,7 @@
     </p:spTree>
     <p:extLst>
       <p:ext uri="{BB962C8B-B14F-4D97-AF65-F5344CB8AC3E}">
-        <p14:creationId xmlns:p14="http://schemas.microsoft.com/office/powerpoint/2010/main" val="1186714742"/>
+        <p14:creationId xmlns:p14="http://schemas.microsoft.com/office/powerpoint/2010/main" val="1024344220"/>
       </p:ext>
     </p:extLst>
   </p:cSld>
@@ -2593,13 +2392,7 @@
       </p:grpSpPr>
       <p:sp>
         <p:nvSpPr>
-          <p:cNvPr id="2" name="Заголовок 1">
-            <a:extLst>
-              <a:ext uri="{FF2B5EF4-FFF2-40B4-BE49-F238E27FC236}">
-                <a16:creationId xmlns:a16="http://schemas.microsoft.com/office/drawing/2014/main" xmlns="" id="{3CF7502D-F1A3-EE6C-2075-47BEB4CAE2B0}"/>
-              </a:ext>
-            </a:extLst>
-          </p:cNvPr>
+          <p:cNvPr id="2" name="Title 1"/>
           <p:cNvSpPr>
             <a:spLocks noGrp="1"/>
           </p:cNvSpPr>
@@ -2616,18 +2409,13 @@
               <a:rPr lang="ru-RU"/>
               <a:t>Образец заголовка</a:t>
             </a:r>
-          </a:p>
-        </p:txBody>
-      </p:sp>
-      <p:sp>
-        <p:nvSpPr>
-          <p:cNvPr id="3" name="Дата 2">
-            <a:extLst>
-              <a:ext uri="{FF2B5EF4-FFF2-40B4-BE49-F238E27FC236}">
-                <a16:creationId xmlns:a16="http://schemas.microsoft.com/office/drawing/2014/main" xmlns="" id="{4543A27F-AF46-A48D-1515-0DA4F9DA0BDA}"/>
-              </a:ext>
-            </a:extLst>
-          </p:cNvPr>
+            <a:endParaRPr lang="en-US" dirty="0"/>
+          </a:p>
+        </p:txBody>
+      </p:sp>
+      <p:sp>
+        <p:nvSpPr>
+          <p:cNvPr id="3" name="Date Placeholder 2"/>
           <p:cNvSpPr>
             <a:spLocks noGrp="1"/>
           </p:cNvSpPr>
@@ -2640,9 +2428,9 @@
           <a:bodyPr/>
           <a:lstStyle/>
           <a:p>
-            <a:fld id="{E5887495-81A3-4746-A6E7-B9455E82D1E1}" type="datetimeFigureOut">
+            <a:fld id="{DCFAF234-2966-4FDB-AB7E-EC1F753BCA4E}" type="datetime1">
               <a:rPr lang="ru-RU" smtClean="0"/>
-              <a:t>30.05.2025</a:t>
+              <a:t>31.05.2025</a:t>
             </a:fld>
             <a:endParaRPr lang="ru-RU"/>
           </a:p>
@@ -2650,13 +2438,7 @@
       </p:sp>
       <p:sp>
         <p:nvSpPr>
-          <p:cNvPr id="4" name="Нижний колонтитул 3">
-            <a:extLst>
-              <a:ext uri="{FF2B5EF4-FFF2-40B4-BE49-F238E27FC236}">
-                <a16:creationId xmlns:a16="http://schemas.microsoft.com/office/drawing/2014/main" xmlns="" id="{B8DC0F44-2C81-59B1-0D9B-B9BD5E2AD043}"/>
-              </a:ext>
-            </a:extLst>
-          </p:cNvPr>
+          <p:cNvPr id="4" name="Footer Placeholder 3"/>
           <p:cNvSpPr>
             <a:spLocks noGrp="1"/>
           </p:cNvSpPr>
@@ -2675,13 +2457,7 @@
       </p:sp>
       <p:sp>
         <p:nvSpPr>
-          <p:cNvPr id="5" name="Номер слайда 4">
-            <a:extLst>
-              <a:ext uri="{FF2B5EF4-FFF2-40B4-BE49-F238E27FC236}">
-                <a16:creationId xmlns:a16="http://schemas.microsoft.com/office/drawing/2014/main" xmlns="" id="{A13D1A67-1D03-0F7F-22D8-49F28D25955A}"/>
-              </a:ext>
-            </a:extLst>
-          </p:cNvPr>
+          <p:cNvPr id="5" name="Slide Number Placeholder 4"/>
           <p:cNvSpPr>
             <a:spLocks noGrp="1"/>
           </p:cNvSpPr>
@@ -2705,7 +2481,7 @@
     </p:spTree>
     <p:extLst>
       <p:ext uri="{BB962C8B-B14F-4D97-AF65-F5344CB8AC3E}">
-        <p14:creationId xmlns:p14="http://schemas.microsoft.com/office/powerpoint/2010/main" val="2780670675"/>
+        <p14:creationId xmlns:p14="http://schemas.microsoft.com/office/powerpoint/2010/main" val="3955343378"/>
       </p:ext>
     </p:extLst>
   </p:cSld>
@@ -2734,13 +2510,7 @@
       </p:grpSpPr>
       <p:sp>
         <p:nvSpPr>
-          <p:cNvPr id="2" name="Дата 1">
-            <a:extLst>
-              <a:ext uri="{FF2B5EF4-FFF2-40B4-BE49-F238E27FC236}">
-                <a16:creationId xmlns:a16="http://schemas.microsoft.com/office/drawing/2014/main" xmlns="" id="{BFAB4839-A3D8-9A05-2DC2-05C8D8C27D42}"/>
-              </a:ext>
-            </a:extLst>
-          </p:cNvPr>
+          <p:cNvPr id="2" name="Date Placeholder 1"/>
           <p:cNvSpPr>
             <a:spLocks noGrp="1"/>
           </p:cNvSpPr>
@@ -2753,9 +2523,9 @@
           <a:bodyPr/>
           <a:lstStyle/>
           <a:p>
-            <a:fld id="{E5887495-81A3-4746-A6E7-B9455E82D1E1}" type="datetimeFigureOut">
+            <a:fld id="{22D61BE1-0E60-4A13-B52E-FF76467D4EDE}" type="datetime1">
               <a:rPr lang="ru-RU" smtClean="0"/>
-              <a:t>30.05.2025</a:t>
+              <a:t>31.05.2025</a:t>
             </a:fld>
             <a:endParaRPr lang="ru-RU"/>
           </a:p>
@@ -2763,13 +2533,7 @@
       </p:sp>
       <p:sp>
         <p:nvSpPr>
-          <p:cNvPr id="3" name="Нижний колонтитул 2">
-            <a:extLst>
-              <a:ext uri="{FF2B5EF4-FFF2-40B4-BE49-F238E27FC236}">
-                <a16:creationId xmlns:a16="http://schemas.microsoft.com/office/drawing/2014/main" xmlns="" id="{8991F9E9-DBFE-0567-289E-988B4F3C1540}"/>
-              </a:ext>
-            </a:extLst>
-          </p:cNvPr>
+          <p:cNvPr id="3" name="Footer Placeholder 2"/>
           <p:cNvSpPr>
             <a:spLocks noGrp="1"/>
           </p:cNvSpPr>
@@ -2788,13 +2552,7 @@
       </p:sp>
       <p:sp>
         <p:nvSpPr>
-          <p:cNvPr id="4" name="Номер слайда 3">
-            <a:extLst>
-              <a:ext uri="{FF2B5EF4-FFF2-40B4-BE49-F238E27FC236}">
-                <a16:creationId xmlns:a16="http://schemas.microsoft.com/office/drawing/2014/main" xmlns="" id="{85D3666A-2B98-116C-A90C-98E198BC2873}"/>
-              </a:ext>
-            </a:extLst>
-          </p:cNvPr>
+          <p:cNvPr id="4" name="Slide Number Placeholder 3"/>
           <p:cNvSpPr>
             <a:spLocks noGrp="1"/>
           </p:cNvSpPr>
@@ -2818,7 +2576,7 @@
     </p:spTree>
     <p:extLst>
       <p:ext uri="{BB962C8B-B14F-4D97-AF65-F5344CB8AC3E}">
-        <p14:creationId xmlns:p14="http://schemas.microsoft.com/office/powerpoint/2010/main" val="100062785"/>
+        <p14:creationId xmlns:p14="http://schemas.microsoft.com/office/powerpoint/2010/main" val="2273853125"/>
       </p:ext>
     </p:extLst>
   </p:cSld>
@@ -2847,13 +2605,7 @@
       </p:grpSpPr>
       <p:sp>
         <p:nvSpPr>
-          <p:cNvPr id="2" name="Заголовок 1">
-            <a:extLst>
-              <a:ext uri="{FF2B5EF4-FFF2-40B4-BE49-F238E27FC236}">
-                <a16:creationId xmlns:a16="http://schemas.microsoft.com/office/drawing/2014/main" xmlns="" id="{00B3E7BD-0A03-8F41-5359-60719955532B}"/>
-              </a:ext>
-            </a:extLst>
-          </p:cNvPr>
+          <p:cNvPr id="2" name="Title 1"/>
           <p:cNvSpPr>
             <a:spLocks noGrp="1"/>
           </p:cNvSpPr>
@@ -2863,8 +2615,8 @@
         </p:nvSpPr>
         <p:spPr>
           <a:xfrm>
-            <a:off x="839788" y="457200"/>
-            <a:ext cx="3932237" cy="1600200"/>
+            <a:off x="629841" y="457200"/>
+            <a:ext cx="2949178" cy="1600200"/>
           </a:xfrm>
         </p:spPr>
         <p:txBody>
@@ -2879,18 +2631,13 @@
               <a:rPr lang="ru-RU"/>
               <a:t>Образец заголовка</a:t>
             </a:r>
-          </a:p>
-        </p:txBody>
-      </p:sp>
-      <p:sp>
-        <p:nvSpPr>
-          <p:cNvPr id="3" name="Объект 2">
-            <a:extLst>
-              <a:ext uri="{FF2B5EF4-FFF2-40B4-BE49-F238E27FC236}">
-                <a16:creationId xmlns:a16="http://schemas.microsoft.com/office/drawing/2014/main" xmlns="" id="{965B285D-BA47-4E50-9018-5CC7833F168B}"/>
-              </a:ext>
-            </a:extLst>
-          </p:cNvPr>
+            <a:endParaRPr lang="en-US" dirty="0"/>
+          </a:p>
+        </p:txBody>
+      </p:sp>
+      <p:sp>
+        <p:nvSpPr>
+          <p:cNvPr id="3" name="Content Placeholder 2"/>
           <p:cNvSpPr>
             <a:spLocks noGrp="1"/>
           </p:cNvSpPr>
@@ -2900,8 +2647,8 @@
         </p:nvSpPr>
         <p:spPr>
           <a:xfrm>
-            <a:off x="5183188" y="987425"/>
-            <a:ext cx="6172200" cy="4873625"/>
+            <a:off x="3887391" y="987426"/>
+            <a:ext cx="4629150" cy="4873625"/>
           </a:xfrm>
         </p:spPr>
         <p:txBody>
@@ -2969,18 +2716,13 @@
               <a:rPr lang="ru-RU"/>
               <a:t>Пятый уровень</a:t>
             </a:r>
-          </a:p>
-        </p:txBody>
-      </p:sp>
-      <p:sp>
-        <p:nvSpPr>
-          <p:cNvPr id="4" name="Текст 3">
-            <a:extLst>
-              <a:ext uri="{FF2B5EF4-FFF2-40B4-BE49-F238E27FC236}">
-                <a16:creationId xmlns:a16="http://schemas.microsoft.com/office/drawing/2014/main" xmlns="" id="{78BA4DF7-0121-50B4-6625-9B0CD1082F64}"/>
-              </a:ext>
-            </a:extLst>
-          </p:cNvPr>
+            <a:endParaRPr lang="en-US" dirty="0"/>
+          </a:p>
+        </p:txBody>
+      </p:sp>
+      <p:sp>
+        <p:nvSpPr>
+          <p:cNvPr id="4" name="Text Placeholder 3"/>
           <p:cNvSpPr>
             <a:spLocks noGrp="1"/>
           </p:cNvSpPr>
@@ -2990,8 +2732,8 @@
         </p:nvSpPr>
         <p:spPr>
           <a:xfrm>
-            <a:off x="839788" y="2057400"/>
-            <a:ext cx="3932237" cy="3811588"/>
+            <a:off x="629841" y="2057400"/>
+            <a:ext cx="2949178" cy="3811588"/>
           </a:xfrm>
         </p:spPr>
         <p:txBody>
@@ -3045,13 +2787,7 @@
       </p:sp>
       <p:sp>
         <p:nvSpPr>
-          <p:cNvPr id="5" name="Дата 4">
-            <a:extLst>
-              <a:ext uri="{FF2B5EF4-FFF2-40B4-BE49-F238E27FC236}">
-                <a16:creationId xmlns:a16="http://schemas.microsoft.com/office/drawing/2014/main" xmlns="" id="{4BC5906B-2157-A732-0B30-C0D75E25970C}"/>
-              </a:ext>
-            </a:extLst>
-          </p:cNvPr>
+          <p:cNvPr id="5" name="Date Placeholder 4"/>
           <p:cNvSpPr>
             <a:spLocks noGrp="1"/>
           </p:cNvSpPr>
@@ -3064,9 +2800,9 @@
           <a:bodyPr/>
           <a:lstStyle/>
           <a:p>
-            <a:fld id="{E5887495-81A3-4746-A6E7-B9455E82D1E1}" type="datetimeFigureOut">
+            <a:fld id="{A5C5A2BC-BF36-41C1-961E-3C34DB4AAAD9}" type="datetime1">
               <a:rPr lang="ru-RU" smtClean="0"/>
-              <a:t>30.05.2025</a:t>
+              <a:t>31.05.2025</a:t>
             </a:fld>
             <a:endParaRPr lang="ru-RU"/>
           </a:p>
@@ -3074,13 +2810,7 @@
       </p:sp>
       <p:sp>
         <p:nvSpPr>
-          <p:cNvPr id="6" name="Нижний колонтитул 5">
-            <a:extLst>
-              <a:ext uri="{FF2B5EF4-FFF2-40B4-BE49-F238E27FC236}">
-                <a16:creationId xmlns:a16="http://schemas.microsoft.com/office/drawing/2014/main" xmlns="" id="{E837285C-FE5E-D44A-22C8-001D07E30524}"/>
-              </a:ext>
-            </a:extLst>
-          </p:cNvPr>
+          <p:cNvPr id="6" name="Footer Placeholder 5"/>
           <p:cNvSpPr>
             <a:spLocks noGrp="1"/>
           </p:cNvSpPr>
@@ -3099,13 +2829,7 @@
       </p:sp>
       <p:sp>
         <p:nvSpPr>
-          <p:cNvPr id="7" name="Номер слайда 6">
-            <a:extLst>
-              <a:ext uri="{FF2B5EF4-FFF2-40B4-BE49-F238E27FC236}">
-                <a16:creationId xmlns:a16="http://schemas.microsoft.com/office/drawing/2014/main" xmlns="" id="{80DCFFA0-4F2B-0D90-3D2E-837648FC4F21}"/>
-              </a:ext>
-            </a:extLst>
-          </p:cNvPr>
+          <p:cNvPr id="7" name="Slide Number Placeholder 6"/>
           <p:cNvSpPr>
             <a:spLocks noGrp="1"/>
           </p:cNvSpPr>
@@ -3129,7 +2853,7 @@
     </p:spTree>
     <p:extLst>
       <p:ext uri="{BB962C8B-B14F-4D97-AF65-F5344CB8AC3E}">
-        <p14:creationId xmlns:p14="http://schemas.microsoft.com/office/powerpoint/2010/main" val="1333740022"/>
+        <p14:creationId xmlns:p14="http://schemas.microsoft.com/office/powerpoint/2010/main" val="3691146273"/>
       </p:ext>
     </p:extLst>
   </p:cSld>
@@ -3158,13 +2882,7 @@
       </p:grpSpPr>
       <p:sp>
         <p:nvSpPr>
-          <p:cNvPr id="2" name="Заголовок 1">
-            <a:extLst>
-              <a:ext uri="{FF2B5EF4-FFF2-40B4-BE49-F238E27FC236}">
-                <a16:creationId xmlns:a16="http://schemas.microsoft.com/office/drawing/2014/main" xmlns="" id="{B24D80BE-FC28-19FF-25FD-079A2D7CADEB}"/>
-              </a:ext>
-            </a:extLst>
-          </p:cNvPr>
+          <p:cNvPr id="2" name="Title 1"/>
           <p:cNvSpPr>
             <a:spLocks noGrp="1"/>
           </p:cNvSpPr>
@@ -3174,8 +2892,8 @@
         </p:nvSpPr>
         <p:spPr>
           <a:xfrm>
-            <a:off x="839788" y="457200"/>
-            <a:ext cx="3932237" cy="1600200"/>
+            <a:off x="629841" y="457200"/>
+            <a:ext cx="2949178" cy="1600200"/>
           </a:xfrm>
         </p:spPr>
         <p:txBody>
@@ -3190,20 +2908,15 @@
               <a:rPr lang="ru-RU"/>
               <a:t>Образец заголовка</a:t>
             </a:r>
-          </a:p>
-        </p:txBody>
-      </p:sp>
-      <p:sp>
-        <p:nvSpPr>
-          <p:cNvPr id="3" name="Рисунок 2">
-            <a:extLst>
-              <a:ext uri="{FF2B5EF4-FFF2-40B4-BE49-F238E27FC236}">
-                <a16:creationId xmlns:a16="http://schemas.microsoft.com/office/drawing/2014/main" xmlns="" id="{9CC563F1-03A6-A87F-2326-6C7FB99FB553}"/>
-              </a:ext>
-            </a:extLst>
-          </p:cNvPr>
-          <p:cNvSpPr>
-            <a:spLocks noGrp="1"/>
+            <a:endParaRPr lang="en-US" dirty="0"/>
+          </a:p>
+        </p:txBody>
+      </p:sp>
+      <p:sp>
+        <p:nvSpPr>
+          <p:cNvPr id="3" name="Picture Placeholder 2"/>
+          <p:cNvSpPr>
+            <a:spLocks noGrp="1" noChangeAspect="1"/>
           </p:cNvSpPr>
           <p:nvPr>
             <p:ph type="pic" idx="1"/>
@@ -3211,12 +2924,12 @@
         </p:nvSpPr>
         <p:spPr>
           <a:xfrm>
-            <a:off x="5183188" y="987425"/>
-            <a:ext cx="6172200" cy="4873625"/>
+            <a:off x="3887391" y="987426"/>
+            <a:ext cx="4629150" cy="4873625"/>
           </a:xfrm>
         </p:spPr>
         <p:txBody>
-          <a:bodyPr/>
+          <a:bodyPr anchor="t"/>
           <a:lstStyle>
             <a:lvl1pPr marL="0" indent="0">
               <a:buNone/>
@@ -3256,19 +2969,17 @@
             </a:lvl9pPr>
           </a:lstStyle>
           <a:p>
-            <a:endParaRPr lang="ru-RU"/>
-          </a:p>
-        </p:txBody>
-      </p:sp>
-      <p:sp>
-        <p:nvSpPr>
-          <p:cNvPr id="4" name="Текст 3">
-            <a:extLst>
-              <a:ext uri="{FF2B5EF4-FFF2-40B4-BE49-F238E27FC236}">
-                <a16:creationId xmlns:a16="http://schemas.microsoft.com/office/drawing/2014/main" xmlns="" id="{7D232EB4-C3BA-3C76-5E37-B34A148D5D79}"/>
-              </a:ext>
-            </a:extLst>
-          </p:cNvPr>
+            <a:r>
+              <a:rPr lang="ru-RU"/>
+              <a:t>Вставка рисунка</a:t>
+            </a:r>
+            <a:endParaRPr lang="en-US" dirty="0"/>
+          </a:p>
+        </p:txBody>
+      </p:sp>
+      <p:sp>
+        <p:nvSpPr>
+          <p:cNvPr id="4" name="Text Placeholder 3"/>
           <p:cNvSpPr>
             <a:spLocks noGrp="1"/>
           </p:cNvSpPr>
@@ -3278,8 +2989,8 @@
         </p:nvSpPr>
         <p:spPr>
           <a:xfrm>
-            <a:off x="839788" y="2057400"/>
-            <a:ext cx="3932237" cy="3811588"/>
+            <a:off x="629841" y="2057400"/>
+            <a:ext cx="2949178" cy="3811588"/>
           </a:xfrm>
         </p:spPr>
         <p:txBody>
@@ -3333,13 +3044,7 @@
       </p:sp>
       <p:sp>
         <p:nvSpPr>
-          <p:cNvPr id="5" name="Дата 4">
-            <a:extLst>
-              <a:ext uri="{FF2B5EF4-FFF2-40B4-BE49-F238E27FC236}">
-                <a16:creationId xmlns:a16="http://schemas.microsoft.com/office/drawing/2014/main" xmlns="" id="{168BD417-8738-12A7-55F3-5E2B6204A755}"/>
-              </a:ext>
-            </a:extLst>
-          </p:cNvPr>
+          <p:cNvPr id="5" name="Date Placeholder 4"/>
           <p:cNvSpPr>
             <a:spLocks noGrp="1"/>
           </p:cNvSpPr>
@@ -3352,9 +3057,9 @@
           <a:bodyPr/>
           <a:lstStyle/>
           <a:p>
-            <a:fld id="{E5887495-81A3-4746-A6E7-B9455E82D1E1}" type="datetimeFigureOut">
+            <a:fld id="{0FEB7CB1-D6C0-4BEB-9EB4-F51B1DF38F4F}" type="datetime1">
               <a:rPr lang="ru-RU" smtClean="0"/>
-              <a:t>30.05.2025</a:t>
+              <a:t>31.05.2025</a:t>
             </a:fld>
             <a:endParaRPr lang="ru-RU"/>
           </a:p>
@@ -3362,13 +3067,7 @@
       </p:sp>
       <p:sp>
         <p:nvSpPr>
-          <p:cNvPr id="6" name="Нижний колонтитул 5">
-            <a:extLst>
-              <a:ext uri="{FF2B5EF4-FFF2-40B4-BE49-F238E27FC236}">
-                <a16:creationId xmlns:a16="http://schemas.microsoft.com/office/drawing/2014/main" xmlns="" id="{681FC2D7-80A5-C70B-1DE6-13F6962FA9C1}"/>
-              </a:ext>
-            </a:extLst>
-          </p:cNvPr>
+          <p:cNvPr id="6" name="Footer Placeholder 5"/>
           <p:cNvSpPr>
             <a:spLocks noGrp="1"/>
           </p:cNvSpPr>
@@ -3387,13 +3086,7 @@
       </p:sp>
       <p:sp>
         <p:nvSpPr>
-          <p:cNvPr id="7" name="Номер слайда 6">
-            <a:extLst>
-              <a:ext uri="{FF2B5EF4-FFF2-40B4-BE49-F238E27FC236}">
-                <a16:creationId xmlns:a16="http://schemas.microsoft.com/office/drawing/2014/main" xmlns="" id="{FAA0BC24-E3C8-78C0-4E59-1FB0B7CAC07F}"/>
-              </a:ext>
-            </a:extLst>
-          </p:cNvPr>
+          <p:cNvPr id="7" name="Slide Number Placeholder 6"/>
           <p:cNvSpPr>
             <a:spLocks noGrp="1"/>
           </p:cNvSpPr>
@@ -3417,7 +3110,7 @@
     </p:spTree>
     <p:extLst>
       <p:ext uri="{BB962C8B-B14F-4D97-AF65-F5344CB8AC3E}">
-        <p14:creationId xmlns:p14="http://schemas.microsoft.com/office/powerpoint/2010/main" val="4262822036"/>
+        <p14:creationId xmlns:p14="http://schemas.microsoft.com/office/powerpoint/2010/main" val="2187499751"/>
       </p:ext>
     </p:extLst>
   </p:cSld>
@@ -3431,7 +3124,7 @@
 <p:sldMaster xmlns:a="http://schemas.openxmlformats.org/drawingml/2006/main" xmlns:r="http://schemas.openxmlformats.org/officeDocument/2006/relationships" xmlns:p="http://schemas.openxmlformats.org/presentationml/2006/main">
   <p:cSld>
     <p:bg>
-      <p:bgRef idx="1002">
+      <p:bgRef idx="1001">
         <a:schemeClr val="bg1"/>
       </p:bgRef>
     </p:bg>
@@ -3451,13 +3144,7 @@
       </p:grpSpPr>
       <p:sp>
         <p:nvSpPr>
-          <p:cNvPr id="2" name="Заголовок 1">
-            <a:extLst>
-              <a:ext uri="{FF2B5EF4-FFF2-40B4-BE49-F238E27FC236}">
-                <a16:creationId xmlns:a16="http://schemas.microsoft.com/office/drawing/2014/main" xmlns="" id="{2ECA990E-6D9F-8494-D97D-6A1BA9BF9907}"/>
-              </a:ext>
-            </a:extLst>
-          </p:cNvPr>
+          <p:cNvPr id="2" name="Title Placeholder 1"/>
           <p:cNvSpPr>
             <a:spLocks noGrp="1"/>
           </p:cNvSpPr>
@@ -3467,8 +3154,8 @@
         </p:nvSpPr>
         <p:spPr>
           <a:xfrm>
-            <a:off x="838200" y="365125"/>
-            <a:ext cx="10515600" cy="1325563"/>
+            <a:off x="628650" y="365126"/>
+            <a:ext cx="7886700" cy="1325563"/>
           </a:xfrm>
           <a:prstGeom prst="rect">
             <a:avLst/>
@@ -3484,18 +3171,13 @@
               <a:rPr lang="ru-RU"/>
               <a:t>Образец заголовка</a:t>
             </a:r>
-          </a:p>
-        </p:txBody>
-      </p:sp>
-      <p:sp>
-        <p:nvSpPr>
-          <p:cNvPr id="3" name="Текст 2">
-            <a:extLst>
-              <a:ext uri="{FF2B5EF4-FFF2-40B4-BE49-F238E27FC236}">
-                <a16:creationId xmlns:a16="http://schemas.microsoft.com/office/drawing/2014/main" xmlns="" id="{165E7381-FABB-A918-0CD1-B509B321706B}"/>
-              </a:ext>
-            </a:extLst>
-          </p:cNvPr>
+            <a:endParaRPr lang="en-US" dirty="0"/>
+          </a:p>
+        </p:txBody>
+      </p:sp>
+      <p:sp>
+        <p:nvSpPr>
+          <p:cNvPr id="3" name="Text Placeholder 2"/>
           <p:cNvSpPr>
             <a:spLocks noGrp="1"/>
           </p:cNvSpPr>
@@ -3505,8 +3187,8 @@
         </p:nvSpPr>
         <p:spPr>
           <a:xfrm>
-            <a:off x="838200" y="1825625"/>
-            <a:ext cx="10515600" cy="4351338"/>
+            <a:off x="628650" y="1825625"/>
+            <a:ext cx="7886700" cy="4351338"/>
           </a:xfrm>
           <a:prstGeom prst="rect">
             <a:avLst/>
@@ -3551,18 +3233,13 @@
               <a:rPr lang="ru-RU"/>
               <a:t>Пятый уровень</a:t>
             </a:r>
-          </a:p>
-        </p:txBody>
-      </p:sp>
-      <p:sp>
-        <p:nvSpPr>
-          <p:cNvPr id="4" name="Дата 3">
-            <a:extLst>
-              <a:ext uri="{FF2B5EF4-FFF2-40B4-BE49-F238E27FC236}">
-                <a16:creationId xmlns:a16="http://schemas.microsoft.com/office/drawing/2014/main" xmlns="" id="{00C4479D-43DC-4421-777A-24759CB39C5B}"/>
-              </a:ext>
-            </a:extLst>
-          </p:cNvPr>
+            <a:endParaRPr lang="en-US" dirty="0"/>
+          </a:p>
+        </p:txBody>
+      </p:sp>
+      <p:sp>
+        <p:nvSpPr>
+          <p:cNvPr id="4" name="Date Placeholder 3"/>
           <p:cNvSpPr>
             <a:spLocks noGrp="1"/>
           </p:cNvSpPr>
@@ -3572,8 +3249,8 @@
         </p:nvSpPr>
         <p:spPr>
           <a:xfrm>
-            <a:off x="838200" y="6356350"/>
-            <a:ext cx="2743200" cy="365125"/>
+            <a:off x="628650" y="6356351"/>
+            <a:ext cx="2057400" cy="365125"/>
           </a:xfrm>
           <a:prstGeom prst="rect">
             <a:avLst/>
@@ -3593,9 +3270,9 @@
             </a:lvl1pPr>
           </a:lstStyle>
           <a:p>
-            <a:fld id="{E5887495-81A3-4746-A6E7-B9455E82D1E1}" type="datetimeFigureOut">
+            <a:fld id="{643B1264-A997-4AC6-BE57-B9CC3C89CA28}" type="datetime1">
               <a:rPr lang="ru-RU" smtClean="0"/>
-              <a:t>30.05.2025</a:t>
+              <a:t>31.05.2025</a:t>
             </a:fld>
             <a:endParaRPr lang="ru-RU"/>
           </a:p>
@@ -3603,13 +3280,7 @@
       </p:sp>
       <p:sp>
         <p:nvSpPr>
-          <p:cNvPr id="5" name="Нижний колонтитул 4">
-            <a:extLst>
-              <a:ext uri="{FF2B5EF4-FFF2-40B4-BE49-F238E27FC236}">
-                <a16:creationId xmlns:a16="http://schemas.microsoft.com/office/drawing/2014/main" xmlns="" id="{7E28E02B-171B-2328-03CB-F18D911A9274}"/>
-              </a:ext>
-            </a:extLst>
-          </p:cNvPr>
+          <p:cNvPr id="5" name="Footer Placeholder 4"/>
           <p:cNvSpPr>
             <a:spLocks noGrp="1"/>
           </p:cNvSpPr>
@@ -3619,8 +3290,8 @@
         </p:nvSpPr>
         <p:spPr>
           <a:xfrm>
-            <a:off x="4038600" y="6356350"/>
-            <a:ext cx="4114800" cy="365125"/>
+            <a:off x="3028950" y="6356351"/>
+            <a:ext cx="3086100" cy="365125"/>
           </a:xfrm>
           <a:prstGeom prst="rect">
             <a:avLst/>
@@ -3646,13 +3317,7 @@
       </p:sp>
       <p:sp>
         <p:nvSpPr>
-          <p:cNvPr id="6" name="Номер слайда 5">
-            <a:extLst>
-              <a:ext uri="{FF2B5EF4-FFF2-40B4-BE49-F238E27FC236}">
-                <a16:creationId xmlns:a16="http://schemas.microsoft.com/office/drawing/2014/main" xmlns="" id="{D6789276-77BC-11D0-5ABE-3C40AF620176}"/>
-              </a:ext>
-            </a:extLst>
-          </p:cNvPr>
+          <p:cNvPr id="6" name="Slide Number Placeholder 5"/>
           <p:cNvSpPr>
             <a:spLocks noGrp="1"/>
           </p:cNvSpPr>
@@ -3662,8 +3327,8 @@
         </p:nvSpPr>
         <p:spPr>
           <a:xfrm>
-            <a:off x="8610600" y="6356350"/>
-            <a:ext cx="2743200" cy="365125"/>
+            <a:off x="6457950" y="6356351"/>
+            <a:ext cx="2057400" cy="365125"/>
           </a:xfrm>
           <a:prstGeom prst="rect">
             <a:avLst/>
@@ -3694,24 +3359,25 @@
     </p:spTree>
     <p:extLst>
       <p:ext uri="{BB962C8B-B14F-4D97-AF65-F5344CB8AC3E}">
-        <p14:creationId xmlns:p14="http://schemas.microsoft.com/office/powerpoint/2010/main" val="1351704822"/>
+        <p14:creationId xmlns:p14="http://schemas.microsoft.com/office/powerpoint/2010/main" val="3843375352"/>
       </p:ext>
     </p:extLst>
   </p:cSld>
   <p:clrMap bg1="lt1" tx1="dk1" bg2="lt2" tx2="dk2" accent1="accent1" accent2="accent2" accent3="accent3" accent4="accent4" accent5="accent5" accent6="accent6" hlink="hlink" folHlink="folHlink"/>
   <p:sldLayoutIdLst>
-    <p:sldLayoutId id="2147483649" r:id="rId1"/>
-    <p:sldLayoutId id="2147483650" r:id="rId2"/>
-    <p:sldLayoutId id="2147483651" r:id="rId3"/>
-    <p:sldLayoutId id="2147483652" r:id="rId4"/>
-    <p:sldLayoutId id="2147483653" r:id="rId5"/>
-    <p:sldLayoutId id="2147483654" r:id="rId6"/>
-    <p:sldLayoutId id="2147483655" r:id="rId7"/>
-    <p:sldLayoutId id="2147483656" r:id="rId8"/>
-    <p:sldLayoutId id="2147483657" r:id="rId9"/>
-    <p:sldLayoutId id="2147483658" r:id="rId10"/>
-    <p:sldLayoutId id="2147483659" r:id="rId11"/>
+    <p:sldLayoutId id="2147483661" r:id="rId1"/>
+    <p:sldLayoutId id="2147483662" r:id="rId2"/>
+    <p:sldLayoutId id="2147483663" r:id="rId3"/>
+    <p:sldLayoutId id="2147483664" r:id="rId4"/>
+    <p:sldLayoutId id="2147483665" r:id="rId5"/>
+    <p:sldLayoutId id="2147483666" r:id="rId6"/>
+    <p:sldLayoutId id="2147483667" r:id="rId7"/>
+    <p:sldLayoutId id="2147483668" r:id="rId8"/>
+    <p:sldLayoutId id="2147483669" r:id="rId9"/>
+    <p:sldLayoutId id="2147483670" r:id="rId10"/>
+    <p:sldLayoutId id="2147483671" r:id="rId11"/>
   </p:sldLayoutIdLst>
+  <p:hf hdr="0" ftr="0" dt="0"/>
   <p:txStyles>
     <p:titleStyle>
       <a:lvl1pPr algn="l" defTabSz="914400" rtl="0" eaLnBrk="1" latinLnBrk="0" hangingPunct="1">
@@ -3898,7 +3564,7 @@
     </p:bodyStyle>
     <p:otherStyle>
       <a:defPPr>
-        <a:defRPr lang="ru-RU"/>
+        <a:defRPr lang="en-US"/>
       </a:defPPr>
       <a:lvl1pPr marL="0" algn="l" defTabSz="914400" rtl="0" eaLnBrk="1" latinLnBrk="0" hangingPunct="1">
         <a:defRPr sz="1800" kern="1200">
@@ -4017,7 +3683,7 @@
           <p:cNvPr id="2" name="Заголовок 1">
             <a:extLst>
               <a:ext uri="{FF2B5EF4-FFF2-40B4-BE49-F238E27FC236}">
-                <a16:creationId xmlns:a16="http://schemas.microsoft.com/office/drawing/2014/main" xmlns="" id="{832C14C5-F4AA-9F80-D7C7-C310C623F60D}"/>
+                <a16:creationId xmlns:a16="http://schemas.microsoft.com/office/drawing/2014/main" id="{832C14C5-F4AA-9F80-D7C7-C310C623F60D}"/>
               </a:ext>
             </a:extLst>
           </p:cNvPr>
@@ -4030,8 +3696,8 @@
         </p:nvSpPr>
         <p:spPr>
           <a:xfrm>
-            <a:off x="1523997" y="3027299"/>
-            <a:ext cx="9144000" cy="1739015"/>
+            <a:off x="188160" y="2573220"/>
+            <a:ext cx="8739024" cy="1710850"/>
           </a:xfrm>
         </p:spPr>
         <p:txBody>
@@ -4041,12 +3707,8 @@
           <a:lstStyle/>
           <a:p>
             <a:r>
-              <a:rPr lang="ru-RU" sz="2800" dirty="0"/>
-              <a:t>ТЕМА: </a:t>
-            </a:r>
-            <a:r>
               <a:rPr lang="ru-RU" sz="2800" b="1" dirty="0"/>
-              <a:t>«ПРОЕКТИРОВАНИЕ И РАЗРАБОТКА ВЕБ-ПРИЛОЖЕНИЯ ДЛЯ АВТОМАТИЗАЦИИ ПРОДАЖ КЛИМАТИЧЕСКОГО ОБОРУДОВАНИЯ </a:t>
+              <a:t>ПРОЕКТИРОВАНИЕ И РАЗРАБОТКА ВЕБ-ПРИЛОЖЕНИЯ ДЛЯ АВТОМАТИЗАЦИИ ПРОДАЖ КЛИМАТИЧЕСКОГО ОБОРУДОВАНИЯ </a:t>
             </a:r>
             <a:br>
               <a:rPr lang="ru-RU" sz="2800" b="1" dirty="0"/>
@@ -4063,7 +3725,7 @@
           <p:cNvPr id="3" name="Подзаголовок 2">
             <a:extLst>
               <a:ext uri="{FF2B5EF4-FFF2-40B4-BE49-F238E27FC236}">
-                <a16:creationId xmlns:a16="http://schemas.microsoft.com/office/drawing/2014/main" xmlns="" id="{D39D9A25-8686-9F9D-20C2-287CEF3E16F8}"/>
+                <a16:creationId xmlns:a16="http://schemas.microsoft.com/office/drawing/2014/main" id="{D39D9A25-8686-9F9D-20C2-287CEF3E16F8}"/>
               </a:ext>
             </a:extLst>
           </p:cNvPr>
@@ -4076,8 +3738,8 @@
         </p:nvSpPr>
         <p:spPr>
           <a:xfrm>
-            <a:off x="166540" y="5820697"/>
-            <a:ext cx="4572000" cy="841698"/>
+            <a:off x="188160" y="5405918"/>
+            <a:ext cx="5165889" cy="841698"/>
           </a:xfrm>
         </p:spPr>
         <p:txBody>
@@ -4086,28 +3748,30 @@
           </a:bodyPr>
           <a:lstStyle/>
           <a:p>
-            <a:r>
-              <a:rPr lang="ru-RU" sz="1800" dirty="0">
+            <a:pPr algn="l"/>
+            <a:r>
+              <a:rPr lang="ru-RU" sz="2000" dirty="0">
                 <a:cs typeface="Calibri" panose="020F0502020204030204" pitchFamily="34" charset="0"/>
               </a:rPr>
               <a:t>Исполнитель: </a:t>
             </a:r>
             <a:r>
-              <a:rPr lang="ru-RU" sz="1800" b="1" dirty="0">
+              <a:rPr lang="ru-RU" sz="2000" b="1" dirty="0">
                 <a:cs typeface="Calibri" panose="020F0502020204030204" pitchFamily="34" charset="0"/>
               </a:rPr>
               <a:t>Тропин Даниил Александрович</a:t>
             </a:r>
           </a:p>
           <a:p>
-            <a:r>
-              <a:rPr lang="ru-RU" sz="1800" dirty="0">
+            <a:pPr algn="l"/>
+            <a:r>
+              <a:rPr lang="ru-RU" sz="2000" dirty="0">
                 <a:cs typeface="Calibri" panose="020F0502020204030204" pitchFamily="34" charset="0"/>
               </a:rPr>
               <a:t>Руководитель: </a:t>
             </a:r>
             <a:r>
-              <a:rPr lang="ru-RU" sz="1800" b="1" dirty="0">
+              <a:rPr lang="ru-RU" sz="2000" b="1" dirty="0">
                 <a:cs typeface="Calibri" panose="020F0502020204030204" pitchFamily="34" charset="0"/>
               </a:rPr>
               <a:t>Блок Иван Николаевич</a:t>
@@ -4120,7 +3784,7 @@
           <p:cNvPr id="4" name="Рисунок 3">
             <a:extLst>
               <a:ext uri="{FF2B5EF4-FFF2-40B4-BE49-F238E27FC236}">
-                <a16:creationId xmlns:a16="http://schemas.microsoft.com/office/drawing/2014/main" xmlns="" id="{7062EEF1-BB05-DFBC-C9BF-DBE48AB9675A}"/>
+                <a16:creationId xmlns:a16="http://schemas.microsoft.com/office/drawing/2014/main" id="{7062EEF1-BB05-DFBC-C9BF-DBE48AB9675A}"/>
               </a:ext>
             </a:extLst>
           </p:cNvPr>
@@ -4143,8 +3807,8 @@
         </p:blipFill>
         <p:spPr>
           <a:xfrm>
-            <a:off x="0" y="-1"/>
-            <a:ext cx="12191995" cy="2664065"/>
+            <a:off x="1" y="0"/>
+            <a:ext cx="9144000" cy="1998050"/>
           </a:xfrm>
           <a:prstGeom prst="rect">
             <a:avLst/>
@@ -4166,7 +3830,7 @@
           <p:cNvPr id="5" name="Рисунок 4">
             <a:extLst>
               <a:ext uri="{FF2B5EF4-FFF2-40B4-BE49-F238E27FC236}">
-                <a16:creationId xmlns:a16="http://schemas.microsoft.com/office/drawing/2014/main" xmlns="" id="{CABA9372-160D-8E5F-373E-C0A3C47F27BD}"/>
+                <a16:creationId xmlns:a16="http://schemas.microsoft.com/office/drawing/2014/main" id="{CABA9372-160D-8E5F-373E-C0A3C47F27BD}"/>
               </a:ext>
             </a:extLst>
           </p:cNvPr>
@@ -4190,8 +3854,8 @@
         </p:blipFill>
         <p:spPr bwMode="auto">
           <a:xfrm>
-            <a:off x="244214" y="0"/>
-            <a:ext cx="1663065" cy="2331460"/>
+            <a:off x="188160" y="-72818"/>
+            <a:ext cx="1329556" cy="1863911"/>
           </a:xfrm>
           <a:prstGeom prst="rect">
             <a:avLst/>
@@ -4200,9 +3864,9 @@
             <a:noFill/>
           </a:ln>
           <a:effectLst>
-            <a:outerShdw blurRad="292100" dist="139700" dir="2700000" algn="tl" rotWithShape="0">
-              <a:srgbClr val="333333">
-                <a:alpha val="65000"/>
+            <a:outerShdw blurRad="190500" algn="tl" rotWithShape="0">
+              <a:srgbClr val="000000">
+                <a:alpha val="70000"/>
               </a:srgbClr>
             </a:outerShdw>
           </a:effectLst>
@@ -4218,17 +3882,433 @@
   <p:clrMapOvr>
     <a:masterClrMapping/>
   </p:clrMapOvr>
-  <p:timing>
-    <p:tnLst>
-      <p:par>
-        <p:cTn id="1" dur="indefinite" restart="never" nodeType="tmRoot"/>
-      </p:par>
-    </p:tnLst>
-  </p:timing>
 </p:sld>
 </file>
 
 <file path=ppt/slides/slide10.xml><?xml version="1.0" encoding="utf-8"?>
+<p:sld xmlns:a="http://schemas.openxmlformats.org/drawingml/2006/main" xmlns:r="http://schemas.openxmlformats.org/officeDocument/2006/relationships" xmlns:p="http://schemas.openxmlformats.org/presentationml/2006/main">
+  <p:cSld>
+    <p:spTree>
+      <p:nvGrpSpPr>
+        <p:cNvPr id="1" name=""/>
+        <p:cNvGrpSpPr/>
+        <p:nvPr/>
+      </p:nvGrpSpPr>
+      <p:grpSpPr>
+        <a:xfrm>
+          <a:off x="0" y="0"/>
+          <a:ext cx="0" cy="0"/>
+          <a:chOff x="0" y="0"/>
+          <a:chExt cx="0" cy="0"/>
+        </a:xfrm>
+      </p:grpSpPr>
+      <p:sp>
+        <p:nvSpPr>
+          <p:cNvPr id="5" name="Заголовок 4"/>
+          <p:cNvSpPr>
+            <a:spLocks noGrp="1"/>
+          </p:cNvSpPr>
+          <p:nvPr>
+            <p:ph type="title"/>
+          </p:nvPr>
+        </p:nvSpPr>
+        <p:spPr>
+          <a:xfrm>
+            <a:off x="-660473" y="174136"/>
+            <a:ext cx="10515600" cy="1325563"/>
+          </a:xfrm>
+        </p:spPr>
+        <p:txBody>
+          <a:bodyPr>
+            <a:normAutofit/>
+          </a:bodyPr>
+          <a:lstStyle/>
+          <a:p>
+            <a:pPr algn="ctr"/>
+            <a:r>
+              <a:rPr lang="ru-RU" sz="2400" b="1" dirty="0"/>
+              <a:t>ВЫБОР СИСТЕМЫ УПРАВЛЕНИЯ БАЗАМИ ДАННЫХ </a:t>
+            </a:r>
+            <a:r>
+              <a:rPr lang="en-US" sz="2400" b="1" dirty="0"/>
+              <a:t>MS SQL SERVER EXPRESS</a:t>
+            </a:r>
+            <a:r>
+              <a:rPr lang="ru-RU" sz="2400" b="1" dirty="0"/>
+              <a:t> С ИСПОЛЬЗОВАНИЕМ ENTITY FRAMEWORK CORE В КАЧЕСТВЕ ORM-ТЕХНОЛОГИИ</a:t>
+            </a:r>
+          </a:p>
+        </p:txBody>
+      </p:sp>
+      <p:sp>
+        <p:nvSpPr>
+          <p:cNvPr id="6" name="Объект 5"/>
+          <p:cNvSpPr>
+            <a:spLocks noGrp="1"/>
+          </p:cNvSpPr>
+          <p:nvPr>
+            <p:ph sz="half" idx="2"/>
+          </p:nvPr>
+        </p:nvSpPr>
+        <p:spPr/>
+        <p:txBody>
+          <a:bodyPr/>
+          <a:lstStyle/>
+          <a:p>
+            <a:endParaRPr lang="en-US" dirty="0"/>
+          </a:p>
+          <a:p>
+            <a:endParaRPr lang="en-US" dirty="0"/>
+          </a:p>
+          <a:p>
+            <a:endParaRPr lang="en-US" dirty="0"/>
+          </a:p>
+        </p:txBody>
+      </p:sp>
+      <p:pic>
+        <p:nvPicPr>
+          <p:cNvPr id="1028" name="Picture 4" descr="C:\Users\TroDA\Desktop\entity-framework.png"/>
+          <p:cNvPicPr>
+            <a:picLocks noGrp="1" noChangeAspect="1" noChangeArrowheads="1"/>
+          </p:cNvPicPr>
+          <p:nvPr>
+            <p:ph sz="quarter" idx="4"/>
+          </p:nvPr>
+        </p:nvPicPr>
+        <p:blipFill>
+          <a:blip r:embed="rId2">
+            <a:extLst>
+              <a:ext uri="{28A0092B-C50C-407E-A947-70E740481C1C}">
+                <a14:useLocalDpi xmlns:a14="http://schemas.microsoft.com/office/drawing/2010/main" val="0"/>
+              </a:ext>
+            </a:extLst>
+          </a:blip>
+          <a:stretch>
+            <a:fillRect/>
+          </a:stretch>
+        </p:blipFill>
+        <p:spPr bwMode="auto">
+          <a:xfrm>
+            <a:off x="5502203" y="1780216"/>
+            <a:ext cx="4259263" cy="858209"/>
+          </a:xfrm>
+          <a:prstGeom prst="rect">
+            <a:avLst/>
+          </a:prstGeom>
+          <a:noFill/>
+          <a:extLst>
+            <a:ext uri="{909E8E84-426E-40DD-AFC4-6F175D3DCCD1}">
+              <a14:hiddenFill xmlns:a14="http://schemas.microsoft.com/office/drawing/2010/main">
+                <a:solidFill>
+                  <a:srgbClr val="FFFFFF"/>
+                </a:solidFill>
+              </a14:hiddenFill>
+            </a:ext>
+          </a:extLst>
+        </p:spPr>
+      </p:pic>
+      <p:pic>
+        <p:nvPicPr>
+          <p:cNvPr id="1026" name="Picture 2" descr="C:\Users\TroDA\Desktop\632b60f8c1aa184a0e5766d9_202209-ms-sql-icon-3x.png"/>
+          <p:cNvPicPr>
+            <a:picLocks noChangeAspect="1" noChangeArrowheads="1"/>
+          </p:cNvPicPr>
+          <p:nvPr/>
+        </p:nvPicPr>
+        <p:blipFill>
+          <a:blip r:embed="rId3" cstate="print">
+            <a:extLst>
+              <a:ext uri="{28A0092B-C50C-407E-A947-70E740481C1C}">
+                <a14:useLocalDpi xmlns:a14="http://schemas.microsoft.com/office/drawing/2010/main" val="0"/>
+              </a:ext>
+            </a:extLst>
+          </a:blip>
+          <a:srcRect/>
+          <a:stretch>
+            <a:fillRect/>
+          </a:stretch>
+        </p:blipFill>
+        <p:spPr bwMode="auto">
+          <a:xfrm>
+            <a:off x="-622374" y="1499698"/>
+            <a:ext cx="3841823" cy="1138727"/>
+          </a:xfrm>
+          <a:prstGeom prst="rect">
+            <a:avLst/>
+          </a:prstGeom>
+          <a:noFill/>
+          <a:extLst>
+            <a:ext uri="{909E8E84-426E-40DD-AFC4-6F175D3DCCD1}">
+              <a14:hiddenFill xmlns:a14="http://schemas.microsoft.com/office/drawing/2010/main">
+                <a:solidFill>
+                  <a:srgbClr val="FFFFFF"/>
+                </a:solidFill>
+              </a14:hiddenFill>
+            </a:ext>
+          </a:extLst>
+        </p:spPr>
+      </p:pic>
+      <p:sp>
+        <p:nvSpPr>
+          <p:cNvPr id="11" name="TextBox 10"/>
+          <p:cNvSpPr txBox="1"/>
+          <p:nvPr/>
+        </p:nvSpPr>
+        <p:spPr>
+          <a:xfrm>
+            <a:off x="-622373" y="2943226"/>
+            <a:ext cx="4403798" cy="3170099"/>
+          </a:xfrm>
+          <a:prstGeom prst="rect">
+            <a:avLst/>
+          </a:prstGeom>
+          <a:noFill/>
+        </p:spPr>
+        <p:txBody>
+          <a:bodyPr wrap="square" rtlCol="0">
+            <a:spAutoFit/>
+          </a:bodyPr>
+          <a:lstStyle/>
+          <a:p>
+            <a:pPr algn="just"/>
+            <a:r>
+              <a:rPr lang="ru-RU" sz="2000" b="1" dirty="0"/>
+              <a:t>MS SQL Server </a:t>
+            </a:r>
+            <a:r>
+              <a:rPr lang="ru-RU" sz="2000" b="1" dirty="0" err="1"/>
+              <a:t>Express</a:t>
+            </a:r>
+            <a:r>
+              <a:rPr lang="ru-RU" sz="2000" b="1" dirty="0"/>
+              <a:t> </a:t>
+            </a:r>
+            <a:r>
+              <a:rPr lang="ru-RU" sz="2000" dirty="0"/>
+              <a:t>(бесплатная версия) </a:t>
+            </a:r>
+          </a:p>
+          <a:p>
+            <a:pPr marL="342900" indent="-342900" algn="just">
+              <a:buFont typeface="Arial" panose="020B0604020202020204" pitchFamily="34" charset="0"/>
+              <a:buChar char="•"/>
+            </a:pPr>
+            <a:r>
+              <a:rPr lang="ru-RU" sz="2000" dirty="0"/>
+              <a:t>Лимит: 10 ГБ на базу </a:t>
+            </a:r>
+          </a:p>
+          <a:p>
+            <a:pPr marL="342900" indent="-342900" algn="just">
+              <a:buFont typeface="Arial" panose="020B0604020202020204" pitchFamily="34" charset="0"/>
+              <a:buChar char="•"/>
+            </a:pPr>
+            <a:r>
+              <a:rPr lang="ru-RU" sz="2000" dirty="0"/>
+              <a:t>Подходит для:  </a:t>
+            </a:r>
+          </a:p>
+          <a:p>
+            <a:pPr lvl="1" algn="just"/>
+            <a:r>
+              <a:rPr lang="ru-RU" sz="2000" dirty="0"/>
+              <a:t> - Небольших проектов  </a:t>
+            </a:r>
+          </a:p>
+          <a:p>
+            <a:pPr lvl="1" algn="just"/>
+            <a:r>
+              <a:rPr lang="ru-RU" sz="2000" dirty="0"/>
+              <a:t> - Тестирования  </a:t>
+            </a:r>
+          </a:p>
+          <a:p>
+            <a:pPr lvl="1" algn="just"/>
+            <a:r>
+              <a:rPr lang="ru-RU" sz="2000" dirty="0"/>
+              <a:t> - Обучения  </a:t>
+            </a:r>
+          </a:p>
+          <a:p>
+            <a:pPr marL="342900" indent="-342900" algn="just">
+              <a:buFont typeface="Arial" panose="020B0604020202020204" pitchFamily="34" charset="0"/>
+              <a:buChar char="•"/>
+            </a:pPr>
+            <a:r>
+              <a:rPr lang="ru-RU" sz="2000" dirty="0"/>
+              <a:t>Масштабирование  </a:t>
+            </a:r>
+          </a:p>
+          <a:p>
+            <a:pPr lvl="1" algn="just"/>
+            <a:r>
+              <a:rPr lang="ru-RU" sz="2000" dirty="0"/>
+              <a:t>- При росте нагрузки — переход на SQL Server Standard/Enterprise</a:t>
+            </a:r>
+          </a:p>
+        </p:txBody>
+      </p:sp>
+      <p:sp>
+        <p:nvSpPr>
+          <p:cNvPr id="16" name="TextBox 15"/>
+          <p:cNvSpPr txBox="1"/>
+          <p:nvPr/>
+        </p:nvSpPr>
+        <p:spPr>
+          <a:xfrm>
+            <a:off x="5502202" y="2943225"/>
+            <a:ext cx="4403798" cy="1938992"/>
+          </a:xfrm>
+          <a:prstGeom prst="rect">
+            <a:avLst/>
+          </a:prstGeom>
+          <a:noFill/>
+        </p:spPr>
+        <p:txBody>
+          <a:bodyPr wrap="square" rtlCol="0">
+            <a:spAutoFit/>
+          </a:bodyPr>
+          <a:lstStyle/>
+          <a:p>
+            <a:pPr algn="just"/>
+            <a:r>
+              <a:rPr lang="ru-RU" sz="2000" b="1" dirty="0"/>
+              <a:t>Entity Framework </a:t>
+            </a:r>
+            <a:r>
+              <a:rPr lang="ru-RU" sz="2000" b="1" dirty="0" err="1"/>
+              <a:t>Core</a:t>
+            </a:r>
+            <a:r>
+              <a:rPr lang="ru-RU" sz="2000" b="1" dirty="0"/>
+              <a:t> </a:t>
+            </a:r>
+          </a:p>
+          <a:p>
+            <a:pPr algn="just"/>
+            <a:r>
+              <a:rPr lang="ru-RU" sz="2000" b="1" dirty="0"/>
+              <a:t> </a:t>
+            </a:r>
+          </a:p>
+          <a:p>
+            <a:pPr marL="342900" indent="-342900" algn="just">
+              <a:buFont typeface="Arial" panose="020B0604020202020204" pitchFamily="34" charset="0"/>
+              <a:buChar char="•"/>
+            </a:pPr>
+            <a:r>
+              <a:rPr lang="ru-RU" sz="2000" dirty="0"/>
+              <a:t>Современный и гибкий фреймворк  </a:t>
+            </a:r>
+          </a:p>
+          <a:p>
+            <a:pPr marL="342900" indent="-342900" algn="just">
+              <a:buFont typeface="Arial" panose="020B0604020202020204" pitchFamily="34" charset="0"/>
+              <a:buChar char="•"/>
+            </a:pPr>
+            <a:r>
+              <a:rPr lang="ru-RU" sz="2000" dirty="0"/>
+              <a:t>Развитая экосистема  </a:t>
+            </a:r>
+          </a:p>
+          <a:p>
+            <a:pPr marL="342900" indent="-342900" algn="just">
+              <a:buFont typeface="Arial" panose="020B0604020202020204" pitchFamily="34" charset="0"/>
+              <a:buChar char="•"/>
+            </a:pPr>
+            <a:r>
+              <a:rPr lang="ru-RU" sz="2000" dirty="0"/>
+              <a:t>Упрощает разработку и сокращает время на рутинные операции</a:t>
+            </a:r>
+          </a:p>
+        </p:txBody>
+      </p:sp>
+      <p:pic>
+        <p:nvPicPr>
+          <p:cNvPr id="17" name="Рисунок 16">
+            <a:extLst>
+              <a:ext uri="{FF2B5EF4-FFF2-40B4-BE49-F238E27FC236}">
+                <a16:creationId xmlns:a16="http://schemas.microsoft.com/office/drawing/2014/main" id="{828FB7BC-5A7C-6A69-5802-7887E502C706}"/>
+              </a:ext>
+            </a:extLst>
+          </p:cNvPr>
+          <p:cNvPicPr>
+            <a:picLocks noChangeAspect="1"/>
+          </p:cNvPicPr>
+          <p:nvPr/>
+        </p:nvPicPr>
+        <p:blipFill>
+          <a:blip r:embed="rId4" cstate="print">
+            <a:extLst>
+              <a:ext uri="{28A0092B-C50C-407E-A947-70E740481C1C}">
+                <a14:useLocalDpi xmlns:a14="http://schemas.microsoft.com/office/drawing/2010/main" val="0"/>
+              </a:ext>
+            </a:extLst>
+          </a:blip>
+          <a:stretch>
+            <a:fillRect/>
+          </a:stretch>
+        </p:blipFill>
+        <p:spPr>
+          <a:xfrm rot="5400000" flipH="1">
+            <a:off x="-4586748" y="3087000"/>
+            <a:ext cx="6858000" cy="684000"/>
+          </a:xfrm>
+          <a:prstGeom prst="rect">
+            <a:avLst/>
+          </a:prstGeom>
+          <a:effectLst>
+            <a:outerShdw blurRad="50800" dist="50800" dir="5400000" sx="99000" sy="99000" algn="ctr" rotWithShape="0">
+              <a:srgbClr val="000000">
+                <a:alpha val="99000"/>
+              </a:srgbClr>
+            </a:outerShdw>
+          </a:effectLst>
+        </p:spPr>
+      </p:pic>
+      <p:sp>
+        <p:nvSpPr>
+          <p:cNvPr id="7" name="Номер слайда 6">
+            <a:extLst>
+              <a:ext uri="{FF2B5EF4-FFF2-40B4-BE49-F238E27FC236}">
+                <a16:creationId xmlns:a16="http://schemas.microsoft.com/office/drawing/2014/main" id="{BDD0FE96-AE50-E8DC-8E9A-6C6517DE9940}"/>
+              </a:ext>
+            </a:extLst>
+          </p:cNvPr>
+          <p:cNvSpPr>
+            <a:spLocks noGrp="1"/>
+          </p:cNvSpPr>
+          <p:nvPr>
+            <p:ph type="sldNum" sz="quarter" idx="12"/>
+          </p:nvPr>
+        </p:nvSpPr>
+        <p:spPr/>
+        <p:txBody>
+          <a:bodyPr/>
+          <a:lstStyle/>
+          <a:p>
+            <a:fld id="{AFC5D346-0896-4BCB-BD3D-84DEBAD632DA}" type="slidenum">
+              <a:rPr lang="ru-RU" smtClean="0"/>
+              <a:t>10</a:t>
+            </a:fld>
+            <a:endParaRPr lang="ru-RU"/>
+          </a:p>
+        </p:txBody>
+      </p:sp>
+    </p:spTree>
+    <p:extLst>
+      <p:ext uri="{BB962C8B-B14F-4D97-AF65-F5344CB8AC3E}">
+        <p14:creationId xmlns:p14="http://schemas.microsoft.com/office/powerpoint/2010/main" val="3417280905"/>
+      </p:ext>
+    </p:extLst>
+  </p:cSld>
+  <p:clrMapOvr>
+    <a:masterClrMapping/>
+  </p:clrMapOvr>
+</p:sld>
+</file>
+
+<file path=ppt/slides/slide11.xml><?xml version="1.0" encoding="utf-8"?>
 <p:sld xmlns:a="http://schemas.openxmlformats.org/drawingml/2006/main" xmlns:r="http://schemas.openxmlformats.org/officeDocument/2006/relationships" xmlns:p="http://schemas.openxmlformats.org/presentationml/2006/main">
   <p:cSld>
     <p:spTree>
@@ -4250,7 +4330,7 @@
           <p:cNvPr id="9" name="Рисунок 8">
             <a:extLst>
               <a:ext uri="{FF2B5EF4-FFF2-40B4-BE49-F238E27FC236}">
-                <a16:creationId xmlns:a16="http://schemas.microsoft.com/office/drawing/2014/main" xmlns="" id="{828FB7BC-5A7C-6A69-5802-7887E502C706}"/>
+                <a16:creationId xmlns:a16="http://schemas.microsoft.com/office/drawing/2014/main" id="{828FB7BC-5A7C-6A69-5802-7887E502C706}"/>
               </a:ext>
             </a:extLst>
           </p:cNvPr>
@@ -4273,7 +4353,7 @@
         </p:blipFill>
         <p:spPr>
           <a:xfrm rot="5400000" flipH="1">
-            <a:off x="-3062748" y="3087000"/>
+            <a:off x="-4586748" y="3087000"/>
             <a:ext cx="6858000" cy="684000"/>
           </a:xfrm>
           <a:prstGeom prst="rect">
@@ -4293,7 +4373,7 @@
           <p:cNvPr id="5" name="Заголовок 4">
             <a:extLst>
               <a:ext uri="{FF2B5EF4-FFF2-40B4-BE49-F238E27FC236}">
-                <a16:creationId xmlns:a16="http://schemas.microsoft.com/office/drawing/2014/main" xmlns="" id="{2D821327-D069-0580-52EE-BAE7E831FCAA}"/>
+                <a16:creationId xmlns:a16="http://schemas.microsoft.com/office/drawing/2014/main" id="{2D821327-D069-0580-52EE-BAE7E831FCAA}"/>
               </a:ext>
             </a:extLst>
           </p:cNvPr>
@@ -4306,7 +4386,7 @@
         </p:nvSpPr>
         <p:spPr>
           <a:xfrm>
-            <a:off x="1027471" y="91104"/>
+            <a:off x="-496529" y="91104"/>
             <a:ext cx="10515600" cy="842962"/>
           </a:xfrm>
         </p:spPr>
@@ -4329,7 +4409,7 @@
           <p:cNvPr id="6" name="Объект 5">
             <a:extLst>
               <a:ext uri="{FF2B5EF4-FFF2-40B4-BE49-F238E27FC236}">
-                <a16:creationId xmlns:a16="http://schemas.microsoft.com/office/drawing/2014/main" xmlns="" id="{E7CA67AF-E0D0-92F3-0180-7BF6872E8947}"/>
+                <a16:creationId xmlns:a16="http://schemas.microsoft.com/office/drawing/2014/main" id="{E7CA67AF-E0D0-92F3-0180-7BF6872E8947}"/>
               </a:ext>
             </a:extLst>
           </p:cNvPr>
@@ -4342,7 +4422,7 @@
         </p:nvSpPr>
         <p:spPr>
           <a:xfrm>
-            <a:off x="914399" y="5923935"/>
+            <a:off x="-609601" y="5923936"/>
             <a:ext cx="11031795" cy="707221"/>
           </a:xfrm>
         </p:spPr>
@@ -4357,7 +4437,6 @@
             </a:pPr>
             <a:r>
               <a:rPr lang="ru-RU" sz="2400" dirty="0">
-                <a:effectLst/>
                 <a:ea typeface="Calibri" panose="020F0502020204030204" pitchFamily="34" charset="0"/>
               </a:rPr>
               <a:t>Концептуальная модель базы данных, построенная с использованием нотации Мартина.</a:t>
@@ -4371,7 +4450,7 @@
           <p:cNvPr id="8" name="Рисунок 7">
             <a:extLst>
               <a:ext uri="{FF2B5EF4-FFF2-40B4-BE49-F238E27FC236}">
-                <a16:creationId xmlns:a16="http://schemas.microsoft.com/office/drawing/2014/main" xmlns="" id="{966198B4-8B99-C49A-1422-CC68E167F8D0}"/>
+                <a16:creationId xmlns:a16="http://schemas.microsoft.com/office/drawing/2014/main" id="{966198B4-8B99-C49A-1422-CC68E167F8D0}"/>
               </a:ext>
             </a:extLst>
           </p:cNvPr>
@@ -4388,7 +4467,7 @@
         </p:blipFill>
         <p:spPr>
           <a:xfrm>
-            <a:off x="1926151" y="934065"/>
+            <a:off x="402152" y="934066"/>
             <a:ext cx="8829223" cy="4729315"/>
           </a:xfrm>
           <a:prstGeom prst="rect">
@@ -4406,6 +4485,35 @@
           </a:effectLst>
         </p:spPr>
       </p:pic>
+      <p:sp>
+        <p:nvSpPr>
+          <p:cNvPr id="7" name="Номер слайда 6">
+            <a:extLst>
+              <a:ext uri="{FF2B5EF4-FFF2-40B4-BE49-F238E27FC236}">
+                <a16:creationId xmlns:a16="http://schemas.microsoft.com/office/drawing/2014/main" id="{C718C970-3F59-F107-BCA7-DDF8BA1E907F}"/>
+              </a:ext>
+            </a:extLst>
+          </p:cNvPr>
+          <p:cNvSpPr>
+            <a:spLocks noGrp="1"/>
+          </p:cNvSpPr>
+          <p:nvPr>
+            <p:ph type="sldNum" sz="quarter" idx="12"/>
+          </p:nvPr>
+        </p:nvSpPr>
+        <p:spPr/>
+        <p:txBody>
+          <a:bodyPr/>
+          <a:lstStyle/>
+          <a:p>
+            <a:fld id="{AFC5D346-0896-4BCB-BD3D-84DEBAD632DA}" type="slidenum">
+              <a:rPr lang="ru-RU" smtClean="0"/>
+              <a:t>11</a:t>
+            </a:fld>
+            <a:endParaRPr lang="ru-RU"/>
+          </a:p>
+        </p:txBody>
+      </p:sp>
     </p:spTree>
     <p:extLst>
       <p:ext uri="{BB962C8B-B14F-4D97-AF65-F5344CB8AC3E}">
@@ -4416,17 +4524,10 @@
   <p:clrMapOvr>
     <a:masterClrMapping/>
   </p:clrMapOvr>
-  <p:timing>
-    <p:tnLst>
-      <p:par>
-        <p:cTn id="1" dur="indefinite" restart="never" nodeType="tmRoot"/>
-      </p:par>
-    </p:tnLst>
-  </p:timing>
 </p:sld>
 </file>
 
-<file path=ppt/slides/slide11.xml><?xml version="1.0" encoding="utf-8"?>
+<file path=ppt/slides/slide12.xml><?xml version="1.0" encoding="utf-8"?>
 <p:sld xmlns:a="http://schemas.openxmlformats.org/drawingml/2006/main" xmlns:r="http://schemas.openxmlformats.org/officeDocument/2006/relationships" xmlns:p="http://schemas.openxmlformats.org/presentationml/2006/main">
   <p:cSld>
     <p:spTree>
@@ -4434,7 +4535,7 @@
         <p:cNvPr id="1" name="">
           <a:extLst>
             <a:ext uri="{FF2B5EF4-FFF2-40B4-BE49-F238E27FC236}">
-              <a16:creationId xmlns:a16="http://schemas.microsoft.com/office/drawing/2014/main" xmlns="" id="{C772474E-D276-C45E-3606-20E4692CA617}"/>
+              <a16:creationId xmlns:a16="http://schemas.microsoft.com/office/drawing/2014/main" id="{C772474E-D276-C45E-3606-20E4692CA617}"/>
             </a:ext>
           </a:extLst>
         </p:cNvPr>
@@ -4454,7 +4555,7 @@
           <p:cNvPr id="5" name="Заголовок 4">
             <a:extLst>
               <a:ext uri="{FF2B5EF4-FFF2-40B4-BE49-F238E27FC236}">
-                <a16:creationId xmlns:a16="http://schemas.microsoft.com/office/drawing/2014/main" xmlns="" id="{2B59F00C-DE79-25D9-D829-FC3A01F57E22}"/>
+                <a16:creationId xmlns:a16="http://schemas.microsoft.com/office/drawing/2014/main" id="{2B59F00C-DE79-25D9-D829-FC3A01F57E22}"/>
               </a:ext>
             </a:extLst>
           </p:cNvPr>
@@ -4467,7 +4568,7 @@
         </p:nvSpPr>
         <p:spPr>
           <a:xfrm>
-            <a:off x="1027471" y="91104"/>
+            <a:off x="-496529" y="91104"/>
             <a:ext cx="10515600" cy="842962"/>
           </a:xfrm>
         </p:spPr>
@@ -4490,7 +4591,7 @@
           <p:cNvPr id="6" name="Объект 5">
             <a:extLst>
               <a:ext uri="{FF2B5EF4-FFF2-40B4-BE49-F238E27FC236}">
-                <a16:creationId xmlns:a16="http://schemas.microsoft.com/office/drawing/2014/main" xmlns="" id="{C4A7ED36-4C57-62BE-EE2D-5EFA52BBC7E9}"/>
+                <a16:creationId xmlns:a16="http://schemas.microsoft.com/office/drawing/2014/main" id="{C4A7ED36-4C57-62BE-EE2D-5EFA52BBC7E9}"/>
               </a:ext>
             </a:extLst>
           </p:cNvPr>
@@ -4503,7 +4604,7 @@
         </p:nvSpPr>
         <p:spPr>
           <a:xfrm>
-            <a:off x="820544" y="2274893"/>
+            <a:off x="-703456" y="2274894"/>
             <a:ext cx="3413022" cy="2169287"/>
           </a:xfrm>
         </p:spPr>
@@ -4518,7 +4619,6 @@
             </a:pPr>
             <a:r>
               <a:rPr lang="ru-RU" sz="2400" dirty="0">
-                <a:effectLst/>
                 <a:ea typeface="Calibri" panose="020F0502020204030204" pitchFamily="34" charset="0"/>
               </a:rPr>
               <a:t>На основе концептуальной диаграммы разработана логическая модель базы данных. </a:t>
@@ -4532,7 +4632,7 @@
           <p:cNvPr id="2" name="Рисунок 1">
             <a:extLst>
               <a:ext uri="{FF2B5EF4-FFF2-40B4-BE49-F238E27FC236}">
-                <a16:creationId xmlns:a16="http://schemas.microsoft.com/office/drawing/2014/main" xmlns="" id="{A6565609-9310-EDF0-ECAF-1E1A991AF993}"/>
+                <a16:creationId xmlns:a16="http://schemas.microsoft.com/office/drawing/2014/main" id="{A6565609-9310-EDF0-ECAF-1E1A991AF993}"/>
               </a:ext>
             </a:extLst>
           </p:cNvPr>
@@ -4549,7 +4649,7 @@
         </p:blipFill>
         <p:spPr>
           <a:xfrm>
-            <a:off x="4355690" y="934066"/>
+            <a:off x="2831691" y="934066"/>
             <a:ext cx="7609655" cy="5642378"/>
           </a:xfrm>
           <a:prstGeom prst="rect">
@@ -4572,7 +4672,7 @@
           <p:cNvPr id="4" name="Рисунок 3">
             <a:extLst>
               <a:ext uri="{FF2B5EF4-FFF2-40B4-BE49-F238E27FC236}">
-                <a16:creationId xmlns:a16="http://schemas.microsoft.com/office/drawing/2014/main" xmlns="" id="{3AE6A5F5-8823-B208-676F-B53F54AE3EAD}"/>
+                <a16:creationId xmlns:a16="http://schemas.microsoft.com/office/drawing/2014/main" id="{3AE6A5F5-8823-B208-676F-B53F54AE3EAD}"/>
               </a:ext>
             </a:extLst>
           </p:cNvPr>
@@ -4595,7 +4695,7 @@
         </p:blipFill>
         <p:spPr>
           <a:xfrm rot="5400000" flipH="1">
-            <a:off x="-3062748" y="3087000"/>
+            <a:off x="-4586748" y="3087000"/>
             <a:ext cx="6858000" cy="684000"/>
           </a:xfrm>
           <a:prstGeom prst="rect">
@@ -4610,6 +4710,35 @@
           </a:effectLst>
         </p:spPr>
       </p:pic>
+      <p:sp>
+        <p:nvSpPr>
+          <p:cNvPr id="9" name="Номер слайда 8">
+            <a:extLst>
+              <a:ext uri="{FF2B5EF4-FFF2-40B4-BE49-F238E27FC236}">
+                <a16:creationId xmlns:a16="http://schemas.microsoft.com/office/drawing/2014/main" id="{C9882451-1C9D-41A9-B53B-ADC6AF068F52}"/>
+              </a:ext>
+            </a:extLst>
+          </p:cNvPr>
+          <p:cNvSpPr>
+            <a:spLocks noGrp="1"/>
+          </p:cNvSpPr>
+          <p:nvPr>
+            <p:ph type="sldNum" sz="quarter" idx="12"/>
+          </p:nvPr>
+        </p:nvSpPr>
+        <p:spPr/>
+        <p:txBody>
+          <a:bodyPr/>
+          <a:lstStyle/>
+          <a:p>
+            <a:fld id="{AFC5D346-0896-4BCB-BD3D-84DEBAD632DA}" type="slidenum">
+              <a:rPr lang="ru-RU" smtClean="0"/>
+              <a:t>12</a:t>
+            </a:fld>
+            <a:endParaRPr lang="ru-RU"/>
+          </a:p>
+        </p:txBody>
+      </p:sp>
     </p:spTree>
     <p:extLst>
       <p:ext uri="{BB962C8B-B14F-4D97-AF65-F5344CB8AC3E}">
@@ -4620,17 +4749,10 @@
   <p:clrMapOvr>
     <a:masterClrMapping/>
   </p:clrMapOvr>
-  <p:timing>
-    <p:tnLst>
-      <p:par>
-        <p:cTn id="1" dur="indefinite" restart="never" nodeType="tmRoot"/>
-      </p:par>
-    </p:tnLst>
-  </p:timing>
 </p:sld>
 </file>
 
-<file path=ppt/slides/slide12.xml><?xml version="1.0" encoding="utf-8"?>
+<file path=ppt/slides/slide13.xml><?xml version="1.0" encoding="utf-8"?>
 <p:sld xmlns:a="http://schemas.openxmlformats.org/drawingml/2006/main" xmlns:r="http://schemas.openxmlformats.org/officeDocument/2006/relationships" xmlns:p="http://schemas.openxmlformats.org/presentationml/2006/main">
   <p:cSld>
     <p:spTree>
@@ -4659,7 +4781,7 @@
         </p:nvSpPr>
         <p:spPr>
           <a:xfrm>
-            <a:off x="0" y="295275"/>
+            <a:off x="-1524000" y="295276"/>
             <a:ext cx="12191999" cy="1152525"/>
           </a:xfrm>
         </p:spPr>
@@ -4671,18 +4793,18 @@
           <a:p>
             <a:pPr algn="ctr"/>
             <a:r>
-              <a:rPr lang="ru-RU" sz="3200" b="1" dirty="0" smtClean="0"/>
+              <a:rPr lang="ru-RU" sz="3200" b="1" dirty="0"/>
               <a:t>ИНТЕРФЕЙС ВЕБ-ПРИЛОЖЕНИЯ</a:t>
             </a:r>
             <a:br>
-              <a:rPr lang="ru-RU" sz="3200" b="1" dirty="0" smtClean="0"/>
+              <a:rPr lang="ru-RU" sz="3200" b="1" dirty="0"/>
             </a:br>
             <a:r>
-              <a:rPr lang="ru-RU" sz="3200" b="1" dirty="0" smtClean="0"/>
+              <a:rPr lang="ru-RU" sz="3200" b="1" dirty="0"/>
               <a:t>СТРАНИЦА АВТОРИЗАЦИИ И РЕГИСТРАЦИИ </a:t>
             </a:r>
             <a:br>
-              <a:rPr lang="ru-RU" sz="3200" b="1" dirty="0" smtClean="0"/>
+              <a:rPr lang="ru-RU" sz="3200" b="1" dirty="0"/>
             </a:br>
             <a:endParaRPr lang="ru-RU" sz="3200" b="1" dirty="0"/>
           </a:p>
@@ -4706,7 +4828,7 @@
         </p:blipFill>
         <p:spPr>
           <a:xfrm>
-            <a:off x="1676401" y="1478220"/>
+            <a:off x="152401" y="1478221"/>
             <a:ext cx="8796338" cy="3768209"/>
           </a:xfrm>
           <a:prstGeom prst="roundRect">
@@ -4732,7 +4854,7 @@
           <p:cNvPr id="7" name="Рисунок 6">
             <a:extLst>
               <a:ext uri="{FF2B5EF4-FFF2-40B4-BE49-F238E27FC236}">
-                <a16:creationId xmlns:a16="http://schemas.microsoft.com/office/drawing/2014/main" xmlns="" id="{F2F70E99-A462-71D2-6720-72622B6237A1}"/>
+                <a16:creationId xmlns:a16="http://schemas.microsoft.com/office/drawing/2014/main" id="{F2F70E99-A462-71D2-6720-72622B6237A1}"/>
               </a:ext>
             </a:extLst>
           </p:cNvPr>
@@ -4755,7 +4877,7 @@
         </p:blipFill>
         <p:spPr>
           <a:xfrm rot="16200000" flipH="1">
-            <a:off x="8421000" y="3087000"/>
+            <a:off x="6897000" y="3087000"/>
             <a:ext cx="6858000" cy="684000"/>
           </a:xfrm>
           <a:prstGeom prst="rect">
@@ -4770,6 +4892,35 @@
           </a:effectLst>
         </p:spPr>
       </p:pic>
+      <p:sp>
+        <p:nvSpPr>
+          <p:cNvPr id="8" name="Номер слайда 7">
+            <a:extLst>
+              <a:ext uri="{FF2B5EF4-FFF2-40B4-BE49-F238E27FC236}">
+                <a16:creationId xmlns:a16="http://schemas.microsoft.com/office/drawing/2014/main" id="{9A787F45-C075-2D52-CA47-834C815BEA1D}"/>
+              </a:ext>
+            </a:extLst>
+          </p:cNvPr>
+          <p:cNvSpPr>
+            <a:spLocks noGrp="1"/>
+          </p:cNvSpPr>
+          <p:nvPr>
+            <p:ph type="sldNum" sz="quarter" idx="12"/>
+          </p:nvPr>
+        </p:nvSpPr>
+        <p:spPr/>
+        <p:txBody>
+          <a:bodyPr/>
+          <a:lstStyle/>
+          <a:p>
+            <a:fld id="{AFC5D346-0896-4BCB-BD3D-84DEBAD632DA}" type="slidenum">
+              <a:rPr lang="ru-RU" smtClean="0"/>
+              <a:t>13</a:t>
+            </a:fld>
+            <a:endParaRPr lang="ru-RU"/>
+          </a:p>
+        </p:txBody>
+      </p:sp>
     </p:spTree>
     <p:extLst>
       <p:ext uri="{BB962C8B-B14F-4D97-AF65-F5344CB8AC3E}">
@@ -4780,17 +4931,10 @@
   <p:clrMapOvr>
     <a:masterClrMapping/>
   </p:clrMapOvr>
-  <p:timing>
-    <p:tnLst>
-      <p:par>
-        <p:cTn id="1" dur="indefinite" restart="never" nodeType="tmRoot"/>
-      </p:par>
-    </p:tnLst>
-  </p:timing>
 </p:sld>
 </file>
 
-<file path=ppt/slides/slide13.xml><?xml version="1.0" encoding="utf-8"?>
+<file path=ppt/slides/slide14.xml><?xml version="1.0" encoding="utf-8"?>
 <p:sld xmlns:a="http://schemas.openxmlformats.org/drawingml/2006/main" xmlns:r="http://schemas.openxmlformats.org/officeDocument/2006/relationships" xmlns:p="http://schemas.openxmlformats.org/presentationml/2006/main">
   <p:cSld>
     <p:spTree>
@@ -4819,7 +4963,7 @@
         </p:nvSpPr>
         <p:spPr>
           <a:xfrm>
-            <a:off x="866775" y="193675"/>
+            <a:off x="-657225" y="193676"/>
             <a:ext cx="10515600" cy="1325563"/>
           </a:xfrm>
         </p:spPr>
@@ -4862,7 +5006,7 @@
         </p:blipFill>
         <p:spPr>
           <a:xfrm>
-            <a:off x="1943100" y="1318258"/>
+            <a:off x="419101" y="1318259"/>
             <a:ext cx="8339871" cy="4587241"/>
           </a:xfrm>
           <a:prstGeom prst="rect">
@@ -4885,7 +5029,7 @@
           <p:cNvPr id="6" name="Рисунок 5">
             <a:extLst>
               <a:ext uri="{FF2B5EF4-FFF2-40B4-BE49-F238E27FC236}">
-                <a16:creationId xmlns:a16="http://schemas.microsoft.com/office/drawing/2014/main" xmlns="" id="{F2F70E99-A462-71D2-6720-72622B6237A1}"/>
+                <a16:creationId xmlns:a16="http://schemas.microsoft.com/office/drawing/2014/main" id="{F2F70E99-A462-71D2-6720-72622B6237A1}"/>
               </a:ext>
             </a:extLst>
           </p:cNvPr>
@@ -4908,7 +5052,7 @@
         </p:blipFill>
         <p:spPr>
           <a:xfrm rot="16200000" flipH="1">
-            <a:off x="8421000" y="3087000"/>
+            <a:off x="6897000" y="3087000"/>
             <a:ext cx="6858000" cy="684000"/>
           </a:xfrm>
           <a:prstGeom prst="rect">
@@ -4923,6 +5067,35 @@
           </a:effectLst>
         </p:spPr>
       </p:pic>
+      <p:sp>
+        <p:nvSpPr>
+          <p:cNvPr id="8" name="Номер слайда 7">
+            <a:extLst>
+              <a:ext uri="{FF2B5EF4-FFF2-40B4-BE49-F238E27FC236}">
+                <a16:creationId xmlns:a16="http://schemas.microsoft.com/office/drawing/2014/main" id="{6CDFDC65-817A-9349-1B48-4D67CCEBBC27}"/>
+              </a:ext>
+            </a:extLst>
+          </p:cNvPr>
+          <p:cNvSpPr>
+            <a:spLocks noGrp="1"/>
+          </p:cNvSpPr>
+          <p:nvPr>
+            <p:ph type="sldNum" sz="quarter" idx="12"/>
+          </p:nvPr>
+        </p:nvSpPr>
+        <p:spPr/>
+        <p:txBody>
+          <a:bodyPr/>
+          <a:lstStyle/>
+          <a:p>
+            <a:fld id="{AFC5D346-0896-4BCB-BD3D-84DEBAD632DA}" type="slidenum">
+              <a:rPr lang="ru-RU" smtClean="0"/>
+              <a:t>14</a:t>
+            </a:fld>
+            <a:endParaRPr lang="ru-RU"/>
+          </a:p>
+        </p:txBody>
+      </p:sp>
     </p:spTree>
     <p:extLst>
       <p:ext uri="{BB962C8B-B14F-4D97-AF65-F5344CB8AC3E}">
@@ -4933,17 +5106,10 @@
   <p:clrMapOvr>
     <a:masterClrMapping/>
   </p:clrMapOvr>
-  <p:timing>
-    <p:tnLst>
-      <p:par>
-        <p:cTn id="1" dur="indefinite" restart="never" nodeType="tmRoot"/>
-      </p:par>
-    </p:tnLst>
-  </p:timing>
 </p:sld>
 </file>
 
-<file path=ppt/slides/slide14.xml><?xml version="1.0" encoding="utf-8"?>
+<file path=ppt/slides/slide15.xml><?xml version="1.0" encoding="utf-8"?>
 <p:sld xmlns:a="http://schemas.openxmlformats.org/drawingml/2006/main" xmlns:r="http://schemas.openxmlformats.org/officeDocument/2006/relationships" xmlns:p="http://schemas.openxmlformats.org/presentationml/2006/main">
   <p:cSld>
     <p:spTree>
@@ -4972,7 +5138,7 @@
         </p:nvSpPr>
         <p:spPr>
           <a:xfrm>
-            <a:off x="0" y="193675"/>
+            <a:off x="-1524000" y="193676"/>
             <a:ext cx="12192000" cy="1325563"/>
           </a:xfrm>
         </p:spPr>
@@ -4992,15 +5158,7 @@
             </a:br>
             <a:r>
               <a:rPr lang="ru-RU" sz="2900" b="1" dirty="0"/>
-              <a:t>СТРАНИЦА </a:t>
-            </a:r>
-            <a:r>
-              <a:rPr lang="ru-RU" sz="2900" b="1" dirty="0" smtClean="0"/>
-              <a:t>ТОВАРА</a:t>
-            </a:r>
-            <a:r>
-              <a:rPr lang="ru-RU" sz="2900" b="1" dirty="0"/>
-              <a:t/>
+              <a:t>СТРАНИЦА ТОВАРА</a:t>
             </a:r>
             <a:br>
               <a:rPr lang="ru-RU" sz="2900" b="1" dirty="0"/>
@@ -5023,7 +5181,7 @@
         </p:blipFill>
         <p:spPr>
           <a:xfrm>
-            <a:off x="2000251" y="1313020"/>
+            <a:off x="476251" y="1313020"/>
             <a:ext cx="7915274" cy="4782980"/>
           </a:xfrm>
           <a:prstGeom prst="rect">
@@ -5046,7 +5204,7 @@
           <p:cNvPr id="7" name="Рисунок 6">
             <a:extLst>
               <a:ext uri="{FF2B5EF4-FFF2-40B4-BE49-F238E27FC236}">
-                <a16:creationId xmlns:a16="http://schemas.microsoft.com/office/drawing/2014/main" xmlns="" id="{F2F70E99-A462-71D2-6720-72622B6237A1}"/>
+                <a16:creationId xmlns:a16="http://schemas.microsoft.com/office/drawing/2014/main" id="{F2F70E99-A462-71D2-6720-72622B6237A1}"/>
               </a:ext>
             </a:extLst>
           </p:cNvPr>
@@ -5069,7 +5227,7 @@
         </p:blipFill>
         <p:spPr>
           <a:xfrm rot="16200000" flipH="1">
-            <a:off x="8421000" y="3087000"/>
+            <a:off x="6897000" y="3087000"/>
             <a:ext cx="6858000" cy="684000"/>
           </a:xfrm>
           <a:prstGeom prst="rect">
@@ -5084,6 +5242,35 @@
           </a:effectLst>
         </p:spPr>
       </p:pic>
+      <p:sp>
+        <p:nvSpPr>
+          <p:cNvPr id="8" name="Номер слайда 7">
+            <a:extLst>
+              <a:ext uri="{FF2B5EF4-FFF2-40B4-BE49-F238E27FC236}">
+                <a16:creationId xmlns:a16="http://schemas.microsoft.com/office/drawing/2014/main" id="{DDAD8F88-D24F-6DF5-B429-B28DDFC4F362}"/>
+              </a:ext>
+            </a:extLst>
+          </p:cNvPr>
+          <p:cNvSpPr>
+            <a:spLocks noGrp="1"/>
+          </p:cNvSpPr>
+          <p:nvPr>
+            <p:ph type="sldNum" sz="quarter" idx="12"/>
+          </p:nvPr>
+        </p:nvSpPr>
+        <p:spPr/>
+        <p:txBody>
+          <a:bodyPr/>
+          <a:lstStyle/>
+          <a:p>
+            <a:fld id="{AFC5D346-0896-4BCB-BD3D-84DEBAD632DA}" type="slidenum">
+              <a:rPr lang="ru-RU" smtClean="0"/>
+              <a:t>15</a:t>
+            </a:fld>
+            <a:endParaRPr lang="ru-RU"/>
+          </a:p>
+        </p:txBody>
+      </p:sp>
     </p:spTree>
     <p:extLst>
       <p:ext uri="{BB962C8B-B14F-4D97-AF65-F5344CB8AC3E}">
@@ -5094,17 +5281,10 @@
   <p:clrMapOvr>
     <a:masterClrMapping/>
   </p:clrMapOvr>
-  <p:timing>
-    <p:tnLst>
-      <p:par>
-        <p:cTn id="1" dur="indefinite" restart="never" nodeType="tmRoot"/>
-      </p:par>
-    </p:tnLst>
-  </p:timing>
 </p:sld>
 </file>
 
-<file path=ppt/slides/slide15.xml><?xml version="1.0" encoding="utf-8"?>
+<file path=ppt/slides/slide16.xml><?xml version="1.0" encoding="utf-8"?>
 <p:sld xmlns:a="http://schemas.openxmlformats.org/drawingml/2006/main" xmlns:r="http://schemas.openxmlformats.org/officeDocument/2006/relationships" xmlns:p="http://schemas.openxmlformats.org/presentationml/2006/main">
   <p:cSld>
     <p:spTree>
@@ -5133,7 +5313,7 @@
         </p:nvSpPr>
         <p:spPr>
           <a:xfrm>
-            <a:off x="0" y="0"/>
+            <a:off x="-1524000" y="1"/>
             <a:ext cx="12192000" cy="1325563"/>
           </a:xfrm>
         </p:spPr>
@@ -5153,15 +5333,7 @@
             </a:br>
             <a:r>
               <a:rPr lang="ru-RU" sz="2900" b="1" dirty="0"/>
-              <a:t>СТРАНИЦА </a:t>
-            </a:r>
-            <a:r>
-              <a:rPr lang="ru-RU" sz="2900" b="1" dirty="0" smtClean="0"/>
-              <a:t>КОРЗИНЫ</a:t>
-            </a:r>
-            <a:r>
-              <a:rPr lang="ru-RU" sz="2900" b="1" dirty="0"/>
-              <a:t/>
+              <a:t>СТРАНИЦА КОРЗИНЫ</a:t>
             </a:r>
             <a:br>
               <a:rPr lang="ru-RU" sz="2900" b="1" dirty="0"/>
@@ -5184,7 +5356,7 @@
         </p:blipFill>
         <p:spPr>
           <a:xfrm>
-            <a:off x="2162175" y="914401"/>
+            <a:off x="638176" y="914401"/>
             <a:ext cx="8000683" cy="5591174"/>
           </a:xfrm>
           <a:prstGeom prst="rect">
@@ -5207,7 +5379,7 @@
           <p:cNvPr id="8" name="Рисунок 7">
             <a:extLst>
               <a:ext uri="{FF2B5EF4-FFF2-40B4-BE49-F238E27FC236}">
-                <a16:creationId xmlns:a16="http://schemas.microsoft.com/office/drawing/2014/main" xmlns="" id="{F2F70E99-A462-71D2-6720-72622B6237A1}"/>
+                <a16:creationId xmlns:a16="http://schemas.microsoft.com/office/drawing/2014/main" id="{F2F70E99-A462-71D2-6720-72622B6237A1}"/>
               </a:ext>
             </a:extLst>
           </p:cNvPr>
@@ -5230,7 +5402,7 @@
         </p:blipFill>
         <p:spPr>
           <a:xfrm rot="16200000" flipH="1">
-            <a:off x="8421000" y="3087000"/>
+            <a:off x="6897000" y="3087000"/>
             <a:ext cx="6858000" cy="684000"/>
           </a:xfrm>
           <a:prstGeom prst="rect">
@@ -5245,6 +5417,35 @@
           </a:effectLst>
         </p:spPr>
       </p:pic>
+      <p:sp>
+        <p:nvSpPr>
+          <p:cNvPr id="5" name="Номер слайда 4">
+            <a:extLst>
+              <a:ext uri="{FF2B5EF4-FFF2-40B4-BE49-F238E27FC236}">
+                <a16:creationId xmlns:a16="http://schemas.microsoft.com/office/drawing/2014/main" id="{7F72B0B3-1D38-4129-76A7-969F749BB17C}"/>
+              </a:ext>
+            </a:extLst>
+          </p:cNvPr>
+          <p:cNvSpPr>
+            <a:spLocks noGrp="1"/>
+          </p:cNvSpPr>
+          <p:nvPr>
+            <p:ph type="sldNum" sz="quarter" idx="12"/>
+          </p:nvPr>
+        </p:nvSpPr>
+        <p:spPr/>
+        <p:txBody>
+          <a:bodyPr/>
+          <a:lstStyle/>
+          <a:p>
+            <a:fld id="{AFC5D346-0896-4BCB-BD3D-84DEBAD632DA}" type="slidenum">
+              <a:rPr lang="ru-RU" smtClean="0"/>
+              <a:t>16</a:t>
+            </a:fld>
+            <a:endParaRPr lang="ru-RU"/>
+          </a:p>
+        </p:txBody>
+      </p:sp>
     </p:spTree>
     <p:extLst>
       <p:ext uri="{BB962C8B-B14F-4D97-AF65-F5344CB8AC3E}">
@@ -5255,17 +5456,10 @@
   <p:clrMapOvr>
     <a:masterClrMapping/>
   </p:clrMapOvr>
-  <p:timing>
-    <p:tnLst>
-      <p:par>
-        <p:cTn id="1" dur="indefinite" restart="never" nodeType="tmRoot"/>
-      </p:par>
-    </p:tnLst>
-  </p:timing>
 </p:sld>
 </file>
 
-<file path=ppt/slides/slide16.xml><?xml version="1.0" encoding="utf-8"?>
+<file path=ppt/slides/slide17.xml><?xml version="1.0" encoding="utf-8"?>
 <p:sld xmlns:a="http://schemas.openxmlformats.org/drawingml/2006/main" xmlns:r="http://schemas.openxmlformats.org/officeDocument/2006/relationships" xmlns:p="http://schemas.openxmlformats.org/presentationml/2006/main">
   <p:cSld>
     <p:spTree>
@@ -5294,7 +5488,7 @@
         </p:nvSpPr>
         <p:spPr>
           <a:xfrm>
-            <a:off x="0" y="193675"/>
+            <a:off x="-1524000" y="193676"/>
             <a:ext cx="12192000" cy="1325563"/>
           </a:xfrm>
         </p:spPr>
@@ -5313,12 +5507,8 @@
               <a:rPr lang="ru-RU" sz="2900" b="1" dirty="0"/>
             </a:br>
             <a:r>
-              <a:rPr lang="ru-RU" sz="2900" b="1" dirty="0" smtClean="0"/>
+              <a:rPr lang="ru-RU" sz="2900" b="1" dirty="0"/>
               <a:t>СТРАНИЦА ОФОРМЛЕНИЯ ЗАКАЗА И ЗАКАЗЫ КЛИЕНТОВ</a:t>
-            </a:r>
-            <a:r>
-              <a:rPr lang="ru-RU" sz="2900" b="1" dirty="0"/>
-              <a:t/>
             </a:r>
             <a:br>
               <a:rPr lang="ru-RU" sz="2900" b="1" dirty="0"/>
@@ -5341,7 +5531,7 @@
         </p:blipFill>
         <p:spPr>
           <a:xfrm>
-            <a:off x="822324" y="1167765"/>
+            <a:off x="-701676" y="1167765"/>
             <a:ext cx="8245475" cy="2766060"/>
           </a:xfrm>
           <a:prstGeom prst="rect">
@@ -5373,7 +5563,7 @@
         </p:blipFill>
         <p:spPr>
           <a:xfrm>
-            <a:off x="4086226" y="4076700"/>
+            <a:off x="2562226" y="4076701"/>
             <a:ext cx="8008302" cy="2694305"/>
           </a:xfrm>
           <a:prstGeom prst="rect">
@@ -5396,7 +5586,7 @@
           <p:cNvPr id="8" name="Рисунок 7">
             <a:extLst>
               <a:ext uri="{FF2B5EF4-FFF2-40B4-BE49-F238E27FC236}">
-                <a16:creationId xmlns:a16="http://schemas.microsoft.com/office/drawing/2014/main" xmlns="" id="{5D068746-EC85-3D41-C5EB-0DD44F534AE5}"/>
+                <a16:creationId xmlns:a16="http://schemas.microsoft.com/office/drawing/2014/main" id="{5D068746-EC85-3D41-C5EB-0DD44F534AE5}"/>
               </a:ext>
             </a:extLst>
           </p:cNvPr>
@@ -5419,7 +5609,7 @@
         </p:blipFill>
         <p:spPr>
           <a:xfrm rot="5400000" flipH="1">
-            <a:off x="-3087000" y="3087000"/>
+            <a:off x="-4611000" y="3087000"/>
             <a:ext cx="6858000" cy="684000"/>
           </a:xfrm>
           <a:prstGeom prst="rect">
@@ -5434,6 +5624,35 @@
           </a:effectLst>
         </p:spPr>
       </p:pic>
+      <p:sp>
+        <p:nvSpPr>
+          <p:cNvPr id="9" name="Номер слайда 8">
+            <a:extLst>
+              <a:ext uri="{FF2B5EF4-FFF2-40B4-BE49-F238E27FC236}">
+                <a16:creationId xmlns:a16="http://schemas.microsoft.com/office/drawing/2014/main" id="{47F726BB-D459-039F-0962-29080A1B7381}"/>
+              </a:ext>
+            </a:extLst>
+          </p:cNvPr>
+          <p:cNvSpPr>
+            <a:spLocks noGrp="1"/>
+          </p:cNvSpPr>
+          <p:nvPr>
+            <p:ph type="sldNum" sz="quarter" idx="12"/>
+          </p:nvPr>
+        </p:nvSpPr>
+        <p:spPr/>
+        <p:txBody>
+          <a:bodyPr/>
+          <a:lstStyle/>
+          <a:p>
+            <a:fld id="{AFC5D346-0896-4BCB-BD3D-84DEBAD632DA}" type="slidenum">
+              <a:rPr lang="ru-RU" smtClean="0"/>
+              <a:t>17</a:t>
+            </a:fld>
+            <a:endParaRPr lang="ru-RU"/>
+          </a:p>
+        </p:txBody>
+      </p:sp>
     </p:spTree>
     <p:extLst>
       <p:ext uri="{BB962C8B-B14F-4D97-AF65-F5344CB8AC3E}">
@@ -5444,17 +5663,10 @@
   <p:clrMapOvr>
     <a:masterClrMapping/>
   </p:clrMapOvr>
-  <p:timing>
-    <p:tnLst>
-      <p:par>
-        <p:cTn id="1" dur="indefinite" restart="never" nodeType="tmRoot"/>
-      </p:par>
-    </p:tnLst>
-  </p:timing>
 </p:sld>
 </file>
 
-<file path=ppt/slides/slide17.xml><?xml version="1.0" encoding="utf-8"?>
+<file path=ppt/slides/slide18.xml><?xml version="1.0" encoding="utf-8"?>
 <p:sld xmlns:a="http://schemas.openxmlformats.org/drawingml/2006/main" xmlns:r="http://schemas.openxmlformats.org/officeDocument/2006/relationships" xmlns:p="http://schemas.openxmlformats.org/presentationml/2006/main">
   <p:cSld>
     <p:spTree>
@@ -5483,7 +5695,7 @@
         </p:nvSpPr>
         <p:spPr>
           <a:xfrm>
-            <a:off x="0" y="2863851"/>
+            <a:off x="-1524000" y="2863851"/>
             <a:ext cx="12192000" cy="3994150"/>
           </a:xfrm>
         </p:spPr>
@@ -5508,19 +5720,15 @@
               <a:rPr lang="ru-RU" sz="2400" dirty="0"/>
               <a:t> и MS SQL Server. Приложение автоматизирует процесс обработки заказов и предоставляет клиентам актуальную информацию об оборудовании. Многослойная архитектура решения обеспечивает гибкость, масштабируемость и простоту поддержки. </a:t>
             </a:r>
-            <a:endParaRPr lang="en-US" sz="2400" dirty="0" smtClean="0"/>
+            <a:endParaRPr lang="en-US" sz="2400" dirty="0"/>
           </a:p>
           <a:p>
             <a:pPr marL="0" indent="0">
               <a:buNone/>
             </a:pPr>
             <a:r>
-              <a:rPr lang="ru-RU" sz="2400" dirty="0" smtClean="0"/>
-              <a:t>В </a:t>
-            </a:r>
-            <a:r>
               <a:rPr lang="ru-RU" sz="2400" dirty="0"/>
-              <a:t>перспективе планируется расширение функционала за счёт внедрения калькулятора стоимости, интеграции с платежными системами и разработки мобильной версии. Реализованное решение позволит компании оптимизировать бизнес-процессы, повысить конкурентоспособность и создать основу для дальнейшего развития.</a:t>
+              <a:t>В перспективе планируется расширение функционала за счёт внедрения калькулятора стоимости, интеграции с платежными системами и разработки мобильной версии. Реализованное решение позволит компании оптимизировать бизнес-процессы, повысить конкурентоспособность и создать основу для дальнейшего развития.</a:t>
             </a:r>
           </a:p>
         </p:txBody>
@@ -5530,7 +5738,7 @@
           <p:cNvPr id="7" name="Рисунок 6">
             <a:extLst>
               <a:ext uri="{FF2B5EF4-FFF2-40B4-BE49-F238E27FC236}">
-                <a16:creationId xmlns:a16="http://schemas.microsoft.com/office/drawing/2014/main" xmlns="" id="{7062EEF1-BB05-DFBC-C9BF-DBE48AB9675A}"/>
+                <a16:creationId xmlns:a16="http://schemas.microsoft.com/office/drawing/2014/main" id="{7062EEF1-BB05-DFBC-C9BF-DBE48AB9675A}"/>
               </a:ext>
             </a:extLst>
           </p:cNvPr>
@@ -5553,7 +5761,7 @@
         </p:blipFill>
         <p:spPr>
           <a:xfrm>
-            <a:off x="0" y="-1"/>
+            <a:off x="-1524000" y="-1"/>
             <a:ext cx="12191995" cy="2664065"/>
           </a:xfrm>
           <a:prstGeom prst="rect">
@@ -5576,7 +5784,7 @@
           <p:cNvPr id="8" name="TextBox 7">
             <a:extLst>
               <a:ext uri="{FF2B5EF4-FFF2-40B4-BE49-F238E27FC236}">
-                <a16:creationId xmlns="" xmlns:a16="http://schemas.microsoft.com/office/drawing/2014/main" id="{8FA28FC3-EE1C-47C8-98A8-3BDC7E42725E}"/>
+                <a16:creationId xmlns:a16="http://schemas.microsoft.com/office/drawing/2014/main" id="{8FA28FC3-EE1C-47C8-98A8-3BDC7E42725E}"/>
               </a:ext>
             </a:extLst>
           </p:cNvPr>
@@ -5585,7 +5793,7 @@
         </p:nvSpPr>
         <p:spPr>
           <a:xfrm>
-            <a:off x="7107450" y="942974"/>
+            <a:off x="5583451" y="942974"/>
             <a:ext cx="4446375" cy="1077218"/>
           </a:xfrm>
           <a:prstGeom prst="rect">
@@ -5674,7 +5882,7 @@
         </p:blipFill>
         <p:spPr bwMode="auto">
           <a:xfrm>
-            <a:off x="310048" y="112787"/>
+            <a:off x="-1213952" y="112788"/>
             <a:ext cx="1766402" cy="2061897"/>
           </a:xfrm>
           <a:prstGeom prst="rect">
@@ -5701,6 +5909,35 @@
           </a:extLst>
         </p:spPr>
       </p:pic>
+      <p:sp>
+        <p:nvSpPr>
+          <p:cNvPr id="6" name="Номер слайда 5">
+            <a:extLst>
+              <a:ext uri="{FF2B5EF4-FFF2-40B4-BE49-F238E27FC236}">
+                <a16:creationId xmlns:a16="http://schemas.microsoft.com/office/drawing/2014/main" id="{1A1C0C5B-B1EF-F3BB-651B-157956725A05}"/>
+              </a:ext>
+            </a:extLst>
+          </p:cNvPr>
+          <p:cNvSpPr>
+            <a:spLocks noGrp="1"/>
+          </p:cNvSpPr>
+          <p:nvPr>
+            <p:ph type="sldNum" sz="quarter" idx="12"/>
+          </p:nvPr>
+        </p:nvSpPr>
+        <p:spPr/>
+        <p:txBody>
+          <a:bodyPr/>
+          <a:lstStyle/>
+          <a:p>
+            <a:fld id="{AFC5D346-0896-4BCB-BD3D-84DEBAD632DA}" type="slidenum">
+              <a:rPr lang="ru-RU" smtClean="0"/>
+              <a:t>18</a:t>
+            </a:fld>
+            <a:endParaRPr lang="ru-RU"/>
+          </a:p>
+        </p:txBody>
+      </p:sp>
     </p:spTree>
     <p:extLst>
       <p:ext uri="{BB962C8B-B14F-4D97-AF65-F5344CB8AC3E}">
@@ -5711,13 +5948,6 @@
   <p:clrMapOvr>
     <a:masterClrMapping/>
   </p:clrMapOvr>
-  <p:timing>
-    <p:tnLst>
-      <p:par>
-        <p:cTn id="1" dur="indefinite" restart="never" nodeType="tmRoot"/>
-      </p:par>
-    </p:tnLst>
-  </p:timing>
 </p:sld>
 </file>
 
@@ -5743,7 +5973,7 @@
           <p:cNvPr id="2" name="Заголовок 1">
             <a:extLst>
               <a:ext uri="{FF2B5EF4-FFF2-40B4-BE49-F238E27FC236}">
-                <a16:creationId xmlns:a16="http://schemas.microsoft.com/office/drawing/2014/main" xmlns="" id="{0759D693-CDBC-4694-7AFA-35683CB740F6}"/>
+                <a16:creationId xmlns:a16="http://schemas.microsoft.com/office/drawing/2014/main" id="{4140CA3F-E951-D9E9-2ABA-CE71CF9471B7}"/>
               </a:ext>
             </a:extLst>
           </p:cNvPr>
@@ -5754,10 +5984,127 @@
             <p:ph type="title"/>
           </p:nvPr>
         </p:nvSpPr>
+        <p:spPr/>
+        <p:txBody>
+          <a:bodyPr/>
+          <a:lstStyle/>
+          <a:p>
+            <a:endParaRPr lang="ru-RU"/>
+          </a:p>
+        </p:txBody>
+      </p:sp>
+      <p:sp>
+        <p:nvSpPr>
+          <p:cNvPr id="3" name="Объект 2">
+            <a:extLst>
+              <a:ext uri="{FF2B5EF4-FFF2-40B4-BE49-F238E27FC236}">
+                <a16:creationId xmlns:a16="http://schemas.microsoft.com/office/drawing/2014/main" id="{3D03C3BD-8564-748B-F9F9-B0630D2C97D0}"/>
+              </a:ext>
+            </a:extLst>
+          </p:cNvPr>
+          <p:cNvSpPr>
+            <a:spLocks noGrp="1"/>
+          </p:cNvSpPr>
+          <p:nvPr>
+            <p:ph idx="1"/>
+          </p:nvPr>
+        </p:nvSpPr>
+        <p:spPr/>
+        <p:txBody>
+          <a:bodyPr/>
+          <a:lstStyle/>
+          <a:p>
+            <a:endParaRPr lang="ru-RU" dirty="0"/>
+          </a:p>
+        </p:txBody>
+      </p:sp>
+      <p:sp>
+        <p:nvSpPr>
+          <p:cNvPr id="4" name="Номер слайда 3">
+            <a:extLst>
+              <a:ext uri="{FF2B5EF4-FFF2-40B4-BE49-F238E27FC236}">
+                <a16:creationId xmlns:a16="http://schemas.microsoft.com/office/drawing/2014/main" id="{97BD0E20-09F0-17F1-74A0-677C2717BCE2}"/>
+              </a:ext>
+            </a:extLst>
+          </p:cNvPr>
+          <p:cNvSpPr>
+            <a:spLocks noGrp="1"/>
+          </p:cNvSpPr>
+          <p:nvPr>
+            <p:ph type="sldNum" sz="quarter" idx="12"/>
+          </p:nvPr>
+        </p:nvSpPr>
+        <p:spPr/>
+        <p:txBody>
+          <a:bodyPr/>
+          <a:lstStyle/>
+          <a:p>
+            <a:fld id="{AFC5D346-0896-4BCB-BD3D-84DEBAD632DA}" type="slidenum">
+              <a:rPr lang="ru-RU" sz="2400" b="1" smtClean="0">
+                <a:solidFill>
+                  <a:schemeClr val="tx1"/>
+                </a:solidFill>
+              </a:rPr>
+              <a:t>2</a:t>
+            </a:fld>
+            <a:endParaRPr lang="ru-RU" sz="2400" b="1" dirty="0">
+              <a:solidFill>
+                <a:schemeClr val="tx1"/>
+              </a:solidFill>
+            </a:endParaRPr>
+          </a:p>
+        </p:txBody>
+      </p:sp>
+    </p:spTree>
+    <p:extLst>
+      <p:ext uri="{BB962C8B-B14F-4D97-AF65-F5344CB8AC3E}">
+        <p14:creationId xmlns:p14="http://schemas.microsoft.com/office/powerpoint/2010/main" val="3000583519"/>
+      </p:ext>
+    </p:extLst>
+  </p:cSld>
+  <p:clrMapOvr>
+    <a:masterClrMapping/>
+  </p:clrMapOvr>
+</p:sld>
+</file>
+
+<file path=ppt/slides/slide3.xml><?xml version="1.0" encoding="utf-8"?>
+<p:sld xmlns:a="http://schemas.openxmlformats.org/drawingml/2006/main" xmlns:r="http://schemas.openxmlformats.org/officeDocument/2006/relationships" xmlns:p="http://schemas.openxmlformats.org/presentationml/2006/main">
+  <p:cSld>
+    <p:spTree>
+      <p:nvGrpSpPr>
+        <p:cNvPr id="1" name=""/>
+        <p:cNvGrpSpPr/>
+        <p:nvPr/>
+      </p:nvGrpSpPr>
+      <p:grpSpPr>
+        <a:xfrm>
+          <a:off x="0" y="0"/>
+          <a:ext cx="0" cy="0"/>
+          <a:chOff x="0" y="0"/>
+          <a:chExt cx="0" cy="0"/>
+        </a:xfrm>
+      </p:grpSpPr>
+      <p:sp>
+        <p:nvSpPr>
+          <p:cNvPr id="2" name="Заголовок 1">
+            <a:extLst>
+              <a:ext uri="{FF2B5EF4-FFF2-40B4-BE49-F238E27FC236}">
+                <a16:creationId xmlns:a16="http://schemas.microsoft.com/office/drawing/2014/main" id="{0759D693-CDBC-4694-7AFA-35683CB740F6}"/>
+              </a:ext>
+            </a:extLst>
+          </p:cNvPr>
+          <p:cNvSpPr>
+            <a:spLocks noGrp="1"/>
+          </p:cNvSpPr>
+          <p:nvPr>
+            <p:ph type="title"/>
+          </p:nvPr>
+        </p:nvSpPr>
         <p:spPr>
           <a:xfrm>
-            <a:off x="962025" y="269875"/>
-            <a:ext cx="10515600" cy="1460500"/>
+            <a:off x="829559" y="136525"/>
+            <a:ext cx="8314441" cy="2022213"/>
           </a:xfrm>
         </p:spPr>
         <p:txBody>
@@ -5768,18 +6115,18 @@
           <a:p>
             <a:pPr algn="just"/>
             <a:r>
-              <a:rPr lang="ru-RU" sz="2800" b="1" dirty="0"/>
+              <a:rPr lang="ru-RU" sz="2400" b="1" dirty="0"/>
               <a:t>Цель</a:t>
             </a:r>
             <a:r>
-              <a:rPr lang="ru-RU" sz="2800" dirty="0"/>
+              <a:rPr lang="ru-RU" sz="2400" dirty="0"/>
               <a:t> - проектирование и разработка веб-приложения для автоматизации бизнес-процессов, улучшения коммуникации с клиентами и оптимизации работы сотрудников компании </a:t>
             </a:r>
             <a:br>
-              <a:rPr lang="ru-RU" sz="2800" dirty="0"/>
+              <a:rPr lang="ru-RU" sz="2400" dirty="0"/>
             </a:br>
             <a:r>
-              <a:rPr lang="ru-RU" sz="2800" dirty="0"/>
+              <a:rPr lang="ru-RU" sz="2400" dirty="0"/>
               <a:t>ООО «Инженерное Бюро».</a:t>
             </a:r>
           </a:p>
@@ -5790,7 +6137,7 @@
           <p:cNvPr id="3" name="Объект 2">
             <a:extLst>
               <a:ext uri="{FF2B5EF4-FFF2-40B4-BE49-F238E27FC236}">
-                <a16:creationId xmlns:a16="http://schemas.microsoft.com/office/drawing/2014/main" xmlns="" id="{5BDEB69D-01C9-CDDD-FF02-EE8ACEC98A0C}"/>
+                <a16:creationId xmlns:a16="http://schemas.microsoft.com/office/drawing/2014/main" id="{5BDEB69D-01C9-CDDD-FF02-EE8ACEC98A0C}"/>
               </a:ext>
             </a:extLst>
           </p:cNvPr>
@@ -5803,13 +6150,13 @@
         </p:nvSpPr>
         <p:spPr>
           <a:xfrm>
-            <a:off x="971550" y="1998980"/>
-            <a:ext cx="10515600" cy="4351338"/>
+            <a:off x="934237" y="2394904"/>
+            <a:ext cx="8209764" cy="4119017"/>
           </a:xfrm>
         </p:spPr>
         <p:txBody>
           <a:bodyPr>
-            <a:normAutofit lnSpcReduction="10000"/>
+            <a:noAutofit/>
           </a:bodyPr>
           <a:lstStyle/>
           <a:p>
@@ -5817,55 +6164,46 @@
               <a:buNone/>
             </a:pPr>
             <a:r>
-              <a:rPr lang="ru-RU" b="1" dirty="0" smtClean="0"/>
+              <a:rPr lang="ru-RU" sz="2400" b="1" dirty="0"/>
               <a:t>Задачи:</a:t>
             </a:r>
-            <a:r>
-              <a:rPr lang="ru-RU" dirty="0"/>
-              <a:t/>
-            </a:r>
             <a:br>
-              <a:rPr lang="ru-RU" dirty="0"/>
+              <a:rPr lang="ru-RU" sz="2400" dirty="0"/>
             </a:br>
-            <a:endParaRPr lang="ru-RU" dirty="0" smtClean="0"/>
-          </a:p>
-          <a:p>
-            <a:r>
-              <a:rPr lang="ru-RU" dirty="0" smtClean="0"/>
-              <a:t>Анализ </a:t>
-            </a:r>
-            <a:r>
-              <a:rPr lang="ru-RU" dirty="0"/>
-              <a:t>бизнес-процессов</a:t>
-            </a:r>
-          </a:p>
-          <a:p>
-            <a:endParaRPr lang="ru-RU" dirty="0"/>
-          </a:p>
-          <a:p>
-            <a:r>
-              <a:rPr lang="ru-RU" dirty="0"/>
+            <a:endParaRPr lang="ru-RU" sz="2400" dirty="0"/>
+          </a:p>
+          <a:p>
+            <a:r>
+              <a:rPr lang="ru-RU" sz="2400" dirty="0"/>
+              <a:t>Анализ бизнес-процессов</a:t>
+            </a:r>
+          </a:p>
+          <a:p>
+            <a:endParaRPr lang="ru-RU" sz="2400" dirty="0"/>
+          </a:p>
+          <a:p>
+            <a:r>
+              <a:rPr lang="ru-RU" sz="2400" dirty="0"/>
               <a:t>Изучение существующих решений</a:t>
             </a:r>
           </a:p>
           <a:p>
-            <a:endParaRPr lang="ru-RU" dirty="0"/>
-          </a:p>
-          <a:p>
-            <a:r>
-              <a:rPr lang="ru-RU" dirty="0"/>
+            <a:endParaRPr lang="ru-RU" sz="2400" dirty="0"/>
+          </a:p>
+          <a:p>
+            <a:r>
+              <a:rPr lang="ru-RU" sz="2400" dirty="0"/>
               <a:t>Разработка ПО для автоматизации заказов</a:t>
             </a:r>
           </a:p>
           <a:p>
-            <a:endParaRPr lang="ru-RU" dirty="0"/>
-          </a:p>
-          <a:p>
-            <a:r>
-              <a:rPr lang="ru-RU" dirty="0"/>
+            <a:endParaRPr lang="ru-RU" sz="2400" dirty="0"/>
+          </a:p>
+          <a:p>
+            <a:r>
+              <a:rPr lang="ru-RU" sz="2400" dirty="0"/>
               <a:t>Обучение сотрудников</a:t>
             </a:r>
-            <a:endParaRPr lang="ru-RU" dirty="0"/>
           </a:p>
         </p:txBody>
       </p:sp>
@@ -5874,7 +6212,7 @@
           <p:cNvPr id="4" name="Рисунок 3">
             <a:extLst>
               <a:ext uri="{FF2B5EF4-FFF2-40B4-BE49-F238E27FC236}">
-                <a16:creationId xmlns:a16="http://schemas.microsoft.com/office/drawing/2014/main" xmlns="" id="{0359349B-6BCC-3F1B-BE57-9CBF9BA7E5EC}"/>
+                <a16:creationId xmlns:a16="http://schemas.microsoft.com/office/drawing/2014/main" id="{0359349B-6BCC-3F1B-BE57-9CBF9BA7E5EC}"/>
               </a:ext>
             </a:extLst>
           </p:cNvPr>
@@ -5905,6 +6243,43 @@
           </a:prstGeom>
         </p:spPr>
       </p:pic>
+      <p:sp>
+        <p:nvSpPr>
+          <p:cNvPr id="8" name="Номер слайда 7">
+            <a:extLst>
+              <a:ext uri="{FF2B5EF4-FFF2-40B4-BE49-F238E27FC236}">
+                <a16:creationId xmlns:a16="http://schemas.microsoft.com/office/drawing/2014/main" id="{2DB6E096-5387-F3DC-73C0-4B1857910FC3}"/>
+              </a:ext>
+            </a:extLst>
+          </p:cNvPr>
+          <p:cNvSpPr>
+            <a:spLocks noGrp="1"/>
+          </p:cNvSpPr>
+          <p:nvPr>
+            <p:ph type="sldNum" sz="quarter" idx="12"/>
+          </p:nvPr>
+        </p:nvSpPr>
+        <p:spPr/>
+        <p:txBody>
+          <a:bodyPr/>
+          <a:lstStyle/>
+          <a:p>
+            <a:fld id="{AFC5D346-0896-4BCB-BD3D-84DEBAD632DA}" type="slidenum">
+              <a:rPr lang="ru-RU" sz="2400" b="1" smtClean="0">
+                <a:solidFill>
+                  <a:schemeClr val="tx1"/>
+                </a:solidFill>
+              </a:rPr>
+              <a:t>3</a:t>
+            </a:fld>
+            <a:endParaRPr lang="ru-RU" sz="2400" b="1" dirty="0">
+              <a:solidFill>
+                <a:schemeClr val="tx1"/>
+              </a:solidFill>
+            </a:endParaRPr>
+          </a:p>
+        </p:txBody>
+      </p:sp>
     </p:spTree>
     <p:extLst>
       <p:ext uri="{BB962C8B-B14F-4D97-AF65-F5344CB8AC3E}">
@@ -5915,17 +6290,10 @@
   <p:clrMapOvr>
     <a:masterClrMapping/>
   </p:clrMapOvr>
-  <p:timing>
-    <p:tnLst>
-      <p:par>
-        <p:cTn id="1" dur="indefinite" restart="never" nodeType="tmRoot"/>
-      </p:par>
-    </p:tnLst>
-  </p:timing>
 </p:sld>
 </file>
 
-<file path=ppt/slides/slide3.xml><?xml version="1.0" encoding="utf-8"?>
+<file path=ppt/slides/slide4.xml><?xml version="1.0" encoding="utf-8"?>
 <p:sld xmlns:a="http://schemas.openxmlformats.org/drawingml/2006/main" xmlns:r="http://schemas.openxmlformats.org/officeDocument/2006/relationships" xmlns:p="http://schemas.openxmlformats.org/presentationml/2006/main">
   <p:cSld>
     <p:spTree>
@@ -5947,7 +6315,7 @@
           <p:cNvPr id="2" name="Заголовок 1">
             <a:extLst>
               <a:ext uri="{FF2B5EF4-FFF2-40B4-BE49-F238E27FC236}">
-                <a16:creationId xmlns:a16="http://schemas.microsoft.com/office/drawing/2014/main" xmlns="" id="{70E27E36-57BD-B396-5066-2EE1B249CE8A}"/>
+                <a16:creationId xmlns:a16="http://schemas.microsoft.com/office/drawing/2014/main" id="{70E27E36-57BD-B396-5066-2EE1B249CE8A}"/>
               </a:ext>
             </a:extLst>
           </p:cNvPr>
@@ -5960,7 +6328,7 @@
         </p:nvSpPr>
         <p:spPr>
           <a:xfrm>
-            <a:off x="684000" y="133350"/>
+            <a:off x="-840000" y="133350"/>
             <a:ext cx="11508000" cy="666750"/>
           </a:xfrm>
         </p:spPr>
@@ -5971,65 +6339,12 @@
           <a:lstStyle/>
           <a:p>
             <a:pPr algn="ctr"/>
-            <a:r>
-              <a:rPr lang="ru-RU" sz="2400" b="1" dirty="0" smtClean="0">
-                <a:latin typeface="+mn-lt"/>
-                <a:ea typeface="Calibri" panose="020F0502020204030204" pitchFamily="34" charset="0"/>
-              </a:rPr>
-              <a:t>О</a:t>
-            </a:r>
-            <a:r>
-              <a:rPr lang="ru-RU" sz="2400" b="1" dirty="0" smtClean="0">
-                <a:effectLst/>
-                <a:latin typeface="+mn-lt"/>
-                <a:ea typeface="Calibri" panose="020F0502020204030204" pitchFamily="34" charset="0"/>
-              </a:rPr>
-              <a:t>рганизационная структура </a:t>
-            </a:r>
-            <a:r>
-              <a:rPr lang="ru-RU" sz="2400" b="1" dirty="0" smtClean="0">
-                <a:latin typeface="+mn-lt"/>
-                <a:ea typeface="Calibri" panose="020F0502020204030204" pitchFamily="34" charset="0"/>
-              </a:rPr>
-              <a:t>ООО </a:t>
-            </a:r>
-            <a:r>
-              <a:rPr lang="ru-RU" sz="2400" b="1" dirty="0" smtClean="0">
-                <a:effectLst/>
-                <a:latin typeface="+mn-lt"/>
-                <a:ea typeface="Calibri" panose="020F0502020204030204" pitchFamily="34" charset="0"/>
-              </a:rPr>
-              <a:t>«Инженерное </a:t>
-            </a:r>
             <a:r>
               <a:rPr lang="ru-RU" sz="2400" b="1" dirty="0">
                 <a:latin typeface="+mn-lt"/>
                 <a:ea typeface="Calibri" panose="020F0502020204030204" pitchFamily="34" charset="0"/>
               </a:rPr>
-              <a:t>Б</a:t>
-            </a:r>
-            <a:r>
-              <a:rPr lang="ru-RU" sz="2400" b="1" dirty="0" smtClean="0">
-                <a:effectLst/>
-                <a:latin typeface="+mn-lt"/>
-                <a:ea typeface="Calibri" panose="020F0502020204030204" pitchFamily="34" charset="0"/>
-              </a:rPr>
-              <a:t>юро» г. </a:t>
-            </a:r>
-            <a:r>
-              <a:rPr lang="ru-RU" sz="2400" b="1" dirty="0">
-                <a:latin typeface="+mn-lt"/>
-                <a:ea typeface="Calibri" panose="020F0502020204030204" pitchFamily="34" charset="0"/>
-              </a:rPr>
-              <a:t>Т</a:t>
-            </a:r>
-            <a:r>
-              <a:rPr lang="ru-RU" sz="2400" b="1" dirty="0" smtClean="0">
-                <a:effectLst/>
-                <a:latin typeface="+mn-lt"/>
-                <a:ea typeface="Calibri" panose="020F0502020204030204" pitchFamily="34" charset="0"/>
-              </a:rPr>
-              <a:t>юмени</a:t>
+              <a:t>Организационная структура ООО «Инженерное Бюро» г. Тюмени</a:t>
             </a:r>
             <a:endParaRPr lang="ru-RU" sz="4800" b="1" dirty="0">
               <a:latin typeface="+mn-lt"/>
@@ -6042,7 +6357,7 @@
           <p:cNvPr id="10" name="Рисунок 9">
             <a:extLst>
               <a:ext uri="{FF2B5EF4-FFF2-40B4-BE49-F238E27FC236}">
-                <a16:creationId xmlns:a16="http://schemas.microsoft.com/office/drawing/2014/main" xmlns="" id="{51AF2443-7C6B-2250-4637-26EDCBC49B08}"/>
+                <a16:creationId xmlns:a16="http://schemas.microsoft.com/office/drawing/2014/main" id="{51AF2443-7C6B-2250-4637-26EDCBC49B08}"/>
               </a:ext>
             </a:extLst>
           </p:cNvPr>
@@ -6065,7 +6380,7 @@
         </p:blipFill>
         <p:spPr>
           <a:xfrm rot="5400000" flipH="1">
-            <a:off x="-3087000" y="3087000"/>
+            <a:off x="-4611000" y="3087000"/>
             <a:ext cx="6858000" cy="684000"/>
           </a:xfrm>
           <a:prstGeom prst="rect">
@@ -6096,8 +6411,8 @@
         </p:blipFill>
         <p:spPr bwMode="auto">
           <a:xfrm>
-            <a:off x="873803" y="1523997"/>
-            <a:ext cx="11065783" cy="3324227"/>
+            <a:off x="323962" y="1533426"/>
+            <a:ext cx="8734163" cy="2623795"/>
           </a:xfrm>
           <a:prstGeom prst="rect">
             <a:avLst/>
@@ -6137,6 +6452,35 @@
           </a:extLst>
         </p:spPr>
       </p:pic>
+      <p:sp>
+        <p:nvSpPr>
+          <p:cNvPr id="6" name="Номер слайда 5">
+            <a:extLst>
+              <a:ext uri="{FF2B5EF4-FFF2-40B4-BE49-F238E27FC236}">
+                <a16:creationId xmlns:a16="http://schemas.microsoft.com/office/drawing/2014/main" id="{3157AA43-B7B3-66D7-875C-6EFE1455DCCC}"/>
+              </a:ext>
+            </a:extLst>
+          </p:cNvPr>
+          <p:cNvSpPr>
+            <a:spLocks noGrp="1"/>
+          </p:cNvSpPr>
+          <p:nvPr>
+            <p:ph type="sldNum" sz="quarter" idx="12"/>
+          </p:nvPr>
+        </p:nvSpPr>
+        <p:spPr/>
+        <p:txBody>
+          <a:bodyPr/>
+          <a:lstStyle/>
+          <a:p>
+            <a:fld id="{AFC5D346-0896-4BCB-BD3D-84DEBAD632DA}" type="slidenum">
+              <a:rPr lang="ru-RU" smtClean="0"/>
+              <a:t>4</a:t>
+            </a:fld>
+            <a:endParaRPr lang="ru-RU" dirty="0"/>
+          </a:p>
+        </p:txBody>
+      </p:sp>
     </p:spTree>
     <p:extLst>
       <p:ext uri="{BB962C8B-B14F-4D97-AF65-F5344CB8AC3E}">
@@ -6147,17 +6491,10 @@
   <p:clrMapOvr>
     <a:masterClrMapping/>
   </p:clrMapOvr>
-  <p:timing>
-    <p:tnLst>
-      <p:par>
-        <p:cTn id="1" dur="indefinite" restart="never" nodeType="tmRoot"/>
-      </p:par>
-    </p:tnLst>
-  </p:timing>
 </p:sld>
 </file>
 
-<file path=ppt/slides/slide4.xml><?xml version="1.0" encoding="utf-8"?>
+<file path=ppt/slides/slide5.xml><?xml version="1.0" encoding="utf-8"?>
 <p:sld xmlns:a="http://schemas.openxmlformats.org/drawingml/2006/main" xmlns:r="http://schemas.openxmlformats.org/officeDocument/2006/relationships" xmlns:p="http://schemas.openxmlformats.org/presentationml/2006/main">
   <p:cSld>
     <p:spTree>
@@ -6179,7 +6516,7 @@
           <p:cNvPr id="2" name="Заголовок 1">
             <a:extLst>
               <a:ext uri="{FF2B5EF4-FFF2-40B4-BE49-F238E27FC236}">
-                <a16:creationId xmlns:a16="http://schemas.microsoft.com/office/drawing/2014/main" xmlns="" id="{E8A2A335-4A07-31FB-6D9D-85C771F17B3C}"/>
+                <a16:creationId xmlns:a16="http://schemas.microsoft.com/office/drawing/2014/main" id="{E8A2A335-4A07-31FB-6D9D-85C771F17B3C}"/>
               </a:ext>
             </a:extLst>
           </p:cNvPr>
@@ -6192,7 +6529,7 @@
         </p:nvSpPr>
         <p:spPr>
           <a:xfrm>
-            <a:off x="684000" y="6096000"/>
+            <a:off x="-840000" y="6096000"/>
             <a:ext cx="11508000" cy="666750"/>
           </a:xfrm>
         </p:spPr>
@@ -6203,26 +6540,11 @@
           <a:lstStyle/>
           <a:p>
             <a:r>
-              <a:rPr lang="ru-RU" sz="2200" b="1" dirty="0" smtClean="0">
-                <a:latin typeface="+mn-lt"/>
-              </a:rPr>
-              <a:t>Функции веб-приложения: регистраци</a:t>
-            </a:r>
-            <a:r>
               <a:rPr lang="ru-RU" sz="2200" b="1" dirty="0">
                 <a:latin typeface="+mn-lt"/>
               </a:rPr>
-              <a:t>я</a:t>
-            </a:r>
-            <a:r>
-              <a:rPr lang="ru-RU" sz="2200" b="1" dirty="0" smtClean="0">
-                <a:latin typeface="+mn-lt"/>
-              </a:rPr>
-              <a:t> заказа, оформление заказа, отслеживание статуса.</a:t>
-            </a:r>
-            <a:endParaRPr lang="ru-RU" sz="2200" b="1" dirty="0">
-              <a:latin typeface="+mn-lt"/>
-            </a:endParaRPr>
+              <a:t>Функции веб-приложения: регистрация заказа, оформление заказа, отслеживание статуса.</a:t>
+            </a:r>
           </a:p>
         </p:txBody>
       </p:sp>
@@ -6231,7 +6553,7 @@
           <p:cNvPr id="8" name="Рисунок 7">
             <a:extLst>
               <a:ext uri="{FF2B5EF4-FFF2-40B4-BE49-F238E27FC236}">
-                <a16:creationId xmlns:a16="http://schemas.microsoft.com/office/drawing/2014/main" xmlns="" id="{FB688C65-05F9-62A5-F518-DC2CE25EFAEC}"/>
+                <a16:creationId xmlns:a16="http://schemas.microsoft.com/office/drawing/2014/main" id="{FB688C65-05F9-62A5-F518-DC2CE25EFAEC}"/>
               </a:ext>
             </a:extLst>
           </p:cNvPr>
@@ -6254,7 +6576,7 @@
         </p:blipFill>
         <p:spPr>
           <a:xfrm>
-            <a:off x="2009601" y="133350"/>
+            <a:off x="485602" y="133351"/>
             <a:ext cx="8734599" cy="5648325"/>
           </a:xfrm>
           <a:prstGeom prst="rect">
@@ -6277,7 +6599,7 @@
           <p:cNvPr id="9" name="Рисунок 8">
             <a:extLst>
               <a:ext uri="{FF2B5EF4-FFF2-40B4-BE49-F238E27FC236}">
-                <a16:creationId xmlns:a16="http://schemas.microsoft.com/office/drawing/2014/main" xmlns="" id="{75C6461E-FA4C-D0F8-F41D-6D7C4C391853}"/>
+                <a16:creationId xmlns:a16="http://schemas.microsoft.com/office/drawing/2014/main" id="{75C6461E-FA4C-D0F8-F41D-6D7C4C391853}"/>
               </a:ext>
             </a:extLst>
           </p:cNvPr>
@@ -6300,7 +6622,7 @@
         </p:blipFill>
         <p:spPr>
           <a:xfrm rot="5400000" flipH="1">
-            <a:off x="-3087000" y="3087000"/>
+            <a:off x="-4611000" y="3087000"/>
             <a:ext cx="6858000" cy="684000"/>
           </a:xfrm>
           <a:prstGeom prst="rect">
@@ -6308,6 +6630,35 @@
           </a:prstGeom>
         </p:spPr>
       </p:pic>
+      <p:sp>
+        <p:nvSpPr>
+          <p:cNvPr id="6" name="Номер слайда 5">
+            <a:extLst>
+              <a:ext uri="{FF2B5EF4-FFF2-40B4-BE49-F238E27FC236}">
+                <a16:creationId xmlns:a16="http://schemas.microsoft.com/office/drawing/2014/main" id="{0B1F6116-7326-FD49-12D0-6D2252FFA567}"/>
+              </a:ext>
+            </a:extLst>
+          </p:cNvPr>
+          <p:cNvSpPr>
+            <a:spLocks noGrp="1"/>
+          </p:cNvSpPr>
+          <p:nvPr>
+            <p:ph type="sldNum" sz="quarter" idx="12"/>
+          </p:nvPr>
+        </p:nvSpPr>
+        <p:spPr/>
+        <p:txBody>
+          <a:bodyPr/>
+          <a:lstStyle/>
+          <a:p>
+            <a:fld id="{AFC5D346-0896-4BCB-BD3D-84DEBAD632DA}" type="slidenum">
+              <a:rPr lang="ru-RU" smtClean="0"/>
+              <a:t>5</a:t>
+            </a:fld>
+            <a:endParaRPr lang="ru-RU"/>
+          </a:p>
+        </p:txBody>
+      </p:sp>
     </p:spTree>
     <p:extLst>
       <p:ext uri="{BB962C8B-B14F-4D97-AF65-F5344CB8AC3E}">
@@ -6318,17 +6669,10 @@
   <p:clrMapOvr>
     <a:masterClrMapping/>
   </p:clrMapOvr>
-  <p:timing>
-    <p:tnLst>
-      <p:par>
-        <p:cTn id="1" dur="indefinite" restart="never" nodeType="tmRoot"/>
-      </p:par>
-    </p:tnLst>
-  </p:timing>
 </p:sld>
 </file>
 
-<file path=ppt/slides/slide5.xml><?xml version="1.0" encoding="utf-8"?>
+<file path=ppt/slides/slide6.xml><?xml version="1.0" encoding="utf-8"?>
 <p:sld xmlns:a="http://schemas.openxmlformats.org/drawingml/2006/main" xmlns:r="http://schemas.openxmlformats.org/officeDocument/2006/relationships" xmlns:p="http://schemas.openxmlformats.org/presentationml/2006/main">
   <p:cSld>
     <p:spTree>
@@ -6350,7 +6694,7 @@
           <p:cNvPr id="11" name="Рисунок 10">
             <a:extLst>
               <a:ext uri="{FF2B5EF4-FFF2-40B4-BE49-F238E27FC236}">
-                <a16:creationId xmlns:a16="http://schemas.microsoft.com/office/drawing/2014/main" xmlns="" id="{836950BE-AA7B-9D26-06E4-E4A522C71A76}"/>
+                <a16:creationId xmlns:a16="http://schemas.microsoft.com/office/drawing/2014/main" id="{836950BE-AA7B-9D26-06E4-E4A522C71A76}"/>
               </a:ext>
             </a:extLst>
           </p:cNvPr>
@@ -6373,7 +6717,7 @@
         </p:blipFill>
         <p:spPr>
           <a:xfrm>
-            <a:off x="5417859" y="1638486"/>
+            <a:off x="3893860" y="1638486"/>
             <a:ext cx="6774141" cy="2325070"/>
           </a:xfrm>
           <a:prstGeom prst="roundRect">
@@ -6399,7 +6743,7 @@
           <p:cNvPr id="12" name="Рисунок 11">
             <a:extLst>
               <a:ext uri="{FF2B5EF4-FFF2-40B4-BE49-F238E27FC236}">
-                <a16:creationId xmlns:a16="http://schemas.microsoft.com/office/drawing/2014/main" xmlns="" id="{82EA76DE-94CF-E11F-949E-E727D3952502}"/>
+                <a16:creationId xmlns:a16="http://schemas.microsoft.com/office/drawing/2014/main" id="{82EA76DE-94CF-E11F-949E-E727D3952502}"/>
               </a:ext>
             </a:extLst>
           </p:cNvPr>
@@ -6422,7 +6766,7 @@
         </p:blipFill>
         <p:spPr>
           <a:xfrm rot="5400000" flipH="1">
-            <a:off x="-3087000" y="3087000"/>
+            <a:off x="-4611000" y="3087000"/>
             <a:ext cx="6858000" cy="684000"/>
           </a:xfrm>
           <a:prstGeom prst="rect">
@@ -6442,7 +6786,7 @@
           <p:cNvPr id="5" name="Заголовок 4">
             <a:extLst>
               <a:ext uri="{FF2B5EF4-FFF2-40B4-BE49-F238E27FC236}">
-                <a16:creationId xmlns:a16="http://schemas.microsoft.com/office/drawing/2014/main" xmlns="" id="{693B62A2-1650-8A84-25CD-DA97BB8BC769}"/>
+                <a16:creationId xmlns:a16="http://schemas.microsoft.com/office/drawing/2014/main" id="{693B62A2-1650-8A84-25CD-DA97BB8BC769}"/>
               </a:ext>
             </a:extLst>
           </p:cNvPr>
@@ -6455,7 +6799,7 @@
         </p:nvSpPr>
         <p:spPr>
           <a:xfrm>
-            <a:off x="838200" y="129455"/>
+            <a:off x="-685800" y="129456"/>
             <a:ext cx="11353800" cy="880195"/>
           </a:xfrm>
         </p:spPr>
@@ -6467,10 +6811,9 @@
           <a:p>
             <a:pPr algn="r"/>
             <a:r>
-              <a:rPr lang="ru-RU" sz="3600" b="1" dirty="0" smtClean="0"/>
+              <a:rPr lang="ru-RU" sz="3600" b="1" dirty="0"/>
               <a:t>Обзор существующих решений</a:t>
             </a:r>
-            <a:endParaRPr lang="ru-RU" sz="3600" b="1" dirty="0"/>
           </a:p>
         </p:txBody>
       </p:sp>
@@ -6479,7 +6822,7 @@
           <p:cNvPr id="7" name="Объект 6">
             <a:extLst>
               <a:ext uri="{FF2B5EF4-FFF2-40B4-BE49-F238E27FC236}">
-                <a16:creationId xmlns:a16="http://schemas.microsoft.com/office/drawing/2014/main" xmlns="" id="{5B228171-B6A1-8A38-7842-21203CAC8730}"/>
+                <a16:creationId xmlns:a16="http://schemas.microsoft.com/office/drawing/2014/main" id="{5B228171-B6A1-8A38-7842-21203CAC8730}"/>
               </a:ext>
             </a:extLst>
           </p:cNvPr>
@@ -6492,7 +6835,7 @@
         </p:nvSpPr>
         <p:spPr>
           <a:xfrm>
-            <a:off x="762000" y="0"/>
+            <a:off x="-762000" y="0"/>
             <a:ext cx="5079787" cy="6858000"/>
           </a:xfrm>
         </p:spPr>
@@ -6592,6 +6935,35 @@
               <a:rPr lang="ru-RU" sz="2000" dirty="0"/>
               <a:t>)</a:t>
             </a:r>
+          </a:p>
+        </p:txBody>
+      </p:sp>
+      <p:sp>
+        <p:nvSpPr>
+          <p:cNvPr id="6" name="Номер слайда 5">
+            <a:extLst>
+              <a:ext uri="{FF2B5EF4-FFF2-40B4-BE49-F238E27FC236}">
+                <a16:creationId xmlns:a16="http://schemas.microsoft.com/office/drawing/2014/main" id="{6CD830B5-073D-380F-8ED8-0E785658657C}"/>
+              </a:ext>
+            </a:extLst>
+          </p:cNvPr>
+          <p:cNvSpPr>
+            <a:spLocks noGrp="1"/>
+          </p:cNvSpPr>
+          <p:nvPr>
+            <p:ph type="sldNum" sz="quarter" idx="12"/>
+          </p:nvPr>
+        </p:nvSpPr>
+        <p:spPr/>
+        <p:txBody>
+          <a:bodyPr/>
+          <a:lstStyle/>
+          <a:p>
+            <a:fld id="{AFC5D346-0896-4BCB-BD3D-84DEBAD632DA}" type="slidenum">
+              <a:rPr lang="ru-RU" smtClean="0"/>
+              <a:t>6</a:t>
+            </a:fld>
+            <a:endParaRPr lang="ru-RU"/>
           </a:p>
         </p:txBody>
       </p:sp>
@@ -6605,17 +6977,10 @@
   <p:clrMapOvr>
     <a:masterClrMapping/>
   </p:clrMapOvr>
-  <p:timing>
-    <p:tnLst>
-      <p:par>
-        <p:cTn id="1" dur="indefinite" restart="never" nodeType="tmRoot"/>
-      </p:par>
-    </p:tnLst>
-  </p:timing>
 </p:sld>
 </file>
 
-<file path=ppt/slides/slide6.xml><?xml version="1.0" encoding="utf-8"?>
+<file path=ppt/slides/slide7.xml><?xml version="1.0" encoding="utf-8"?>
 <p:sld xmlns:a="http://schemas.openxmlformats.org/drawingml/2006/main" xmlns:r="http://schemas.openxmlformats.org/officeDocument/2006/relationships" xmlns:p="http://schemas.openxmlformats.org/presentationml/2006/main">
   <p:cSld>
     <p:spTree>
@@ -6637,7 +7002,7 @@
           <p:cNvPr id="7" name="Заголовок 6">
             <a:extLst>
               <a:ext uri="{FF2B5EF4-FFF2-40B4-BE49-F238E27FC236}">
-                <a16:creationId xmlns:a16="http://schemas.microsoft.com/office/drawing/2014/main" xmlns="" id="{CECF95D7-CE12-4E13-EF59-FDA1FEF26794}"/>
+                <a16:creationId xmlns:a16="http://schemas.microsoft.com/office/drawing/2014/main" id="{CECF95D7-CE12-4E13-EF59-FDA1FEF26794}"/>
               </a:ext>
             </a:extLst>
           </p:cNvPr>
@@ -6650,7 +7015,7 @@
         </p:nvSpPr>
         <p:spPr>
           <a:xfrm>
-            <a:off x="768675" y="466626"/>
+            <a:off x="-755325" y="466627"/>
             <a:ext cx="4865209" cy="1185193"/>
           </a:xfrm>
         </p:spPr>
@@ -6662,13 +7027,8 @@
           <a:p>
             <a:r>
               <a:rPr lang="ru-RU" b="1" dirty="0"/>
-              <a:t>В</a:t>
-            </a:r>
-            <a:r>
-              <a:rPr lang="ru-RU" b="1" dirty="0" smtClean="0"/>
-              <a:t>ыбор технологии для создания веб-приложения</a:t>
-            </a:r>
-            <a:endParaRPr lang="ru-RU" b="1" dirty="0"/>
+              <a:t>Выбор технологии для создания веб-приложения</a:t>
+            </a:r>
           </a:p>
         </p:txBody>
       </p:sp>
@@ -6677,7 +7037,7 @@
           <p:cNvPr id="10" name="Объект 9">
             <a:extLst>
               <a:ext uri="{FF2B5EF4-FFF2-40B4-BE49-F238E27FC236}">
-                <a16:creationId xmlns:a16="http://schemas.microsoft.com/office/drawing/2014/main" xmlns="" id="{1DB481B9-3C3B-02D9-F794-C59EE3EB6C79}"/>
+                <a16:creationId xmlns:a16="http://schemas.microsoft.com/office/drawing/2014/main" id="{1DB481B9-3C3B-02D9-F794-C59EE3EB6C79}"/>
               </a:ext>
             </a:extLst>
           </p:cNvPr>
@@ -6694,7 +7054,7 @@
           </p:nvPr>
         </p:nvGraphicFramePr>
         <p:xfrm>
-          <a:off x="5976594" y="361737"/>
+          <a:off x="4452594" y="361737"/>
           <a:ext cx="5842656" cy="5954222"/>
         </p:xfrm>
         <a:graphic>
@@ -6707,28 +7067,28 @@
                 <a:gridCol w="1460664">
                   <a:extLst>
                     <a:ext uri="{9D8B030D-6E8A-4147-A177-3AD203B41FA5}">
-                      <a16:colId xmlns:a16="http://schemas.microsoft.com/office/drawing/2014/main" xmlns="" val="3879513401"/>
+                      <a16:colId xmlns:a16="http://schemas.microsoft.com/office/drawing/2014/main" val="3879513401"/>
                     </a:ext>
                   </a:extLst>
                 </a:gridCol>
                 <a:gridCol w="1460664">
                   <a:extLst>
                     <a:ext uri="{9D8B030D-6E8A-4147-A177-3AD203B41FA5}">
-                      <a16:colId xmlns:a16="http://schemas.microsoft.com/office/drawing/2014/main" xmlns="" val="2257207833"/>
+                      <a16:colId xmlns:a16="http://schemas.microsoft.com/office/drawing/2014/main" val="2257207833"/>
                     </a:ext>
                   </a:extLst>
                 </a:gridCol>
                 <a:gridCol w="1460664">
                   <a:extLst>
                     <a:ext uri="{9D8B030D-6E8A-4147-A177-3AD203B41FA5}">
-                      <a16:colId xmlns:a16="http://schemas.microsoft.com/office/drawing/2014/main" xmlns="" val="3115678501"/>
+                      <a16:colId xmlns:a16="http://schemas.microsoft.com/office/drawing/2014/main" val="3115678501"/>
                     </a:ext>
                   </a:extLst>
                 </a:gridCol>
                 <a:gridCol w="1460664">
                   <a:extLst>
                     <a:ext uri="{9D8B030D-6E8A-4147-A177-3AD203B41FA5}">
-                      <a16:colId xmlns:a16="http://schemas.microsoft.com/office/drawing/2014/main" xmlns="" val="824254930"/>
+                      <a16:colId xmlns:a16="http://schemas.microsoft.com/office/drawing/2014/main" val="824254930"/>
                     </a:ext>
                   </a:extLst>
                 </a:gridCol>
@@ -6864,7 +7224,7 @@
                 </a:tc>
                 <a:extLst>
                   <a:ext uri="{0D108BD9-81ED-4DB2-BD59-A6C34878D82A}">
-                    <a16:rowId xmlns:a16="http://schemas.microsoft.com/office/drawing/2014/main" xmlns="" val="848552595"/>
+                    <a16:rowId xmlns:a16="http://schemas.microsoft.com/office/drawing/2014/main" val="848552595"/>
                   </a:ext>
                 </a:extLst>
               </a:tr>
@@ -6999,7 +7359,7 @@
                 </a:tc>
                 <a:extLst>
                   <a:ext uri="{0D108BD9-81ED-4DB2-BD59-A6C34878D82A}">
-                    <a16:rowId xmlns:a16="http://schemas.microsoft.com/office/drawing/2014/main" xmlns="" val="2301871006"/>
+                    <a16:rowId xmlns:a16="http://schemas.microsoft.com/office/drawing/2014/main" val="2301871006"/>
                   </a:ext>
                 </a:extLst>
               </a:tr>
@@ -7134,7 +7494,7 @@
                 </a:tc>
                 <a:extLst>
                   <a:ext uri="{0D108BD9-81ED-4DB2-BD59-A6C34878D82A}">
-                    <a16:rowId xmlns:a16="http://schemas.microsoft.com/office/drawing/2014/main" xmlns="" val="1386052964"/>
+                    <a16:rowId xmlns:a16="http://schemas.microsoft.com/office/drawing/2014/main" val="1386052964"/>
                   </a:ext>
                 </a:extLst>
               </a:tr>
@@ -7269,7 +7629,7 @@
                 </a:tc>
                 <a:extLst>
                   <a:ext uri="{0D108BD9-81ED-4DB2-BD59-A6C34878D82A}">
-                    <a16:rowId xmlns:a16="http://schemas.microsoft.com/office/drawing/2014/main" xmlns="" val="605755000"/>
+                    <a16:rowId xmlns:a16="http://schemas.microsoft.com/office/drawing/2014/main" val="605755000"/>
                   </a:ext>
                 </a:extLst>
               </a:tr>
@@ -7404,7 +7764,7 @@
                 </a:tc>
                 <a:extLst>
                   <a:ext uri="{0D108BD9-81ED-4DB2-BD59-A6C34878D82A}">
-                    <a16:rowId xmlns:a16="http://schemas.microsoft.com/office/drawing/2014/main" xmlns="" val="1468904081"/>
+                    <a16:rowId xmlns:a16="http://schemas.microsoft.com/office/drawing/2014/main" val="1468904081"/>
                   </a:ext>
                 </a:extLst>
               </a:tr>
@@ -7671,7 +8031,7 @@
                 </a:tc>
                 <a:extLst>
                   <a:ext uri="{0D108BD9-81ED-4DB2-BD59-A6C34878D82A}">
-                    <a16:rowId xmlns:a16="http://schemas.microsoft.com/office/drawing/2014/main" xmlns="" val="141467024"/>
+                    <a16:rowId xmlns:a16="http://schemas.microsoft.com/office/drawing/2014/main" val="141467024"/>
                   </a:ext>
                 </a:extLst>
               </a:tr>
@@ -7879,7 +8239,7 @@
                 </a:tc>
                 <a:extLst>
                   <a:ext uri="{0D108BD9-81ED-4DB2-BD59-A6C34878D82A}">
-                    <a16:rowId xmlns:a16="http://schemas.microsoft.com/office/drawing/2014/main" xmlns="" val="3137664662"/>
+                    <a16:rowId xmlns:a16="http://schemas.microsoft.com/office/drawing/2014/main" val="3137664662"/>
                   </a:ext>
                 </a:extLst>
               </a:tr>
@@ -7892,7 +8252,7 @@
           <p:cNvPr id="9" name="Текст 8">
             <a:extLst>
               <a:ext uri="{FF2B5EF4-FFF2-40B4-BE49-F238E27FC236}">
-                <a16:creationId xmlns:a16="http://schemas.microsoft.com/office/drawing/2014/main" xmlns="" id="{506705B5-49C0-CF4C-4934-7DB337CA271C}"/>
+                <a16:creationId xmlns:a16="http://schemas.microsoft.com/office/drawing/2014/main" id="{506705B5-49C0-CF4C-4934-7DB337CA271C}"/>
               </a:ext>
             </a:extLst>
           </p:cNvPr>
@@ -7905,7 +8265,7 @@
         </p:nvSpPr>
         <p:spPr>
           <a:xfrm>
-            <a:off x="881797" y="2025445"/>
+            <a:off x="-642203" y="2025445"/>
             <a:ext cx="3932237" cy="4290514"/>
           </a:xfrm>
         </p:spPr>
@@ -7923,10 +8283,6 @@
             <a:br>
               <a:rPr lang="ru-RU" sz="2000" dirty="0"/>
             </a:br>
-            <a:r>
-              <a:rPr lang="ru-RU" sz="2000" dirty="0"/>
-              <a:t/>
-            </a:r>
             <a:br>
               <a:rPr lang="ru-RU" sz="2000" dirty="0"/>
             </a:br>
@@ -7934,89 +8290,69 @@
               <a:rPr lang="ru-RU" sz="2000" b="1" dirty="0"/>
               <a:t>Ключевые преимущества:</a:t>
             </a:r>
-            <a:r>
-              <a:rPr lang="ru-RU" sz="2000" dirty="0"/>
-              <a:t/>
-            </a:r>
             <a:br>
               <a:rPr lang="ru-RU" sz="2000" dirty="0"/>
             </a:br>
-            <a:r>
-              <a:rPr lang="ru-RU" sz="2000" dirty="0"/>
-              <a:t/>
-            </a:r>
             <a:br>
               <a:rPr lang="ru-RU" sz="2000" dirty="0"/>
             </a:br>
             <a:r>
-              <a:rPr lang="ru-RU" sz="2000" b="0" i="0" dirty="0">
-                <a:effectLst/>
-              </a:rPr>
+              <a:rPr lang="ru-RU" sz="2000" dirty="0"/>
               <a:t>Серверный фреймворк для корпоративных веб-приложений</a:t>
             </a:r>
           </a:p>
           <a:p>
-            <a:pPr algn="l">
+            <a:pPr>
               <a:spcBef>
                 <a:spcPts val="300"/>
               </a:spcBef>
             </a:pPr>
             <a:r>
-              <a:rPr lang="ru-RU" sz="2000" b="0" i="0" dirty="0">
-                <a:effectLst/>
-              </a:rPr>
+              <a:rPr lang="ru-RU" sz="2000" dirty="0"/>
               <a:t>Полный контроль над HTTP-запросами</a:t>
             </a:r>
           </a:p>
           <a:p>
-            <a:pPr algn="l">
+            <a:pPr>
               <a:spcBef>
                 <a:spcPts val="300"/>
               </a:spcBef>
             </a:pPr>
             <a:r>
-              <a:rPr lang="ru-RU" sz="2000" b="0" i="0" dirty="0">
-                <a:effectLst/>
-              </a:rPr>
+              <a:rPr lang="ru-RU" sz="2000" dirty="0"/>
               <a:t>Встроенная система безопасности (аутентификация, авторизация)</a:t>
             </a:r>
           </a:p>
           <a:p>
-            <a:pPr algn="l">
+            <a:pPr>
               <a:spcBef>
                 <a:spcPts val="300"/>
               </a:spcBef>
             </a:pPr>
             <a:r>
-              <a:rPr lang="ru-RU" sz="2000" b="0" i="0" dirty="0">
-                <a:effectLst/>
-              </a:rPr>
+              <a:rPr lang="ru-RU" sz="2000" dirty="0"/>
               <a:t>Строгая типизация на C#</a:t>
             </a:r>
           </a:p>
           <a:p>
-            <a:pPr algn="l">
+            <a:pPr>
               <a:spcBef>
                 <a:spcPts val="300"/>
               </a:spcBef>
             </a:pPr>
             <a:r>
-              <a:rPr lang="ru-RU" sz="2000" b="0" i="0" dirty="0">
-                <a:effectLst/>
-              </a:rPr>
+              <a:rPr lang="ru-RU" sz="2000" dirty="0"/>
               <a:t>Поддержка серверного рендеринга</a:t>
             </a:r>
           </a:p>
           <a:p>
-            <a:pPr algn="l">
+            <a:pPr>
               <a:spcBef>
                 <a:spcPts val="300"/>
               </a:spcBef>
             </a:pPr>
             <a:r>
-              <a:rPr lang="ru-RU" sz="2000" b="0" i="0" dirty="0">
-                <a:effectLst/>
-              </a:rPr>
+              <a:rPr lang="ru-RU" sz="2000" dirty="0"/>
               <a:t>Встроенные функции: кэширование, валидация, локализация</a:t>
             </a:r>
           </a:p>
@@ -8030,7 +8366,7 @@
           <p:cNvPr id="11" name="Рисунок 10">
             <a:extLst>
               <a:ext uri="{FF2B5EF4-FFF2-40B4-BE49-F238E27FC236}">
-                <a16:creationId xmlns:a16="http://schemas.microsoft.com/office/drawing/2014/main" xmlns="" id="{80CC3259-9839-76A6-8C07-523A276895C6}"/>
+                <a16:creationId xmlns:a16="http://schemas.microsoft.com/office/drawing/2014/main" id="{80CC3259-9839-76A6-8C07-523A276895C6}"/>
               </a:ext>
             </a:extLst>
           </p:cNvPr>
@@ -8053,7 +8389,7 @@
         </p:blipFill>
         <p:spPr>
           <a:xfrm rot="5400000" flipH="1">
-            <a:off x="-3087000" y="3087000"/>
+            <a:off x="-4611000" y="3087000"/>
             <a:ext cx="6858000" cy="684000"/>
           </a:xfrm>
           <a:prstGeom prst="rect">
@@ -8068,6 +8404,35 @@
           </a:effectLst>
         </p:spPr>
       </p:pic>
+      <p:sp>
+        <p:nvSpPr>
+          <p:cNvPr id="5" name="Номер слайда 4">
+            <a:extLst>
+              <a:ext uri="{FF2B5EF4-FFF2-40B4-BE49-F238E27FC236}">
+                <a16:creationId xmlns:a16="http://schemas.microsoft.com/office/drawing/2014/main" id="{C357B46C-D669-0214-B5C3-421F0377E727}"/>
+              </a:ext>
+            </a:extLst>
+          </p:cNvPr>
+          <p:cNvSpPr>
+            <a:spLocks noGrp="1"/>
+          </p:cNvSpPr>
+          <p:nvPr>
+            <p:ph type="sldNum" sz="quarter" idx="12"/>
+          </p:nvPr>
+        </p:nvSpPr>
+        <p:spPr/>
+        <p:txBody>
+          <a:bodyPr/>
+          <a:lstStyle/>
+          <a:p>
+            <a:fld id="{AFC5D346-0896-4BCB-BD3D-84DEBAD632DA}" type="slidenum">
+              <a:rPr lang="ru-RU" smtClean="0"/>
+              <a:t>7</a:t>
+            </a:fld>
+            <a:endParaRPr lang="ru-RU"/>
+          </a:p>
+        </p:txBody>
+      </p:sp>
     </p:spTree>
     <p:extLst>
       <p:ext uri="{BB962C8B-B14F-4D97-AF65-F5344CB8AC3E}">
@@ -8078,17 +8443,10 @@
   <p:clrMapOvr>
     <a:masterClrMapping/>
   </p:clrMapOvr>
-  <p:timing>
-    <p:tnLst>
-      <p:par>
-        <p:cTn id="1" dur="indefinite" restart="never" nodeType="tmRoot"/>
-      </p:par>
-    </p:tnLst>
-  </p:timing>
 </p:sld>
 </file>
 
-<file path=ppt/slides/slide7.xml><?xml version="1.0" encoding="utf-8"?>
+<file path=ppt/slides/slide8.xml><?xml version="1.0" encoding="utf-8"?>
 <p:sld xmlns:a="http://schemas.openxmlformats.org/drawingml/2006/main" xmlns:r="http://schemas.openxmlformats.org/officeDocument/2006/relationships" xmlns:p="http://schemas.openxmlformats.org/presentationml/2006/main">
   <p:cSld>
     <p:spTree>
@@ -8110,7 +8468,7 @@
           <p:cNvPr id="5" name="Заголовок 4">
             <a:extLst>
               <a:ext uri="{FF2B5EF4-FFF2-40B4-BE49-F238E27FC236}">
-                <a16:creationId xmlns:a16="http://schemas.microsoft.com/office/drawing/2014/main" xmlns="" id="{C60A9AEE-1D62-81CB-0CD1-D554FE470100}"/>
+                <a16:creationId xmlns:a16="http://schemas.microsoft.com/office/drawing/2014/main" id="{C60A9AEE-1D62-81CB-0CD1-D554FE470100}"/>
               </a:ext>
             </a:extLst>
           </p:cNvPr>
@@ -8123,7 +8481,7 @@
         </p:nvSpPr>
         <p:spPr>
           <a:xfrm>
-            <a:off x="838200" y="158646"/>
+            <a:off x="-685800" y="158647"/>
             <a:ext cx="10515600" cy="1127229"/>
           </a:xfrm>
         </p:spPr>
@@ -8135,11 +8493,11 @@
           <a:p>
             <a:pPr algn="ctr"/>
             <a:r>
-              <a:rPr lang="ru-RU" sz="3600" b="1" dirty="0" smtClean="0"/>
+              <a:rPr lang="ru-RU" sz="3600" b="1" dirty="0"/>
               <a:t>Визуальное представление </a:t>
             </a:r>
             <a:r>
-              <a:rPr lang="en-US" sz="3600" b="1" dirty="0" smtClean="0"/>
+              <a:rPr lang="en-US" sz="3600" b="1" dirty="0"/>
               <a:t>MVC</a:t>
             </a:r>
             <a:endParaRPr lang="ru-RU" sz="3600" b="1" dirty="0"/>
@@ -8151,7 +8509,7 @@
           <p:cNvPr id="7" name="Объект 6">
             <a:extLst>
               <a:ext uri="{FF2B5EF4-FFF2-40B4-BE49-F238E27FC236}">
-                <a16:creationId xmlns:a16="http://schemas.microsoft.com/office/drawing/2014/main" xmlns="" id="{66BF457C-F977-674E-6351-6762D8F23155}"/>
+                <a16:creationId xmlns:a16="http://schemas.microsoft.com/office/drawing/2014/main" id="{66BF457C-F977-674E-6351-6762D8F23155}"/>
               </a:ext>
             </a:extLst>
           </p:cNvPr>
@@ -8170,7 +8528,7 @@
         </p:blipFill>
         <p:spPr>
           <a:xfrm>
-            <a:off x="1958276" y="1327354"/>
+            <a:off x="434277" y="1327354"/>
             <a:ext cx="8275447" cy="5105382"/>
           </a:xfrm>
           <a:prstGeom prst="rect">
@@ -8193,7 +8551,7 @@
           <p:cNvPr id="8" name="Рисунок 7">
             <a:extLst>
               <a:ext uri="{FF2B5EF4-FFF2-40B4-BE49-F238E27FC236}">
-                <a16:creationId xmlns:a16="http://schemas.microsoft.com/office/drawing/2014/main" xmlns="" id="{5D068746-EC85-3D41-C5EB-0DD44F534AE5}"/>
+                <a16:creationId xmlns:a16="http://schemas.microsoft.com/office/drawing/2014/main" id="{5D068746-EC85-3D41-C5EB-0DD44F534AE5}"/>
               </a:ext>
             </a:extLst>
           </p:cNvPr>
@@ -8216,7 +8574,7 @@
         </p:blipFill>
         <p:spPr>
           <a:xfrm rot="5400000" flipH="1">
-            <a:off x="-3087000" y="3087000"/>
+            <a:off x="-4611000" y="3087000"/>
             <a:ext cx="6858000" cy="684000"/>
           </a:xfrm>
           <a:prstGeom prst="rect">
@@ -8231,6 +8589,35 @@
           </a:effectLst>
         </p:spPr>
       </p:pic>
+      <p:sp>
+        <p:nvSpPr>
+          <p:cNvPr id="6" name="Номер слайда 5">
+            <a:extLst>
+              <a:ext uri="{FF2B5EF4-FFF2-40B4-BE49-F238E27FC236}">
+                <a16:creationId xmlns:a16="http://schemas.microsoft.com/office/drawing/2014/main" id="{531F97A9-7535-5B53-27DB-D1922E1EF091}"/>
+              </a:ext>
+            </a:extLst>
+          </p:cNvPr>
+          <p:cNvSpPr>
+            <a:spLocks noGrp="1"/>
+          </p:cNvSpPr>
+          <p:nvPr>
+            <p:ph type="sldNum" sz="quarter" idx="12"/>
+          </p:nvPr>
+        </p:nvSpPr>
+        <p:spPr/>
+        <p:txBody>
+          <a:bodyPr/>
+          <a:lstStyle/>
+          <a:p>
+            <a:fld id="{AFC5D346-0896-4BCB-BD3D-84DEBAD632DA}" type="slidenum">
+              <a:rPr lang="ru-RU" smtClean="0"/>
+              <a:t>8</a:t>
+            </a:fld>
+            <a:endParaRPr lang="ru-RU"/>
+          </a:p>
+        </p:txBody>
+      </p:sp>
     </p:spTree>
     <p:extLst>
       <p:ext uri="{BB962C8B-B14F-4D97-AF65-F5344CB8AC3E}">
@@ -8241,17 +8628,10 @@
   <p:clrMapOvr>
     <a:masterClrMapping/>
   </p:clrMapOvr>
-  <p:timing>
-    <p:tnLst>
-      <p:par>
-        <p:cTn id="1" dur="indefinite" restart="never" nodeType="tmRoot"/>
-      </p:par>
-    </p:tnLst>
-  </p:timing>
 </p:sld>
 </file>
 
-<file path=ppt/slides/slide8.xml><?xml version="1.0" encoding="utf-8"?>
+<file path=ppt/slides/slide9.xml><?xml version="1.0" encoding="utf-8"?>
 <p:sld xmlns:a="http://schemas.openxmlformats.org/drawingml/2006/main" xmlns:r="http://schemas.openxmlformats.org/officeDocument/2006/relationships" xmlns:p="http://schemas.openxmlformats.org/presentationml/2006/main">
   <p:cSld>
     <p:spTree>
@@ -8273,7 +8653,7 @@
           <p:cNvPr id="11" name="Рисунок 10">
             <a:extLst>
               <a:ext uri="{FF2B5EF4-FFF2-40B4-BE49-F238E27FC236}">
-                <a16:creationId xmlns:a16="http://schemas.microsoft.com/office/drawing/2014/main" xmlns="" id="{F2F70E99-A462-71D2-6720-72622B6237A1}"/>
+                <a16:creationId xmlns:a16="http://schemas.microsoft.com/office/drawing/2014/main" id="{F2F70E99-A462-71D2-6720-72622B6237A1}"/>
               </a:ext>
             </a:extLst>
           </p:cNvPr>
@@ -8296,7 +8676,7 @@
         </p:blipFill>
         <p:spPr>
           <a:xfrm rot="16200000" flipH="1">
-            <a:off x="8421000" y="3087000"/>
+            <a:off x="6897000" y="3087000"/>
             <a:ext cx="6858000" cy="684000"/>
           </a:xfrm>
           <a:prstGeom prst="rect">
@@ -8316,7 +8696,7 @@
           <p:cNvPr id="2" name="Заголовок 1">
             <a:extLst>
               <a:ext uri="{FF2B5EF4-FFF2-40B4-BE49-F238E27FC236}">
-                <a16:creationId xmlns:a16="http://schemas.microsoft.com/office/drawing/2014/main" xmlns="" id="{30F307B8-5B70-3937-E5F2-B34A22F0ACEA}"/>
+                <a16:creationId xmlns:a16="http://schemas.microsoft.com/office/drawing/2014/main" id="{30F307B8-5B70-3937-E5F2-B34A22F0ACEA}"/>
               </a:ext>
             </a:extLst>
           </p:cNvPr>
@@ -8329,7 +8709,7 @@
         </p:nvSpPr>
         <p:spPr>
           <a:xfrm>
-            <a:off x="596106" y="157162"/>
+            <a:off x="-927894" y="157162"/>
             <a:ext cx="10999787" cy="1052206"/>
           </a:xfrm>
         </p:spPr>
@@ -8360,7 +8740,7 @@
           <p:cNvPr id="3" name="Объект 2">
             <a:extLst>
               <a:ext uri="{FF2B5EF4-FFF2-40B4-BE49-F238E27FC236}">
-                <a16:creationId xmlns:a16="http://schemas.microsoft.com/office/drawing/2014/main" xmlns="" id="{CB005AC9-6F22-B56C-9E84-E0CEA2654754}"/>
+                <a16:creationId xmlns:a16="http://schemas.microsoft.com/office/drawing/2014/main" id="{CB005AC9-6F22-B56C-9E84-E0CEA2654754}"/>
               </a:ext>
             </a:extLst>
           </p:cNvPr>
@@ -8373,7 +8753,7 @@
         </p:nvSpPr>
         <p:spPr>
           <a:xfrm>
-            <a:off x="137651" y="1503361"/>
+            <a:off x="-1386349" y="1503362"/>
             <a:ext cx="4650659" cy="5238751"/>
           </a:xfrm>
         </p:spPr>
@@ -8406,10 +8786,6 @@
             <a:br>
               <a:rPr lang="ru-RU" sz="1800" dirty="0"/>
             </a:br>
-            <a:r>
-              <a:rPr lang="ru-RU" sz="1800" dirty="0"/>
-              <a:t/>
-            </a:r>
             <a:br>
               <a:rPr lang="ru-RU" sz="1800" dirty="0"/>
             </a:br>
@@ -8424,10 +8800,6 @@
             <a:br>
               <a:rPr lang="ru-RU" sz="1800" dirty="0"/>
             </a:br>
-            <a:r>
-              <a:rPr lang="ru-RU" sz="1800" dirty="0"/>
-              <a:t/>
-            </a:r>
             <a:br>
               <a:rPr lang="ru-RU" sz="1800" dirty="0"/>
             </a:br>
@@ -8450,10 +8822,6 @@
             <a:br>
               <a:rPr lang="ru-RU" sz="1800" dirty="0"/>
             </a:br>
-            <a:r>
-              <a:rPr lang="ru-RU" sz="1800" dirty="0"/>
-              <a:t/>
-            </a:r>
             <a:br>
               <a:rPr lang="ru-RU" sz="1800" dirty="0"/>
             </a:br>
@@ -8489,7 +8857,7 @@
           <p:cNvPr id="7" name="Рисунок 6">
             <a:extLst>
               <a:ext uri="{FF2B5EF4-FFF2-40B4-BE49-F238E27FC236}">
-                <a16:creationId xmlns:a16="http://schemas.microsoft.com/office/drawing/2014/main" xmlns="" id="{F8F1C26B-4D40-E3D3-3A87-B5CAEADED627}"/>
+                <a16:creationId xmlns:a16="http://schemas.microsoft.com/office/drawing/2014/main" id="{F8F1C26B-4D40-E3D3-3A87-B5CAEADED627}"/>
               </a:ext>
             </a:extLst>
           </p:cNvPr>
@@ -8506,7 +8874,7 @@
         </p:blipFill>
         <p:spPr>
           <a:xfrm>
-            <a:off x="5080862" y="1665186"/>
+            <a:off x="3556863" y="1665187"/>
             <a:ext cx="6134585" cy="3284949"/>
           </a:xfrm>
           <a:prstGeom prst="roundRect">
@@ -8545,7 +8913,7 @@
           <p:cNvPr id="1028" name="Picture 4" descr="Picture background">
             <a:extLst>
               <a:ext uri="{FF2B5EF4-FFF2-40B4-BE49-F238E27FC236}">
-                <a16:creationId xmlns:a16="http://schemas.microsoft.com/office/drawing/2014/main" xmlns="" id="{ECA562A7-04B1-800D-351D-F66454ED0F38}"/>
+                <a16:creationId xmlns:a16="http://schemas.microsoft.com/office/drawing/2014/main" id="{ECA562A7-04B1-800D-351D-F66454ED0F38}"/>
               </a:ext>
             </a:extLst>
           </p:cNvPr>
@@ -8569,7 +8937,7 @@
         </p:blipFill>
         <p:spPr bwMode="auto">
           <a:xfrm>
-            <a:off x="137651" y="157162"/>
+            <a:off x="-1386349" y="157162"/>
             <a:ext cx="1956620" cy="1222888"/>
           </a:xfrm>
           <a:prstGeom prst="rect">
@@ -8587,6 +8955,35 @@
           </a:extLst>
         </p:spPr>
       </p:pic>
+      <p:sp>
+        <p:nvSpPr>
+          <p:cNvPr id="8" name="Номер слайда 7">
+            <a:extLst>
+              <a:ext uri="{FF2B5EF4-FFF2-40B4-BE49-F238E27FC236}">
+                <a16:creationId xmlns:a16="http://schemas.microsoft.com/office/drawing/2014/main" id="{FA80A1E4-12F4-8100-9A84-524F67CAA022}"/>
+              </a:ext>
+            </a:extLst>
+          </p:cNvPr>
+          <p:cNvSpPr>
+            <a:spLocks noGrp="1"/>
+          </p:cNvSpPr>
+          <p:nvPr>
+            <p:ph type="sldNum" sz="quarter" idx="12"/>
+          </p:nvPr>
+        </p:nvSpPr>
+        <p:spPr/>
+        <p:txBody>
+          <a:bodyPr/>
+          <a:lstStyle/>
+          <a:p>
+            <a:fld id="{AFC5D346-0896-4BCB-BD3D-84DEBAD632DA}" type="slidenum">
+              <a:rPr lang="ru-RU" smtClean="0"/>
+              <a:t>9</a:t>
+            </a:fld>
+            <a:endParaRPr lang="ru-RU"/>
+          </a:p>
+        </p:txBody>
+      </p:sp>
     </p:spTree>
     <p:extLst>
       <p:ext uri="{BB962C8B-B14F-4D97-AF65-F5344CB8AC3E}">
@@ -8597,481 +8994,13 @@
   <p:clrMapOvr>
     <a:masterClrMapping/>
   </p:clrMapOvr>
-  <p:timing>
-    <p:tnLst>
-      <p:par>
-        <p:cTn id="1" dur="indefinite" restart="never" nodeType="tmRoot"/>
-      </p:par>
-    </p:tnLst>
-  </p:timing>
-</p:sld>
-</file>
-
-<file path=ppt/slides/slide9.xml><?xml version="1.0" encoding="utf-8"?>
-<p:sld xmlns:a="http://schemas.openxmlformats.org/drawingml/2006/main" xmlns:r="http://schemas.openxmlformats.org/officeDocument/2006/relationships" xmlns:p="http://schemas.openxmlformats.org/presentationml/2006/main">
-  <p:cSld>
-    <p:spTree>
-      <p:nvGrpSpPr>
-        <p:cNvPr id="1" name=""/>
-        <p:cNvGrpSpPr/>
-        <p:nvPr/>
-      </p:nvGrpSpPr>
-      <p:grpSpPr>
-        <a:xfrm>
-          <a:off x="0" y="0"/>
-          <a:ext cx="0" cy="0"/>
-          <a:chOff x="0" y="0"/>
-          <a:chExt cx="0" cy="0"/>
-        </a:xfrm>
-      </p:grpSpPr>
-      <p:sp>
-        <p:nvSpPr>
-          <p:cNvPr id="5" name="Заголовок 4"/>
-          <p:cNvSpPr>
-            <a:spLocks noGrp="1"/>
-          </p:cNvSpPr>
-          <p:nvPr>
-            <p:ph type="title"/>
-          </p:nvPr>
-        </p:nvSpPr>
-        <p:spPr>
-          <a:xfrm>
-            <a:off x="863527" y="174135"/>
-            <a:ext cx="10515600" cy="1325563"/>
-          </a:xfrm>
-        </p:spPr>
-        <p:txBody>
-          <a:bodyPr>
-            <a:normAutofit/>
-          </a:bodyPr>
-          <a:lstStyle/>
-          <a:p>
-            <a:pPr algn="ctr"/>
-            <a:r>
-              <a:rPr lang="ru-RU" sz="2400" b="1" dirty="0" smtClean="0"/>
-              <a:t>ВЫБОР СИСТЕМЫ УПРАВЛЕНИЯ БАЗАМИ ДАННЫХ </a:t>
-            </a:r>
-            <a:r>
-              <a:rPr lang="en-US" sz="2400" b="1" dirty="0" smtClean="0"/>
-              <a:t>MS SQL SERVER EXPRESS</a:t>
-            </a:r>
-            <a:r>
-              <a:rPr lang="ru-RU" sz="2400" b="1" dirty="0" smtClean="0"/>
-              <a:t> С ИСПОЛЬЗОВАНИЕМ ENTITY FRAMEWORK CORE В КАЧЕСТВЕ ORM-ТЕХНОЛОГИИ</a:t>
-            </a:r>
-            <a:endParaRPr lang="ru-RU" sz="2400" b="1" dirty="0"/>
-          </a:p>
-        </p:txBody>
-      </p:sp>
-      <p:sp>
-        <p:nvSpPr>
-          <p:cNvPr id="6" name="Объект 5"/>
-          <p:cNvSpPr>
-            <a:spLocks noGrp="1"/>
-          </p:cNvSpPr>
-          <p:nvPr>
-            <p:ph sz="half" idx="2"/>
-          </p:nvPr>
-        </p:nvSpPr>
-        <p:spPr/>
-        <p:txBody>
-          <a:bodyPr/>
-          <a:lstStyle/>
-          <a:p>
-            <a:endParaRPr lang="en-US" dirty="0" smtClean="0"/>
-          </a:p>
-          <a:p>
-            <a:endParaRPr lang="en-US" dirty="0"/>
-          </a:p>
-          <a:p>
-            <a:endParaRPr lang="en-US" dirty="0" smtClean="0"/>
-          </a:p>
-        </p:txBody>
-      </p:sp>
-      <p:pic>
-        <p:nvPicPr>
-          <p:cNvPr id="1028" name="Picture 4" descr="C:\Users\TroDA\Desktop\entity-framework.png"/>
-          <p:cNvPicPr>
-            <a:picLocks noGrp="1" noChangeAspect="1" noChangeArrowheads="1"/>
-          </p:cNvPicPr>
-          <p:nvPr>
-            <p:ph sz="quarter" idx="4"/>
-          </p:nvPr>
-        </p:nvPicPr>
-        <p:blipFill>
-          <a:blip r:embed="rId2">
-            <a:extLst>
-              <a:ext uri="{28A0092B-C50C-407E-A947-70E740481C1C}">
-                <a14:useLocalDpi xmlns:a14="http://schemas.microsoft.com/office/drawing/2010/main" val="0"/>
-              </a:ext>
-            </a:extLst>
-          </a:blip>
-          <a:stretch>
-            <a:fillRect/>
-          </a:stretch>
-        </p:blipFill>
-        <p:spPr bwMode="auto">
-          <a:xfrm>
-            <a:off x="7026202" y="1780215"/>
-            <a:ext cx="4259263" cy="858209"/>
-          </a:xfrm>
-          <a:prstGeom prst="rect">
-            <a:avLst/>
-          </a:prstGeom>
-          <a:noFill/>
-          <a:extLst>
-            <a:ext uri="{909E8E84-426E-40DD-AFC4-6F175D3DCCD1}">
-              <a14:hiddenFill xmlns:a14="http://schemas.microsoft.com/office/drawing/2010/main">
-                <a:solidFill>
-                  <a:srgbClr val="FFFFFF"/>
-                </a:solidFill>
-              </a14:hiddenFill>
-            </a:ext>
-          </a:extLst>
-        </p:spPr>
-      </p:pic>
-      <p:pic>
-        <p:nvPicPr>
-          <p:cNvPr id="1026" name="Picture 2" descr="C:\Users\TroDA\Desktop\632b60f8c1aa184a0e5766d9_202209-ms-sql-icon-3x.png"/>
-          <p:cNvPicPr>
-            <a:picLocks noChangeAspect="1" noChangeArrowheads="1"/>
-          </p:cNvPicPr>
-          <p:nvPr/>
-        </p:nvPicPr>
-        <p:blipFill>
-          <a:blip r:embed="rId3" cstate="print">
-            <a:extLst>
-              <a:ext uri="{28A0092B-C50C-407E-A947-70E740481C1C}">
-                <a14:useLocalDpi xmlns:a14="http://schemas.microsoft.com/office/drawing/2010/main" val="0"/>
-              </a:ext>
-            </a:extLst>
-          </a:blip>
-          <a:srcRect/>
-          <a:stretch>
-            <a:fillRect/>
-          </a:stretch>
-        </p:blipFill>
-        <p:spPr bwMode="auto">
-          <a:xfrm>
-            <a:off x="901626" y="1499697"/>
-            <a:ext cx="3841823" cy="1138727"/>
-          </a:xfrm>
-          <a:prstGeom prst="rect">
-            <a:avLst/>
-          </a:prstGeom>
-          <a:noFill/>
-          <a:extLst>
-            <a:ext uri="{909E8E84-426E-40DD-AFC4-6F175D3DCCD1}">
-              <a14:hiddenFill xmlns:a14="http://schemas.microsoft.com/office/drawing/2010/main">
-                <a:solidFill>
-                  <a:srgbClr val="FFFFFF"/>
-                </a:solidFill>
-              </a14:hiddenFill>
-            </a:ext>
-          </a:extLst>
-        </p:spPr>
-      </p:pic>
-      <p:sp>
-        <p:nvSpPr>
-          <p:cNvPr id="11" name="TextBox 10"/>
-          <p:cNvSpPr txBox="1"/>
-          <p:nvPr/>
-        </p:nvSpPr>
-        <p:spPr>
-          <a:xfrm>
-            <a:off x="901627" y="2943225"/>
-            <a:ext cx="4403798" cy="3170099"/>
-          </a:xfrm>
-          <a:prstGeom prst="rect">
-            <a:avLst/>
-          </a:prstGeom>
-          <a:noFill/>
-        </p:spPr>
-        <p:txBody>
-          <a:bodyPr wrap="square" rtlCol="0">
-            <a:spAutoFit/>
-          </a:bodyPr>
-          <a:lstStyle/>
-          <a:p>
-            <a:pPr algn="just"/>
-            <a:r>
-              <a:rPr lang="ru-RU" sz="2000" b="1" dirty="0"/>
-              <a:t>MS SQL Server </a:t>
-            </a:r>
-            <a:r>
-              <a:rPr lang="ru-RU" sz="2000" b="1" dirty="0" err="1"/>
-              <a:t>Express</a:t>
-            </a:r>
-            <a:r>
-              <a:rPr lang="ru-RU" sz="2000" b="1" dirty="0"/>
-              <a:t> </a:t>
-            </a:r>
-            <a:r>
-              <a:rPr lang="ru-RU" sz="2000" dirty="0"/>
-              <a:t>(бесплатная версия) </a:t>
-            </a:r>
-            <a:endParaRPr lang="ru-RU" sz="2000" dirty="0" smtClean="0"/>
-          </a:p>
-          <a:p>
-            <a:pPr marL="342900" indent="-342900" algn="just">
-              <a:buFont typeface="Arial" panose="020B0604020202020204" pitchFamily="34" charset="0"/>
-              <a:buChar char="•"/>
-            </a:pPr>
-            <a:r>
-              <a:rPr lang="ru-RU" sz="2000" dirty="0" smtClean="0"/>
-              <a:t>Лимит</a:t>
-            </a:r>
-            <a:r>
-              <a:rPr lang="ru-RU" sz="2000" dirty="0"/>
-              <a:t>: 10 ГБ на базу </a:t>
-            </a:r>
-          </a:p>
-          <a:p>
-            <a:pPr marL="342900" indent="-342900" algn="just">
-              <a:buFont typeface="Arial" panose="020B0604020202020204" pitchFamily="34" charset="0"/>
-              <a:buChar char="•"/>
-            </a:pPr>
-            <a:r>
-              <a:rPr lang="ru-RU" sz="2000" dirty="0" smtClean="0"/>
-              <a:t>Подходит </a:t>
-            </a:r>
-            <a:r>
-              <a:rPr lang="ru-RU" sz="2000" dirty="0"/>
-              <a:t>для:  </a:t>
-            </a:r>
-          </a:p>
-          <a:p>
-            <a:pPr lvl="1" algn="just"/>
-            <a:r>
-              <a:rPr lang="ru-RU" sz="2000" dirty="0"/>
-              <a:t> </a:t>
-            </a:r>
-            <a:r>
-              <a:rPr lang="ru-RU" sz="2000" dirty="0" smtClean="0"/>
-              <a:t>- </a:t>
-            </a:r>
-            <a:r>
-              <a:rPr lang="ru-RU" sz="2000" dirty="0"/>
-              <a:t>Небольших проектов  </a:t>
-            </a:r>
-          </a:p>
-          <a:p>
-            <a:pPr lvl="1" algn="just"/>
-            <a:r>
-              <a:rPr lang="ru-RU" sz="2000" dirty="0"/>
-              <a:t> </a:t>
-            </a:r>
-            <a:r>
-              <a:rPr lang="ru-RU" sz="2000" dirty="0" smtClean="0"/>
-              <a:t>- </a:t>
-            </a:r>
-            <a:r>
-              <a:rPr lang="ru-RU" sz="2000" dirty="0"/>
-              <a:t>Тестирования  </a:t>
-            </a:r>
-          </a:p>
-          <a:p>
-            <a:pPr lvl="1" algn="just"/>
-            <a:r>
-              <a:rPr lang="ru-RU" sz="2000" dirty="0"/>
-              <a:t> </a:t>
-            </a:r>
-            <a:r>
-              <a:rPr lang="ru-RU" sz="2000" dirty="0" smtClean="0"/>
-              <a:t>- </a:t>
-            </a:r>
-            <a:r>
-              <a:rPr lang="ru-RU" sz="2000" dirty="0"/>
-              <a:t>Обучения  </a:t>
-            </a:r>
-          </a:p>
-          <a:p>
-            <a:pPr marL="342900" indent="-342900" algn="just">
-              <a:buFont typeface="Arial" panose="020B0604020202020204" pitchFamily="34" charset="0"/>
-              <a:buChar char="•"/>
-            </a:pPr>
-            <a:r>
-              <a:rPr lang="ru-RU" sz="2000" dirty="0" smtClean="0"/>
-              <a:t>Масштабирование  </a:t>
-            </a:r>
-            <a:endParaRPr lang="ru-RU" sz="2000" dirty="0"/>
-          </a:p>
-          <a:p>
-            <a:pPr lvl="1" algn="just"/>
-            <a:r>
-              <a:rPr lang="ru-RU" sz="2000" dirty="0" smtClean="0"/>
-              <a:t>- При </a:t>
-            </a:r>
-            <a:r>
-              <a:rPr lang="ru-RU" sz="2000" dirty="0"/>
-              <a:t>росте нагрузки — переход на </a:t>
-            </a:r>
-            <a:r>
-              <a:rPr lang="ru-RU" sz="2000" dirty="0" smtClean="0"/>
-              <a:t>SQL </a:t>
-            </a:r>
-            <a:r>
-              <a:rPr lang="ru-RU" sz="2000" dirty="0"/>
-              <a:t>Server </a:t>
-            </a:r>
-            <a:r>
-              <a:rPr lang="ru-RU" sz="2000" dirty="0" smtClean="0"/>
-              <a:t>Standard/Enterprise</a:t>
-            </a:r>
-            <a:endParaRPr lang="ru-RU" sz="2000" dirty="0"/>
-          </a:p>
-        </p:txBody>
-      </p:sp>
-      <p:sp>
-        <p:nvSpPr>
-          <p:cNvPr id="16" name="TextBox 15"/>
-          <p:cNvSpPr txBox="1"/>
-          <p:nvPr/>
-        </p:nvSpPr>
-        <p:spPr>
-          <a:xfrm>
-            <a:off x="7026202" y="2943225"/>
-            <a:ext cx="4403798" cy="1938992"/>
-          </a:xfrm>
-          <a:prstGeom prst="rect">
-            <a:avLst/>
-          </a:prstGeom>
-          <a:noFill/>
-        </p:spPr>
-        <p:txBody>
-          <a:bodyPr wrap="square" rtlCol="0">
-            <a:spAutoFit/>
-          </a:bodyPr>
-          <a:lstStyle/>
-          <a:p>
-            <a:pPr algn="just"/>
-            <a:r>
-              <a:rPr lang="ru-RU" sz="2000" b="1" dirty="0" smtClean="0"/>
-              <a:t>Entity </a:t>
-            </a:r>
-            <a:r>
-              <a:rPr lang="ru-RU" sz="2000" b="1" dirty="0"/>
-              <a:t>Framework </a:t>
-            </a:r>
-            <a:r>
-              <a:rPr lang="ru-RU" sz="2000" b="1" dirty="0" err="1" smtClean="0"/>
-              <a:t>Core</a:t>
-            </a:r>
-            <a:r>
-              <a:rPr lang="ru-RU" sz="2000" b="1" dirty="0" smtClean="0"/>
-              <a:t> </a:t>
-            </a:r>
-          </a:p>
-          <a:p>
-            <a:pPr algn="just"/>
-            <a:r>
-              <a:rPr lang="ru-RU" sz="2000" b="1" dirty="0" smtClean="0"/>
-              <a:t> </a:t>
-            </a:r>
-          </a:p>
-          <a:p>
-            <a:pPr marL="342900" indent="-342900" algn="just">
-              <a:buFont typeface="Arial" panose="020B0604020202020204" pitchFamily="34" charset="0"/>
-              <a:buChar char="•"/>
-            </a:pPr>
-            <a:r>
-              <a:rPr lang="ru-RU" sz="2000" dirty="0" smtClean="0"/>
-              <a:t>Современный и гибкий фреймворк  </a:t>
-            </a:r>
-          </a:p>
-          <a:p>
-            <a:pPr marL="342900" indent="-342900" algn="just">
-              <a:buFont typeface="Arial" panose="020B0604020202020204" pitchFamily="34" charset="0"/>
-              <a:buChar char="•"/>
-            </a:pPr>
-            <a:r>
-              <a:rPr lang="ru-RU" sz="2000" dirty="0" smtClean="0"/>
-              <a:t>Развитая экосистема  </a:t>
-            </a:r>
-          </a:p>
-          <a:p>
-            <a:pPr marL="342900" indent="-342900" algn="just">
-              <a:buFont typeface="Arial" panose="020B0604020202020204" pitchFamily="34" charset="0"/>
-              <a:buChar char="•"/>
-            </a:pPr>
-            <a:r>
-              <a:rPr lang="ru-RU" sz="2000" dirty="0" smtClean="0"/>
-              <a:t>Упрощает </a:t>
-            </a:r>
-            <a:r>
-              <a:rPr lang="ru-RU" sz="2000" dirty="0"/>
-              <a:t>разработку и сокращает время на рутинные операции</a:t>
-            </a:r>
-          </a:p>
-        </p:txBody>
-      </p:sp>
-      <p:pic>
-        <p:nvPicPr>
-          <p:cNvPr id="17" name="Рисунок 16">
-            <a:extLst>
-              <a:ext uri="{FF2B5EF4-FFF2-40B4-BE49-F238E27FC236}">
-                <a16:creationId xmlns:a16="http://schemas.microsoft.com/office/drawing/2014/main" xmlns="" id="{828FB7BC-5A7C-6A69-5802-7887E502C706}"/>
-              </a:ext>
-            </a:extLst>
-          </p:cNvPr>
-          <p:cNvPicPr>
-            <a:picLocks noChangeAspect="1"/>
-          </p:cNvPicPr>
-          <p:nvPr/>
-        </p:nvPicPr>
-        <p:blipFill>
-          <a:blip r:embed="rId4" cstate="print">
-            <a:extLst>
-              <a:ext uri="{28A0092B-C50C-407E-A947-70E740481C1C}">
-                <a14:useLocalDpi xmlns:a14="http://schemas.microsoft.com/office/drawing/2010/main" val="0"/>
-              </a:ext>
-            </a:extLst>
-          </a:blip>
-          <a:stretch>
-            <a:fillRect/>
-          </a:stretch>
-        </p:blipFill>
-        <p:spPr>
-          <a:xfrm rot="5400000" flipH="1">
-            <a:off x="-3062748" y="3087000"/>
-            <a:ext cx="6858000" cy="684000"/>
-          </a:xfrm>
-          <a:prstGeom prst="rect">
-            <a:avLst/>
-          </a:prstGeom>
-          <a:effectLst>
-            <a:outerShdw blurRad="50800" dist="50800" dir="5400000" sx="99000" sy="99000" algn="ctr" rotWithShape="0">
-              <a:srgbClr val="000000">
-                <a:alpha val="99000"/>
-              </a:srgbClr>
-            </a:outerShdw>
-          </a:effectLst>
-        </p:spPr>
-      </p:pic>
-    </p:spTree>
-    <p:extLst>
-      <p:ext uri="{BB962C8B-B14F-4D97-AF65-F5344CB8AC3E}">
-        <p14:creationId xmlns:p14="http://schemas.microsoft.com/office/powerpoint/2010/main" val="3417280905"/>
-      </p:ext>
-    </p:extLst>
-  </p:cSld>
-  <p:clrMapOvr>
-    <a:masterClrMapping/>
-  </p:clrMapOvr>
-  <p:timing>
-    <p:tnLst>
-      <p:par>
-        <p:cTn id="1" dur="indefinite" restart="never" nodeType="tmRoot"/>
-      </p:par>
-    </p:tnLst>
-  </p:timing>
 </p:sld>
 </file>
 
 <file path=ppt/theme/theme1.xml><?xml version="1.0" encoding="utf-8"?>
 <a:theme xmlns:a="http://schemas.openxmlformats.org/drawingml/2006/main" name="Тема Office">
   <a:themeElements>
-    <a:clrScheme name="Стандартная">
+    <a:clrScheme name="Тема Office">
       <a:dk1>
         <a:sysClr val="windowText" lastClr="000000"/>
       </a:dk1>
@@ -9109,7 +9038,7 @@
         <a:srgbClr val="954F72"/>
       </a:folHlink>
     </a:clrScheme>
-    <a:fontScheme name="Стандартная">
+    <a:fontScheme name="Тема Office">
       <a:majorFont>
         <a:latin typeface="Calibri Light" panose="020F0302020204030204"/>
         <a:ea typeface=""/>
@@ -9144,23 +9073,6 @@
         <a:font script="Viet" typeface="Times New Roman"/>
         <a:font script="Uigh" typeface="Microsoft Uighur"/>
         <a:font script="Geor" typeface="Sylfaen"/>
-        <a:font script="Armn" typeface="Arial"/>
-        <a:font script="Bugi" typeface="Leelawadee UI"/>
-        <a:font script="Bopo" typeface="Microsoft JhengHei"/>
-        <a:font script="Java" typeface="Javanese Text"/>
-        <a:font script="Lisu" typeface="Segoe UI"/>
-        <a:font script="Mymr" typeface="Myanmar Text"/>
-        <a:font script="Nkoo" typeface="Ebrima"/>
-        <a:font script="Olck" typeface="Nirmala UI"/>
-        <a:font script="Osma" typeface="Ebrima"/>
-        <a:font script="Phag" typeface="Phagspa"/>
-        <a:font script="Syrn" typeface="Estrangelo Edessa"/>
-        <a:font script="Syrj" typeface="Estrangelo Edessa"/>
-        <a:font script="Syre" typeface="Estrangelo Edessa"/>
-        <a:font script="Sora" typeface="Nirmala UI"/>
-        <a:font script="Tale" typeface="Microsoft Tai Le"/>
-        <a:font script="Talu" typeface="Microsoft New Tai Lue"/>
-        <a:font script="Tfng" typeface="Ebrima"/>
       </a:majorFont>
       <a:minorFont>
         <a:latin typeface="Calibri" panose="020F0502020204030204"/>
@@ -9196,26 +9108,9 @@
         <a:font script="Viet" typeface="Arial"/>
         <a:font script="Uigh" typeface="Microsoft Uighur"/>
         <a:font script="Geor" typeface="Sylfaen"/>
-        <a:font script="Armn" typeface="Arial"/>
-        <a:font script="Bugi" typeface="Leelawadee UI"/>
-        <a:font script="Bopo" typeface="Microsoft JhengHei"/>
-        <a:font script="Java" typeface="Javanese Text"/>
-        <a:font script="Lisu" typeface="Segoe UI"/>
-        <a:font script="Mymr" typeface="Myanmar Text"/>
-        <a:font script="Nkoo" typeface="Ebrima"/>
-        <a:font script="Olck" typeface="Nirmala UI"/>
-        <a:font script="Osma" typeface="Ebrima"/>
-        <a:font script="Phag" typeface="Phagspa"/>
-        <a:font script="Syrn" typeface="Estrangelo Edessa"/>
-        <a:font script="Syrj" typeface="Estrangelo Edessa"/>
-        <a:font script="Syre" typeface="Estrangelo Edessa"/>
-        <a:font script="Sora" typeface="Nirmala UI"/>
-        <a:font script="Tale" typeface="Microsoft Tai Le"/>
-        <a:font script="Talu" typeface="Microsoft New Tai Lue"/>
-        <a:font script="Tfng" typeface="Ebrima"/>
       </a:minorFont>
     </a:fontScheme>
-    <a:fmtScheme name="Стандартная">
+    <a:fmtScheme name="Тема Office">
       <a:fillStyleLst>
         <a:solidFill>
           <a:schemeClr val="phClr"/>
@@ -9357,7 +9252,7 @@
   <a:extraClrSchemeLst/>
   <a:extLst>
     <a:ext uri="{05A4C25C-085E-4340-85A3-A5531E510DB2}">
-      <thm15:themeFamily xmlns:thm15="http://schemas.microsoft.com/office/thememl/2012/main" xmlns="" name="Office Theme" id="{62F939B6-93AF-4DB8-9C6B-D6C7DFDC589F}" vid="{4A3C46E8-61CC-4603-A589-7422A47A8E4A}"/>
+      <thm15:themeFamily xmlns:thm15="http://schemas.microsoft.com/office/thememl/2012/main" name="Office 2013 - 2022 Theme" id="{62F939B6-93AF-4DB8-9C6B-D6C7DFDC589F}" vid="{4A3C46E8-61CC-4603-A589-7422A47A8E4A}"/>
     </a:ext>
   </a:extLst>
 </a:theme>
@@ -9652,7 +9547,7 @@
   <a:extraClrSchemeLst/>
   <a:extLst>
     <a:ext uri="{05A4C25C-085E-4340-85A3-A5531E510DB2}">
-      <thm15:themeFamily xmlns:thm15="http://schemas.microsoft.com/office/thememl/2012/main" xmlns="" name="Office Theme" id="{62F939B6-93AF-4DB8-9C6B-D6C7DFDC589F}" vid="{4A3C46E8-61CC-4603-A589-7422A47A8E4A}"/>
+      <thm15:themeFamily xmlns:thm15="http://schemas.microsoft.com/office/thememl/2012/main" name="Office Theme" id="{62F939B6-93AF-4DB8-9C6B-D6C7DFDC589F}" vid="{4A3C46E8-61CC-4603-A589-7422A47A8E4A}"/>
     </a:ext>
   </a:extLst>
 </a:theme>

--- a/ПРАВКИ_Презентация ВКР ВО.pptx
+++ b/ПРАВКИ_Презентация ВКР ВО.pptx
@@ -124,7 +124,7 @@
   </p:defaultTextStyle>
   <p:extLst>
     <p:ext uri="{EFAFB233-063F-42B5-8137-9DF3F51BA10A}">
-      <p15:sldGuideLst xmlns:p15="http://schemas.microsoft.com/office/powerpoint/2012/main">
+      <p15:sldGuideLst xmlns:p15="http://schemas.microsoft.com/office/powerpoint/2012/main" xmlns="">
         <p15:guide id="1" orient="horz" pos="2160" userDrawn="1">
           <p15:clr>
             <a:srgbClr val="A4A3A4"/>
@@ -1246,6 +1246,13 @@
         </dgm:presLayoutVars>
       </dgm:prSet>
       <dgm:spPr/>
+      <dgm:t>
+        <a:bodyPr/>
+        <a:lstStyle/>
+        <a:p>
+          <a:endParaRPr lang="ru-RU"/>
+        </a:p>
+      </dgm:t>
     </dgm:pt>
     <dgm:pt modelId="{68FCCF14-3F2E-4843-A2E2-A25778F549C8}" type="pres">
       <dgm:prSet presAssocID="{3B570F82-677D-4CC2-9504-D01A41A1D349}" presName="hierRoot1" presStyleCnt="0">
@@ -1266,10 +1273,24 @@
         </dgm:presLayoutVars>
       </dgm:prSet>
       <dgm:spPr/>
+      <dgm:t>
+        <a:bodyPr/>
+        <a:lstStyle/>
+        <a:p>
+          <a:endParaRPr lang="ru-RU"/>
+        </a:p>
+      </dgm:t>
     </dgm:pt>
     <dgm:pt modelId="{FC222700-6815-42EC-9050-5E7018FF7E42}" type="pres">
       <dgm:prSet presAssocID="{3B570F82-677D-4CC2-9504-D01A41A1D349}" presName="rootConnector1" presStyleLbl="node1" presStyleIdx="0" presStyleCnt="0"/>
       <dgm:spPr/>
+      <dgm:t>
+        <a:bodyPr/>
+        <a:lstStyle/>
+        <a:p>
+          <a:endParaRPr lang="ru-RU"/>
+        </a:p>
+      </dgm:t>
     </dgm:pt>
     <dgm:pt modelId="{9A9EBDC5-ABE9-4591-941B-8B04ECFFBE28}" type="pres">
       <dgm:prSet presAssocID="{3B570F82-677D-4CC2-9504-D01A41A1D349}" presName="hierChild2" presStyleCnt="0"/>
@@ -1278,6 +1299,13 @@
     <dgm:pt modelId="{4DC629A8-7CF0-4583-A510-F86343E4C686}" type="pres">
       <dgm:prSet presAssocID="{2B488B5B-2E92-4327-BF42-2009D894616C}" presName="Name37" presStyleLbl="parChTrans1D2" presStyleIdx="0" presStyleCnt="4"/>
       <dgm:spPr/>
+      <dgm:t>
+        <a:bodyPr/>
+        <a:lstStyle/>
+        <a:p>
+          <a:endParaRPr lang="ru-RU"/>
+        </a:p>
+      </dgm:t>
     </dgm:pt>
     <dgm:pt modelId="{5C79D6A5-B2B5-46C9-B5C6-7FECB9831F42}" type="pres">
       <dgm:prSet presAssocID="{92DB0E6F-D98B-4291-AA6B-B06788768C78}" presName="hierRoot2" presStyleCnt="0">
@@ -1298,10 +1326,24 @@
         </dgm:presLayoutVars>
       </dgm:prSet>
       <dgm:spPr/>
+      <dgm:t>
+        <a:bodyPr/>
+        <a:lstStyle/>
+        <a:p>
+          <a:endParaRPr lang="ru-RU"/>
+        </a:p>
+      </dgm:t>
     </dgm:pt>
     <dgm:pt modelId="{17845902-A9F0-48A7-8D7B-AC8F0FEF4428}" type="pres">
       <dgm:prSet presAssocID="{92DB0E6F-D98B-4291-AA6B-B06788768C78}" presName="rootConnector" presStyleLbl="node2" presStyleIdx="0" presStyleCnt="4"/>
       <dgm:spPr/>
+      <dgm:t>
+        <a:bodyPr/>
+        <a:lstStyle/>
+        <a:p>
+          <a:endParaRPr lang="ru-RU"/>
+        </a:p>
+      </dgm:t>
     </dgm:pt>
     <dgm:pt modelId="{FB97C96D-1BB0-4670-8AF2-792B1432B691}" type="pres">
       <dgm:prSet presAssocID="{92DB0E6F-D98B-4291-AA6B-B06788768C78}" presName="hierChild4" presStyleCnt="0"/>
@@ -1314,6 +1356,13 @@
     <dgm:pt modelId="{7B67667C-449B-40AC-A2FB-3D23164F885D}" type="pres">
       <dgm:prSet presAssocID="{6DE20EAB-60A9-47C4-99D1-10622DD77105}" presName="Name37" presStyleLbl="parChTrans1D2" presStyleIdx="1" presStyleCnt="4"/>
       <dgm:spPr/>
+      <dgm:t>
+        <a:bodyPr/>
+        <a:lstStyle/>
+        <a:p>
+          <a:endParaRPr lang="ru-RU"/>
+        </a:p>
+      </dgm:t>
     </dgm:pt>
     <dgm:pt modelId="{71B04466-05FB-41D9-8778-921123014BCB}" type="pres">
       <dgm:prSet presAssocID="{2360333D-FB62-4098-A34F-C44956FC48A6}" presName="hierRoot2" presStyleCnt="0">
@@ -1334,10 +1383,24 @@
         </dgm:presLayoutVars>
       </dgm:prSet>
       <dgm:spPr/>
+      <dgm:t>
+        <a:bodyPr/>
+        <a:lstStyle/>
+        <a:p>
+          <a:endParaRPr lang="ru-RU"/>
+        </a:p>
+      </dgm:t>
     </dgm:pt>
     <dgm:pt modelId="{167C0E11-3DED-424E-AEBF-FDBF904DA9E9}" type="pres">
       <dgm:prSet presAssocID="{2360333D-FB62-4098-A34F-C44956FC48A6}" presName="rootConnector" presStyleLbl="node2" presStyleIdx="1" presStyleCnt="4"/>
       <dgm:spPr/>
+      <dgm:t>
+        <a:bodyPr/>
+        <a:lstStyle/>
+        <a:p>
+          <a:endParaRPr lang="ru-RU"/>
+        </a:p>
+      </dgm:t>
     </dgm:pt>
     <dgm:pt modelId="{65F282E9-2207-4E8A-BD2C-640B66E8CE39}" type="pres">
       <dgm:prSet presAssocID="{2360333D-FB62-4098-A34F-C44956FC48A6}" presName="hierChild4" presStyleCnt="0"/>
@@ -1350,6 +1413,13 @@
     <dgm:pt modelId="{B198DC8D-4707-4917-9845-3AC866ADA252}" type="pres">
       <dgm:prSet presAssocID="{DEE3936A-CB81-4314-9FCC-EE9D3347B307}" presName="Name37" presStyleLbl="parChTrans1D2" presStyleIdx="2" presStyleCnt="4"/>
       <dgm:spPr/>
+      <dgm:t>
+        <a:bodyPr/>
+        <a:lstStyle/>
+        <a:p>
+          <a:endParaRPr lang="ru-RU"/>
+        </a:p>
+      </dgm:t>
     </dgm:pt>
     <dgm:pt modelId="{7A7B8263-F3DB-4C13-9557-B462D39FB0A1}" type="pres">
       <dgm:prSet presAssocID="{3D3595AF-CBEA-41CA-85FA-5C969EE5F377}" presName="hierRoot2" presStyleCnt="0">
@@ -1370,10 +1440,24 @@
         </dgm:presLayoutVars>
       </dgm:prSet>
       <dgm:spPr/>
+      <dgm:t>
+        <a:bodyPr/>
+        <a:lstStyle/>
+        <a:p>
+          <a:endParaRPr lang="ru-RU"/>
+        </a:p>
+      </dgm:t>
     </dgm:pt>
     <dgm:pt modelId="{2D1112BF-2E61-4663-A2A1-796E27001FC8}" type="pres">
       <dgm:prSet presAssocID="{3D3595AF-CBEA-41CA-85FA-5C969EE5F377}" presName="rootConnector" presStyleLbl="node2" presStyleIdx="2" presStyleCnt="4"/>
       <dgm:spPr/>
+      <dgm:t>
+        <a:bodyPr/>
+        <a:lstStyle/>
+        <a:p>
+          <a:endParaRPr lang="ru-RU"/>
+        </a:p>
+      </dgm:t>
     </dgm:pt>
     <dgm:pt modelId="{EEDD4657-8DBA-44F1-A7AB-62AA944E4201}" type="pres">
       <dgm:prSet presAssocID="{3D3595AF-CBEA-41CA-85FA-5C969EE5F377}" presName="hierChild4" presStyleCnt="0"/>
@@ -1386,6 +1470,13 @@
     <dgm:pt modelId="{73A9594A-C46B-47E1-985A-A8BAC420E4D2}" type="pres">
       <dgm:prSet presAssocID="{E58EF0F2-F9F4-4773-AF6B-D137675B457B}" presName="Name37" presStyleLbl="parChTrans1D2" presStyleIdx="3" presStyleCnt="4"/>
       <dgm:spPr/>
+      <dgm:t>
+        <a:bodyPr/>
+        <a:lstStyle/>
+        <a:p>
+          <a:endParaRPr lang="ru-RU"/>
+        </a:p>
+      </dgm:t>
     </dgm:pt>
     <dgm:pt modelId="{F46B881B-C810-4549-AA10-0123E8757EB0}" type="pres">
       <dgm:prSet presAssocID="{E8ADEFCE-305C-440F-98A4-F021E6F3173D}" presName="hierRoot2" presStyleCnt="0">
@@ -1406,10 +1497,24 @@
         </dgm:presLayoutVars>
       </dgm:prSet>
       <dgm:spPr/>
+      <dgm:t>
+        <a:bodyPr/>
+        <a:lstStyle/>
+        <a:p>
+          <a:endParaRPr lang="ru-RU"/>
+        </a:p>
+      </dgm:t>
     </dgm:pt>
     <dgm:pt modelId="{5D1F54ED-D24A-49F1-A7BC-2890AC8FEE93}" type="pres">
       <dgm:prSet presAssocID="{E8ADEFCE-305C-440F-98A4-F021E6F3173D}" presName="rootConnector" presStyleLbl="node2" presStyleIdx="3" presStyleCnt="4"/>
       <dgm:spPr/>
+      <dgm:t>
+        <a:bodyPr/>
+        <a:lstStyle/>
+        <a:p>
+          <a:endParaRPr lang="ru-RU"/>
+        </a:p>
+      </dgm:t>
     </dgm:pt>
     <dgm:pt modelId="{1F2DBE26-F31D-4956-8BB9-239EE9C66F93}" type="pres">
       <dgm:prSet presAssocID="{E8ADEFCE-305C-440F-98A4-F021E6F3173D}" presName="hierChild4" presStyleCnt="0"/>
@@ -1425,26 +1530,26 @@
     </dgm:pt>
   </dgm:ptLst>
   <dgm:cxnLst>
+    <dgm:cxn modelId="{696829D6-AD81-4CD4-A406-E7EC51A69B34}" type="presOf" srcId="{3B570F82-677D-4CC2-9504-D01A41A1D349}" destId="{FC222700-6815-42EC-9050-5E7018FF7E42}" srcOrd="1" destOrd="0" presId="urn:microsoft.com/office/officeart/2005/8/layout/orgChart1"/>
+    <dgm:cxn modelId="{38192B9F-BA11-40BE-A636-246392048FB3}" type="presOf" srcId="{6DE20EAB-60A9-47C4-99D1-10622DD77105}" destId="{7B67667C-449B-40AC-A2FB-3D23164F885D}" srcOrd="0" destOrd="0" presId="urn:microsoft.com/office/officeart/2005/8/layout/orgChart1"/>
+    <dgm:cxn modelId="{74502C5F-611C-4713-A54B-11BAC5B4408B}" type="presOf" srcId="{E8ADEFCE-305C-440F-98A4-F021E6F3173D}" destId="{5D1F54ED-D24A-49F1-A7BC-2890AC8FEE93}" srcOrd="1" destOrd="0" presId="urn:microsoft.com/office/officeart/2005/8/layout/orgChart1"/>
+    <dgm:cxn modelId="{61686135-590B-486E-9EA4-34420F56946C}" type="presOf" srcId="{2360333D-FB62-4098-A34F-C44956FC48A6}" destId="{167C0E11-3DED-424E-AEBF-FDBF904DA9E9}" srcOrd="1" destOrd="0" presId="urn:microsoft.com/office/officeart/2005/8/layout/orgChart1"/>
+    <dgm:cxn modelId="{961895A6-CD3F-4DA0-A202-BD26FDCE7F33}" type="presOf" srcId="{DEE3936A-CB81-4314-9FCC-EE9D3347B307}" destId="{B198DC8D-4707-4917-9845-3AC866ADA252}" srcOrd="0" destOrd="0" presId="urn:microsoft.com/office/officeart/2005/8/layout/orgChart1"/>
+    <dgm:cxn modelId="{A2DD12C4-43DC-4D25-809D-B8980B8DDFF1}" type="presOf" srcId="{92DB0E6F-D98B-4291-AA6B-B06788768C78}" destId="{9CF0F068-6DF2-41C5-9577-3526CE7DE021}" srcOrd="0" destOrd="0" presId="urn:microsoft.com/office/officeart/2005/8/layout/orgChart1"/>
+    <dgm:cxn modelId="{5F61C755-84D4-448F-98AD-2C04D33EFE10}" type="presOf" srcId="{3B570F82-677D-4CC2-9504-D01A41A1D349}" destId="{AB1CA4BF-B69A-4BF3-981F-98C24B146FFC}" srcOrd="0" destOrd="0" presId="urn:microsoft.com/office/officeart/2005/8/layout/orgChart1"/>
+    <dgm:cxn modelId="{D47EC9A4-A94A-4E70-8EBF-B313139BD651}" type="presOf" srcId="{92DB0E6F-D98B-4291-AA6B-B06788768C78}" destId="{17845902-A9F0-48A7-8D7B-AC8F0FEF4428}" srcOrd="1" destOrd="0" presId="urn:microsoft.com/office/officeart/2005/8/layout/orgChart1"/>
+    <dgm:cxn modelId="{A6E0A958-31A2-49E5-A207-1CC9A02A5840}" type="presOf" srcId="{3D3595AF-CBEA-41CA-85FA-5C969EE5F377}" destId="{882924CA-9121-4691-BB49-D76C0D194943}" srcOrd="0" destOrd="0" presId="urn:microsoft.com/office/officeart/2005/8/layout/orgChart1"/>
+    <dgm:cxn modelId="{BAC6C667-CC06-4435-8E28-A07A111757BD}" type="presOf" srcId="{3D3595AF-CBEA-41CA-85FA-5C969EE5F377}" destId="{2D1112BF-2E61-4663-A2A1-796E27001FC8}" srcOrd="1" destOrd="0" presId="urn:microsoft.com/office/officeart/2005/8/layout/orgChart1"/>
+    <dgm:cxn modelId="{3603BFC4-9954-4EF5-8D07-C83931DF7491}" srcId="{3B570F82-677D-4CC2-9504-D01A41A1D349}" destId="{E8ADEFCE-305C-440F-98A4-F021E6F3173D}" srcOrd="3" destOrd="0" parTransId="{E58EF0F2-F9F4-4773-AF6B-D137675B457B}" sibTransId="{7B7BF542-2301-4AEC-9E05-3959DE743F35}"/>
+    <dgm:cxn modelId="{3A486785-0B58-46FC-B052-303296CE1A99}" srcId="{3B570F82-677D-4CC2-9504-D01A41A1D349}" destId="{2360333D-FB62-4098-A34F-C44956FC48A6}" srcOrd="1" destOrd="0" parTransId="{6DE20EAB-60A9-47C4-99D1-10622DD77105}" sibTransId="{609F9793-9A17-457E-8D1F-FC5652CB6E3C}"/>
+    <dgm:cxn modelId="{53BE45D9-8053-4622-815A-ED9026C30F27}" type="presOf" srcId="{2360333D-FB62-4098-A34F-C44956FC48A6}" destId="{89F9221F-E479-4137-9C62-318DD3A6DC09}" srcOrd="0" destOrd="0" presId="urn:microsoft.com/office/officeart/2005/8/layout/orgChart1"/>
+    <dgm:cxn modelId="{4CFF0CB8-9DA8-49B9-902D-B52E3301AED7}" srcId="{3B570F82-677D-4CC2-9504-D01A41A1D349}" destId="{92DB0E6F-D98B-4291-AA6B-B06788768C78}" srcOrd="0" destOrd="0" parTransId="{2B488B5B-2E92-4327-BF42-2009D894616C}" sibTransId="{82861CCC-B2ED-4DDB-BA10-028B051C008A}"/>
+    <dgm:cxn modelId="{099726D4-0B36-4494-8709-F4543E30D7E2}" type="presOf" srcId="{E8ADEFCE-305C-440F-98A4-F021E6F3173D}" destId="{44E5927C-A120-4F18-BA19-15984B2A54AC}" srcOrd="0" destOrd="0" presId="urn:microsoft.com/office/officeart/2005/8/layout/orgChart1"/>
     <dgm:cxn modelId="{8B64CE0F-EE7A-4E3E-820D-D9798DA25E58}" srcId="{3B570F82-677D-4CC2-9504-D01A41A1D349}" destId="{3D3595AF-CBEA-41CA-85FA-5C969EE5F377}" srcOrd="2" destOrd="0" parTransId="{DEE3936A-CB81-4314-9FCC-EE9D3347B307}" sibTransId="{BF8F819C-666D-49EA-A270-7C7D97D992F6}"/>
+    <dgm:cxn modelId="{F580833D-DF0F-4A5F-BF9E-4539AF6E2707}" type="presOf" srcId="{E58EF0F2-F9F4-4773-AF6B-D137675B457B}" destId="{73A9594A-C46B-47E1-985A-A8BAC420E4D2}" srcOrd="0" destOrd="0" presId="urn:microsoft.com/office/officeart/2005/8/layout/orgChart1"/>
     <dgm:cxn modelId="{B6BF462F-A73A-4BA2-A0C2-A235C1B5B081}" type="presOf" srcId="{2B488B5B-2E92-4327-BF42-2009D894616C}" destId="{4DC629A8-7CF0-4583-A510-F86343E4C686}" srcOrd="0" destOrd="0" presId="urn:microsoft.com/office/officeart/2005/8/layout/orgChart1"/>
-    <dgm:cxn modelId="{61686135-590B-486E-9EA4-34420F56946C}" type="presOf" srcId="{2360333D-FB62-4098-A34F-C44956FC48A6}" destId="{167C0E11-3DED-424E-AEBF-FDBF904DA9E9}" srcOrd="1" destOrd="0" presId="urn:microsoft.com/office/officeart/2005/8/layout/orgChart1"/>
-    <dgm:cxn modelId="{F580833D-DF0F-4A5F-BF9E-4539AF6E2707}" type="presOf" srcId="{E58EF0F2-F9F4-4773-AF6B-D137675B457B}" destId="{73A9594A-C46B-47E1-985A-A8BAC420E4D2}" srcOrd="0" destOrd="0" presId="urn:microsoft.com/office/officeart/2005/8/layout/orgChart1"/>
-    <dgm:cxn modelId="{74502C5F-611C-4713-A54B-11BAC5B4408B}" type="presOf" srcId="{E8ADEFCE-305C-440F-98A4-F021E6F3173D}" destId="{5D1F54ED-D24A-49F1-A7BC-2890AC8FEE93}" srcOrd="1" destOrd="0" presId="urn:microsoft.com/office/officeart/2005/8/layout/orgChart1"/>
-    <dgm:cxn modelId="{BAC6C667-CC06-4435-8E28-A07A111757BD}" type="presOf" srcId="{3D3595AF-CBEA-41CA-85FA-5C969EE5F377}" destId="{2D1112BF-2E61-4663-A2A1-796E27001FC8}" srcOrd="1" destOrd="0" presId="urn:microsoft.com/office/officeart/2005/8/layout/orgChart1"/>
-    <dgm:cxn modelId="{5F61C755-84D4-448F-98AD-2C04D33EFE10}" type="presOf" srcId="{3B570F82-677D-4CC2-9504-D01A41A1D349}" destId="{AB1CA4BF-B69A-4BF3-981F-98C24B146FFC}" srcOrd="0" destOrd="0" presId="urn:microsoft.com/office/officeart/2005/8/layout/orgChart1"/>
-    <dgm:cxn modelId="{A6E0A958-31A2-49E5-A207-1CC9A02A5840}" type="presOf" srcId="{3D3595AF-CBEA-41CA-85FA-5C969EE5F377}" destId="{882924CA-9121-4691-BB49-D76C0D194943}" srcOrd="0" destOrd="0" presId="urn:microsoft.com/office/officeart/2005/8/layout/orgChart1"/>
-    <dgm:cxn modelId="{3A486785-0B58-46FC-B052-303296CE1A99}" srcId="{3B570F82-677D-4CC2-9504-D01A41A1D349}" destId="{2360333D-FB62-4098-A34F-C44956FC48A6}" srcOrd="1" destOrd="0" parTransId="{6DE20EAB-60A9-47C4-99D1-10622DD77105}" sibTransId="{609F9793-9A17-457E-8D1F-FC5652CB6E3C}"/>
-    <dgm:cxn modelId="{38192B9F-BA11-40BE-A636-246392048FB3}" type="presOf" srcId="{6DE20EAB-60A9-47C4-99D1-10622DD77105}" destId="{7B67667C-449B-40AC-A2FB-3D23164F885D}" srcOrd="0" destOrd="0" presId="urn:microsoft.com/office/officeart/2005/8/layout/orgChart1"/>
-    <dgm:cxn modelId="{D47EC9A4-A94A-4E70-8EBF-B313139BD651}" type="presOf" srcId="{92DB0E6F-D98B-4291-AA6B-B06788768C78}" destId="{17845902-A9F0-48A7-8D7B-AC8F0FEF4428}" srcOrd="1" destOrd="0" presId="urn:microsoft.com/office/officeart/2005/8/layout/orgChart1"/>
-    <dgm:cxn modelId="{961895A6-CD3F-4DA0-A202-BD26FDCE7F33}" type="presOf" srcId="{DEE3936A-CB81-4314-9FCC-EE9D3347B307}" destId="{B198DC8D-4707-4917-9845-3AC866ADA252}" srcOrd="0" destOrd="0" presId="urn:microsoft.com/office/officeart/2005/8/layout/orgChart1"/>
-    <dgm:cxn modelId="{4CFF0CB8-9DA8-49B9-902D-B52E3301AED7}" srcId="{3B570F82-677D-4CC2-9504-D01A41A1D349}" destId="{92DB0E6F-D98B-4291-AA6B-B06788768C78}" srcOrd="0" destOrd="0" parTransId="{2B488B5B-2E92-4327-BF42-2009D894616C}" sibTransId="{82861CCC-B2ED-4DDB-BA10-028B051C008A}"/>
-    <dgm:cxn modelId="{A2DD12C4-43DC-4D25-809D-B8980B8DDFF1}" type="presOf" srcId="{92DB0E6F-D98B-4291-AA6B-B06788768C78}" destId="{9CF0F068-6DF2-41C5-9577-3526CE7DE021}" srcOrd="0" destOrd="0" presId="urn:microsoft.com/office/officeart/2005/8/layout/orgChart1"/>
-    <dgm:cxn modelId="{3603BFC4-9954-4EF5-8D07-C83931DF7491}" srcId="{3B570F82-677D-4CC2-9504-D01A41A1D349}" destId="{E8ADEFCE-305C-440F-98A4-F021E6F3173D}" srcOrd="3" destOrd="0" parTransId="{E58EF0F2-F9F4-4773-AF6B-D137675B457B}" sibTransId="{7B7BF542-2301-4AEC-9E05-3959DE743F35}"/>
     <dgm:cxn modelId="{48BFA7C6-BEE4-45EB-81CC-9F08DDC6FAD2}" srcId="{DA9E5718-AC21-4874-8CB0-EFAD24CB1DE3}" destId="{3B570F82-677D-4CC2-9504-D01A41A1D349}" srcOrd="0" destOrd="0" parTransId="{1E5876AF-B967-47FF-A30B-0063E14A28F8}" sibTransId="{A6E7287F-2CF3-42B7-A39C-B2DB57864891}"/>
     <dgm:cxn modelId="{DA41CDCC-BEDF-44FD-A1A7-DA7945FA851B}" type="presOf" srcId="{DA9E5718-AC21-4874-8CB0-EFAD24CB1DE3}" destId="{FF58A61E-51EA-467A-9935-C911AECABBD3}" srcOrd="0" destOrd="0" presId="urn:microsoft.com/office/officeart/2005/8/layout/orgChart1"/>
-    <dgm:cxn modelId="{099726D4-0B36-4494-8709-F4543E30D7E2}" type="presOf" srcId="{E8ADEFCE-305C-440F-98A4-F021E6F3173D}" destId="{44E5927C-A120-4F18-BA19-15984B2A54AC}" srcOrd="0" destOrd="0" presId="urn:microsoft.com/office/officeart/2005/8/layout/orgChart1"/>
-    <dgm:cxn modelId="{696829D6-AD81-4CD4-A406-E7EC51A69B34}" type="presOf" srcId="{3B570F82-677D-4CC2-9504-D01A41A1D349}" destId="{FC222700-6815-42EC-9050-5E7018FF7E42}" srcOrd="1" destOrd="0" presId="urn:microsoft.com/office/officeart/2005/8/layout/orgChart1"/>
-    <dgm:cxn modelId="{53BE45D9-8053-4622-815A-ED9026C30F27}" type="presOf" srcId="{2360333D-FB62-4098-A34F-C44956FC48A6}" destId="{89F9221F-E479-4137-9C62-318DD3A6DC09}" srcOrd="0" destOrd="0" presId="urn:microsoft.com/office/officeart/2005/8/layout/orgChart1"/>
     <dgm:cxn modelId="{D2817BD2-E060-40C9-8EE0-F178776B408D}" type="presParOf" srcId="{FF58A61E-51EA-467A-9935-C911AECABBD3}" destId="{68FCCF14-3F2E-4843-A2E2-A25778F549C8}" srcOrd="0" destOrd="0" presId="urn:microsoft.com/office/officeart/2005/8/layout/orgChart1"/>
     <dgm:cxn modelId="{EA863FF1-5F2D-4D76-84EC-39795A6E5323}" type="presParOf" srcId="{68FCCF14-3F2E-4843-A2E2-A25778F549C8}" destId="{A6F6B96A-3EDC-4BD0-B1F0-6596C10181A6}" srcOrd="0" destOrd="0" presId="urn:microsoft.com/office/officeart/2005/8/layout/orgChart1"/>
     <dgm:cxn modelId="{B7DD17DA-CD7A-41F3-B2A6-E72D375E0CCA}" type="presParOf" srcId="{A6F6B96A-3EDC-4BD0-B1F0-6596C10181A6}" destId="{AB1CA4BF-B69A-4BF3-981F-98C24B146FFC}" srcOrd="0" destOrd="0" presId="urn:microsoft.com/office/officeart/2005/8/layout/orgChart1"/>
@@ -1773,7 +1878,7 @@
         </a:bodyPr>
         <a:lstStyle/>
         <a:p>
-          <a:pPr marL="0" lvl="0" indent="0" algn="ctr" defTabSz="666750">
+          <a:pPr lvl="0" algn="ctr" defTabSz="666750">
             <a:lnSpc>
               <a:spcPct val="90000"/>
             </a:lnSpc>
@@ -1783,7 +1888,6 @@
             <a:spcAft>
               <a:spcPct val="35000"/>
             </a:spcAft>
-            <a:buNone/>
           </a:pPr>
           <a:r>
             <a:rPr lang="ru-RU" sz="1500" kern="1200" dirty="0">
@@ -1846,7 +1950,7 @@
         </a:bodyPr>
         <a:lstStyle/>
         <a:p>
-          <a:pPr marL="0" lvl="0" indent="0" algn="ctr" defTabSz="666750">
+          <a:pPr lvl="0" algn="ctr" defTabSz="666750">
             <a:lnSpc>
               <a:spcPct val="90000"/>
             </a:lnSpc>
@@ -1856,7 +1960,6 @@
             <a:spcAft>
               <a:spcPct val="35000"/>
             </a:spcAft>
-            <a:buNone/>
           </a:pPr>
           <a:r>
             <a:rPr lang="ru-RU" sz="1500" kern="1200" dirty="0">
@@ -1919,7 +2022,7 @@
         </a:bodyPr>
         <a:lstStyle/>
         <a:p>
-          <a:pPr marL="0" lvl="0" indent="0" algn="ctr" defTabSz="666750">
+          <a:pPr lvl="0" algn="ctr" defTabSz="666750">
             <a:lnSpc>
               <a:spcPct val="90000"/>
             </a:lnSpc>
@@ -1929,7 +2032,6 @@
             <a:spcAft>
               <a:spcPct val="35000"/>
             </a:spcAft>
-            <a:buNone/>
           </a:pPr>
           <a:r>
             <a:rPr lang="ru-RU" sz="1500" kern="1200" dirty="0">
@@ -1992,7 +2094,7 @@
         </a:bodyPr>
         <a:lstStyle/>
         <a:p>
-          <a:pPr marL="0" lvl="0" indent="0" algn="ctr" defTabSz="666750">
+          <a:pPr lvl="0" algn="ctr" defTabSz="666750">
             <a:lnSpc>
               <a:spcPct val="90000"/>
             </a:lnSpc>
@@ -2002,7 +2104,6 @@
             <a:spcAft>
               <a:spcPct val="35000"/>
             </a:spcAft>
-            <a:buNone/>
           </a:pPr>
           <a:r>
             <a:rPr lang="ru-RU" sz="1500" kern="1200" dirty="0">
@@ -2065,7 +2166,7 @@
         </a:bodyPr>
         <a:lstStyle/>
         <a:p>
-          <a:pPr marL="0" lvl="0" indent="0" algn="ctr" defTabSz="666750">
+          <a:pPr lvl="0" algn="ctr" defTabSz="666750">
             <a:lnSpc>
               <a:spcPct val="90000"/>
             </a:lnSpc>
@@ -2075,7 +2176,6 @@
             <a:spcAft>
               <a:spcPct val="35000"/>
             </a:spcAft>
-            <a:buNone/>
           </a:pPr>
           <a:r>
             <a:rPr lang="ru-RU" sz="1500" kern="1200" dirty="0">
@@ -4359,7 +4459,7 @@
           <a:p>
             <a:fld id="{18DF7F9C-15E8-459E-A0B2-74FEF7E8E10D}" type="datetimeFigureOut">
               <a:rPr lang="ru-RU" smtClean="0"/>
-              <a:t>31.05.2025</a:t>
+              <a:t>02.06.2025</a:t>
             </a:fld>
             <a:endParaRPr lang="ru-RU"/>
           </a:p>
@@ -4723,7 +4823,7 @@
         <p:cNvPr id="1" name="">
           <a:extLst>
             <a:ext uri="{FF2B5EF4-FFF2-40B4-BE49-F238E27FC236}">
-              <a16:creationId xmlns:a16="http://schemas.microsoft.com/office/drawing/2014/main" id="{C3A9F086-9072-4F37-33B6-AF02A842B586}"/>
+              <a16:creationId xmlns:a16="http://schemas.microsoft.com/office/drawing/2014/main" xmlns="" id="{C3A9F086-9072-4F37-33B6-AF02A842B586}"/>
             </a:ext>
           </a:extLst>
         </p:cNvPr>
@@ -4743,7 +4843,7 @@
           <p:cNvPr id="2" name="Образ слайда 1">
             <a:extLst>
               <a:ext uri="{FF2B5EF4-FFF2-40B4-BE49-F238E27FC236}">
-                <a16:creationId xmlns:a16="http://schemas.microsoft.com/office/drawing/2014/main" id="{8D921F00-B683-7DFE-A109-0C9EA184EA46}"/>
+                <a16:creationId xmlns:a16="http://schemas.microsoft.com/office/drawing/2014/main" xmlns="" id="{8D921F00-B683-7DFE-A109-0C9EA184EA46}"/>
               </a:ext>
             </a:extLst>
           </p:cNvPr>
@@ -4766,7 +4866,7 @@
           <p:cNvPr id="3" name="Заметки 2">
             <a:extLst>
               <a:ext uri="{FF2B5EF4-FFF2-40B4-BE49-F238E27FC236}">
-                <a16:creationId xmlns:a16="http://schemas.microsoft.com/office/drawing/2014/main" id="{7054E683-FB4B-38EC-4F36-ADCA2EA3F415}"/>
+                <a16:creationId xmlns:a16="http://schemas.microsoft.com/office/drawing/2014/main" xmlns="" id="{7054E683-FB4B-38EC-4F36-ADCA2EA3F415}"/>
               </a:ext>
             </a:extLst>
           </p:cNvPr>
@@ -4791,7 +4891,7 @@
           <p:cNvPr id="4" name="Номер слайда 3">
             <a:extLst>
               <a:ext uri="{FF2B5EF4-FFF2-40B4-BE49-F238E27FC236}">
-                <a16:creationId xmlns:a16="http://schemas.microsoft.com/office/drawing/2014/main" id="{742169A6-20F4-BDB4-4F40-BFE7E8CFA420}"/>
+                <a16:creationId xmlns:a16="http://schemas.microsoft.com/office/drawing/2014/main" xmlns="" id="{742169A6-20F4-BDB4-4F40-BFE7E8CFA420}"/>
               </a:ext>
             </a:extLst>
           </p:cNvPr>
@@ -4959,7 +5059,7 @@
           <a:p>
             <a:fld id="{E18608DC-7CED-4A0F-9646-6A43D07D7F2F}" type="datetime1">
               <a:rPr lang="ru-RU" smtClean="0"/>
-              <a:t>31.05.2025</a:t>
+              <a:t>02.06.2025</a:t>
             </a:fld>
             <a:endParaRPr lang="ru-RU"/>
           </a:p>
@@ -5129,7 +5229,7 @@
           <a:p>
             <a:fld id="{48F3F006-7F75-4DF0-9DAE-7DF45EB51706}" type="datetime1">
               <a:rPr lang="ru-RU" smtClean="0"/>
-              <a:t>31.05.2025</a:t>
+              <a:t>02.06.2025</a:t>
             </a:fld>
             <a:endParaRPr lang="ru-RU"/>
           </a:p>
@@ -5309,7 +5409,7 @@
           <a:p>
             <a:fld id="{93FECCE7-5DDB-4474-B4C2-A5A9C91D00C2}" type="datetime1">
               <a:rPr lang="ru-RU" smtClean="0"/>
-              <a:t>31.05.2025</a:t>
+              <a:t>02.06.2025</a:t>
             </a:fld>
             <a:endParaRPr lang="ru-RU"/>
           </a:p>
@@ -5479,7 +5579,7 @@
           <a:p>
             <a:fld id="{49F1E3A9-1D0A-4BFC-85DF-791A73935979}" type="datetime1">
               <a:rPr lang="ru-RU" smtClean="0"/>
-              <a:t>31.05.2025</a:t>
+              <a:t>02.06.2025</a:t>
             </a:fld>
             <a:endParaRPr lang="ru-RU"/>
           </a:p>
@@ -5723,7 +5823,7 @@
           <a:p>
             <a:fld id="{439FFCF8-4D91-4529-9EC5-A229852B98A6}" type="datetime1">
               <a:rPr lang="ru-RU" smtClean="0"/>
-              <a:t>31.05.2025</a:t>
+              <a:t>02.06.2025</a:t>
             </a:fld>
             <a:endParaRPr lang="ru-RU"/>
           </a:p>
@@ -5955,7 +6055,7 @@
           <a:p>
             <a:fld id="{DD8B560E-376B-46E7-B02E-2B138E38ED80}" type="datetime1">
               <a:rPr lang="ru-RU" smtClean="0"/>
-              <a:t>31.05.2025</a:t>
+              <a:t>02.06.2025</a:t>
             </a:fld>
             <a:endParaRPr lang="ru-RU"/>
           </a:p>
@@ -6322,7 +6422,7 @@
           <a:p>
             <a:fld id="{C3B3E27A-8606-4C55-9B9B-E14BA0E8BAE7}" type="datetime1">
               <a:rPr lang="ru-RU" smtClean="0"/>
-              <a:t>31.05.2025</a:t>
+              <a:t>02.06.2025</a:t>
             </a:fld>
             <a:endParaRPr lang="ru-RU"/>
           </a:p>
@@ -6440,7 +6540,7 @@
           <a:p>
             <a:fld id="{DCFAF234-2966-4FDB-AB7E-EC1F753BCA4E}" type="datetime1">
               <a:rPr lang="ru-RU" smtClean="0"/>
-              <a:t>31.05.2025</a:t>
+              <a:t>02.06.2025</a:t>
             </a:fld>
             <a:endParaRPr lang="ru-RU"/>
           </a:p>
@@ -6535,7 +6635,7 @@
           <a:p>
             <a:fld id="{22D61BE1-0E60-4A13-B52E-FF76467D4EDE}" type="datetime1">
               <a:rPr lang="ru-RU" smtClean="0"/>
-              <a:t>31.05.2025</a:t>
+              <a:t>02.06.2025</a:t>
             </a:fld>
             <a:endParaRPr lang="ru-RU"/>
           </a:p>
@@ -6812,7 +6912,7 @@
           <a:p>
             <a:fld id="{A5C5A2BC-BF36-41C1-961E-3C34DB4AAAD9}" type="datetime1">
               <a:rPr lang="ru-RU" smtClean="0"/>
-              <a:t>31.05.2025</a:t>
+              <a:t>02.06.2025</a:t>
             </a:fld>
             <a:endParaRPr lang="ru-RU"/>
           </a:p>
@@ -7069,7 +7169,7 @@
           <a:p>
             <a:fld id="{0FEB7CB1-D6C0-4BEB-9EB4-F51B1DF38F4F}" type="datetime1">
               <a:rPr lang="ru-RU" smtClean="0"/>
-              <a:t>31.05.2025</a:t>
+              <a:t>02.06.2025</a:t>
             </a:fld>
             <a:endParaRPr lang="ru-RU"/>
           </a:p>
@@ -7282,7 +7382,7 @@
           <a:p>
             <a:fld id="{643B1264-A997-4AC6-BE57-B9CC3C89CA28}" type="datetime1">
               <a:rPr lang="ru-RU" smtClean="0"/>
-              <a:t>31.05.2025</a:t>
+              <a:t>02.06.2025</a:t>
             </a:fld>
             <a:endParaRPr lang="ru-RU"/>
           </a:p>
@@ -7693,7 +7793,7 @@
           <p:cNvPr id="2" name="Заголовок 1">
             <a:extLst>
               <a:ext uri="{FF2B5EF4-FFF2-40B4-BE49-F238E27FC236}">
-                <a16:creationId xmlns:a16="http://schemas.microsoft.com/office/drawing/2014/main" id="{832C14C5-F4AA-9F80-D7C7-C310C623F60D}"/>
+                <a16:creationId xmlns:a16="http://schemas.microsoft.com/office/drawing/2014/main" xmlns="" id="{832C14C5-F4AA-9F80-D7C7-C310C623F60D}"/>
               </a:ext>
             </a:extLst>
           </p:cNvPr>
@@ -7752,7 +7852,7 @@
           <p:cNvPr id="3" name="Подзаголовок 2">
             <a:extLst>
               <a:ext uri="{FF2B5EF4-FFF2-40B4-BE49-F238E27FC236}">
-                <a16:creationId xmlns:a16="http://schemas.microsoft.com/office/drawing/2014/main" id="{D39D9A25-8686-9F9D-20C2-287CEF3E16F8}"/>
+                <a16:creationId xmlns:a16="http://schemas.microsoft.com/office/drawing/2014/main" xmlns="" id="{D39D9A25-8686-9F9D-20C2-287CEF3E16F8}"/>
               </a:ext>
             </a:extLst>
           </p:cNvPr>
@@ -7815,7 +7915,7 @@
           <p:cNvPr id="4" name="Рисунок 3">
             <a:extLst>
               <a:ext uri="{FF2B5EF4-FFF2-40B4-BE49-F238E27FC236}">
-                <a16:creationId xmlns:a16="http://schemas.microsoft.com/office/drawing/2014/main" id="{7062EEF1-BB05-DFBC-C9BF-DBE48AB9675A}"/>
+                <a16:creationId xmlns:a16="http://schemas.microsoft.com/office/drawing/2014/main" xmlns="" id="{7062EEF1-BB05-DFBC-C9BF-DBE48AB9675A}"/>
               </a:ext>
             </a:extLst>
           </p:cNvPr>
@@ -7861,7 +7961,7 @@
           <p:cNvPr id="5" name="Рисунок 4">
             <a:extLst>
               <a:ext uri="{FF2B5EF4-FFF2-40B4-BE49-F238E27FC236}">
-                <a16:creationId xmlns:a16="http://schemas.microsoft.com/office/drawing/2014/main" id="{CABA9372-160D-8E5F-373E-C0A3C47F27BD}"/>
+                <a16:creationId xmlns:a16="http://schemas.microsoft.com/office/drawing/2014/main" xmlns="" id="{CABA9372-160D-8E5F-373E-C0A3C47F27BD}"/>
               </a:ext>
             </a:extLst>
           </p:cNvPr>
@@ -7908,7 +8008,7 @@
           <p:cNvPr id="6" name="Рисунок 5">
             <a:extLst>
               <a:ext uri="{FF2B5EF4-FFF2-40B4-BE49-F238E27FC236}">
-                <a16:creationId xmlns:a16="http://schemas.microsoft.com/office/drawing/2014/main" id="{167AF7BD-7B8D-6FEF-8455-8CB02296B7A3}"/>
+                <a16:creationId xmlns:a16="http://schemas.microsoft.com/office/drawing/2014/main" xmlns="" id="{167AF7BD-7B8D-6FEF-8455-8CB02296B7A3}"/>
               </a:ext>
             </a:extLst>
           </p:cNvPr>
@@ -7949,6 +8049,13 @@
   <p:clrMapOvr>
     <a:masterClrMapping/>
   </p:clrMapOvr>
+  <p:timing>
+    <p:tnLst>
+      <p:par>
+        <p:cTn id="1" dur="indefinite" restart="never" nodeType="tmRoot"/>
+      </p:par>
+    </p:tnLst>
+  </p:timing>
 </p:sld>
 </file>
 
@@ -8046,7 +8153,7 @@
           <p:cNvPr id="8" name="Номер слайда 7">
             <a:extLst>
               <a:ext uri="{FF2B5EF4-FFF2-40B4-BE49-F238E27FC236}">
-                <a16:creationId xmlns:a16="http://schemas.microsoft.com/office/drawing/2014/main" id="{6CDFDC65-817A-9349-1B48-4D67CCEBBC27}"/>
+                <a16:creationId xmlns:a16="http://schemas.microsoft.com/office/drawing/2014/main" xmlns="" id="{6CDFDC65-817A-9349-1B48-4D67CCEBBC27}"/>
               </a:ext>
             </a:extLst>
           </p:cNvPr>
@@ -8088,6 +8195,13 @@
   <p:clrMapOvr>
     <a:masterClrMapping/>
   </p:clrMapOvr>
+  <p:timing>
+    <p:tnLst>
+      <p:par>
+        <p:cTn id="1" dur="indefinite" restart="never" nodeType="tmRoot"/>
+      </p:par>
+    </p:tnLst>
+  </p:timing>
 </p:sld>
 </file>
 
@@ -8185,7 +8299,7 @@
           <p:cNvPr id="8" name="Номер слайда 7">
             <a:extLst>
               <a:ext uri="{FF2B5EF4-FFF2-40B4-BE49-F238E27FC236}">
-                <a16:creationId xmlns:a16="http://schemas.microsoft.com/office/drawing/2014/main" id="{DDAD8F88-D24F-6DF5-B429-B28DDFC4F362}"/>
+                <a16:creationId xmlns:a16="http://schemas.microsoft.com/office/drawing/2014/main" xmlns="" id="{DDAD8F88-D24F-6DF5-B429-B28DDFC4F362}"/>
               </a:ext>
             </a:extLst>
           </p:cNvPr>
@@ -8227,6 +8341,13 @@
   <p:clrMapOvr>
     <a:masterClrMapping/>
   </p:clrMapOvr>
+  <p:timing>
+    <p:tnLst>
+      <p:par>
+        <p:cTn id="1" dur="indefinite" restart="never" nodeType="tmRoot"/>
+      </p:par>
+    </p:tnLst>
+  </p:timing>
 </p:sld>
 </file>
 
@@ -8238,7 +8359,7 @@
         <p:cNvPr id="1" name="">
           <a:extLst>
             <a:ext uri="{FF2B5EF4-FFF2-40B4-BE49-F238E27FC236}">
-              <a16:creationId xmlns:a16="http://schemas.microsoft.com/office/drawing/2014/main" id="{225BE48F-0D07-AC76-37FA-D75C3D7CCB48}"/>
+              <a16:creationId xmlns:a16="http://schemas.microsoft.com/office/drawing/2014/main" xmlns="" id="{225BE48F-0D07-AC76-37FA-D75C3D7CCB48}"/>
             </a:ext>
           </a:extLst>
         </p:cNvPr>
@@ -8258,7 +8379,7 @@
           <p:cNvPr id="5" name="Заголовок 1">
             <a:extLst>
               <a:ext uri="{FF2B5EF4-FFF2-40B4-BE49-F238E27FC236}">
-                <a16:creationId xmlns:a16="http://schemas.microsoft.com/office/drawing/2014/main" id="{FF4D66C1-EF3D-E833-341C-A8D2037A92C0}"/>
+                <a16:creationId xmlns:a16="http://schemas.microsoft.com/office/drawing/2014/main" xmlns="" id="{FF4D66C1-EF3D-E833-341C-A8D2037A92C0}"/>
               </a:ext>
             </a:extLst>
           </p:cNvPr>
@@ -8304,7 +8425,7 @@
           <p:cNvPr id="8" name="Номер слайда 7">
             <a:extLst>
               <a:ext uri="{FF2B5EF4-FFF2-40B4-BE49-F238E27FC236}">
-                <a16:creationId xmlns:a16="http://schemas.microsoft.com/office/drawing/2014/main" id="{F46E0F24-3636-9504-6471-2D823A7EE640}"/>
+                <a16:creationId xmlns:a16="http://schemas.microsoft.com/office/drawing/2014/main" xmlns="" id="{F46E0F24-3636-9504-6471-2D823A7EE640}"/>
               </a:ext>
             </a:extLst>
           </p:cNvPr>
@@ -8341,7 +8462,7 @@
           <p:cNvPr id="3" name="Рисунок 2">
             <a:extLst>
               <a:ext uri="{FF2B5EF4-FFF2-40B4-BE49-F238E27FC236}">
-                <a16:creationId xmlns:a16="http://schemas.microsoft.com/office/drawing/2014/main" id="{03E88DFB-D97A-CC47-CFB8-4AEEF5D1484C}"/>
+                <a16:creationId xmlns:a16="http://schemas.microsoft.com/office/drawing/2014/main" xmlns="" id="{03E88DFB-D97A-CC47-CFB8-4AEEF5D1484C}"/>
               </a:ext>
             </a:extLst>
           </p:cNvPr>
@@ -8376,6 +8497,13 @@
   <p:clrMapOvr>
     <a:masterClrMapping/>
   </p:clrMapOvr>
+  <p:timing>
+    <p:tnLst>
+      <p:par>
+        <p:cTn id="1" dur="indefinite" restart="never" nodeType="tmRoot"/>
+      </p:par>
+    </p:tnLst>
+  </p:timing>
 </p:sld>
 </file>
 
@@ -8387,7 +8515,7 @@
         <p:cNvPr id="1" name="">
           <a:extLst>
             <a:ext uri="{FF2B5EF4-FFF2-40B4-BE49-F238E27FC236}">
-              <a16:creationId xmlns:a16="http://schemas.microsoft.com/office/drawing/2014/main" id="{568AA278-DEA9-1002-081D-E22D00146167}"/>
+              <a16:creationId xmlns:a16="http://schemas.microsoft.com/office/drawing/2014/main" xmlns="" id="{568AA278-DEA9-1002-081D-E22D00146167}"/>
             </a:ext>
           </a:extLst>
         </p:cNvPr>
@@ -8407,7 +8535,7 @@
           <p:cNvPr id="5" name="Заголовок 1">
             <a:extLst>
               <a:ext uri="{FF2B5EF4-FFF2-40B4-BE49-F238E27FC236}">
-                <a16:creationId xmlns:a16="http://schemas.microsoft.com/office/drawing/2014/main" id="{93C1199F-4A7C-8C36-F167-496253F6DC40}"/>
+                <a16:creationId xmlns:a16="http://schemas.microsoft.com/office/drawing/2014/main" xmlns="" id="{93C1199F-4A7C-8C36-F167-496253F6DC40}"/>
               </a:ext>
             </a:extLst>
           </p:cNvPr>
@@ -8453,7 +8581,7 @@
           <p:cNvPr id="8" name="Номер слайда 7">
             <a:extLst>
               <a:ext uri="{FF2B5EF4-FFF2-40B4-BE49-F238E27FC236}">
-                <a16:creationId xmlns:a16="http://schemas.microsoft.com/office/drawing/2014/main" id="{7764CD17-1844-94A2-AA19-2310EC41A1B8}"/>
+                <a16:creationId xmlns:a16="http://schemas.microsoft.com/office/drawing/2014/main" xmlns="" id="{7764CD17-1844-94A2-AA19-2310EC41A1B8}"/>
               </a:ext>
             </a:extLst>
           </p:cNvPr>
@@ -8490,7 +8618,7 @@
           <p:cNvPr id="4" name="Рисунок 3">
             <a:extLst>
               <a:ext uri="{FF2B5EF4-FFF2-40B4-BE49-F238E27FC236}">
-                <a16:creationId xmlns:a16="http://schemas.microsoft.com/office/drawing/2014/main" id="{974B683A-EFF9-0DAA-BE9F-4073EC971EF0}"/>
+                <a16:creationId xmlns:a16="http://schemas.microsoft.com/office/drawing/2014/main" xmlns="" id="{974B683A-EFF9-0DAA-BE9F-4073EC971EF0}"/>
               </a:ext>
             </a:extLst>
           </p:cNvPr>
@@ -8525,6 +8653,13 @@
   <p:clrMapOvr>
     <a:masterClrMapping/>
   </p:clrMapOvr>
+  <p:timing>
+    <p:tnLst>
+      <p:par>
+        <p:cTn id="1" dur="indefinite" restart="never" nodeType="tmRoot"/>
+      </p:par>
+    </p:tnLst>
+  </p:timing>
 </p:sld>
 </file>
 
@@ -8622,7 +8757,7 @@
           <p:cNvPr id="5" name="Номер слайда 4">
             <a:extLst>
               <a:ext uri="{FF2B5EF4-FFF2-40B4-BE49-F238E27FC236}">
-                <a16:creationId xmlns:a16="http://schemas.microsoft.com/office/drawing/2014/main" id="{7F72B0B3-1D38-4129-76A7-969F749BB17C}"/>
+                <a16:creationId xmlns:a16="http://schemas.microsoft.com/office/drawing/2014/main" xmlns="" id="{7F72B0B3-1D38-4129-76A7-969F749BB17C}"/>
               </a:ext>
             </a:extLst>
           </p:cNvPr>
@@ -8664,6 +8799,13 @@
   <p:clrMapOvr>
     <a:masterClrMapping/>
   </p:clrMapOvr>
+  <p:timing>
+    <p:tnLst>
+      <p:par>
+        <p:cTn id="1" dur="indefinite" restart="never" nodeType="tmRoot"/>
+      </p:par>
+    </p:tnLst>
+  </p:timing>
 </p:sld>
 </file>
 
@@ -8793,7 +8935,7 @@
           <p:cNvPr id="9" name="Номер слайда 8">
             <a:extLst>
               <a:ext uri="{FF2B5EF4-FFF2-40B4-BE49-F238E27FC236}">
-                <a16:creationId xmlns:a16="http://schemas.microsoft.com/office/drawing/2014/main" id="{47F726BB-D459-039F-0962-29080A1B7381}"/>
+                <a16:creationId xmlns:a16="http://schemas.microsoft.com/office/drawing/2014/main" xmlns="" id="{47F726BB-D459-039F-0962-29080A1B7381}"/>
               </a:ext>
             </a:extLst>
           </p:cNvPr>
@@ -8835,6 +8977,13 @@
   <p:clrMapOvr>
     <a:masterClrMapping/>
   </p:clrMapOvr>
+  <p:timing>
+    <p:tnLst>
+      <p:par>
+        <p:cTn id="1" dur="indefinite" restart="never" nodeType="tmRoot"/>
+      </p:par>
+    </p:tnLst>
+  </p:timing>
 </p:sld>
 </file>
 
@@ -8891,6 +9040,12 @@
                 <a:latin typeface="+mj-lt"/>
               </a:rPr>
             </a:br>
+            <a:r>
+              <a:rPr lang="ru-RU" sz="2000" dirty="0">
+                <a:latin typeface="+mj-lt"/>
+              </a:rPr>
+              <a:t/>
+            </a:r>
             <a:br>
               <a:rPr lang="ru-RU" sz="2000" dirty="0">
                 <a:latin typeface="+mj-lt"/>
@@ -8993,7 +9148,7 @@
           <p:cNvPr id="7" name="Рисунок 6">
             <a:extLst>
               <a:ext uri="{FF2B5EF4-FFF2-40B4-BE49-F238E27FC236}">
-                <a16:creationId xmlns:a16="http://schemas.microsoft.com/office/drawing/2014/main" id="{7062EEF1-BB05-DFBC-C9BF-DBE48AB9675A}"/>
+                <a16:creationId xmlns:a16="http://schemas.microsoft.com/office/drawing/2014/main" xmlns="" id="{7062EEF1-BB05-DFBC-C9BF-DBE48AB9675A}"/>
               </a:ext>
             </a:extLst>
           </p:cNvPr>
@@ -9039,7 +9194,7 @@
           <p:cNvPr id="8" name="TextBox 7">
             <a:extLst>
               <a:ext uri="{FF2B5EF4-FFF2-40B4-BE49-F238E27FC236}">
-                <a16:creationId xmlns:a16="http://schemas.microsoft.com/office/drawing/2014/main" id="{8FA28FC3-EE1C-47C8-98A8-3BDC7E42725E}"/>
+                <a16:creationId xmlns:a16="http://schemas.microsoft.com/office/drawing/2014/main" xmlns="" id="{8FA28FC3-EE1C-47C8-98A8-3BDC7E42725E}"/>
               </a:ext>
             </a:extLst>
           </p:cNvPr>
@@ -9169,7 +9324,7 @@
           <p:cNvPr id="6" name="Номер слайда 5">
             <a:extLst>
               <a:ext uri="{FF2B5EF4-FFF2-40B4-BE49-F238E27FC236}">
-                <a16:creationId xmlns:a16="http://schemas.microsoft.com/office/drawing/2014/main" id="{1A1C0C5B-B1EF-F3BB-651B-157956725A05}"/>
+                <a16:creationId xmlns:a16="http://schemas.microsoft.com/office/drawing/2014/main" xmlns="" id="{1A1C0C5B-B1EF-F3BB-651B-157956725A05}"/>
               </a:ext>
             </a:extLst>
           </p:cNvPr>
@@ -9211,6 +9366,13 @@
   <p:clrMapOvr>
     <a:masterClrMapping/>
   </p:clrMapOvr>
+  <p:timing>
+    <p:tnLst>
+      <p:par>
+        <p:cTn id="1" dur="indefinite" restart="never" nodeType="tmRoot"/>
+      </p:par>
+    </p:tnLst>
+  </p:timing>
 </p:sld>
 </file>
 
@@ -9236,7 +9398,7 @@
           <p:cNvPr id="4" name="Номер слайда 3">
             <a:extLst>
               <a:ext uri="{FF2B5EF4-FFF2-40B4-BE49-F238E27FC236}">
-                <a16:creationId xmlns:a16="http://schemas.microsoft.com/office/drawing/2014/main" id="{97BD0E20-09F0-17F1-74A0-677C2717BCE2}"/>
+                <a16:creationId xmlns:a16="http://schemas.microsoft.com/office/drawing/2014/main" xmlns="" id="{97BD0E20-09F0-17F1-74A0-677C2717BCE2}"/>
               </a:ext>
             </a:extLst>
           </p:cNvPr>
@@ -9273,7 +9435,7 @@
           <p:cNvPr id="10" name="TextBox 9">
             <a:extLst>
               <a:ext uri="{FF2B5EF4-FFF2-40B4-BE49-F238E27FC236}">
-                <a16:creationId xmlns:a16="http://schemas.microsoft.com/office/drawing/2014/main" id="{5B87C1B0-936D-CD5C-C53C-ABEDD076A1CB}"/>
+                <a16:creationId xmlns:a16="http://schemas.microsoft.com/office/drawing/2014/main" xmlns="" id="{5B87C1B0-936D-CD5C-C53C-ABEDD076A1CB}"/>
               </a:ext>
             </a:extLst>
           </p:cNvPr>
@@ -9326,7 +9488,7 @@
           <p:cNvPr id="14" name="Прямоугольник: скругленные углы 13">
             <a:extLst>
               <a:ext uri="{FF2B5EF4-FFF2-40B4-BE49-F238E27FC236}">
-                <a16:creationId xmlns:a16="http://schemas.microsoft.com/office/drawing/2014/main" id="{7F9CC584-FA59-CD96-3DEE-F71621C292AB}"/>
+                <a16:creationId xmlns:a16="http://schemas.microsoft.com/office/drawing/2014/main" xmlns="" id="{7F9CC584-FA59-CD96-3DEE-F71621C292AB}"/>
               </a:ext>
             </a:extLst>
           </p:cNvPr>
@@ -9375,7 +9537,7 @@
           <p:cNvPr id="15" name="Group 4">
             <a:extLst>
               <a:ext uri="{FF2B5EF4-FFF2-40B4-BE49-F238E27FC236}">
-                <a16:creationId xmlns:a16="http://schemas.microsoft.com/office/drawing/2014/main" id="{E42F5A72-CF8C-0C70-FE42-CF4345552D60}"/>
+                <a16:creationId xmlns:a16="http://schemas.microsoft.com/office/drawing/2014/main" xmlns="" id="{E42F5A72-CF8C-0C70-FE42-CF4345552D60}"/>
               </a:ext>
             </a:extLst>
           </p:cNvPr>
@@ -9395,7 +9557,7 @@
             <p:cNvPr id="16" name="Freeform 5">
               <a:extLst>
                 <a:ext uri="{FF2B5EF4-FFF2-40B4-BE49-F238E27FC236}">
-                  <a16:creationId xmlns:a16="http://schemas.microsoft.com/office/drawing/2014/main" id="{DB2B01F6-B7A7-04B7-64AB-08770BDF7E09}"/>
+                  <a16:creationId xmlns:a16="http://schemas.microsoft.com/office/drawing/2014/main" xmlns="" id="{DB2B01F6-B7A7-04B7-64AB-08770BDF7E09}"/>
                 </a:ext>
               </a:extLst>
             </p:cNvPr>
@@ -9480,7 +9642,7 @@
             <p:cNvPr id="17" name="TextBox 6">
               <a:extLst>
                 <a:ext uri="{FF2B5EF4-FFF2-40B4-BE49-F238E27FC236}">
-                  <a16:creationId xmlns:a16="http://schemas.microsoft.com/office/drawing/2014/main" id="{C1D3F08C-B9A2-0B8A-58DA-F8DD3184FC48}"/>
+                  <a16:creationId xmlns:a16="http://schemas.microsoft.com/office/drawing/2014/main" xmlns="" id="{C1D3F08C-B9A2-0B8A-58DA-F8DD3184FC48}"/>
                 </a:ext>
               </a:extLst>
             </p:cNvPr>
@@ -9515,7 +9677,7 @@
           <p:cNvPr id="18" name="TextBox 9">
             <a:extLst>
               <a:ext uri="{FF2B5EF4-FFF2-40B4-BE49-F238E27FC236}">
-                <a16:creationId xmlns:a16="http://schemas.microsoft.com/office/drawing/2014/main" id="{131F71A2-935B-1A46-4F49-D7EA072FA14A}"/>
+                <a16:creationId xmlns:a16="http://schemas.microsoft.com/office/drawing/2014/main" xmlns="" id="{131F71A2-935B-1A46-4F49-D7EA072FA14A}"/>
               </a:ext>
             </a:extLst>
           </p:cNvPr>
@@ -9568,7 +9730,7 @@
           <p:cNvPr id="19" name="TextBox 10">
             <a:extLst>
               <a:ext uri="{FF2B5EF4-FFF2-40B4-BE49-F238E27FC236}">
-                <a16:creationId xmlns:a16="http://schemas.microsoft.com/office/drawing/2014/main" id="{F58737C1-572F-ECB6-C94F-FC551C69D070}"/>
+                <a16:creationId xmlns:a16="http://schemas.microsoft.com/office/drawing/2014/main" xmlns="" id="{F58737C1-572F-ECB6-C94F-FC551C69D070}"/>
               </a:ext>
             </a:extLst>
           </p:cNvPr>
@@ -9636,7 +9798,7 @@
           <p:cNvPr id="20" name="TextBox 10">
             <a:extLst>
               <a:ext uri="{FF2B5EF4-FFF2-40B4-BE49-F238E27FC236}">
-                <a16:creationId xmlns:a16="http://schemas.microsoft.com/office/drawing/2014/main" id="{30CDFF79-C431-9245-9B24-A058881ED924}"/>
+                <a16:creationId xmlns:a16="http://schemas.microsoft.com/office/drawing/2014/main" xmlns="" id="{30CDFF79-C431-9245-9B24-A058881ED924}"/>
               </a:ext>
             </a:extLst>
           </p:cNvPr>
@@ -9686,7 +9848,7 @@
           <p:cNvPr id="21" name="TextBox 10">
             <a:extLst>
               <a:ext uri="{FF2B5EF4-FFF2-40B4-BE49-F238E27FC236}">
-                <a16:creationId xmlns:a16="http://schemas.microsoft.com/office/drawing/2014/main" id="{D6236475-870D-A1DA-B80C-6B5B7B7DE9D9}"/>
+                <a16:creationId xmlns:a16="http://schemas.microsoft.com/office/drawing/2014/main" xmlns="" id="{D6236475-870D-A1DA-B80C-6B5B7B7DE9D9}"/>
               </a:ext>
             </a:extLst>
           </p:cNvPr>
@@ -9736,7 +9898,7 @@
           <p:cNvPr id="22" name="Рисунок 21" descr="Диаграмма с тенденцией спада со сплошной заливкой">
             <a:extLst>
               <a:ext uri="{FF2B5EF4-FFF2-40B4-BE49-F238E27FC236}">
-                <a16:creationId xmlns:a16="http://schemas.microsoft.com/office/drawing/2014/main" id="{62324CDF-9BA8-4F24-FF3F-C4D3AED74CC7}"/>
+                <a16:creationId xmlns:a16="http://schemas.microsoft.com/office/drawing/2014/main" xmlns="" id="{62324CDF-9BA8-4F24-FF3F-C4D3AED74CC7}"/>
               </a:ext>
             </a:extLst>
           </p:cNvPr>
@@ -9749,7 +9911,7 @@
           <a:blip r:embed="rId2">
             <a:extLst>
               <a:ext uri="{96DAC541-7B7A-43D3-8B79-37D633B846F1}">
-                <asvg:svgBlip xmlns:asvg="http://schemas.microsoft.com/office/drawing/2016/SVG/main" r:embed="rId3"/>
+                <asvg:svgBlip xmlns:asvg="http://schemas.microsoft.com/office/drawing/2016/SVG/main" xmlns="" r:embed="rId3"/>
               </a:ext>
             </a:extLst>
           </a:blip>
@@ -9772,7 +9934,7 @@
           <p:cNvPr id="23" name="Рисунок 22" descr="Голова с шестеренками со сплошной заливкой">
             <a:extLst>
               <a:ext uri="{FF2B5EF4-FFF2-40B4-BE49-F238E27FC236}">
-                <a16:creationId xmlns:a16="http://schemas.microsoft.com/office/drawing/2014/main" id="{086E18AC-3031-63C3-0FCB-1F1FC9A81AC5}"/>
+                <a16:creationId xmlns:a16="http://schemas.microsoft.com/office/drawing/2014/main" xmlns="" id="{086E18AC-3031-63C3-0FCB-1F1FC9A81AC5}"/>
               </a:ext>
             </a:extLst>
           </p:cNvPr>
@@ -9785,7 +9947,7 @@
           <a:blip r:embed="rId4">
             <a:extLst>
               <a:ext uri="{96DAC541-7B7A-43D3-8B79-37D633B846F1}">
-                <asvg:svgBlip xmlns:asvg="http://schemas.microsoft.com/office/drawing/2016/SVG/main" r:embed="rId5"/>
+                <asvg:svgBlip xmlns:asvg="http://schemas.microsoft.com/office/drawing/2016/SVG/main" xmlns="" r:embed="rId5"/>
               </a:ext>
             </a:extLst>
           </a:blip>
@@ -9808,7 +9970,7 @@
           <p:cNvPr id="24" name="Знак умножения 23">
             <a:extLst>
               <a:ext uri="{FF2B5EF4-FFF2-40B4-BE49-F238E27FC236}">
-                <a16:creationId xmlns:a16="http://schemas.microsoft.com/office/drawing/2014/main" id="{AB7E8038-3BB9-9399-DF78-958C552F209F}"/>
+                <a16:creationId xmlns:a16="http://schemas.microsoft.com/office/drawing/2014/main" xmlns="" id="{AB7E8038-3BB9-9399-DF78-958C552F209F}"/>
               </a:ext>
             </a:extLst>
           </p:cNvPr>
@@ -9860,7 +10022,7 @@
           <p:cNvPr id="25" name="TextBox 9">
             <a:extLst>
               <a:ext uri="{FF2B5EF4-FFF2-40B4-BE49-F238E27FC236}">
-                <a16:creationId xmlns:a16="http://schemas.microsoft.com/office/drawing/2014/main" id="{072AD1FA-910F-6D1A-2392-973A010A504A}"/>
+                <a16:creationId xmlns:a16="http://schemas.microsoft.com/office/drawing/2014/main" xmlns="" id="{072AD1FA-910F-6D1A-2392-973A010A504A}"/>
               </a:ext>
             </a:extLst>
           </p:cNvPr>
@@ -9907,7 +10069,7 @@
           <p:cNvPr id="26" name="Рисунок 25" descr="В яблочко со сплошной заливкой">
             <a:extLst>
               <a:ext uri="{FF2B5EF4-FFF2-40B4-BE49-F238E27FC236}">
-                <a16:creationId xmlns:a16="http://schemas.microsoft.com/office/drawing/2014/main" id="{5A5E0014-68B1-253C-1DA2-56FC8A190A89}"/>
+                <a16:creationId xmlns:a16="http://schemas.microsoft.com/office/drawing/2014/main" xmlns="" id="{5A5E0014-68B1-253C-1DA2-56FC8A190A89}"/>
               </a:ext>
             </a:extLst>
           </p:cNvPr>
@@ -9920,7 +10082,7 @@
           <a:blip r:embed="rId6">
             <a:extLst>
               <a:ext uri="{96DAC541-7B7A-43D3-8B79-37D633B846F1}">
-                <asvg:svgBlip xmlns:asvg="http://schemas.microsoft.com/office/drawing/2016/SVG/main" r:embed="rId7"/>
+                <asvg:svgBlip xmlns:asvg="http://schemas.microsoft.com/office/drawing/2016/SVG/main" xmlns="" r:embed="rId7"/>
               </a:ext>
             </a:extLst>
           </a:blip>
@@ -9943,7 +10105,7 @@
           <p:cNvPr id="27" name="TextBox 11">
             <a:extLst>
               <a:ext uri="{FF2B5EF4-FFF2-40B4-BE49-F238E27FC236}">
-                <a16:creationId xmlns:a16="http://schemas.microsoft.com/office/drawing/2014/main" id="{1E902D08-8372-72EC-31A7-9ED0F9708849}"/>
+                <a16:creationId xmlns:a16="http://schemas.microsoft.com/office/drawing/2014/main" xmlns="" id="{1E902D08-8372-72EC-31A7-9ED0F9708849}"/>
               </a:ext>
             </a:extLst>
           </p:cNvPr>
@@ -9992,6 +10154,13 @@
   <p:clrMapOvr>
     <a:masterClrMapping/>
   </p:clrMapOvr>
+  <p:timing>
+    <p:tnLst>
+      <p:par>
+        <p:cTn id="1" dur="indefinite" restart="never" nodeType="tmRoot"/>
+      </p:par>
+    </p:tnLst>
+  </p:timing>
 </p:sld>
 </file>
 
@@ -10017,7 +10186,7 @@
           <p:cNvPr id="6" name="Прямоугольный треугольник 5">
             <a:extLst>
               <a:ext uri="{FF2B5EF4-FFF2-40B4-BE49-F238E27FC236}">
-                <a16:creationId xmlns:a16="http://schemas.microsoft.com/office/drawing/2014/main" id="{677E422B-DEA9-D946-8BA5-13EF2B3A5538}"/>
+                <a16:creationId xmlns:a16="http://schemas.microsoft.com/office/drawing/2014/main" xmlns="" id="{677E422B-DEA9-D946-8BA5-13EF2B3A5538}"/>
               </a:ext>
             </a:extLst>
           </p:cNvPr>
@@ -10066,7 +10235,7 @@
           <p:cNvPr id="2" name="Заголовок 1">
             <a:extLst>
               <a:ext uri="{FF2B5EF4-FFF2-40B4-BE49-F238E27FC236}">
-                <a16:creationId xmlns:a16="http://schemas.microsoft.com/office/drawing/2014/main" id="{D85436B6-B994-F85D-FC57-AAD74723F03C}"/>
+                <a16:creationId xmlns:a16="http://schemas.microsoft.com/office/drawing/2014/main" xmlns="" id="{D85436B6-B994-F85D-FC57-AAD74723F03C}"/>
               </a:ext>
             </a:extLst>
           </p:cNvPr>
@@ -10106,7 +10275,7 @@
           <p:cNvPr id="3" name="Объект 2">
             <a:extLst>
               <a:ext uri="{FF2B5EF4-FFF2-40B4-BE49-F238E27FC236}">
-                <a16:creationId xmlns:a16="http://schemas.microsoft.com/office/drawing/2014/main" id="{C252400B-15BB-242F-19A4-427E10EA8F1E}"/>
+                <a16:creationId xmlns:a16="http://schemas.microsoft.com/office/drawing/2014/main" xmlns="" id="{C252400B-15BB-242F-19A4-427E10EA8F1E}"/>
               </a:ext>
             </a:extLst>
           </p:cNvPr>
@@ -10219,7 +10388,7 @@
           <p:cNvPr id="4" name="Номер слайда 3">
             <a:extLst>
               <a:ext uri="{FF2B5EF4-FFF2-40B4-BE49-F238E27FC236}">
-                <a16:creationId xmlns:a16="http://schemas.microsoft.com/office/drawing/2014/main" id="{DA9B982C-A5C6-8BF7-D18F-D18ACAB5B388}"/>
+                <a16:creationId xmlns:a16="http://schemas.microsoft.com/office/drawing/2014/main" xmlns="" id="{DA9B982C-A5C6-8BF7-D18F-D18ACAB5B388}"/>
               </a:ext>
             </a:extLst>
           </p:cNvPr>
@@ -10256,7 +10425,7 @@
           <p:cNvPr id="8" name="Рисунок 7">
             <a:extLst>
               <a:ext uri="{FF2B5EF4-FFF2-40B4-BE49-F238E27FC236}">
-                <a16:creationId xmlns:a16="http://schemas.microsoft.com/office/drawing/2014/main" id="{5E3818C3-CAF5-B02C-78D2-E3D788E5EB79}"/>
+                <a16:creationId xmlns:a16="http://schemas.microsoft.com/office/drawing/2014/main" xmlns="" id="{5E3818C3-CAF5-B02C-78D2-E3D788E5EB79}"/>
               </a:ext>
             </a:extLst>
           </p:cNvPr>
@@ -10297,6 +10466,13 @@
   <p:clrMapOvr>
     <a:masterClrMapping/>
   </p:clrMapOvr>
+  <p:timing>
+    <p:tnLst>
+      <p:par>
+        <p:cTn id="1" dur="indefinite" restart="never" nodeType="tmRoot"/>
+      </p:par>
+    </p:tnLst>
+  </p:timing>
 </p:sld>
 </file>
 
@@ -10322,7 +10498,7 @@
           <p:cNvPr id="11" name="Прямоугольный треугольник 10">
             <a:extLst>
               <a:ext uri="{FF2B5EF4-FFF2-40B4-BE49-F238E27FC236}">
-                <a16:creationId xmlns:a16="http://schemas.microsoft.com/office/drawing/2014/main" id="{9B6CB9AD-58F7-E999-B710-72EA9963A23E}"/>
+                <a16:creationId xmlns:a16="http://schemas.microsoft.com/office/drawing/2014/main" xmlns="" id="{9B6CB9AD-58F7-E999-B710-72EA9963A23E}"/>
               </a:ext>
             </a:extLst>
           </p:cNvPr>
@@ -10371,7 +10547,7 @@
           <p:cNvPr id="2" name="Заголовок 1">
             <a:extLst>
               <a:ext uri="{FF2B5EF4-FFF2-40B4-BE49-F238E27FC236}">
-                <a16:creationId xmlns:a16="http://schemas.microsoft.com/office/drawing/2014/main" id="{70E27E36-57BD-B396-5066-2EE1B249CE8A}"/>
+                <a16:creationId xmlns:a16="http://schemas.microsoft.com/office/drawing/2014/main" xmlns="" id="{70E27E36-57BD-B396-5066-2EE1B249CE8A}"/>
               </a:ext>
             </a:extLst>
           </p:cNvPr>
@@ -10410,7 +10586,7 @@
           <p:cNvPr id="6" name="Номер слайда 5">
             <a:extLst>
               <a:ext uri="{FF2B5EF4-FFF2-40B4-BE49-F238E27FC236}">
-                <a16:creationId xmlns:a16="http://schemas.microsoft.com/office/drawing/2014/main" id="{3157AA43-B7B3-66D7-875C-6EFE1455DCCC}"/>
+                <a16:creationId xmlns:a16="http://schemas.microsoft.com/office/drawing/2014/main" xmlns="" id="{3157AA43-B7B3-66D7-875C-6EFE1455DCCC}"/>
               </a:ext>
             </a:extLst>
           </p:cNvPr>
@@ -10447,7 +10623,7 @@
           <p:cNvPr id="10" name="Рисунок 9">
             <a:extLst>
               <a:ext uri="{FF2B5EF4-FFF2-40B4-BE49-F238E27FC236}">
-                <a16:creationId xmlns:a16="http://schemas.microsoft.com/office/drawing/2014/main" id="{51AF2443-7C6B-2250-4637-26EDCBC49B08}"/>
+                <a16:creationId xmlns:a16="http://schemas.microsoft.com/office/drawing/2014/main" xmlns="" id="{51AF2443-7C6B-2250-4637-26EDCBC49B08}"/>
               </a:ext>
             </a:extLst>
           </p:cNvPr>
@@ -10483,7 +10659,7 @@
           <p:cNvPr id="9" name="Объект 8">
             <a:extLst>
               <a:ext uri="{FF2B5EF4-FFF2-40B4-BE49-F238E27FC236}">
-                <a16:creationId xmlns:a16="http://schemas.microsoft.com/office/drawing/2014/main" id="{8221248F-EF65-1E58-E9CC-AC2E0191E728}"/>
+                <a16:creationId xmlns:a16="http://schemas.microsoft.com/office/drawing/2014/main" xmlns="" id="{8221248F-EF65-1E58-E9CC-AC2E0191E728}"/>
               </a:ext>
             </a:extLst>
           </p:cNvPr>
@@ -10519,6 +10695,13 @@
   <p:clrMapOvr>
     <a:masterClrMapping/>
   </p:clrMapOvr>
+  <p:timing>
+    <p:tnLst>
+      <p:par>
+        <p:cTn id="1" dur="indefinite" restart="never" nodeType="tmRoot"/>
+      </p:par>
+    </p:tnLst>
+  </p:timing>
 </p:sld>
 </file>
 
@@ -10544,7 +10727,7 @@
           <p:cNvPr id="6" name="Номер слайда 5">
             <a:extLst>
               <a:ext uri="{FF2B5EF4-FFF2-40B4-BE49-F238E27FC236}">
-                <a16:creationId xmlns:a16="http://schemas.microsoft.com/office/drawing/2014/main" id="{0B1F6116-7326-FD49-12D0-6D2252FFA567}"/>
+                <a16:creationId xmlns:a16="http://schemas.microsoft.com/office/drawing/2014/main" xmlns="" id="{0B1F6116-7326-FD49-12D0-6D2252FFA567}"/>
               </a:ext>
             </a:extLst>
           </p:cNvPr>
@@ -10586,7 +10769,7 @@
           <p:cNvPr id="4" name="Заголовок 3">
             <a:extLst>
               <a:ext uri="{FF2B5EF4-FFF2-40B4-BE49-F238E27FC236}">
-                <a16:creationId xmlns:a16="http://schemas.microsoft.com/office/drawing/2014/main" id="{F947FD6E-9F2C-2F06-BB54-29BFF5AE6B81}"/>
+                <a16:creationId xmlns:a16="http://schemas.microsoft.com/office/drawing/2014/main" xmlns="" id="{F947FD6E-9F2C-2F06-BB54-29BFF5AE6B81}"/>
               </a:ext>
             </a:extLst>
           </p:cNvPr>
@@ -10630,7 +10813,7 @@
           <p:cNvPr id="14" name="Прямоугольник: усеченные верхние углы 13">
             <a:extLst>
               <a:ext uri="{FF2B5EF4-FFF2-40B4-BE49-F238E27FC236}">
-                <a16:creationId xmlns:a16="http://schemas.microsoft.com/office/drawing/2014/main" id="{8DC3AA56-C119-6969-BEE0-104C920215D6}"/>
+                <a16:creationId xmlns:a16="http://schemas.microsoft.com/office/drawing/2014/main" xmlns="" id="{8DC3AA56-C119-6969-BEE0-104C920215D6}"/>
               </a:ext>
             </a:extLst>
           </p:cNvPr>
@@ -10684,7 +10867,7 @@
           <p:cNvPr id="15" name="TextBox 14">
             <a:extLst>
               <a:ext uri="{FF2B5EF4-FFF2-40B4-BE49-F238E27FC236}">
-                <a16:creationId xmlns:a16="http://schemas.microsoft.com/office/drawing/2014/main" id="{ADA24296-2693-6060-D417-F117D2D210BF}"/>
+                <a16:creationId xmlns:a16="http://schemas.microsoft.com/office/drawing/2014/main" xmlns="" id="{ADA24296-2693-6060-D417-F117D2D210BF}"/>
               </a:ext>
             </a:extLst>
           </p:cNvPr>
@@ -10722,7 +10905,7 @@
           <p:cNvPr id="16" name="TextBox 15">
             <a:extLst>
               <a:ext uri="{FF2B5EF4-FFF2-40B4-BE49-F238E27FC236}">
-                <a16:creationId xmlns:a16="http://schemas.microsoft.com/office/drawing/2014/main" id="{2F0F9209-584C-5EEB-1913-7D35987F89F5}"/>
+                <a16:creationId xmlns:a16="http://schemas.microsoft.com/office/drawing/2014/main" xmlns="" id="{2F0F9209-584C-5EEB-1913-7D35987F89F5}"/>
               </a:ext>
             </a:extLst>
           </p:cNvPr>
@@ -10785,7 +10968,7 @@
           <p:cNvPr id="17" name="TextBox 16">
             <a:extLst>
               <a:ext uri="{FF2B5EF4-FFF2-40B4-BE49-F238E27FC236}">
-                <a16:creationId xmlns:a16="http://schemas.microsoft.com/office/drawing/2014/main" id="{D923A459-AA98-149A-C973-C96BD0B0BA34}"/>
+                <a16:creationId xmlns:a16="http://schemas.microsoft.com/office/drawing/2014/main" xmlns="" id="{D923A459-AA98-149A-C973-C96BD0B0BA34}"/>
               </a:ext>
             </a:extLst>
           </p:cNvPr>
@@ -10826,7 +11009,7 @@
           <p:cNvPr id="18" name="TextBox 17">
             <a:extLst>
               <a:ext uri="{FF2B5EF4-FFF2-40B4-BE49-F238E27FC236}">
-                <a16:creationId xmlns:a16="http://schemas.microsoft.com/office/drawing/2014/main" id="{6BC605CD-3ECA-822D-6D6E-30F050F5C272}"/>
+                <a16:creationId xmlns:a16="http://schemas.microsoft.com/office/drawing/2014/main" xmlns="" id="{6BC605CD-3ECA-822D-6D6E-30F050F5C272}"/>
               </a:ext>
             </a:extLst>
           </p:cNvPr>
@@ -10873,7 +11056,7 @@
           <p:cNvPr id="19" name="Picture 2" descr="C:\Users\TroDA\Desktop\632b60f8c1aa184a0e5766d9_202209-ms-sql-icon-3x.png">
             <a:extLst>
               <a:ext uri="{FF2B5EF4-FFF2-40B4-BE49-F238E27FC236}">
-                <a16:creationId xmlns:a16="http://schemas.microsoft.com/office/drawing/2014/main" id="{A755AD49-3A11-E600-E950-AD8FB2522961}"/>
+                <a16:creationId xmlns:a16="http://schemas.microsoft.com/office/drawing/2014/main" xmlns="" id="{A755AD49-3A11-E600-E950-AD8FB2522961}"/>
               </a:ext>
             </a:extLst>
           </p:cNvPr>
@@ -10920,7 +11103,7 @@
           <p:cNvPr id="20" name="Picture 4" descr="Picture background">
             <a:extLst>
               <a:ext uri="{FF2B5EF4-FFF2-40B4-BE49-F238E27FC236}">
-                <a16:creationId xmlns:a16="http://schemas.microsoft.com/office/drawing/2014/main" id="{80ACA6C7-086E-883E-1560-8F5BC1275354}"/>
+                <a16:creationId xmlns:a16="http://schemas.microsoft.com/office/drawing/2014/main" xmlns="" id="{80ACA6C7-086E-883E-1560-8F5BC1275354}"/>
               </a:ext>
             </a:extLst>
           </p:cNvPr>
@@ -10967,7 +11150,7 @@
           <p:cNvPr id="24" name="Рисунок 23">
             <a:extLst>
               <a:ext uri="{FF2B5EF4-FFF2-40B4-BE49-F238E27FC236}">
-                <a16:creationId xmlns:a16="http://schemas.microsoft.com/office/drawing/2014/main" id="{BA936F3C-9B80-83A0-4311-432A98E7E222}"/>
+                <a16:creationId xmlns:a16="http://schemas.microsoft.com/office/drawing/2014/main" xmlns="" id="{BA936F3C-9B80-83A0-4311-432A98E7E222}"/>
               </a:ext>
             </a:extLst>
           </p:cNvPr>
@@ -10977,7 +11160,7 @@
           <p:nvPr/>
         </p:nvPicPr>
         <p:blipFill>
-          <a:blip r:embed="rId4">
+          <a:blip r:embed="rId4" cstate="print">
             <a:extLst>
               <a:ext uri="{28A0092B-C50C-407E-A947-70E740481C1C}">
                 <a14:useLocalDpi xmlns:a14="http://schemas.microsoft.com/office/drawing/2010/main" val="0"/>
@@ -11003,7 +11186,7 @@
           <p:cNvPr id="27" name="Picture 4" descr="C:\Users\TroDA\Desktop\entity-framework.png">
             <a:extLst>
               <a:ext uri="{FF2B5EF4-FFF2-40B4-BE49-F238E27FC236}">
-                <a16:creationId xmlns:a16="http://schemas.microsoft.com/office/drawing/2014/main" id="{EE1FDB24-DBC9-BAF2-9936-59EDBFDE24BB}"/>
+                <a16:creationId xmlns:a16="http://schemas.microsoft.com/office/drawing/2014/main" xmlns="" id="{EE1FDB24-DBC9-BAF2-9936-59EDBFDE24BB}"/>
               </a:ext>
             </a:extLst>
           </p:cNvPr>
@@ -11013,7 +11196,7 @@
           <p:nvPr/>
         </p:nvPicPr>
         <p:blipFill rotWithShape="1">
-          <a:blip r:embed="rId5">
+          <a:blip r:embed="rId5" cstate="print">
             <a:extLst>
               <a:ext uri="{28A0092B-C50C-407E-A947-70E740481C1C}">
                 <a14:useLocalDpi xmlns:a14="http://schemas.microsoft.com/office/drawing/2010/main" val="0"/>
@@ -11048,7 +11231,7 @@
           <p:cNvPr id="28" name="Group 4">
             <a:extLst>
               <a:ext uri="{FF2B5EF4-FFF2-40B4-BE49-F238E27FC236}">
-                <a16:creationId xmlns:a16="http://schemas.microsoft.com/office/drawing/2014/main" id="{32076252-D12F-AE42-F2F6-D7C3C646B045}"/>
+                <a16:creationId xmlns:a16="http://schemas.microsoft.com/office/drawing/2014/main" xmlns="" id="{32076252-D12F-AE42-F2F6-D7C3C646B045}"/>
               </a:ext>
             </a:extLst>
           </p:cNvPr>
@@ -11068,7 +11251,7 @@
             <p:cNvPr id="29" name="Freeform 5">
               <a:extLst>
                 <a:ext uri="{FF2B5EF4-FFF2-40B4-BE49-F238E27FC236}">
-                  <a16:creationId xmlns:a16="http://schemas.microsoft.com/office/drawing/2014/main" id="{FC6019BC-ADBE-16B4-1B26-99CB37B85773}"/>
+                  <a16:creationId xmlns:a16="http://schemas.microsoft.com/office/drawing/2014/main" xmlns="" id="{FC6019BC-ADBE-16B4-1B26-99CB37B85773}"/>
                 </a:ext>
               </a:extLst>
             </p:cNvPr>
@@ -11153,7 +11336,7 @@
             <p:cNvPr id="30" name="TextBox 6">
               <a:extLst>
                 <a:ext uri="{FF2B5EF4-FFF2-40B4-BE49-F238E27FC236}">
-                  <a16:creationId xmlns:a16="http://schemas.microsoft.com/office/drawing/2014/main" id="{DD11167B-0011-4583-BDD2-2E737CBC4DB5}"/>
+                  <a16:creationId xmlns:a16="http://schemas.microsoft.com/office/drawing/2014/main" xmlns="" id="{DD11167B-0011-4583-BDD2-2E737CBC4DB5}"/>
                 </a:ext>
               </a:extLst>
             </p:cNvPr>
@@ -11193,6 +11376,13 @@
   <p:clrMapOvr>
     <a:masterClrMapping/>
   </p:clrMapOvr>
+  <p:timing>
+    <p:tnLst>
+      <p:par>
+        <p:cTn id="1" dur="indefinite" restart="never" nodeType="tmRoot"/>
+      </p:par>
+    </p:tnLst>
+  </p:timing>
 </p:sld>
 </file>
 
@@ -11218,7 +11408,7 @@
           <p:cNvPr id="5" name="Заголовок 4">
             <a:extLst>
               <a:ext uri="{FF2B5EF4-FFF2-40B4-BE49-F238E27FC236}">
-                <a16:creationId xmlns:a16="http://schemas.microsoft.com/office/drawing/2014/main" id="{C60A9AEE-1D62-81CB-0CD1-D554FE470100}"/>
+                <a16:creationId xmlns:a16="http://schemas.microsoft.com/office/drawing/2014/main" xmlns="" id="{C60A9AEE-1D62-81CB-0CD1-D554FE470100}"/>
               </a:ext>
             </a:extLst>
           </p:cNvPr>
@@ -11265,7 +11455,7 @@
           <p:cNvPr id="7" name="Объект 6">
             <a:extLst>
               <a:ext uri="{FF2B5EF4-FFF2-40B4-BE49-F238E27FC236}">
-                <a16:creationId xmlns:a16="http://schemas.microsoft.com/office/drawing/2014/main" id="{66BF457C-F977-674E-6351-6762D8F23155}"/>
+                <a16:creationId xmlns:a16="http://schemas.microsoft.com/office/drawing/2014/main" xmlns="" id="{66BF457C-F977-674E-6351-6762D8F23155}"/>
               </a:ext>
             </a:extLst>
           </p:cNvPr>
@@ -11307,7 +11497,7 @@
           <p:cNvPr id="8" name="Рисунок 7">
             <a:extLst>
               <a:ext uri="{FF2B5EF4-FFF2-40B4-BE49-F238E27FC236}">
-                <a16:creationId xmlns:a16="http://schemas.microsoft.com/office/drawing/2014/main" id="{5D068746-EC85-3D41-C5EB-0DD44F534AE5}"/>
+                <a16:creationId xmlns:a16="http://schemas.microsoft.com/office/drawing/2014/main" xmlns="" id="{5D068746-EC85-3D41-C5EB-0DD44F534AE5}"/>
               </a:ext>
             </a:extLst>
           </p:cNvPr>
@@ -11350,7 +11540,7 @@
           <p:cNvPr id="6" name="Номер слайда 5">
             <a:extLst>
               <a:ext uri="{FF2B5EF4-FFF2-40B4-BE49-F238E27FC236}">
-                <a16:creationId xmlns:a16="http://schemas.microsoft.com/office/drawing/2014/main" id="{531F97A9-7535-5B53-27DB-D1922E1EF091}"/>
+                <a16:creationId xmlns:a16="http://schemas.microsoft.com/office/drawing/2014/main" xmlns="" id="{531F97A9-7535-5B53-27DB-D1922E1EF091}"/>
               </a:ext>
             </a:extLst>
           </p:cNvPr>
@@ -11363,7 +11553,7 @@
         </p:nvSpPr>
         <p:spPr>
           <a:xfrm>
-            <a:off x="6457950" y="6305157"/>
+            <a:off x="6457950" y="6270781"/>
             <a:ext cx="2057400" cy="365125"/>
           </a:xfrm>
         </p:spPr>
@@ -11397,6 +11587,13 @@
   <p:clrMapOvr>
     <a:masterClrMapping/>
   </p:clrMapOvr>
+  <p:timing>
+    <p:tnLst>
+      <p:par>
+        <p:cTn id="1" dur="indefinite" restart="never" nodeType="tmRoot"/>
+      </p:par>
+    </p:tnLst>
+  </p:timing>
 </p:sld>
 </file>
 
@@ -11422,7 +11619,7 @@
           <p:cNvPr id="5" name="Заголовок 4">
             <a:extLst>
               <a:ext uri="{FF2B5EF4-FFF2-40B4-BE49-F238E27FC236}">
-                <a16:creationId xmlns:a16="http://schemas.microsoft.com/office/drawing/2014/main" id="{2D821327-D069-0580-52EE-BAE7E831FCAA}"/>
+                <a16:creationId xmlns:a16="http://schemas.microsoft.com/office/drawing/2014/main" xmlns="" id="{2D821327-D069-0580-52EE-BAE7E831FCAA}"/>
               </a:ext>
             </a:extLst>
           </p:cNvPr>
@@ -11460,7 +11657,7 @@
           <p:cNvPr id="6" name="Объект 5">
             <a:extLst>
               <a:ext uri="{FF2B5EF4-FFF2-40B4-BE49-F238E27FC236}">
-                <a16:creationId xmlns:a16="http://schemas.microsoft.com/office/drawing/2014/main" id="{E7CA67AF-E0D0-92F3-0180-7BF6872E8947}"/>
+                <a16:creationId xmlns:a16="http://schemas.microsoft.com/office/drawing/2014/main" xmlns="" id="{E7CA67AF-E0D0-92F3-0180-7BF6872E8947}"/>
               </a:ext>
             </a:extLst>
           </p:cNvPr>
@@ -11504,7 +11701,7 @@
           <p:cNvPr id="8" name="Рисунок 7">
             <a:extLst>
               <a:ext uri="{FF2B5EF4-FFF2-40B4-BE49-F238E27FC236}">
-                <a16:creationId xmlns:a16="http://schemas.microsoft.com/office/drawing/2014/main" id="{966198B4-8B99-C49A-1422-CC68E167F8D0}"/>
+                <a16:creationId xmlns:a16="http://schemas.microsoft.com/office/drawing/2014/main" xmlns="" id="{966198B4-8B99-C49A-1422-CC68E167F8D0}"/>
               </a:ext>
             </a:extLst>
           </p:cNvPr>
@@ -11544,7 +11741,7 @@
           <p:cNvPr id="7" name="Номер слайда 6">
             <a:extLst>
               <a:ext uri="{FF2B5EF4-FFF2-40B4-BE49-F238E27FC236}">
-                <a16:creationId xmlns:a16="http://schemas.microsoft.com/office/drawing/2014/main" id="{C718C970-3F59-F107-BCA7-DDF8BA1E907F}"/>
+                <a16:creationId xmlns:a16="http://schemas.microsoft.com/office/drawing/2014/main" xmlns="" id="{C718C970-3F59-F107-BCA7-DDF8BA1E907F}"/>
               </a:ext>
             </a:extLst>
           </p:cNvPr>
@@ -11586,6 +11783,13 @@
   <p:clrMapOvr>
     <a:masterClrMapping/>
   </p:clrMapOvr>
+  <p:timing>
+    <p:tnLst>
+      <p:par>
+        <p:cTn id="1" dur="indefinite" restart="never" nodeType="tmRoot"/>
+      </p:par>
+    </p:tnLst>
+  </p:timing>
 </p:sld>
 </file>
 
@@ -11597,7 +11801,7 @@
         <p:cNvPr id="1" name="">
           <a:extLst>
             <a:ext uri="{FF2B5EF4-FFF2-40B4-BE49-F238E27FC236}">
-              <a16:creationId xmlns:a16="http://schemas.microsoft.com/office/drawing/2014/main" id="{C772474E-D276-C45E-3606-20E4692CA617}"/>
+              <a16:creationId xmlns:a16="http://schemas.microsoft.com/office/drawing/2014/main" xmlns="" id="{C772474E-D276-C45E-3606-20E4692CA617}"/>
             </a:ext>
           </a:extLst>
         </p:cNvPr>
@@ -11617,7 +11821,7 @@
           <p:cNvPr id="2" name="Рисунок 1">
             <a:extLst>
               <a:ext uri="{FF2B5EF4-FFF2-40B4-BE49-F238E27FC236}">
-                <a16:creationId xmlns:a16="http://schemas.microsoft.com/office/drawing/2014/main" id="{A6565609-9310-EDF0-ECAF-1E1A991AF993}"/>
+                <a16:creationId xmlns:a16="http://schemas.microsoft.com/office/drawing/2014/main" xmlns="" id="{A6565609-9310-EDF0-ECAF-1E1A991AF993}"/>
               </a:ext>
             </a:extLst>
           </p:cNvPr>
@@ -11657,7 +11861,7 @@
           <p:cNvPr id="6" name="Объект 5">
             <a:extLst>
               <a:ext uri="{FF2B5EF4-FFF2-40B4-BE49-F238E27FC236}">
-                <a16:creationId xmlns:a16="http://schemas.microsoft.com/office/drawing/2014/main" id="{C4A7ED36-4C57-62BE-EE2D-5EFA52BBC7E9}"/>
+                <a16:creationId xmlns:a16="http://schemas.microsoft.com/office/drawing/2014/main" xmlns="" id="{C4A7ED36-4C57-62BE-EE2D-5EFA52BBC7E9}"/>
               </a:ext>
             </a:extLst>
           </p:cNvPr>
@@ -11701,7 +11905,7 @@
           <p:cNvPr id="9" name="Номер слайда 8">
             <a:extLst>
               <a:ext uri="{FF2B5EF4-FFF2-40B4-BE49-F238E27FC236}">
-                <a16:creationId xmlns:a16="http://schemas.microsoft.com/office/drawing/2014/main" id="{C9882451-1C9D-41A9-B53B-ADC6AF068F52}"/>
+                <a16:creationId xmlns:a16="http://schemas.microsoft.com/office/drawing/2014/main" xmlns="" id="{C9882451-1C9D-41A9-B53B-ADC6AF068F52}"/>
               </a:ext>
             </a:extLst>
           </p:cNvPr>
@@ -11748,6 +11952,13 @@
   <p:clrMapOvr>
     <a:masterClrMapping/>
   </p:clrMapOvr>
+  <p:timing>
+    <p:tnLst>
+      <p:par>
+        <p:cTn id="1" dur="indefinite" restart="never" nodeType="tmRoot"/>
+      </p:par>
+    </p:tnLst>
+  </p:timing>
 </p:sld>
 </file>
 
@@ -11773,7 +11984,7 @@
           <p:cNvPr id="30" name="Рисунок 29">
             <a:extLst>
               <a:ext uri="{FF2B5EF4-FFF2-40B4-BE49-F238E27FC236}">
-                <a16:creationId xmlns:a16="http://schemas.microsoft.com/office/drawing/2014/main" id="{6CA5ACE8-B0D8-48BA-E1EB-0D1896C5E631}"/>
+                <a16:creationId xmlns:a16="http://schemas.microsoft.com/office/drawing/2014/main" xmlns="" id="{6CA5ACE8-B0D8-48BA-E1EB-0D1896C5E631}"/>
               </a:ext>
             </a:extLst>
           </p:cNvPr>
@@ -11816,7 +12027,7 @@
           <p:cNvPr id="15" name="Рисунок 14">
             <a:extLst>
               <a:ext uri="{FF2B5EF4-FFF2-40B4-BE49-F238E27FC236}">
-                <a16:creationId xmlns:a16="http://schemas.microsoft.com/office/drawing/2014/main" id="{4E8C04DE-11CA-373E-8454-49717E782E4B}"/>
+                <a16:creationId xmlns:a16="http://schemas.microsoft.com/office/drawing/2014/main" xmlns="" id="{4E8C04DE-11CA-373E-8454-49717E782E4B}"/>
               </a:ext>
             </a:extLst>
           </p:cNvPr>
@@ -11851,7 +12062,7 @@
           <p:cNvPr id="4" name="Рисунок 3">
             <a:extLst>
               <a:ext uri="{FF2B5EF4-FFF2-40B4-BE49-F238E27FC236}">
-                <a16:creationId xmlns:a16="http://schemas.microsoft.com/office/drawing/2014/main" id="{E992106D-969F-CAB7-10F5-356FEC5297DE}"/>
+                <a16:creationId xmlns:a16="http://schemas.microsoft.com/office/drawing/2014/main" xmlns="" id="{E992106D-969F-CAB7-10F5-356FEC5297DE}"/>
               </a:ext>
             </a:extLst>
           </p:cNvPr>
@@ -11937,7 +12148,7 @@
           <p:cNvPr id="8" name="Номер слайда 7">
             <a:extLst>
               <a:ext uri="{FF2B5EF4-FFF2-40B4-BE49-F238E27FC236}">
-                <a16:creationId xmlns:a16="http://schemas.microsoft.com/office/drawing/2014/main" id="{9A787F45-C075-2D52-CA47-834C815BEA1D}"/>
+                <a16:creationId xmlns:a16="http://schemas.microsoft.com/office/drawing/2014/main" xmlns="" id="{9A787F45-C075-2D52-CA47-834C815BEA1D}"/>
               </a:ext>
             </a:extLst>
           </p:cNvPr>
@@ -11979,7 +12190,7 @@
           <p:cNvPr id="24" name="Рисунок 23">
             <a:extLst>
               <a:ext uri="{FF2B5EF4-FFF2-40B4-BE49-F238E27FC236}">
-                <a16:creationId xmlns:a16="http://schemas.microsoft.com/office/drawing/2014/main" id="{99806537-7318-AF43-AE8B-54E173F92AEC}"/>
+                <a16:creationId xmlns:a16="http://schemas.microsoft.com/office/drawing/2014/main" xmlns="" id="{99806537-7318-AF43-AE8B-54E173F92AEC}"/>
               </a:ext>
             </a:extLst>
           </p:cNvPr>
@@ -12014,7 +12225,7 @@
           <p:cNvPr id="31" name="TextBox 30">
             <a:extLst>
               <a:ext uri="{FF2B5EF4-FFF2-40B4-BE49-F238E27FC236}">
-                <a16:creationId xmlns:a16="http://schemas.microsoft.com/office/drawing/2014/main" id="{59E8458D-CA34-6DC8-AE8C-469A2AE1C17E}"/>
+                <a16:creationId xmlns:a16="http://schemas.microsoft.com/office/drawing/2014/main" xmlns="" id="{59E8458D-CA34-6DC8-AE8C-469A2AE1C17E}"/>
               </a:ext>
             </a:extLst>
           </p:cNvPr>
@@ -12066,6 +12277,13 @@
   <p:clrMapOvr>
     <a:masterClrMapping/>
   </p:clrMapOvr>
+  <p:timing>
+    <p:tnLst>
+      <p:par>
+        <p:cTn id="1" dur="indefinite" restart="never" nodeType="tmRoot"/>
+      </p:par>
+    </p:tnLst>
+  </p:timing>
 </p:sld>
 </file>
 
@@ -12324,7 +12542,7 @@
   <a:extraClrSchemeLst/>
   <a:extLst>
     <a:ext uri="{05A4C25C-085E-4340-85A3-A5531E510DB2}">
-      <thm15:themeFamily xmlns:thm15="http://schemas.microsoft.com/office/thememl/2012/main" name="Office 2013 - 2022 Theme" id="{62F939B6-93AF-4DB8-9C6B-D6C7DFDC589F}" vid="{4A3C46E8-61CC-4603-A589-7422A47A8E4A}"/>
+      <thm15:themeFamily xmlns:thm15="http://schemas.microsoft.com/office/thememl/2012/main" xmlns="" name="Office 2013 - 2022 Theme" id="{62F939B6-93AF-4DB8-9C6B-D6C7DFDC589F}" vid="{4A3C46E8-61CC-4603-A589-7422A47A8E4A}"/>
     </a:ext>
   </a:extLst>
 </a:theme>
@@ -12619,7 +12837,7 @@
   <a:extraClrSchemeLst/>
   <a:extLst>
     <a:ext uri="{05A4C25C-085E-4340-85A3-A5531E510DB2}">
-      <thm15:themeFamily xmlns:thm15="http://schemas.microsoft.com/office/thememl/2012/main" name="Office Theme" id="{62F939B6-93AF-4DB8-9C6B-D6C7DFDC589F}" vid="{4A3C46E8-61CC-4603-A589-7422A47A8E4A}"/>
+      <thm15:themeFamily xmlns:thm15="http://schemas.microsoft.com/office/thememl/2012/main" xmlns="" name="Office Theme" id="{62F939B6-93AF-4DB8-9C6B-D6C7DFDC589F}" vid="{4A3C46E8-61CC-4603-A589-7422A47A8E4A}"/>
     </a:ext>
   </a:extLst>
 </a:theme>

--- a/ПРАВКИ_Презентация ВКР ВО.pptx
+++ b/ПРАВКИ_Презентация ВКР ВО.pptx
@@ -5,25 +5,26 @@
     <p:sldMasterId id="2147483660" r:id="rId1"/>
   </p:sldMasterIdLst>
   <p:notesMasterIdLst>
-    <p:notesMasterId r:id="rId18"/>
+    <p:notesMasterId r:id="rId19"/>
   </p:notesMasterIdLst>
   <p:sldIdLst>
     <p:sldId id="256" r:id="rId2"/>
-    <p:sldId id="273" r:id="rId3"/>
+    <p:sldId id="258" r:id="rId3"/>
     <p:sldId id="274" r:id="rId4"/>
-    <p:sldId id="258" r:id="rId5"/>
-    <p:sldId id="259" r:id="rId6"/>
+    <p:sldId id="273" r:id="rId5"/>
+    <p:sldId id="278" r:id="rId6"/>
     <p:sldId id="265" r:id="rId7"/>
     <p:sldId id="263" r:id="rId8"/>
     <p:sldId id="264" r:id="rId9"/>
-    <p:sldId id="267" r:id="rId10"/>
-    <p:sldId id="268" r:id="rId11"/>
-    <p:sldId id="269" r:id="rId12"/>
-    <p:sldId id="276" r:id="rId13"/>
-    <p:sldId id="277" r:id="rId14"/>
-    <p:sldId id="270" r:id="rId15"/>
-    <p:sldId id="271" r:id="rId16"/>
-    <p:sldId id="272" r:id="rId17"/>
+    <p:sldId id="259" r:id="rId10"/>
+    <p:sldId id="267" r:id="rId11"/>
+    <p:sldId id="268" r:id="rId12"/>
+    <p:sldId id="269" r:id="rId13"/>
+    <p:sldId id="276" r:id="rId14"/>
+    <p:sldId id="277" r:id="rId15"/>
+    <p:sldId id="270" r:id="rId16"/>
+    <p:sldId id="271" r:id="rId17"/>
+    <p:sldId id="272" r:id="rId18"/>
   </p:sldIdLst>
   <p:sldSz cx="9144000" cy="6858000" type="screen4x3"/>
   <p:notesSz cx="6858000" cy="9144000"/>
@@ -124,7 +125,7 @@
   </p:defaultTextStyle>
   <p:extLst>
     <p:ext uri="{EFAFB233-063F-42B5-8137-9DF3F51BA10A}">
-      <p15:sldGuideLst xmlns:p15="http://schemas.microsoft.com/office/powerpoint/2012/main" xmlns="">
+      <p15:sldGuideLst xmlns="" xmlns:p15="http://schemas.microsoft.com/office/powerpoint/2012/main">
         <p15:guide id="1" orient="horz" pos="2160" userDrawn="1">
           <p15:clr>
             <a:srgbClr val="A4A3A4"/>
@@ -165,9 +166,9 @@
 
 <file path=ppt/comments/comment2.xml><?xml version="1.0" encoding="utf-8"?>
 <p:cmLst xmlns:a="http://schemas.openxmlformats.org/drawingml/2006/main" xmlns:r="http://schemas.openxmlformats.org/officeDocument/2006/relationships" xmlns:p="http://schemas.openxmlformats.org/presentationml/2006/main">
-  <p:cm authorId="1" dt="2025-05-26T10:02:27.702" idx="2">
+  <p:cm authorId="1" dt="2025-05-27T13:09:55.557" idx="6">
     <p:pos x="10" y="10"/>
-    <p:text>На словах расскажу про выбор клиент-серверной архитектуры, закончу про процесс ввода в эксплуатцию приложения</p:text>
+    <p:text>По хронологии диплома, следом должен пойти слайд про выбранную БД, но я решил пропустить, чтобы уложиться в тайминг выступления...</p:text>
     <p:extLst>
       <p:ext uri="{C676402C-5697-4E1C-873F-D02D1690AC5C}">
         <p15:threadingInfo xmlns:p15="http://schemas.microsoft.com/office/powerpoint/2012/main" timeZoneBias="-420"/>
@@ -179,7 +180,7 @@
 
 <file path=ppt/comments/comment3.xml><?xml version="1.0" encoding="utf-8"?>
 <p:cmLst xmlns:a="http://schemas.openxmlformats.org/drawingml/2006/main" xmlns:r="http://schemas.openxmlformats.org/officeDocument/2006/relationships" xmlns:p="http://schemas.openxmlformats.org/presentationml/2006/main">
-  <p:cm authorId="1" dt="2025-05-27T13:09:55.557" idx="6">
+  <p:cm authorId="1" dt="2025-05-27T13:09:55.557" idx="7">
     <p:pos x="10" y="10"/>
     <p:text>По хронологии диплома, следом должен пойти слайд про выбранную БД, но я решил пропустить, чтобы уложиться в тайминг выступления...</p:text>
     <p:extLst>
@@ -193,9 +194,9 @@
 
 <file path=ppt/comments/comment4.xml><?xml version="1.0" encoding="utf-8"?>
 <p:cmLst xmlns:a="http://schemas.openxmlformats.org/drawingml/2006/main" xmlns:r="http://schemas.openxmlformats.org/officeDocument/2006/relationships" xmlns:p="http://schemas.openxmlformats.org/presentationml/2006/main">
-  <p:cm authorId="1" dt="2025-05-27T13:09:55.557" idx="7">
+  <p:cm authorId="1" dt="2025-05-26T10:02:27.702" idx="2">
     <p:pos x="10" y="10"/>
-    <p:text>По хронологии диплома, следом должен пойти слайд про выбранную БД, но я решил пропустить, чтобы уложиться в тайминг выступления...</p:text>
+    <p:text>На словах расскажу про выбор клиент-серверной архитектуры, закончу про процесс ввода в эксплуатцию приложения</p:text>
     <p:extLst>
       <p:ext uri="{C676402C-5697-4E1C-873F-D02D1690AC5C}">
         <p15:threadingInfo xmlns:p15="http://schemas.microsoft.com/office/powerpoint/2012/main" timeZoneBias="-420"/>
@@ -1530,26 +1531,26 @@
     </dgm:pt>
   </dgm:ptLst>
   <dgm:cxnLst>
+    <dgm:cxn modelId="{4CFF0CB8-9DA8-49B9-902D-B52E3301AED7}" srcId="{3B570F82-677D-4CC2-9504-D01A41A1D349}" destId="{92DB0E6F-D98B-4291-AA6B-B06788768C78}" srcOrd="0" destOrd="0" parTransId="{2B488B5B-2E92-4327-BF42-2009D894616C}" sibTransId="{82861CCC-B2ED-4DDB-BA10-028B051C008A}"/>
+    <dgm:cxn modelId="{961895A6-CD3F-4DA0-A202-BD26FDCE7F33}" type="presOf" srcId="{DEE3936A-CB81-4314-9FCC-EE9D3347B307}" destId="{B198DC8D-4707-4917-9845-3AC866ADA252}" srcOrd="0" destOrd="0" presId="urn:microsoft.com/office/officeart/2005/8/layout/orgChart1"/>
+    <dgm:cxn modelId="{61686135-590B-486E-9EA4-34420F56946C}" type="presOf" srcId="{2360333D-FB62-4098-A34F-C44956FC48A6}" destId="{167C0E11-3DED-424E-AEBF-FDBF904DA9E9}" srcOrd="1" destOrd="0" presId="urn:microsoft.com/office/officeart/2005/8/layout/orgChart1"/>
+    <dgm:cxn modelId="{8B64CE0F-EE7A-4E3E-820D-D9798DA25E58}" srcId="{3B570F82-677D-4CC2-9504-D01A41A1D349}" destId="{3D3595AF-CBEA-41CA-85FA-5C969EE5F377}" srcOrd="2" destOrd="0" parTransId="{DEE3936A-CB81-4314-9FCC-EE9D3347B307}" sibTransId="{BF8F819C-666D-49EA-A270-7C7D97D992F6}"/>
+    <dgm:cxn modelId="{3A486785-0B58-46FC-B052-303296CE1A99}" srcId="{3B570F82-677D-4CC2-9504-D01A41A1D349}" destId="{2360333D-FB62-4098-A34F-C44956FC48A6}" srcOrd="1" destOrd="0" parTransId="{6DE20EAB-60A9-47C4-99D1-10622DD77105}" sibTransId="{609F9793-9A17-457E-8D1F-FC5652CB6E3C}"/>
     <dgm:cxn modelId="{696829D6-AD81-4CD4-A406-E7EC51A69B34}" type="presOf" srcId="{3B570F82-677D-4CC2-9504-D01A41A1D349}" destId="{FC222700-6815-42EC-9050-5E7018FF7E42}" srcOrd="1" destOrd="0" presId="urn:microsoft.com/office/officeart/2005/8/layout/orgChart1"/>
+    <dgm:cxn modelId="{099726D4-0B36-4494-8709-F4543E30D7E2}" type="presOf" srcId="{E8ADEFCE-305C-440F-98A4-F021E6F3173D}" destId="{44E5927C-A120-4F18-BA19-15984B2A54AC}" srcOrd="0" destOrd="0" presId="urn:microsoft.com/office/officeart/2005/8/layout/orgChart1"/>
+    <dgm:cxn modelId="{DA41CDCC-BEDF-44FD-A1A7-DA7945FA851B}" type="presOf" srcId="{DA9E5718-AC21-4874-8CB0-EFAD24CB1DE3}" destId="{FF58A61E-51EA-467A-9935-C911AECABBD3}" srcOrd="0" destOrd="0" presId="urn:microsoft.com/office/officeart/2005/8/layout/orgChart1"/>
+    <dgm:cxn modelId="{5F61C755-84D4-448F-98AD-2C04D33EFE10}" type="presOf" srcId="{3B570F82-677D-4CC2-9504-D01A41A1D349}" destId="{AB1CA4BF-B69A-4BF3-981F-98C24B146FFC}" srcOrd="0" destOrd="0" presId="urn:microsoft.com/office/officeart/2005/8/layout/orgChart1"/>
+    <dgm:cxn modelId="{3603BFC4-9954-4EF5-8D07-C83931DF7491}" srcId="{3B570F82-677D-4CC2-9504-D01A41A1D349}" destId="{E8ADEFCE-305C-440F-98A4-F021E6F3173D}" srcOrd="3" destOrd="0" parTransId="{E58EF0F2-F9F4-4773-AF6B-D137675B457B}" sibTransId="{7B7BF542-2301-4AEC-9E05-3959DE743F35}"/>
+    <dgm:cxn modelId="{D47EC9A4-A94A-4E70-8EBF-B313139BD651}" type="presOf" srcId="{92DB0E6F-D98B-4291-AA6B-B06788768C78}" destId="{17845902-A9F0-48A7-8D7B-AC8F0FEF4428}" srcOrd="1" destOrd="0" presId="urn:microsoft.com/office/officeart/2005/8/layout/orgChart1"/>
     <dgm:cxn modelId="{38192B9F-BA11-40BE-A636-246392048FB3}" type="presOf" srcId="{6DE20EAB-60A9-47C4-99D1-10622DD77105}" destId="{7B67667C-449B-40AC-A2FB-3D23164F885D}" srcOrd="0" destOrd="0" presId="urn:microsoft.com/office/officeart/2005/8/layout/orgChart1"/>
+    <dgm:cxn modelId="{48BFA7C6-BEE4-45EB-81CC-9F08DDC6FAD2}" srcId="{DA9E5718-AC21-4874-8CB0-EFAD24CB1DE3}" destId="{3B570F82-677D-4CC2-9504-D01A41A1D349}" srcOrd="0" destOrd="0" parTransId="{1E5876AF-B967-47FF-A30B-0063E14A28F8}" sibTransId="{A6E7287F-2CF3-42B7-A39C-B2DB57864891}"/>
+    <dgm:cxn modelId="{BAC6C667-CC06-4435-8E28-A07A111757BD}" type="presOf" srcId="{3D3595AF-CBEA-41CA-85FA-5C969EE5F377}" destId="{2D1112BF-2E61-4663-A2A1-796E27001FC8}" srcOrd="1" destOrd="0" presId="urn:microsoft.com/office/officeart/2005/8/layout/orgChart1"/>
+    <dgm:cxn modelId="{F580833D-DF0F-4A5F-BF9E-4539AF6E2707}" type="presOf" srcId="{E58EF0F2-F9F4-4773-AF6B-D137675B457B}" destId="{73A9594A-C46B-47E1-985A-A8BAC420E4D2}" srcOrd="0" destOrd="0" presId="urn:microsoft.com/office/officeart/2005/8/layout/orgChart1"/>
     <dgm:cxn modelId="{74502C5F-611C-4713-A54B-11BAC5B4408B}" type="presOf" srcId="{E8ADEFCE-305C-440F-98A4-F021E6F3173D}" destId="{5D1F54ED-D24A-49F1-A7BC-2890AC8FEE93}" srcOrd="1" destOrd="0" presId="urn:microsoft.com/office/officeart/2005/8/layout/orgChart1"/>
-    <dgm:cxn modelId="{61686135-590B-486E-9EA4-34420F56946C}" type="presOf" srcId="{2360333D-FB62-4098-A34F-C44956FC48A6}" destId="{167C0E11-3DED-424E-AEBF-FDBF904DA9E9}" srcOrd="1" destOrd="0" presId="urn:microsoft.com/office/officeart/2005/8/layout/orgChart1"/>
-    <dgm:cxn modelId="{961895A6-CD3F-4DA0-A202-BD26FDCE7F33}" type="presOf" srcId="{DEE3936A-CB81-4314-9FCC-EE9D3347B307}" destId="{B198DC8D-4707-4917-9845-3AC866ADA252}" srcOrd="0" destOrd="0" presId="urn:microsoft.com/office/officeart/2005/8/layout/orgChart1"/>
+    <dgm:cxn modelId="{53BE45D9-8053-4622-815A-ED9026C30F27}" type="presOf" srcId="{2360333D-FB62-4098-A34F-C44956FC48A6}" destId="{89F9221F-E479-4137-9C62-318DD3A6DC09}" srcOrd="0" destOrd="0" presId="urn:microsoft.com/office/officeart/2005/8/layout/orgChart1"/>
+    <dgm:cxn modelId="{A6E0A958-31A2-49E5-A207-1CC9A02A5840}" type="presOf" srcId="{3D3595AF-CBEA-41CA-85FA-5C969EE5F377}" destId="{882924CA-9121-4691-BB49-D76C0D194943}" srcOrd="0" destOrd="0" presId="urn:microsoft.com/office/officeart/2005/8/layout/orgChart1"/>
+    <dgm:cxn modelId="{B6BF462F-A73A-4BA2-A0C2-A235C1B5B081}" type="presOf" srcId="{2B488B5B-2E92-4327-BF42-2009D894616C}" destId="{4DC629A8-7CF0-4583-A510-F86343E4C686}" srcOrd="0" destOrd="0" presId="urn:microsoft.com/office/officeart/2005/8/layout/orgChart1"/>
     <dgm:cxn modelId="{A2DD12C4-43DC-4D25-809D-B8980B8DDFF1}" type="presOf" srcId="{92DB0E6F-D98B-4291-AA6B-B06788768C78}" destId="{9CF0F068-6DF2-41C5-9577-3526CE7DE021}" srcOrd="0" destOrd="0" presId="urn:microsoft.com/office/officeart/2005/8/layout/orgChart1"/>
-    <dgm:cxn modelId="{5F61C755-84D4-448F-98AD-2C04D33EFE10}" type="presOf" srcId="{3B570F82-677D-4CC2-9504-D01A41A1D349}" destId="{AB1CA4BF-B69A-4BF3-981F-98C24B146FFC}" srcOrd="0" destOrd="0" presId="urn:microsoft.com/office/officeart/2005/8/layout/orgChart1"/>
-    <dgm:cxn modelId="{D47EC9A4-A94A-4E70-8EBF-B313139BD651}" type="presOf" srcId="{92DB0E6F-D98B-4291-AA6B-B06788768C78}" destId="{17845902-A9F0-48A7-8D7B-AC8F0FEF4428}" srcOrd="1" destOrd="0" presId="urn:microsoft.com/office/officeart/2005/8/layout/orgChart1"/>
-    <dgm:cxn modelId="{A6E0A958-31A2-49E5-A207-1CC9A02A5840}" type="presOf" srcId="{3D3595AF-CBEA-41CA-85FA-5C969EE5F377}" destId="{882924CA-9121-4691-BB49-D76C0D194943}" srcOrd="0" destOrd="0" presId="urn:microsoft.com/office/officeart/2005/8/layout/orgChart1"/>
-    <dgm:cxn modelId="{BAC6C667-CC06-4435-8E28-A07A111757BD}" type="presOf" srcId="{3D3595AF-CBEA-41CA-85FA-5C969EE5F377}" destId="{2D1112BF-2E61-4663-A2A1-796E27001FC8}" srcOrd="1" destOrd="0" presId="urn:microsoft.com/office/officeart/2005/8/layout/orgChart1"/>
-    <dgm:cxn modelId="{3603BFC4-9954-4EF5-8D07-C83931DF7491}" srcId="{3B570F82-677D-4CC2-9504-D01A41A1D349}" destId="{E8ADEFCE-305C-440F-98A4-F021E6F3173D}" srcOrd="3" destOrd="0" parTransId="{E58EF0F2-F9F4-4773-AF6B-D137675B457B}" sibTransId="{7B7BF542-2301-4AEC-9E05-3959DE743F35}"/>
-    <dgm:cxn modelId="{3A486785-0B58-46FC-B052-303296CE1A99}" srcId="{3B570F82-677D-4CC2-9504-D01A41A1D349}" destId="{2360333D-FB62-4098-A34F-C44956FC48A6}" srcOrd="1" destOrd="0" parTransId="{6DE20EAB-60A9-47C4-99D1-10622DD77105}" sibTransId="{609F9793-9A17-457E-8D1F-FC5652CB6E3C}"/>
-    <dgm:cxn modelId="{53BE45D9-8053-4622-815A-ED9026C30F27}" type="presOf" srcId="{2360333D-FB62-4098-A34F-C44956FC48A6}" destId="{89F9221F-E479-4137-9C62-318DD3A6DC09}" srcOrd="0" destOrd="0" presId="urn:microsoft.com/office/officeart/2005/8/layout/orgChart1"/>
-    <dgm:cxn modelId="{4CFF0CB8-9DA8-49B9-902D-B52E3301AED7}" srcId="{3B570F82-677D-4CC2-9504-D01A41A1D349}" destId="{92DB0E6F-D98B-4291-AA6B-B06788768C78}" srcOrd="0" destOrd="0" parTransId="{2B488B5B-2E92-4327-BF42-2009D894616C}" sibTransId="{82861CCC-B2ED-4DDB-BA10-028B051C008A}"/>
-    <dgm:cxn modelId="{099726D4-0B36-4494-8709-F4543E30D7E2}" type="presOf" srcId="{E8ADEFCE-305C-440F-98A4-F021E6F3173D}" destId="{44E5927C-A120-4F18-BA19-15984B2A54AC}" srcOrd="0" destOrd="0" presId="urn:microsoft.com/office/officeart/2005/8/layout/orgChart1"/>
-    <dgm:cxn modelId="{8B64CE0F-EE7A-4E3E-820D-D9798DA25E58}" srcId="{3B570F82-677D-4CC2-9504-D01A41A1D349}" destId="{3D3595AF-CBEA-41CA-85FA-5C969EE5F377}" srcOrd="2" destOrd="0" parTransId="{DEE3936A-CB81-4314-9FCC-EE9D3347B307}" sibTransId="{BF8F819C-666D-49EA-A270-7C7D97D992F6}"/>
-    <dgm:cxn modelId="{F580833D-DF0F-4A5F-BF9E-4539AF6E2707}" type="presOf" srcId="{E58EF0F2-F9F4-4773-AF6B-D137675B457B}" destId="{73A9594A-C46B-47E1-985A-A8BAC420E4D2}" srcOrd="0" destOrd="0" presId="urn:microsoft.com/office/officeart/2005/8/layout/orgChart1"/>
-    <dgm:cxn modelId="{B6BF462F-A73A-4BA2-A0C2-A235C1B5B081}" type="presOf" srcId="{2B488B5B-2E92-4327-BF42-2009D894616C}" destId="{4DC629A8-7CF0-4583-A510-F86343E4C686}" srcOrd="0" destOrd="0" presId="urn:microsoft.com/office/officeart/2005/8/layout/orgChart1"/>
-    <dgm:cxn modelId="{48BFA7C6-BEE4-45EB-81CC-9F08DDC6FAD2}" srcId="{DA9E5718-AC21-4874-8CB0-EFAD24CB1DE3}" destId="{3B570F82-677D-4CC2-9504-D01A41A1D349}" srcOrd="0" destOrd="0" parTransId="{1E5876AF-B967-47FF-A30B-0063E14A28F8}" sibTransId="{A6E7287F-2CF3-42B7-A39C-B2DB57864891}"/>
-    <dgm:cxn modelId="{DA41CDCC-BEDF-44FD-A1A7-DA7945FA851B}" type="presOf" srcId="{DA9E5718-AC21-4874-8CB0-EFAD24CB1DE3}" destId="{FF58A61E-51EA-467A-9935-C911AECABBD3}" srcOrd="0" destOrd="0" presId="urn:microsoft.com/office/officeart/2005/8/layout/orgChart1"/>
     <dgm:cxn modelId="{D2817BD2-E060-40C9-8EE0-F178776B408D}" type="presParOf" srcId="{FF58A61E-51EA-467A-9935-C911AECABBD3}" destId="{68FCCF14-3F2E-4843-A2E2-A25778F549C8}" srcOrd="0" destOrd="0" presId="urn:microsoft.com/office/officeart/2005/8/layout/orgChart1"/>
     <dgm:cxn modelId="{EA863FF1-5F2D-4D76-84EC-39795A6E5323}" type="presParOf" srcId="{68FCCF14-3F2E-4843-A2E2-A25778F549C8}" destId="{A6F6B96A-3EDC-4BD0-B1F0-6596C10181A6}" srcOrd="0" destOrd="0" presId="urn:microsoft.com/office/officeart/2005/8/layout/orgChart1"/>
     <dgm:cxn modelId="{B7DD17DA-CD7A-41F3-B2A6-E72D375E0CCA}" type="presParOf" srcId="{A6F6B96A-3EDC-4BD0-B1F0-6596C10181A6}" destId="{AB1CA4BF-B69A-4BF3-981F-98C24B146FFC}" srcOrd="0" destOrd="0" presId="urn:microsoft.com/office/officeart/2005/8/layout/orgChart1"/>
@@ -4459,7 +4460,7 @@
           <a:p>
             <a:fld id="{18DF7F9C-15E8-459E-A0B2-74FEF7E8E10D}" type="datetimeFigureOut">
               <a:rPr lang="ru-RU" smtClean="0"/>
-              <a:t>02.06.2025</a:t>
+              <a:t>10.06.2025</a:t>
             </a:fld>
             <a:endParaRPr lang="ru-RU"/>
           </a:p>
@@ -4823,7 +4824,7 @@
         <p:cNvPr id="1" name="">
           <a:extLst>
             <a:ext uri="{FF2B5EF4-FFF2-40B4-BE49-F238E27FC236}">
-              <a16:creationId xmlns:a16="http://schemas.microsoft.com/office/drawing/2014/main" xmlns="" id="{C3A9F086-9072-4F37-33B6-AF02A842B586}"/>
+              <a16:creationId xmlns="" xmlns:a16="http://schemas.microsoft.com/office/drawing/2014/main" id="{C3A9F086-9072-4F37-33B6-AF02A842B586}"/>
             </a:ext>
           </a:extLst>
         </p:cNvPr>
@@ -4843,7 +4844,7 @@
           <p:cNvPr id="2" name="Образ слайда 1">
             <a:extLst>
               <a:ext uri="{FF2B5EF4-FFF2-40B4-BE49-F238E27FC236}">
-                <a16:creationId xmlns:a16="http://schemas.microsoft.com/office/drawing/2014/main" xmlns="" id="{8D921F00-B683-7DFE-A109-0C9EA184EA46}"/>
+                <a16:creationId xmlns="" xmlns:a16="http://schemas.microsoft.com/office/drawing/2014/main" id="{8D921F00-B683-7DFE-A109-0C9EA184EA46}"/>
               </a:ext>
             </a:extLst>
           </p:cNvPr>
@@ -4866,7 +4867,7 @@
           <p:cNvPr id="3" name="Заметки 2">
             <a:extLst>
               <a:ext uri="{FF2B5EF4-FFF2-40B4-BE49-F238E27FC236}">
-                <a16:creationId xmlns:a16="http://schemas.microsoft.com/office/drawing/2014/main" xmlns="" id="{7054E683-FB4B-38EC-4F36-ADCA2EA3F415}"/>
+                <a16:creationId xmlns="" xmlns:a16="http://schemas.microsoft.com/office/drawing/2014/main" id="{7054E683-FB4B-38EC-4F36-ADCA2EA3F415}"/>
               </a:ext>
             </a:extLst>
           </p:cNvPr>
@@ -4891,7 +4892,7 @@
           <p:cNvPr id="4" name="Номер слайда 3">
             <a:extLst>
               <a:ext uri="{FF2B5EF4-FFF2-40B4-BE49-F238E27FC236}">
-                <a16:creationId xmlns:a16="http://schemas.microsoft.com/office/drawing/2014/main" xmlns="" id="{742169A6-20F4-BDB4-4F40-BFE7E8CFA420}"/>
+                <a16:creationId xmlns="" xmlns:a16="http://schemas.microsoft.com/office/drawing/2014/main" id="{742169A6-20F4-BDB4-4F40-BFE7E8CFA420}"/>
               </a:ext>
             </a:extLst>
           </p:cNvPr>
@@ -5059,7 +5060,7 @@
           <a:p>
             <a:fld id="{E18608DC-7CED-4A0F-9646-6A43D07D7F2F}" type="datetime1">
               <a:rPr lang="ru-RU" smtClean="0"/>
-              <a:t>02.06.2025</a:t>
+              <a:t>10.06.2025</a:t>
             </a:fld>
             <a:endParaRPr lang="ru-RU"/>
           </a:p>
@@ -5229,7 +5230,7 @@
           <a:p>
             <a:fld id="{48F3F006-7F75-4DF0-9DAE-7DF45EB51706}" type="datetime1">
               <a:rPr lang="ru-RU" smtClean="0"/>
-              <a:t>02.06.2025</a:t>
+              <a:t>10.06.2025</a:t>
             </a:fld>
             <a:endParaRPr lang="ru-RU"/>
           </a:p>
@@ -5409,7 +5410,7 @@
           <a:p>
             <a:fld id="{93FECCE7-5DDB-4474-B4C2-A5A9C91D00C2}" type="datetime1">
               <a:rPr lang="ru-RU" smtClean="0"/>
-              <a:t>02.06.2025</a:t>
+              <a:t>10.06.2025</a:t>
             </a:fld>
             <a:endParaRPr lang="ru-RU"/>
           </a:p>
@@ -5579,7 +5580,7 @@
           <a:p>
             <a:fld id="{49F1E3A9-1D0A-4BFC-85DF-791A73935979}" type="datetime1">
               <a:rPr lang="ru-RU" smtClean="0"/>
-              <a:t>02.06.2025</a:t>
+              <a:t>10.06.2025</a:t>
             </a:fld>
             <a:endParaRPr lang="ru-RU"/>
           </a:p>
@@ -5823,7 +5824,7 @@
           <a:p>
             <a:fld id="{439FFCF8-4D91-4529-9EC5-A229852B98A6}" type="datetime1">
               <a:rPr lang="ru-RU" smtClean="0"/>
-              <a:t>02.06.2025</a:t>
+              <a:t>10.06.2025</a:t>
             </a:fld>
             <a:endParaRPr lang="ru-RU"/>
           </a:p>
@@ -6055,7 +6056,7 @@
           <a:p>
             <a:fld id="{DD8B560E-376B-46E7-B02E-2B138E38ED80}" type="datetime1">
               <a:rPr lang="ru-RU" smtClean="0"/>
-              <a:t>02.06.2025</a:t>
+              <a:t>10.06.2025</a:t>
             </a:fld>
             <a:endParaRPr lang="ru-RU"/>
           </a:p>
@@ -6422,7 +6423,7 @@
           <a:p>
             <a:fld id="{C3B3E27A-8606-4C55-9B9B-E14BA0E8BAE7}" type="datetime1">
               <a:rPr lang="ru-RU" smtClean="0"/>
-              <a:t>02.06.2025</a:t>
+              <a:t>10.06.2025</a:t>
             </a:fld>
             <a:endParaRPr lang="ru-RU"/>
           </a:p>
@@ -6540,7 +6541,7 @@
           <a:p>
             <a:fld id="{DCFAF234-2966-4FDB-AB7E-EC1F753BCA4E}" type="datetime1">
               <a:rPr lang="ru-RU" smtClean="0"/>
-              <a:t>02.06.2025</a:t>
+              <a:t>10.06.2025</a:t>
             </a:fld>
             <a:endParaRPr lang="ru-RU"/>
           </a:p>
@@ -6635,7 +6636,7 @@
           <a:p>
             <a:fld id="{22D61BE1-0E60-4A13-B52E-FF76467D4EDE}" type="datetime1">
               <a:rPr lang="ru-RU" smtClean="0"/>
-              <a:t>02.06.2025</a:t>
+              <a:t>10.06.2025</a:t>
             </a:fld>
             <a:endParaRPr lang="ru-RU"/>
           </a:p>
@@ -6912,7 +6913,7 @@
           <a:p>
             <a:fld id="{A5C5A2BC-BF36-41C1-961E-3C34DB4AAAD9}" type="datetime1">
               <a:rPr lang="ru-RU" smtClean="0"/>
-              <a:t>02.06.2025</a:t>
+              <a:t>10.06.2025</a:t>
             </a:fld>
             <a:endParaRPr lang="ru-RU"/>
           </a:p>
@@ -7169,7 +7170,7 @@
           <a:p>
             <a:fld id="{0FEB7CB1-D6C0-4BEB-9EB4-F51B1DF38F4F}" type="datetime1">
               <a:rPr lang="ru-RU" smtClean="0"/>
-              <a:t>02.06.2025</a:t>
+              <a:t>10.06.2025</a:t>
             </a:fld>
             <a:endParaRPr lang="ru-RU"/>
           </a:p>
@@ -7382,7 +7383,7 @@
           <a:p>
             <a:fld id="{643B1264-A997-4AC6-BE57-B9CC3C89CA28}" type="datetime1">
               <a:rPr lang="ru-RU" smtClean="0"/>
-              <a:t>02.06.2025</a:t>
+              <a:t>10.06.2025</a:t>
             </a:fld>
             <a:endParaRPr lang="ru-RU"/>
           </a:p>
@@ -7793,7 +7794,7 @@
           <p:cNvPr id="2" name="Заголовок 1">
             <a:extLst>
               <a:ext uri="{FF2B5EF4-FFF2-40B4-BE49-F238E27FC236}">
-                <a16:creationId xmlns:a16="http://schemas.microsoft.com/office/drawing/2014/main" xmlns="" id="{832C14C5-F4AA-9F80-D7C7-C310C623F60D}"/>
+                <a16:creationId xmlns="" xmlns:a16="http://schemas.microsoft.com/office/drawing/2014/main" id="{832C14C5-F4AA-9F80-D7C7-C310C623F60D}"/>
               </a:ext>
             </a:extLst>
           </p:cNvPr>
@@ -7852,7 +7853,7 @@
           <p:cNvPr id="3" name="Подзаголовок 2">
             <a:extLst>
               <a:ext uri="{FF2B5EF4-FFF2-40B4-BE49-F238E27FC236}">
-                <a16:creationId xmlns:a16="http://schemas.microsoft.com/office/drawing/2014/main" xmlns="" id="{D39D9A25-8686-9F9D-20C2-287CEF3E16F8}"/>
+                <a16:creationId xmlns="" xmlns:a16="http://schemas.microsoft.com/office/drawing/2014/main" id="{D39D9A25-8686-9F9D-20C2-287CEF3E16F8}"/>
               </a:ext>
             </a:extLst>
           </p:cNvPr>
@@ -7915,7 +7916,7 @@
           <p:cNvPr id="4" name="Рисунок 3">
             <a:extLst>
               <a:ext uri="{FF2B5EF4-FFF2-40B4-BE49-F238E27FC236}">
-                <a16:creationId xmlns:a16="http://schemas.microsoft.com/office/drawing/2014/main" xmlns="" id="{7062EEF1-BB05-DFBC-C9BF-DBE48AB9675A}"/>
+                <a16:creationId xmlns="" xmlns:a16="http://schemas.microsoft.com/office/drawing/2014/main" id="{7062EEF1-BB05-DFBC-C9BF-DBE48AB9675A}"/>
               </a:ext>
             </a:extLst>
           </p:cNvPr>
@@ -7961,7 +7962,7 @@
           <p:cNvPr id="5" name="Рисунок 4">
             <a:extLst>
               <a:ext uri="{FF2B5EF4-FFF2-40B4-BE49-F238E27FC236}">
-                <a16:creationId xmlns:a16="http://schemas.microsoft.com/office/drawing/2014/main" xmlns="" id="{CABA9372-160D-8E5F-373E-C0A3C47F27BD}"/>
+                <a16:creationId xmlns="" xmlns:a16="http://schemas.microsoft.com/office/drawing/2014/main" id="{CABA9372-160D-8E5F-373E-C0A3C47F27BD}"/>
               </a:ext>
             </a:extLst>
           </p:cNvPr>
@@ -8008,7 +8009,7 @@
           <p:cNvPr id="6" name="Рисунок 5">
             <a:extLst>
               <a:ext uri="{FF2B5EF4-FFF2-40B4-BE49-F238E27FC236}">
-                <a16:creationId xmlns:a16="http://schemas.microsoft.com/office/drawing/2014/main" xmlns="" id="{167AF7BD-7B8D-6FEF-8455-8CB02296B7A3}"/>
+                <a16:creationId xmlns="" xmlns:a16="http://schemas.microsoft.com/office/drawing/2014/main" id="{167AF7BD-7B8D-6FEF-8455-8CB02296B7A3}"/>
               </a:ext>
             </a:extLst>
           </p:cNvPr>
@@ -8076,6 +8077,331 @@
           <a:chExt cx="0" cy="0"/>
         </a:xfrm>
       </p:grpSpPr>
+      <p:pic>
+        <p:nvPicPr>
+          <p:cNvPr id="30" name="Рисунок 29">
+            <a:extLst>
+              <a:ext uri="{FF2B5EF4-FFF2-40B4-BE49-F238E27FC236}">
+                <a16:creationId xmlns="" xmlns:a16="http://schemas.microsoft.com/office/drawing/2014/main" id="{6CA5ACE8-B0D8-48BA-E1EB-0D1896C5E631}"/>
+              </a:ext>
+            </a:extLst>
+          </p:cNvPr>
+          <p:cNvPicPr>
+            <a:picLocks noChangeAspect="1"/>
+          </p:cNvPicPr>
+          <p:nvPr/>
+        </p:nvPicPr>
+        <p:blipFill>
+          <a:blip r:embed="rId2" cstate="print">
+            <a:extLst>
+              <a:ext uri="{28A0092B-C50C-407E-A947-70E740481C1C}">
+                <a14:useLocalDpi xmlns:a14="http://schemas.microsoft.com/office/drawing/2010/main" val="0"/>
+              </a:ext>
+            </a:extLst>
+          </a:blip>
+          <a:stretch>
+            <a:fillRect/>
+          </a:stretch>
+        </p:blipFill>
+        <p:spPr>
+          <a:xfrm flipH="1">
+            <a:off x="-113123" y="6174000"/>
+            <a:ext cx="9407951" cy="684000"/>
+          </a:xfrm>
+          <a:prstGeom prst="rect">
+            <a:avLst/>
+          </a:prstGeom>
+          <a:effectLst>
+            <a:outerShdw blurRad="50800" dist="50800" dir="5400000" sx="99000" sy="99000" algn="ctr" rotWithShape="0">
+              <a:srgbClr val="000000">
+                <a:alpha val="99000"/>
+              </a:srgbClr>
+            </a:outerShdw>
+          </a:effectLst>
+        </p:spPr>
+      </p:pic>
+      <p:pic>
+        <p:nvPicPr>
+          <p:cNvPr id="15" name="Рисунок 14">
+            <a:extLst>
+              <a:ext uri="{FF2B5EF4-FFF2-40B4-BE49-F238E27FC236}">
+                <a16:creationId xmlns="" xmlns:a16="http://schemas.microsoft.com/office/drawing/2014/main" id="{4E8C04DE-11CA-373E-8454-49717E782E4B}"/>
+              </a:ext>
+            </a:extLst>
+          </p:cNvPr>
+          <p:cNvPicPr>
+            <a:picLocks noChangeAspect="1"/>
+          </p:cNvPicPr>
+          <p:nvPr/>
+        </p:nvPicPr>
+        <p:blipFill>
+          <a:blip r:embed="rId3"/>
+          <a:stretch>
+            <a:fillRect/>
+          </a:stretch>
+        </p:blipFill>
+        <p:spPr>
+          <a:xfrm>
+            <a:off x="52938" y="1815248"/>
+            <a:ext cx="2633111" cy="2985574"/>
+          </a:xfrm>
+          <a:prstGeom prst="rect">
+            <a:avLst/>
+          </a:prstGeom>
+          <a:ln>
+            <a:solidFill>
+              <a:schemeClr val="tx1"/>
+            </a:solidFill>
+          </a:ln>
+        </p:spPr>
+      </p:pic>
+      <p:pic>
+        <p:nvPicPr>
+          <p:cNvPr id="4" name="Рисунок 3">
+            <a:extLst>
+              <a:ext uri="{FF2B5EF4-FFF2-40B4-BE49-F238E27FC236}">
+                <a16:creationId xmlns="" xmlns:a16="http://schemas.microsoft.com/office/drawing/2014/main" id="{E992106D-969F-CAB7-10F5-356FEC5297DE}"/>
+              </a:ext>
+            </a:extLst>
+          </p:cNvPr>
+          <p:cNvPicPr>
+            <a:picLocks noChangeAspect="1"/>
+          </p:cNvPicPr>
+          <p:nvPr/>
+        </p:nvPicPr>
+        <p:blipFill>
+          <a:blip r:embed="rId4"/>
+          <a:stretch>
+            <a:fillRect/>
+          </a:stretch>
+        </p:blipFill>
+        <p:spPr>
+          <a:xfrm>
+            <a:off x="6457950" y="1775956"/>
+            <a:ext cx="2633112" cy="3024867"/>
+          </a:xfrm>
+          <a:prstGeom prst="rect">
+            <a:avLst/>
+          </a:prstGeom>
+          <a:ln>
+            <a:solidFill>
+              <a:schemeClr val="tx1"/>
+            </a:solidFill>
+          </a:ln>
+        </p:spPr>
+      </p:pic>
+      <p:sp>
+        <p:nvSpPr>
+          <p:cNvPr id="2" name="Заголовок 1"/>
+          <p:cNvSpPr>
+            <a:spLocks noGrp="1"/>
+          </p:cNvSpPr>
+          <p:nvPr>
+            <p:ph type="title"/>
+          </p:nvPr>
+        </p:nvSpPr>
+        <p:spPr>
+          <a:xfrm>
+            <a:off x="-1" y="230792"/>
+            <a:ext cx="9144000" cy="1150071"/>
+          </a:xfrm>
+        </p:spPr>
+        <p:txBody>
+          <a:bodyPr>
+            <a:noAutofit/>
+          </a:bodyPr>
+          <a:lstStyle/>
+          <a:p>
+            <a:pPr algn="ctr"/>
+            <a:r>
+              <a:rPr lang="ru-RU" sz="2800" b="1" dirty="0">
+                <a:latin typeface="Bahnschrift SemiBold" panose="020B0502040204020203" pitchFamily="34" charset="0"/>
+              </a:rPr>
+              <a:t>ИНТЕРФЕЙС ВЕБ-ПРИЛОЖЕНИЯ</a:t>
+            </a:r>
+            <a:br>
+              <a:rPr lang="ru-RU" sz="2800" b="1" dirty="0">
+                <a:latin typeface="Bahnschrift SemiBold" panose="020B0502040204020203" pitchFamily="34" charset="0"/>
+              </a:rPr>
+            </a:br>
+            <a:r>
+              <a:rPr lang="ru-RU" sz="2800" b="1" dirty="0">
+                <a:latin typeface="Bahnschrift SemiBold" panose="020B0502040204020203" pitchFamily="34" charset="0"/>
+              </a:rPr>
+              <a:t>СТРАНИЦЫ АВТОРИЗАЦИИ И РЕГИСТРАЦИИ </a:t>
+            </a:r>
+            <a:br>
+              <a:rPr lang="ru-RU" sz="2800" b="1" dirty="0">
+                <a:latin typeface="Bahnschrift SemiBold" panose="020B0502040204020203" pitchFamily="34" charset="0"/>
+              </a:rPr>
+            </a:br>
+            <a:endParaRPr lang="ru-RU" sz="2800" b="1" dirty="0">
+              <a:latin typeface="Bahnschrift SemiBold" panose="020B0502040204020203" pitchFamily="34" charset="0"/>
+            </a:endParaRPr>
+          </a:p>
+        </p:txBody>
+      </p:sp>
+      <p:sp>
+        <p:nvSpPr>
+          <p:cNvPr id="8" name="Номер слайда 7">
+            <a:extLst>
+              <a:ext uri="{FF2B5EF4-FFF2-40B4-BE49-F238E27FC236}">
+                <a16:creationId xmlns="" xmlns:a16="http://schemas.microsoft.com/office/drawing/2014/main" id="{9A787F45-C075-2D52-CA47-834C815BEA1D}"/>
+              </a:ext>
+            </a:extLst>
+          </p:cNvPr>
+          <p:cNvSpPr>
+            <a:spLocks noGrp="1"/>
+          </p:cNvSpPr>
+          <p:nvPr>
+            <p:ph type="sldNum" sz="quarter" idx="12"/>
+          </p:nvPr>
+        </p:nvSpPr>
+        <p:spPr>
+          <a:xfrm>
+            <a:off x="6457950" y="6262083"/>
+            <a:ext cx="2057400" cy="365125"/>
+          </a:xfrm>
+        </p:spPr>
+        <p:txBody>
+          <a:bodyPr/>
+          <a:lstStyle/>
+          <a:p>
+            <a:fld id="{AFC5D346-0896-4BCB-BD3D-84DEBAD632DA}" type="slidenum">
+              <a:rPr lang="ru-RU" sz="2400" b="1" smtClean="0">
+                <a:solidFill>
+                  <a:schemeClr val="tx1"/>
+                </a:solidFill>
+              </a:rPr>
+              <a:t>10</a:t>
+            </a:fld>
+            <a:endParaRPr lang="ru-RU" sz="2400" b="1" dirty="0">
+              <a:solidFill>
+                <a:schemeClr val="tx1"/>
+              </a:solidFill>
+            </a:endParaRPr>
+          </a:p>
+        </p:txBody>
+      </p:sp>
+      <p:pic>
+        <p:nvPicPr>
+          <p:cNvPr id="24" name="Рисунок 23">
+            <a:extLst>
+              <a:ext uri="{FF2B5EF4-FFF2-40B4-BE49-F238E27FC236}">
+                <a16:creationId xmlns="" xmlns:a16="http://schemas.microsoft.com/office/drawing/2014/main" id="{99806537-7318-AF43-AE8B-54E173F92AEC}"/>
+              </a:ext>
+            </a:extLst>
+          </p:cNvPr>
+          <p:cNvPicPr>
+            <a:picLocks noChangeAspect="1"/>
+          </p:cNvPicPr>
+          <p:nvPr/>
+        </p:nvPicPr>
+        <p:blipFill>
+          <a:blip r:embed="rId5"/>
+          <a:stretch>
+            <a:fillRect/>
+          </a:stretch>
+        </p:blipFill>
+        <p:spPr>
+          <a:xfrm>
+            <a:off x="3255444" y="1775956"/>
+            <a:ext cx="2633111" cy="3024866"/>
+          </a:xfrm>
+          <a:prstGeom prst="rect">
+            <a:avLst/>
+          </a:prstGeom>
+          <a:ln>
+            <a:solidFill>
+              <a:schemeClr val="tx1"/>
+            </a:solidFill>
+          </a:ln>
+        </p:spPr>
+      </p:pic>
+      <p:sp>
+        <p:nvSpPr>
+          <p:cNvPr id="31" name="TextBox 30">
+            <a:extLst>
+              <a:ext uri="{FF2B5EF4-FFF2-40B4-BE49-F238E27FC236}">
+                <a16:creationId xmlns="" xmlns:a16="http://schemas.microsoft.com/office/drawing/2014/main" id="{59E8458D-CA34-6DC8-AE8C-469A2AE1C17E}"/>
+              </a:ext>
+            </a:extLst>
+          </p:cNvPr>
+          <p:cNvSpPr txBox="1"/>
+          <p:nvPr/>
+        </p:nvSpPr>
+        <p:spPr>
+          <a:xfrm>
+            <a:off x="0" y="5195915"/>
+            <a:ext cx="9144000" cy="1015663"/>
+          </a:xfrm>
+          <a:prstGeom prst="rect">
+            <a:avLst/>
+          </a:prstGeom>
+          <a:noFill/>
+        </p:spPr>
+        <p:txBody>
+          <a:bodyPr wrap="square" rtlCol="0">
+            <a:spAutoFit/>
+          </a:bodyPr>
+          <a:lstStyle/>
+          <a:p>
+            <a:r>
+              <a:rPr lang="ru-RU" sz="2000" b="1" i="0" dirty="0">
+                <a:effectLst/>
+                <a:latin typeface="+mj-lt"/>
+              </a:rPr>
+              <a:t>В проекте используется встроенная аутентификация ASP.NET Core, ограничивающая доступ к действиям контроллера по ролям.</a:t>
+            </a:r>
+            <a:br>
+              <a:rPr lang="ru-RU" sz="2000" b="1" i="0" dirty="0">
+                <a:effectLst/>
+                <a:latin typeface="+mj-lt"/>
+              </a:rPr>
+            </a:br>
+            <a:endParaRPr lang="ru-RU" sz="2000" dirty="0">
+              <a:latin typeface="+mj-lt"/>
+            </a:endParaRPr>
+          </a:p>
+        </p:txBody>
+      </p:sp>
+    </p:spTree>
+    <p:extLst>
+      <p:ext uri="{BB962C8B-B14F-4D97-AF65-F5344CB8AC3E}">
+        <p14:creationId xmlns:p14="http://schemas.microsoft.com/office/powerpoint/2010/main" val="921281904"/>
+      </p:ext>
+    </p:extLst>
+  </p:cSld>
+  <p:clrMapOvr>
+    <a:masterClrMapping/>
+  </p:clrMapOvr>
+  <p:timing>
+    <p:tnLst>
+      <p:par>
+        <p:cTn id="1" dur="indefinite" restart="never" nodeType="tmRoot"/>
+      </p:par>
+    </p:tnLst>
+  </p:timing>
+</p:sld>
+</file>
+
+<file path=ppt/slides/slide11.xml><?xml version="1.0" encoding="utf-8"?>
+<p:sld xmlns:a="http://schemas.openxmlformats.org/drawingml/2006/main" xmlns:r="http://schemas.openxmlformats.org/officeDocument/2006/relationships" xmlns:p="http://schemas.openxmlformats.org/presentationml/2006/main">
+  <p:cSld>
+    <p:spTree>
+      <p:nvGrpSpPr>
+        <p:cNvPr id="1" name=""/>
+        <p:cNvGrpSpPr/>
+        <p:nvPr/>
+      </p:nvGrpSpPr>
+      <p:grpSpPr>
+        <a:xfrm>
+          <a:off x="0" y="0"/>
+          <a:ext cx="0" cy="0"/>
+          <a:chOff x="0" y="0"/>
+          <a:chExt cx="0" cy="0"/>
+        </a:xfrm>
+      </p:grpSpPr>
       <p:sp>
         <p:nvSpPr>
           <p:cNvPr id="2" name="Заголовок 1"/>
@@ -8153,7 +8479,7 @@
           <p:cNvPr id="8" name="Номер слайда 7">
             <a:extLst>
               <a:ext uri="{FF2B5EF4-FFF2-40B4-BE49-F238E27FC236}">
-                <a16:creationId xmlns:a16="http://schemas.microsoft.com/office/drawing/2014/main" xmlns="" id="{6CDFDC65-817A-9349-1B48-4D67CCEBBC27}"/>
+                <a16:creationId xmlns="" xmlns:a16="http://schemas.microsoft.com/office/drawing/2014/main" id="{6CDFDC65-817A-9349-1B48-4D67CCEBBC27}"/>
               </a:ext>
             </a:extLst>
           </p:cNvPr>
@@ -8175,7 +8501,7 @@
                   <a:schemeClr val="tx1"/>
                 </a:solidFill>
               </a:rPr>
-              <a:t>10</a:t>
+              <a:t>11</a:t>
             </a:fld>
             <a:endParaRPr lang="ru-RU" sz="2400" b="1" dirty="0">
               <a:solidFill>
@@ -8205,7 +8531,7 @@
 </p:sld>
 </file>
 
-<file path=ppt/slides/slide11.xml><?xml version="1.0" encoding="utf-8"?>
+<file path=ppt/slides/slide12.xml><?xml version="1.0" encoding="utf-8"?>
 <p:sld xmlns:a="http://schemas.openxmlformats.org/drawingml/2006/main" xmlns:r="http://schemas.openxmlformats.org/officeDocument/2006/relationships" xmlns:p="http://schemas.openxmlformats.org/presentationml/2006/main">
   <p:cSld>
     <p:spTree>
@@ -8299,7 +8625,7 @@
           <p:cNvPr id="8" name="Номер слайда 7">
             <a:extLst>
               <a:ext uri="{FF2B5EF4-FFF2-40B4-BE49-F238E27FC236}">
-                <a16:creationId xmlns:a16="http://schemas.microsoft.com/office/drawing/2014/main" xmlns="" id="{DDAD8F88-D24F-6DF5-B429-B28DDFC4F362}"/>
+                <a16:creationId xmlns="" xmlns:a16="http://schemas.microsoft.com/office/drawing/2014/main" id="{DDAD8F88-D24F-6DF5-B429-B28DDFC4F362}"/>
               </a:ext>
             </a:extLst>
           </p:cNvPr>
@@ -8321,7 +8647,7 @@
                   <a:schemeClr val="tx1"/>
                 </a:solidFill>
               </a:rPr>
-              <a:t>11</a:t>
+              <a:t>12</a:t>
             </a:fld>
             <a:endParaRPr lang="ru-RU" sz="2400" b="1" dirty="0">
               <a:solidFill>
@@ -8351,7 +8677,7 @@
 </p:sld>
 </file>
 
-<file path=ppt/slides/slide12.xml><?xml version="1.0" encoding="utf-8"?>
+<file path=ppt/slides/slide13.xml><?xml version="1.0" encoding="utf-8"?>
 <p:sld xmlns:a="http://schemas.openxmlformats.org/drawingml/2006/main" xmlns:r="http://schemas.openxmlformats.org/officeDocument/2006/relationships" xmlns:p="http://schemas.openxmlformats.org/presentationml/2006/main">
   <p:cSld>
     <p:spTree>
@@ -8359,7 +8685,7 @@
         <p:cNvPr id="1" name="">
           <a:extLst>
             <a:ext uri="{FF2B5EF4-FFF2-40B4-BE49-F238E27FC236}">
-              <a16:creationId xmlns:a16="http://schemas.microsoft.com/office/drawing/2014/main" xmlns="" id="{225BE48F-0D07-AC76-37FA-D75C3D7CCB48}"/>
+              <a16:creationId xmlns="" xmlns:a16="http://schemas.microsoft.com/office/drawing/2014/main" id="{225BE48F-0D07-AC76-37FA-D75C3D7CCB48}"/>
             </a:ext>
           </a:extLst>
         </p:cNvPr>
@@ -8379,7 +8705,7 @@
           <p:cNvPr id="5" name="Заголовок 1">
             <a:extLst>
               <a:ext uri="{FF2B5EF4-FFF2-40B4-BE49-F238E27FC236}">
-                <a16:creationId xmlns:a16="http://schemas.microsoft.com/office/drawing/2014/main" xmlns="" id="{FF4D66C1-EF3D-E833-341C-A8D2037A92C0}"/>
+                <a16:creationId xmlns="" xmlns:a16="http://schemas.microsoft.com/office/drawing/2014/main" id="{FF4D66C1-EF3D-E833-341C-A8D2037A92C0}"/>
               </a:ext>
             </a:extLst>
           </p:cNvPr>
@@ -8425,7 +8751,7 @@
           <p:cNvPr id="8" name="Номер слайда 7">
             <a:extLst>
               <a:ext uri="{FF2B5EF4-FFF2-40B4-BE49-F238E27FC236}">
-                <a16:creationId xmlns:a16="http://schemas.microsoft.com/office/drawing/2014/main" xmlns="" id="{F46E0F24-3636-9504-6471-2D823A7EE640}"/>
+                <a16:creationId xmlns="" xmlns:a16="http://schemas.microsoft.com/office/drawing/2014/main" id="{F46E0F24-3636-9504-6471-2D823A7EE640}"/>
               </a:ext>
             </a:extLst>
           </p:cNvPr>
@@ -8447,7 +8773,7 @@
                   <a:schemeClr val="tx1"/>
                 </a:solidFill>
               </a:rPr>
-              <a:t>12</a:t>
+              <a:t>13</a:t>
             </a:fld>
             <a:endParaRPr lang="ru-RU" sz="2400" b="1" dirty="0">
               <a:solidFill>
@@ -8462,7 +8788,7 @@
           <p:cNvPr id="3" name="Рисунок 2">
             <a:extLst>
               <a:ext uri="{FF2B5EF4-FFF2-40B4-BE49-F238E27FC236}">
-                <a16:creationId xmlns:a16="http://schemas.microsoft.com/office/drawing/2014/main" xmlns="" id="{03E88DFB-D97A-CC47-CFB8-4AEEF5D1484C}"/>
+                <a16:creationId xmlns="" xmlns:a16="http://schemas.microsoft.com/office/drawing/2014/main" id="{03E88DFB-D97A-CC47-CFB8-4AEEF5D1484C}"/>
               </a:ext>
             </a:extLst>
           </p:cNvPr>
@@ -8507,7 +8833,7 @@
 </p:sld>
 </file>
 
-<file path=ppt/slides/slide13.xml><?xml version="1.0" encoding="utf-8"?>
+<file path=ppt/slides/slide14.xml><?xml version="1.0" encoding="utf-8"?>
 <p:sld xmlns:a="http://schemas.openxmlformats.org/drawingml/2006/main" xmlns:r="http://schemas.openxmlformats.org/officeDocument/2006/relationships" xmlns:p="http://schemas.openxmlformats.org/presentationml/2006/main">
   <p:cSld>
     <p:spTree>
@@ -8515,7 +8841,7 @@
         <p:cNvPr id="1" name="">
           <a:extLst>
             <a:ext uri="{FF2B5EF4-FFF2-40B4-BE49-F238E27FC236}">
-              <a16:creationId xmlns:a16="http://schemas.microsoft.com/office/drawing/2014/main" xmlns="" id="{568AA278-DEA9-1002-081D-E22D00146167}"/>
+              <a16:creationId xmlns="" xmlns:a16="http://schemas.microsoft.com/office/drawing/2014/main" id="{568AA278-DEA9-1002-081D-E22D00146167}"/>
             </a:ext>
           </a:extLst>
         </p:cNvPr>
@@ -8535,7 +8861,7 @@
           <p:cNvPr id="5" name="Заголовок 1">
             <a:extLst>
               <a:ext uri="{FF2B5EF4-FFF2-40B4-BE49-F238E27FC236}">
-                <a16:creationId xmlns:a16="http://schemas.microsoft.com/office/drawing/2014/main" xmlns="" id="{93C1199F-4A7C-8C36-F167-496253F6DC40}"/>
+                <a16:creationId xmlns="" xmlns:a16="http://schemas.microsoft.com/office/drawing/2014/main" id="{93C1199F-4A7C-8C36-F167-496253F6DC40}"/>
               </a:ext>
             </a:extLst>
           </p:cNvPr>
@@ -8581,7 +8907,7 @@
           <p:cNvPr id="8" name="Номер слайда 7">
             <a:extLst>
               <a:ext uri="{FF2B5EF4-FFF2-40B4-BE49-F238E27FC236}">
-                <a16:creationId xmlns:a16="http://schemas.microsoft.com/office/drawing/2014/main" xmlns="" id="{7764CD17-1844-94A2-AA19-2310EC41A1B8}"/>
+                <a16:creationId xmlns="" xmlns:a16="http://schemas.microsoft.com/office/drawing/2014/main" id="{7764CD17-1844-94A2-AA19-2310EC41A1B8}"/>
               </a:ext>
             </a:extLst>
           </p:cNvPr>
@@ -8603,7 +8929,7 @@
                   <a:schemeClr val="tx1"/>
                 </a:solidFill>
               </a:rPr>
-              <a:t>13</a:t>
+              <a:t>14</a:t>
             </a:fld>
             <a:endParaRPr lang="ru-RU" sz="2400" b="1" dirty="0">
               <a:solidFill>
@@ -8618,7 +8944,7 @@
           <p:cNvPr id="4" name="Рисунок 3">
             <a:extLst>
               <a:ext uri="{FF2B5EF4-FFF2-40B4-BE49-F238E27FC236}">
-                <a16:creationId xmlns:a16="http://schemas.microsoft.com/office/drawing/2014/main" xmlns="" id="{974B683A-EFF9-0DAA-BE9F-4073EC971EF0}"/>
+                <a16:creationId xmlns="" xmlns:a16="http://schemas.microsoft.com/office/drawing/2014/main" id="{974B683A-EFF9-0DAA-BE9F-4073EC971EF0}"/>
               </a:ext>
             </a:extLst>
           </p:cNvPr>
@@ -8663,7 +8989,7 @@
 </p:sld>
 </file>
 
-<file path=ppt/slides/slide14.xml><?xml version="1.0" encoding="utf-8"?>
+<file path=ppt/slides/slide15.xml><?xml version="1.0" encoding="utf-8"?>
 <p:sld xmlns:a="http://schemas.openxmlformats.org/drawingml/2006/main" xmlns:r="http://schemas.openxmlformats.org/officeDocument/2006/relationships" xmlns:p="http://schemas.openxmlformats.org/presentationml/2006/main">
   <p:cSld>
     <p:spTree>
@@ -8757,7 +9083,7 @@
           <p:cNvPr id="5" name="Номер слайда 4">
             <a:extLst>
               <a:ext uri="{FF2B5EF4-FFF2-40B4-BE49-F238E27FC236}">
-                <a16:creationId xmlns:a16="http://schemas.microsoft.com/office/drawing/2014/main" xmlns="" id="{7F72B0B3-1D38-4129-76A7-969F749BB17C}"/>
+                <a16:creationId xmlns="" xmlns:a16="http://schemas.microsoft.com/office/drawing/2014/main" id="{7F72B0B3-1D38-4129-76A7-969F749BB17C}"/>
               </a:ext>
             </a:extLst>
           </p:cNvPr>
@@ -8779,7 +9105,7 @@
                   <a:schemeClr val="tx1"/>
                 </a:solidFill>
               </a:rPr>
-              <a:t>14</a:t>
+              <a:t>15</a:t>
             </a:fld>
             <a:endParaRPr lang="ru-RU" sz="2400" b="1" dirty="0">
               <a:solidFill>
@@ -8809,7 +9135,7 @@
 </p:sld>
 </file>
 
-<file path=ppt/slides/slide15.xml><?xml version="1.0" encoding="utf-8"?>
+<file path=ppt/slides/slide16.xml><?xml version="1.0" encoding="utf-8"?>
 <p:sld xmlns:a="http://schemas.openxmlformats.org/drawingml/2006/main" xmlns:r="http://schemas.openxmlformats.org/officeDocument/2006/relationships" xmlns:p="http://schemas.openxmlformats.org/presentationml/2006/main">
   <p:cSld>
     <p:spTree>
@@ -8935,7 +9261,7 @@
           <p:cNvPr id="9" name="Номер слайда 8">
             <a:extLst>
               <a:ext uri="{FF2B5EF4-FFF2-40B4-BE49-F238E27FC236}">
-                <a16:creationId xmlns:a16="http://schemas.microsoft.com/office/drawing/2014/main" xmlns="" id="{47F726BB-D459-039F-0962-29080A1B7381}"/>
+                <a16:creationId xmlns="" xmlns:a16="http://schemas.microsoft.com/office/drawing/2014/main" id="{47F726BB-D459-039F-0962-29080A1B7381}"/>
               </a:ext>
             </a:extLst>
           </p:cNvPr>
@@ -8957,7 +9283,7 @@
                   <a:schemeClr val="tx1"/>
                 </a:solidFill>
               </a:rPr>
-              <a:t>15</a:t>
+              <a:t>16</a:t>
             </a:fld>
             <a:endParaRPr lang="ru-RU" sz="2400" b="1" dirty="0">
               <a:solidFill>
@@ -8987,7 +9313,7 @@
 </p:sld>
 </file>
 
-<file path=ppt/slides/slide16.xml><?xml version="1.0" encoding="utf-8"?>
+<file path=ppt/slides/slide17.xml><?xml version="1.0" encoding="utf-8"?>
 <p:sld xmlns:a="http://schemas.openxmlformats.org/drawingml/2006/main" xmlns:r="http://schemas.openxmlformats.org/officeDocument/2006/relationships" xmlns:p="http://schemas.openxmlformats.org/presentationml/2006/main">
   <p:cSld>
     <p:spTree>
@@ -9148,7 +9474,7 @@
           <p:cNvPr id="7" name="Рисунок 6">
             <a:extLst>
               <a:ext uri="{FF2B5EF4-FFF2-40B4-BE49-F238E27FC236}">
-                <a16:creationId xmlns:a16="http://schemas.microsoft.com/office/drawing/2014/main" xmlns="" id="{7062EEF1-BB05-DFBC-C9BF-DBE48AB9675A}"/>
+                <a16:creationId xmlns="" xmlns:a16="http://schemas.microsoft.com/office/drawing/2014/main" id="{7062EEF1-BB05-DFBC-C9BF-DBE48AB9675A}"/>
               </a:ext>
             </a:extLst>
           </p:cNvPr>
@@ -9194,7 +9520,7 @@
           <p:cNvPr id="8" name="TextBox 7">
             <a:extLst>
               <a:ext uri="{FF2B5EF4-FFF2-40B4-BE49-F238E27FC236}">
-                <a16:creationId xmlns:a16="http://schemas.microsoft.com/office/drawing/2014/main" xmlns="" id="{8FA28FC3-EE1C-47C8-98A8-3BDC7E42725E}"/>
+                <a16:creationId xmlns="" xmlns:a16="http://schemas.microsoft.com/office/drawing/2014/main" id="{8FA28FC3-EE1C-47C8-98A8-3BDC7E42725E}"/>
               </a:ext>
             </a:extLst>
           </p:cNvPr>
@@ -9269,62 +9595,12 @@
           </a:p>
         </p:txBody>
       </p:sp>
-      <p:pic>
-        <p:nvPicPr>
-          <p:cNvPr id="2051" name="Picture 3" descr="C:\Users\TroDA\Downloads\41cf1f7afde66ade20158b0cdf2dc702.png"/>
-          <p:cNvPicPr>
-            <a:picLocks noChangeAspect="1" noChangeArrowheads="1"/>
-          </p:cNvPicPr>
-          <p:nvPr/>
-        </p:nvPicPr>
-        <p:blipFill>
-          <a:blip r:embed="rId3" cstate="print">
-            <a:extLst>
-              <a:ext uri="{28A0092B-C50C-407E-A947-70E740481C1C}">
-                <a14:useLocalDpi xmlns:a14="http://schemas.microsoft.com/office/drawing/2010/main" val="0"/>
-              </a:ext>
-            </a:extLst>
-          </a:blip>
-          <a:srcRect/>
-          <a:stretch>
-            <a:fillRect/>
-          </a:stretch>
-        </p:blipFill>
-        <p:spPr bwMode="auto">
-          <a:xfrm>
-            <a:off x="6693031" y="3127300"/>
-            <a:ext cx="1822319" cy="2127167"/>
-          </a:xfrm>
-          <a:prstGeom prst="rect">
-            <a:avLst/>
-          </a:prstGeom>
-          <a:ln>
-            <a:noFill/>
-          </a:ln>
-          <a:effectLst>
-            <a:outerShdw blurRad="292100" dist="139700" dir="2700000" algn="tl" rotWithShape="0">
-              <a:srgbClr val="333333">
-                <a:alpha val="65000"/>
-              </a:srgbClr>
-            </a:outerShdw>
-          </a:effectLst>
-          <a:extLst>
-            <a:ext uri="{909E8E84-426E-40DD-AFC4-6F175D3DCCD1}">
-              <a14:hiddenFill xmlns:a14="http://schemas.microsoft.com/office/drawing/2010/main">
-                <a:solidFill>
-                  <a:srgbClr val="FFFFFF"/>
-                </a:solidFill>
-              </a14:hiddenFill>
-            </a:ext>
-          </a:extLst>
-        </p:spPr>
-      </p:pic>
       <p:sp>
         <p:nvSpPr>
           <p:cNvPr id="6" name="Номер слайда 5">
             <a:extLst>
               <a:ext uri="{FF2B5EF4-FFF2-40B4-BE49-F238E27FC236}">
-                <a16:creationId xmlns:a16="http://schemas.microsoft.com/office/drawing/2014/main" xmlns="" id="{1A1C0C5B-B1EF-F3BB-651B-157956725A05}"/>
+                <a16:creationId xmlns="" xmlns:a16="http://schemas.microsoft.com/office/drawing/2014/main" id="{1A1C0C5B-B1EF-F3BB-651B-157956725A05}"/>
               </a:ext>
             </a:extLst>
           </p:cNvPr>
@@ -9346,7 +9622,7 @@
                   <a:schemeClr val="tx1"/>
                 </a:solidFill>
               </a:rPr>
-              <a:t>16</a:t>
+              <a:t>17</a:t>
             </a:fld>
             <a:endParaRPr lang="ru-RU" sz="2400" b="1" dirty="0">
               <a:solidFill>
@@ -9356,6 +9632,47 @@
           </a:p>
         </p:txBody>
       </p:sp>
+      <p:pic>
+        <p:nvPicPr>
+          <p:cNvPr id="2050" name="Picture 2" descr="C:\Users\TroDA\Downloads\2025061008052.png"/>
+          <p:cNvPicPr>
+            <a:picLocks noChangeAspect="1" noChangeArrowheads="1"/>
+          </p:cNvPicPr>
+          <p:nvPr/>
+        </p:nvPicPr>
+        <p:blipFill>
+          <a:blip r:embed="rId3">
+            <a:extLst>
+              <a:ext uri="{28A0092B-C50C-407E-A947-70E740481C1C}">
+                <a14:useLocalDpi xmlns:a14="http://schemas.microsoft.com/office/drawing/2010/main" val="0"/>
+              </a:ext>
+            </a:extLst>
+          </a:blip>
+          <a:srcRect/>
+          <a:stretch>
+            <a:fillRect/>
+          </a:stretch>
+        </p:blipFill>
+        <p:spPr bwMode="auto">
+          <a:xfrm>
+            <a:off x="6077666" y="3120647"/>
+            <a:ext cx="2633197" cy="2830687"/>
+          </a:xfrm>
+          <a:prstGeom prst="rect">
+            <a:avLst/>
+          </a:prstGeom>
+          <a:noFill/>
+          <a:extLst>
+            <a:ext uri="{909E8E84-426E-40DD-AFC4-6F175D3DCCD1}">
+              <a14:hiddenFill xmlns:a14="http://schemas.microsoft.com/office/drawing/2010/main">
+                <a:solidFill>
+                  <a:srgbClr val="FFFFFF"/>
+                </a:solidFill>
+              </a14:hiddenFill>
+            </a:ext>
+          </a:extLst>
+        </p:spPr>
+      </p:pic>
     </p:spTree>
     <p:extLst>
       <p:ext uri="{BB962C8B-B14F-4D97-AF65-F5344CB8AC3E}">
@@ -9395,10 +9712,98 @@
       </p:grpSpPr>
       <p:sp>
         <p:nvSpPr>
-          <p:cNvPr id="4" name="Номер слайда 3">
+          <p:cNvPr id="11" name="Прямоугольный треугольник 10">
             <a:extLst>
               <a:ext uri="{FF2B5EF4-FFF2-40B4-BE49-F238E27FC236}">
-                <a16:creationId xmlns:a16="http://schemas.microsoft.com/office/drawing/2014/main" xmlns="" id="{97BD0E20-09F0-17F1-74A0-677C2717BCE2}"/>
+                <a16:creationId xmlns="" xmlns:a16="http://schemas.microsoft.com/office/drawing/2014/main" id="{9B6CB9AD-58F7-E999-B710-72EA9963A23E}"/>
+              </a:ext>
+            </a:extLst>
+          </p:cNvPr>
+          <p:cNvSpPr/>
+          <p:nvPr/>
+        </p:nvSpPr>
+        <p:spPr>
+          <a:xfrm>
+            <a:off x="2" y="4242062"/>
+            <a:ext cx="3355940" cy="2614119"/>
+          </a:xfrm>
+          <a:prstGeom prst="rtTriangle">
+            <a:avLst/>
+          </a:prstGeom>
+          <a:solidFill>
+            <a:schemeClr val="accent2"/>
+          </a:solidFill>
+        </p:spPr>
+        <p:style>
+          <a:lnRef idx="2">
+            <a:schemeClr val="accent1">
+              <a:shade val="15000"/>
+            </a:schemeClr>
+          </a:lnRef>
+          <a:fillRef idx="1">
+            <a:schemeClr val="accent1"/>
+          </a:fillRef>
+          <a:effectRef idx="0">
+            <a:schemeClr val="accent1"/>
+          </a:effectRef>
+          <a:fontRef idx="minor">
+            <a:schemeClr val="lt1"/>
+          </a:fontRef>
+        </p:style>
+        <p:txBody>
+          <a:bodyPr rtlCol="0" anchor="ctr"/>
+          <a:lstStyle/>
+          <a:p>
+            <a:pPr algn="ctr"/>
+            <a:endParaRPr lang="ru-RU"/>
+          </a:p>
+        </p:txBody>
+      </p:sp>
+      <p:sp>
+        <p:nvSpPr>
+          <p:cNvPr id="2" name="Заголовок 1">
+            <a:extLst>
+              <a:ext uri="{FF2B5EF4-FFF2-40B4-BE49-F238E27FC236}">
+                <a16:creationId xmlns="" xmlns:a16="http://schemas.microsoft.com/office/drawing/2014/main" id="{70E27E36-57BD-B396-5066-2EE1B249CE8A}"/>
+              </a:ext>
+            </a:extLst>
+          </p:cNvPr>
+          <p:cNvSpPr>
+            <a:spLocks noGrp="1"/>
+          </p:cNvSpPr>
+          <p:nvPr>
+            <p:ph type="title"/>
+          </p:nvPr>
+        </p:nvSpPr>
+        <p:spPr>
+          <a:xfrm>
+            <a:off x="1706251" y="4886339"/>
+            <a:ext cx="7437749" cy="1325563"/>
+          </a:xfrm>
+        </p:spPr>
+        <p:txBody>
+          <a:bodyPr anchor="ctr">
+            <a:normAutofit/>
+          </a:bodyPr>
+          <a:lstStyle/>
+          <a:p>
+            <a:pPr algn="r"/>
+            <a:r>
+              <a:rPr lang="ru-RU" sz="2400" dirty="0">
+                <a:ea typeface="Calibri" panose="020F0502020204030204" pitchFamily="34" charset="0"/>
+              </a:rPr>
+              <a:t>«Инженерное Бюро» организовано по принципу линейной структуры управления, характеризующееся распределением полномочий и четкой иерархией.</a:t>
+            </a:r>
+            <a:endParaRPr lang="ru-RU" sz="4800" dirty="0"/>
+          </a:p>
+        </p:txBody>
+      </p:sp>
+      <p:sp>
+        <p:nvSpPr>
+          <p:cNvPr id="6" name="Номер слайда 5">
+            <a:extLst>
+              <a:ext uri="{FF2B5EF4-FFF2-40B4-BE49-F238E27FC236}">
+                <a16:creationId xmlns="" xmlns:a16="http://schemas.microsoft.com/office/drawing/2014/main" id="{3157AA43-B7B3-66D7-875C-6EFE1455DCCC}"/>
               </a:ext>
             </a:extLst>
           </p:cNvPr>
@@ -9430,12 +9835,465 @@
           </a:p>
         </p:txBody>
       </p:sp>
+      <p:pic>
+        <p:nvPicPr>
+          <p:cNvPr id="10" name="Рисунок 9">
+            <a:extLst>
+              <a:ext uri="{FF2B5EF4-FFF2-40B4-BE49-F238E27FC236}">
+                <a16:creationId xmlns="" xmlns:a16="http://schemas.microsoft.com/office/drawing/2014/main" id="{51AF2443-7C6B-2250-4637-26EDCBC49B08}"/>
+              </a:ext>
+            </a:extLst>
+          </p:cNvPr>
+          <p:cNvPicPr>
+            <a:picLocks noChangeAspect="1"/>
+          </p:cNvPicPr>
+          <p:nvPr/>
+        </p:nvPicPr>
+        <p:blipFill>
+          <a:blip r:embed="rId2" cstate="print">
+            <a:extLst>
+              <a:ext uri="{28A0092B-C50C-407E-A947-70E740481C1C}">
+                <a14:useLocalDpi xmlns:a14="http://schemas.microsoft.com/office/drawing/2010/main" val="0"/>
+              </a:ext>
+            </a:extLst>
+          </a:blip>
+          <a:stretch>
+            <a:fillRect/>
+          </a:stretch>
+        </p:blipFill>
+        <p:spPr>
+          <a:xfrm rot="13396931" flipH="1">
+            <a:off x="5715000" y="1211067"/>
+            <a:ext cx="6858000" cy="684000"/>
+          </a:xfrm>
+          <a:prstGeom prst="rect">
+            <a:avLst/>
+          </a:prstGeom>
+        </p:spPr>
+      </p:pic>
+      <p:graphicFrame>
+        <p:nvGraphicFramePr>
+          <p:cNvPr id="9" name="Объект 8">
+            <a:extLst>
+              <a:ext uri="{FF2B5EF4-FFF2-40B4-BE49-F238E27FC236}">
+                <a16:creationId xmlns="" xmlns:a16="http://schemas.microsoft.com/office/drawing/2014/main" id="{8221248F-EF65-1E58-E9CC-AC2E0191E728}"/>
+              </a:ext>
+            </a:extLst>
+          </p:cNvPr>
+          <p:cNvGraphicFramePr>
+            <a:graphicFrameLocks noGrp="1"/>
+          </p:cNvGraphicFramePr>
+          <p:nvPr>
+            <p:ph idx="1"/>
+            <p:extLst>
+              <p:ext uri="{D42A27DB-BD31-4B8C-83A1-F6EECF244321}">
+                <p14:modId xmlns:p14="http://schemas.microsoft.com/office/powerpoint/2010/main" val="1157315277"/>
+              </p:ext>
+            </p:extLst>
+          </p:nvPr>
+        </p:nvGraphicFramePr>
+        <p:xfrm>
+          <a:off x="188537" y="722163"/>
+          <a:ext cx="8656162" cy="4455167"/>
+        </p:xfrm>
+        <a:graphic>
+          <a:graphicData uri="http://schemas.openxmlformats.org/drawingml/2006/diagram">
+            <dgm:relIds xmlns:dgm="http://schemas.openxmlformats.org/drawingml/2006/diagram" xmlns:r="http://schemas.openxmlformats.org/officeDocument/2006/relationships" r:dm="rId3" r:lo="rId4" r:qs="rId5" r:cs="rId6"/>
+          </a:graphicData>
+        </a:graphic>
+      </p:graphicFrame>
+    </p:spTree>
+    <p:extLst>
+      <p:ext uri="{BB962C8B-B14F-4D97-AF65-F5344CB8AC3E}">
+        <p14:creationId xmlns:p14="http://schemas.microsoft.com/office/powerpoint/2010/main" val="4021363366"/>
+      </p:ext>
+    </p:extLst>
+  </p:cSld>
+  <p:clrMapOvr>
+    <a:masterClrMapping/>
+  </p:clrMapOvr>
+  <p:timing>
+    <p:tnLst>
+      <p:par>
+        <p:cTn id="1" dur="indefinite" restart="never" nodeType="tmRoot"/>
+      </p:par>
+    </p:tnLst>
+  </p:timing>
+</p:sld>
+</file>
+
+<file path=ppt/slides/slide3.xml><?xml version="1.0" encoding="utf-8"?>
+<p:sld xmlns:a="http://schemas.openxmlformats.org/drawingml/2006/main" xmlns:r="http://schemas.openxmlformats.org/officeDocument/2006/relationships" xmlns:p="http://schemas.openxmlformats.org/presentationml/2006/main">
+  <p:cSld>
+    <p:spTree>
+      <p:nvGrpSpPr>
+        <p:cNvPr id="1" name=""/>
+        <p:cNvGrpSpPr/>
+        <p:nvPr/>
+      </p:nvGrpSpPr>
+      <p:grpSpPr>
+        <a:xfrm>
+          <a:off x="0" y="0"/>
+          <a:ext cx="0" cy="0"/>
+          <a:chOff x="0" y="0"/>
+          <a:chExt cx="0" cy="0"/>
+        </a:xfrm>
+      </p:grpSpPr>
+      <p:sp>
+        <p:nvSpPr>
+          <p:cNvPr id="6" name="Прямоугольный треугольник 5">
+            <a:extLst>
+              <a:ext uri="{FF2B5EF4-FFF2-40B4-BE49-F238E27FC236}">
+                <a16:creationId xmlns="" xmlns:a16="http://schemas.microsoft.com/office/drawing/2014/main" id="{677E422B-DEA9-D946-8BA5-13EF2B3A5538}"/>
+              </a:ext>
+            </a:extLst>
+          </p:cNvPr>
+          <p:cNvSpPr/>
+          <p:nvPr/>
+        </p:nvSpPr>
+        <p:spPr>
+          <a:xfrm rot="10800000">
+            <a:off x="4817096" y="-1"/>
+            <a:ext cx="4326903" cy="4006392"/>
+          </a:xfrm>
+          <a:prstGeom prst="rtTriangle">
+            <a:avLst/>
+          </a:prstGeom>
+          <a:solidFill>
+            <a:schemeClr val="accent2"/>
+          </a:solidFill>
+        </p:spPr>
+        <p:style>
+          <a:lnRef idx="2">
+            <a:schemeClr val="accent1">
+              <a:shade val="15000"/>
+            </a:schemeClr>
+          </a:lnRef>
+          <a:fillRef idx="1">
+            <a:schemeClr val="accent1"/>
+          </a:fillRef>
+          <a:effectRef idx="0">
+            <a:schemeClr val="accent1"/>
+          </a:effectRef>
+          <a:fontRef idx="minor">
+            <a:schemeClr val="lt1"/>
+          </a:fontRef>
+        </p:style>
+        <p:txBody>
+          <a:bodyPr rtlCol="0" anchor="ctr"/>
+          <a:lstStyle/>
+          <a:p>
+            <a:pPr algn="ctr"/>
+            <a:endParaRPr lang="ru-RU"/>
+          </a:p>
+        </p:txBody>
+      </p:sp>
+      <p:sp>
+        <p:nvSpPr>
+          <p:cNvPr id="2" name="Заголовок 1">
+            <a:extLst>
+              <a:ext uri="{FF2B5EF4-FFF2-40B4-BE49-F238E27FC236}">
+                <a16:creationId xmlns="" xmlns:a16="http://schemas.microsoft.com/office/drawing/2014/main" id="{D85436B6-B994-F85D-FC57-AAD74723F03C}"/>
+              </a:ext>
+            </a:extLst>
+          </p:cNvPr>
+          <p:cNvSpPr>
+            <a:spLocks noGrp="1"/>
+          </p:cNvSpPr>
+          <p:nvPr>
+            <p:ph type="title"/>
+          </p:nvPr>
+        </p:nvSpPr>
+        <p:spPr>
+          <a:xfrm>
+            <a:off x="6797314" y="500062"/>
+            <a:ext cx="2057399" cy="1325563"/>
+          </a:xfrm>
+        </p:spPr>
+        <p:txBody>
+          <a:bodyPr>
+            <a:normAutofit/>
+          </a:bodyPr>
+          <a:lstStyle/>
+          <a:p>
+            <a:r>
+              <a:rPr lang="ru-RU" sz="3600" dirty="0">
+                <a:solidFill>
+                  <a:schemeClr val="bg1"/>
+                </a:solidFill>
+                <a:latin typeface="Bahnschrift SemiBold" panose="020B0502040204020203" pitchFamily="34" charset="0"/>
+              </a:rPr>
+              <a:t>ЗАДАЧИ</a:t>
+            </a:r>
+          </a:p>
+        </p:txBody>
+      </p:sp>
+      <p:sp>
+        <p:nvSpPr>
+          <p:cNvPr id="3" name="Объект 2">
+            <a:extLst>
+              <a:ext uri="{FF2B5EF4-FFF2-40B4-BE49-F238E27FC236}">
+                <a16:creationId xmlns="" xmlns:a16="http://schemas.microsoft.com/office/drawing/2014/main" id="{C252400B-15BB-242F-19A4-427E10EA8F1E}"/>
+              </a:ext>
+            </a:extLst>
+          </p:cNvPr>
+          <p:cNvSpPr>
+            <a:spLocks noGrp="1"/>
+          </p:cNvSpPr>
+          <p:nvPr>
+            <p:ph idx="1"/>
+          </p:nvPr>
+        </p:nvSpPr>
+        <p:spPr>
+          <a:xfrm>
+            <a:off x="1059337" y="1825625"/>
+            <a:ext cx="7886700" cy="4351338"/>
+          </a:xfrm>
+        </p:spPr>
+        <p:txBody>
+          <a:bodyPr>
+            <a:normAutofit/>
+          </a:bodyPr>
+          <a:lstStyle/>
+          <a:p>
+            <a:pPr>
+              <a:buFont typeface="Wingdings" panose="05000000000000000000" pitchFamily="2" charset="2"/>
+              <a:buChar char="v"/>
+            </a:pPr>
+            <a:r>
+              <a:rPr lang="ru-RU" dirty="0">
+                <a:latin typeface="+mj-lt"/>
+              </a:rPr>
+              <a:t>Анализ бизнес-процессов</a:t>
+            </a:r>
+          </a:p>
+          <a:p>
+            <a:pPr>
+              <a:buFont typeface="Wingdings" panose="05000000000000000000" pitchFamily="2" charset="2"/>
+              <a:buChar char="v"/>
+            </a:pPr>
+            <a:endParaRPr lang="ru-RU" dirty="0">
+              <a:latin typeface="+mj-lt"/>
+            </a:endParaRPr>
+          </a:p>
+          <a:p>
+            <a:pPr>
+              <a:buFont typeface="Wingdings" panose="05000000000000000000" pitchFamily="2" charset="2"/>
+              <a:buChar char="v"/>
+            </a:pPr>
+            <a:r>
+              <a:rPr lang="ru-RU" dirty="0">
+                <a:latin typeface="+mj-lt"/>
+              </a:rPr>
+              <a:t>Изучение существующих решений</a:t>
+            </a:r>
+          </a:p>
+          <a:p>
+            <a:pPr>
+              <a:buFont typeface="Wingdings" panose="05000000000000000000" pitchFamily="2" charset="2"/>
+              <a:buChar char="v"/>
+            </a:pPr>
+            <a:endParaRPr lang="ru-RU" dirty="0">
+              <a:latin typeface="+mj-lt"/>
+            </a:endParaRPr>
+          </a:p>
+          <a:p>
+            <a:pPr>
+              <a:buFont typeface="Wingdings" panose="05000000000000000000" pitchFamily="2" charset="2"/>
+              <a:buChar char="v"/>
+            </a:pPr>
+            <a:r>
+              <a:rPr lang="ru-RU" dirty="0">
+                <a:latin typeface="+mj-lt"/>
+              </a:rPr>
+              <a:t>Разработка ПО для автоматизации заказов</a:t>
+            </a:r>
+          </a:p>
+          <a:p>
+            <a:pPr>
+              <a:buFont typeface="Wingdings" panose="05000000000000000000" pitchFamily="2" charset="2"/>
+              <a:buChar char="v"/>
+            </a:pPr>
+            <a:endParaRPr lang="ru-RU" dirty="0">
+              <a:latin typeface="+mj-lt"/>
+            </a:endParaRPr>
+          </a:p>
+          <a:p>
+            <a:pPr>
+              <a:buFont typeface="Wingdings" panose="05000000000000000000" pitchFamily="2" charset="2"/>
+              <a:buChar char="v"/>
+            </a:pPr>
+            <a:r>
+              <a:rPr lang="ru-RU" dirty="0">
+                <a:latin typeface="+mj-lt"/>
+              </a:rPr>
+              <a:t>Обучение сотрудников</a:t>
+            </a:r>
+          </a:p>
+          <a:p>
+            <a:pPr>
+              <a:buFont typeface="Wingdings" panose="05000000000000000000" pitchFamily="2" charset="2"/>
+              <a:buChar char="v"/>
+            </a:pPr>
+            <a:endParaRPr lang="ru-RU" dirty="0">
+              <a:latin typeface="+mj-lt"/>
+            </a:endParaRPr>
+          </a:p>
+        </p:txBody>
+      </p:sp>
+      <p:sp>
+        <p:nvSpPr>
+          <p:cNvPr id="4" name="Номер слайда 3">
+            <a:extLst>
+              <a:ext uri="{FF2B5EF4-FFF2-40B4-BE49-F238E27FC236}">
+                <a16:creationId xmlns="" xmlns:a16="http://schemas.microsoft.com/office/drawing/2014/main" id="{DA9B982C-A5C6-8BF7-D18F-D18ACAB5B388}"/>
+              </a:ext>
+            </a:extLst>
+          </p:cNvPr>
+          <p:cNvSpPr>
+            <a:spLocks noGrp="1"/>
+          </p:cNvSpPr>
+          <p:nvPr>
+            <p:ph type="sldNum" sz="quarter" idx="12"/>
+          </p:nvPr>
+        </p:nvSpPr>
+        <p:spPr/>
+        <p:txBody>
+          <a:bodyPr/>
+          <a:lstStyle/>
+          <a:p>
+            <a:fld id="{AFC5D346-0896-4BCB-BD3D-84DEBAD632DA}" type="slidenum">
+              <a:rPr lang="ru-RU" sz="2400" b="1" smtClean="0">
+                <a:solidFill>
+                  <a:schemeClr val="tx1"/>
+                </a:solidFill>
+              </a:rPr>
+              <a:t>3</a:t>
+            </a:fld>
+            <a:endParaRPr lang="ru-RU" sz="2400" b="1" dirty="0">
+              <a:solidFill>
+                <a:schemeClr val="tx1"/>
+              </a:solidFill>
+            </a:endParaRPr>
+          </a:p>
+        </p:txBody>
+      </p:sp>
+      <p:pic>
+        <p:nvPicPr>
+          <p:cNvPr id="8" name="Рисунок 7">
+            <a:extLst>
+              <a:ext uri="{FF2B5EF4-FFF2-40B4-BE49-F238E27FC236}">
+                <a16:creationId xmlns="" xmlns:a16="http://schemas.microsoft.com/office/drawing/2014/main" id="{5E3818C3-CAF5-B02C-78D2-E3D788E5EB79}"/>
+              </a:ext>
+            </a:extLst>
+          </p:cNvPr>
+          <p:cNvPicPr>
+            <a:picLocks noChangeAspect="1"/>
+          </p:cNvPicPr>
+          <p:nvPr/>
+        </p:nvPicPr>
+        <p:blipFill>
+          <a:blip r:embed="rId2" cstate="print">
+            <a:extLst>
+              <a:ext uri="{28A0092B-C50C-407E-A947-70E740481C1C}">
+                <a14:useLocalDpi xmlns:a14="http://schemas.microsoft.com/office/drawing/2010/main" val="0"/>
+              </a:ext>
+            </a:extLst>
+          </a:blip>
+          <a:stretch>
+            <a:fillRect/>
+          </a:stretch>
+        </p:blipFill>
+        <p:spPr>
+          <a:xfrm rot="13937890" flipH="1">
+            <a:off x="-2091537" y="6379476"/>
+            <a:ext cx="6858000" cy="684000"/>
+          </a:xfrm>
+          <a:prstGeom prst="rect">
+            <a:avLst/>
+          </a:prstGeom>
+        </p:spPr>
+      </p:pic>
+    </p:spTree>
+    <p:extLst>
+      <p:ext uri="{BB962C8B-B14F-4D97-AF65-F5344CB8AC3E}">
+        <p14:creationId xmlns:p14="http://schemas.microsoft.com/office/powerpoint/2010/main" val="1870584745"/>
+      </p:ext>
+    </p:extLst>
+  </p:cSld>
+  <p:clrMapOvr>
+    <a:masterClrMapping/>
+  </p:clrMapOvr>
+  <p:timing>
+    <p:tnLst>
+      <p:par>
+        <p:cTn id="1" dur="indefinite" restart="never" nodeType="tmRoot"/>
+      </p:par>
+    </p:tnLst>
+  </p:timing>
+</p:sld>
+</file>
+
+<file path=ppt/slides/slide4.xml><?xml version="1.0" encoding="utf-8"?>
+<p:sld xmlns:a="http://schemas.openxmlformats.org/drawingml/2006/main" xmlns:r="http://schemas.openxmlformats.org/officeDocument/2006/relationships" xmlns:p="http://schemas.openxmlformats.org/presentationml/2006/main">
+  <p:cSld>
+    <p:spTree>
+      <p:nvGrpSpPr>
+        <p:cNvPr id="1" name=""/>
+        <p:cNvGrpSpPr/>
+        <p:nvPr/>
+      </p:nvGrpSpPr>
+      <p:grpSpPr>
+        <a:xfrm>
+          <a:off x="0" y="0"/>
+          <a:ext cx="0" cy="0"/>
+          <a:chOff x="0" y="0"/>
+          <a:chExt cx="0" cy="0"/>
+        </a:xfrm>
+      </p:grpSpPr>
+      <p:sp>
+        <p:nvSpPr>
+          <p:cNvPr id="4" name="Номер слайда 3">
+            <a:extLst>
+              <a:ext uri="{FF2B5EF4-FFF2-40B4-BE49-F238E27FC236}">
+                <a16:creationId xmlns="" xmlns:a16="http://schemas.microsoft.com/office/drawing/2014/main" id="{97BD0E20-09F0-17F1-74A0-677C2717BCE2}"/>
+              </a:ext>
+            </a:extLst>
+          </p:cNvPr>
+          <p:cNvSpPr>
+            <a:spLocks noGrp="1"/>
+          </p:cNvSpPr>
+          <p:nvPr>
+            <p:ph type="sldNum" sz="quarter" idx="12"/>
+          </p:nvPr>
+        </p:nvSpPr>
+        <p:spPr/>
+        <p:txBody>
+          <a:bodyPr/>
+          <a:lstStyle/>
+          <a:p>
+            <a:fld id="{AFC5D346-0896-4BCB-BD3D-84DEBAD632DA}" type="slidenum">
+              <a:rPr lang="ru-RU" sz="2400" b="1" smtClean="0">
+                <a:solidFill>
+                  <a:schemeClr val="tx1"/>
+                </a:solidFill>
+              </a:rPr>
+              <a:t>4</a:t>
+            </a:fld>
+            <a:endParaRPr lang="ru-RU" sz="2400" b="1" dirty="0">
+              <a:solidFill>
+                <a:schemeClr val="tx1"/>
+              </a:solidFill>
+            </a:endParaRPr>
+          </a:p>
+        </p:txBody>
+      </p:sp>
       <p:sp>
         <p:nvSpPr>
           <p:cNvPr id="10" name="TextBox 9">
             <a:extLst>
               <a:ext uri="{FF2B5EF4-FFF2-40B4-BE49-F238E27FC236}">
-                <a16:creationId xmlns:a16="http://schemas.microsoft.com/office/drawing/2014/main" xmlns="" id="{5B87C1B0-936D-CD5C-C53C-ABEDD076A1CB}"/>
+                <a16:creationId xmlns="" xmlns:a16="http://schemas.microsoft.com/office/drawing/2014/main" id="{5B87C1B0-936D-CD5C-C53C-ABEDD076A1CB}"/>
               </a:ext>
             </a:extLst>
           </p:cNvPr>
@@ -9488,7 +10346,7 @@
           <p:cNvPr id="14" name="Прямоугольник: скругленные углы 13">
             <a:extLst>
               <a:ext uri="{FF2B5EF4-FFF2-40B4-BE49-F238E27FC236}">
-                <a16:creationId xmlns:a16="http://schemas.microsoft.com/office/drawing/2014/main" xmlns="" id="{7F9CC584-FA59-CD96-3DEE-F71621C292AB}"/>
+                <a16:creationId xmlns="" xmlns:a16="http://schemas.microsoft.com/office/drawing/2014/main" id="{7F9CC584-FA59-CD96-3DEE-F71621C292AB}"/>
               </a:ext>
             </a:extLst>
           </p:cNvPr>
@@ -9537,7 +10395,7 @@
           <p:cNvPr id="15" name="Group 4">
             <a:extLst>
               <a:ext uri="{FF2B5EF4-FFF2-40B4-BE49-F238E27FC236}">
-                <a16:creationId xmlns:a16="http://schemas.microsoft.com/office/drawing/2014/main" xmlns="" id="{E42F5A72-CF8C-0C70-FE42-CF4345552D60}"/>
+                <a16:creationId xmlns="" xmlns:a16="http://schemas.microsoft.com/office/drawing/2014/main" id="{E42F5A72-CF8C-0C70-FE42-CF4345552D60}"/>
               </a:ext>
             </a:extLst>
           </p:cNvPr>
@@ -9557,7 +10415,7 @@
             <p:cNvPr id="16" name="Freeform 5">
               <a:extLst>
                 <a:ext uri="{FF2B5EF4-FFF2-40B4-BE49-F238E27FC236}">
-                  <a16:creationId xmlns:a16="http://schemas.microsoft.com/office/drawing/2014/main" xmlns="" id="{DB2B01F6-B7A7-04B7-64AB-08770BDF7E09}"/>
+                  <a16:creationId xmlns="" xmlns:a16="http://schemas.microsoft.com/office/drawing/2014/main" id="{DB2B01F6-B7A7-04B7-64AB-08770BDF7E09}"/>
                 </a:ext>
               </a:extLst>
             </p:cNvPr>
@@ -9642,7 +10500,7 @@
             <p:cNvPr id="17" name="TextBox 6">
               <a:extLst>
                 <a:ext uri="{FF2B5EF4-FFF2-40B4-BE49-F238E27FC236}">
-                  <a16:creationId xmlns:a16="http://schemas.microsoft.com/office/drawing/2014/main" xmlns="" id="{C1D3F08C-B9A2-0B8A-58DA-F8DD3184FC48}"/>
+                  <a16:creationId xmlns="" xmlns:a16="http://schemas.microsoft.com/office/drawing/2014/main" id="{C1D3F08C-B9A2-0B8A-58DA-F8DD3184FC48}"/>
                 </a:ext>
               </a:extLst>
             </p:cNvPr>
@@ -9677,7 +10535,7 @@
           <p:cNvPr id="18" name="TextBox 9">
             <a:extLst>
               <a:ext uri="{FF2B5EF4-FFF2-40B4-BE49-F238E27FC236}">
-                <a16:creationId xmlns:a16="http://schemas.microsoft.com/office/drawing/2014/main" xmlns="" id="{131F71A2-935B-1A46-4F49-D7EA072FA14A}"/>
+                <a16:creationId xmlns="" xmlns:a16="http://schemas.microsoft.com/office/drawing/2014/main" id="{131F71A2-935B-1A46-4F49-D7EA072FA14A}"/>
               </a:ext>
             </a:extLst>
           </p:cNvPr>
@@ -9730,7 +10588,7 @@
           <p:cNvPr id="19" name="TextBox 10">
             <a:extLst>
               <a:ext uri="{FF2B5EF4-FFF2-40B4-BE49-F238E27FC236}">
-                <a16:creationId xmlns:a16="http://schemas.microsoft.com/office/drawing/2014/main" xmlns="" id="{F58737C1-572F-ECB6-C94F-FC551C69D070}"/>
+                <a16:creationId xmlns="" xmlns:a16="http://schemas.microsoft.com/office/drawing/2014/main" id="{F58737C1-572F-ECB6-C94F-FC551C69D070}"/>
               </a:ext>
             </a:extLst>
           </p:cNvPr>
@@ -9798,7 +10656,7 @@
           <p:cNvPr id="20" name="TextBox 10">
             <a:extLst>
               <a:ext uri="{FF2B5EF4-FFF2-40B4-BE49-F238E27FC236}">
-                <a16:creationId xmlns:a16="http://schemas.microsoft.com/office/drawing/2014/main" xmlns="" id="{30CDFF79-C431-9245-9B24-A058881ED924}"/>
+                <a16:creationId xmlns="" xmlns:a16="http://schemas.microsoft.com/office/drawing/2014/main" id="{30CDFF79-C431-9245-9B24-A058881ED924}"/>
               </a:ext>
             </a:extLst>
           </p:cNvPr>
@@ -9848,7 +10706,7 @@
           <p:cNvPr id="21" name="TextBox 10">
             <a:extLst>
               <a:ext uri="{FF2B5EF4-FFF2-40B4-BE49-F238E27FC236}">
-                <a16:creationId xmlns:a16="http://schemas.microsoft.com/office/drawing/2014/main" xmlns="" id="{D6236475-870D-A1DA-B80C-6B5B7B7DE9D9}"/>
+                <a16:creationId xmlns="" xmlns:a16="http://schemas.microsoft.com/office/drawing/2014/main" id="{D6236475-870D-A1DA-B80C-6B5B7B7DE9D9}"/>
               </a:ext>
             </a:extLst>
           </p:cNvPr>
@@ -9898,7 +10756,7 @@
           <p:cNvPr id="22" name="Рисунок 21" descr="Диаграмма с тенденцией спада со сплошной заливкой">
             <a:extLst>
               <a:ext uri="{FF2B5EF4-FFF2-40B4-BE49-F238E27FC236}">
-                <a16:creationId xmlns:a16="http://schemas.microsoft.com/office/drawing/2014/main" xmlns="" id="{62324CDF-9BA8-4F24-FF3F-C4D3AED74CC7}"/>
+                <a16:creationId xmlns="" xmlns:a16="http://schemas.microsoft.com/office/drawing/2014/main" id="{62324CDF-9BA8-4F24-FF3F-C4D3AED74CC7}"/>
               </a:ext>
             </a:extLst>
           </p:cNvPr>
@@ -9911,7 +10769,7 @@
           <a:blip r:embed="rId2">
             <a:extLst>
               <a:ext uri="{96DAC541-7B7A-43D3-8B79-37D633B846F1}">
-                <asvg:svgBlip xmlns:asvg="http://schemas.microsoft.com/office/drawing/2016/SVG/main" xmlns="" r:embed="rId3"/>
+                <asvg:svgBlip xmlns="" xmlns:asvg="http://schemas.microsoft.com/office/drawing/2016/SVG/main" r:embed="rId3"/>
               </a:ext>
             </a:extLst>
           </a:blip>
@@ -9934,7 +10792,7 @@
           <p:cNvPr id="23" name="Рисунок 22" descr="Голова с шестеренками со сплошной заливкой">
             <a:extLst>
               <a:ext uri="{FF2B5EF4-FFF2-40B4-BE49-F238E27FC236}">
-                <a16:creationId xmlns:a16="http://schemas.microsoft.com/office/drawing/2014/main" xmlns="" id="{086E18AC-3031-63C3-0FCB-1F1FC9A81AC5}"/>
+                <a16:creationId xmlns="" xmlns:a16="http://schemas.microsoft.com/office/drawing/2014/main" id="{086E18AC-3031-63C3-0FCB-1F1FC9A81AC5}"/>
               </a:ext>
             </a:extLst>
           </p:cNvPr>
@@ -9947,7 +10805,7 @@
           <a:blip r:embed="rId4">
             <a:extLst>
               <a:ext uri="{96DAC541-7B7A-43D3-8B79-37D633B846F1}">
-                <asvg:svgBlip xmlns:asvg="http://schemas.microsoft.com/office/drawing/2016/SVG/main" xmlns="" r:embed="rId5"/>
+                <asvg:svgBlip xmlns="" xmlns:asvg="http://schemas.microsoft.com/office/drawing/2016/SVG/main" r:embed="rId5"/>
               </a:ext>
             </a:extLst>
           </a:blip>
@@ -9970,7 +10828,7 @@
           <p:cNvPr id="24" name="Знак умножения 23">
             <a:extLst>
               <a:ext uri="{FF2B5EF4-FFF2-40B4-BE49-F238E27FC236}">
-                <a16:creationId xmlns:a16="http://schemas.microsoft.com/office/drawing/2014/main" xmlns="" id="{AB7E8038-3BB9-9399-DF78-958C552F209F}"/>
+                <a16:creationId xmlns="" xmlns:a16="http://schemas.microsoft.com/office/drawing/2014/main" id="{AB7E8038-3BB9-9399-DF78-958C552F209F}"/>
               </a:ext>
             </a:extLst>
           </p:cNvPr>
@@ -10022,7 +10880,7 @@
           <p:cNvPr id="25" name="TextBox 9">
             <a:extLst>
               <a:ext uri="{FF2B5EF4-FFF2-40B4-BE49-F238E27FC236}">
-                <a16:creationId xmlns:a16="http://schemas.microsoft.com/office/drawing/2014/main" xmlns="" id="{072AD1FA-910F-6D1A-2392-973A010A504A}"/>
+                <a16:creationId xmlns="" xmlns:a16="http://schemas.microsoft.com/office/drawing/2014/main" id="{072AD1FA-910F-6D1A-2392-973A010A504A}"/>
               </a:ext>
             </a:extLst>
           </p:cNvPr>
@@ -10069,7 +10927,7 @@
           <p:cNvPr id="26" name="Рисунок 25" descr="В яблочко со сплошной заливкой">
             <a:extLst>
               <a:ext uri="{FF2B5EF4-FFF2-40B4-BE49-F238E27FC236}">
-                <a16:creationId xmlns:a16="http://schemas.microsoft.com/office/drawing/2014/main" xmlns="" id="{5A5E0014-68B1-253C-1DA2-56FC8A190A89}"/>
+                <a16:creationId xmlns="" xmlns:a16="http://schemas.microsoft.com/office/drawing/2014/main" id="{5A5E0014-68B1-253C-1DA2-56FC8A190A89}"/>
               </a:ext>
             </a:extLst>
           </p:cNvPr>
@@ -10082,7 +10940,7 @@
           <a:blip r:embed="rId6">
             <a:extLst>
               <a:ext uri="{96DAC541-7B7A-43D3-8B79-37D633B846F1}">
-                <asvg:svgBlip xmlns:asvg="http://schemas.microsoft.com/office/drawing/2016/SVG/main" xmlns="" r:embed="rId7"/>
+                <asvg:svgBlip xmlns="" xmlns:asvg="http://schemas.microsoft.com/office/drawing/2016/SVG/main" r:embed="rId7"/>
               </a:ext>
             </a:extLst>
           </a:blip>
@@ -10105,7 +10963,7 @@
           <p:cNvPr id="27" name="TextBox 11">
             <a:extLst>
               <a:ext uri="{FF2B5EF4-FFF2-40B4-BE49-F238E27FC236}">
-                <a16:creationId xmlns:a16="http://schemas.microsoft.com/office/drawing/2014/main" xmlns="" id="{1E902D08-8372-72EC-31A7-9ED0F9708849}"/>
+                <a16:creationId xmlns="" xmlns:a16="http://schemas.microsoft.com/office/drawing/2014/main" id="{1E902D08-8372-72EC-31A7-9ED0F9708849}"/>
               </a:ext>
             </a:extLst>
           </p:cNvPr>
@@ -10148,547 +11006,6 @@
     <p:extLst>
       <p:ext uri="{BB962C8B-B14F-4D97-AF65-F5344CB8AC3E}">
         <p14:creationId xmlns:p14="http://schemas.microsoft.com/office/powerpoint/2010/main" val="3000583519"/>
-      </p:ext>
-    </p:extLst>
-  </p:cSld>
-  <p:clrMapOvr>
-    <a:masterClrMapping/>
-  </p:clrMapOvr>
-  <p:timing>
-    <p:tnLst>
-      <p:par>
-        <p:cTn id="1" dur="indefinite" restart="never" nodeType="tmRoot"/>
-      </p:par>
-    </p:tnLst>
-  </p:timing>
-</p:sld>
-</file>
-
-<file path=ppt/slides/slide3.xml><?xml version="1.0" encoding="utf-8"?>
-<p:sld xmlns:a="http://schemas.openxmlformats.org/drawingml/2006/main" xmlns:r="http://schemas.openxmlformats.org/officeDocument/2006/relationships" xmlns:p="http://schemas.openxmlformats.org/presentationml/2006/main">
-  <p:cSld>
-    <p:spTree>
-      <p:nvGrpSpPr>
-        <p:cNvPr id="1" name=""/>
-        <p:cNvGrpSpPr/>
-        <p:nvPr/>
-      </p:nvGrpSpPr>
-      <p:grpSpPr>
-        <a:xfrm>
-          <a:off x="0" y="0"/>
-          <a:ext cx="0" cy="0"/>
-          <a:chOff x="0" y="0"/>
-          <a:chExt cx="0" cy="0"/>
-        </a:xfrm>
-      </p:grpSpPr>
-      <p:sp>
-        <p:nvSpPr>
-          <p:cNvPr id="6" name="Прямоугольный треугольник 5">
-            <a:extLst>
-              <a:ext uri="{FF2B5EF4-FFF2-40B4-BE49-F238E27FC236}">
-                <a16:creationId xmlns:a16="http://schemas.microsoft.com/office/drawing/2014/main" xmlns="" id="{677E422B-DEA9-D946-8BA5-13EF2B3A5538}"/>
-              </a:ext>
-            </a:extLst>
-          </p:cNvPr>
-          <p:cNvSpPr/>
-          <p:nvPr/>
-        </p:nvSpPr>
-        <p:spPr>
-          <a:xfrm rot="10800000">
-            <a:off x="4817096" y="-1"/>
-            <a:ext cx="4326903" cy="4006392"/>
-          </a:xfrm>
-          <a:prstGeom prst="rtTriangle">
-            <a:avLst/>
-          </a:prstGeom>
-          <a:solidFill>
-            <a:schemeClr val="accent2"/>
-          </a:solidFill>
-        </p:spPr>
-        <p:style>
-          <a:lnRef idx="2">
-            <a:schemeClr val="accent1">
-              <a:shade val="15000"/>
-            </a:schemeClr>
-          </a:lnRef>
-          <a:fillRef idx="1">
-            <a:schemeClr val="accent1"/>
-          </a:fillRef>
-          <a:effectRef idx="0">
-            <a:schemeClr val="accent1"/>
-          </a:effectRef>
-          <a:fontRef idx="minor">
-            <a:schemeClr val="lt1"/>
-          </a:fontRef>
-        </p:style>
-        <p:txBody>
-          <a:bodyPr rtlCol="0" anchor="ctr"/>
-          <a:lstStyle/>
-          <a:p>
-            <a:pPr algn="ctr"/>
-            <a:endParaRPr lang="ru-RU"/>
-          </a:p>
-        </p:txBody>
-      </p:sp>
-      <p:sp>
-        <p:nvSpPr>
-          <p:cNvPr id="2" name="Заголовок 1">
-            <a:extLst>
-              <a:ext uri="{FF2B5EF4-FFF2-40B4-BE49-F238E27FC236}">
-                <a16:creationId xmlns:a16="http://schemas.microsoft.com/office/drawing/2014/main" xmlns="" id="{D85436B6-B994-F85D-FC57-AAD74723F03C}"/>
-              </a:ext>
-            </a:extLst>
-          </p:cNvPr>
-          <p:cNvSpPr>
-            <a:spLocks noGrp="1"/>
-          </p:cNvSpPr>
-          <p:nvPr>
-            <p:ph type="title"/>
-          </p:nvPr>
-        </p:nvSpPr>
-        <p:spPr>
-          <a:xfrm>
-            <a:off x="6797314" y="500062"/>
-            <a:ext cx="2057399" cy="1325563"/>
-          </a:xfrm>
-        </p:spPr>
-        <p:txBody>
-          <a:bodyPr>
-            <a:normAutofit/>
-          </a:bodyPr>
-          <a:lstStyle/>
-          <a:p>
-            <a:r>
-              <a:rPr lang="ru-RU" sz="3600" dirty="0">
-                <a:solidFill>
-                  <a:schemeClr val="bg1"/>
-                </a:solidFill>
-                <a:latin typeface="Bahnschrift SemiBold" panose="020B0502040204020203" pitchFamily="34" charset="0"/>
-              </a:rPr>
-              <a:t>ЗАДАЧИ</a:t>
-            </a:r>
-          </a:p>
-        </p:txBody>
-      </p:sp>
-      <p:sp>
-        <p:nvSpPr>
-          <p:cNvPr id="3" name="Объект 2">
-            <a:extLst>
-              <a:ext uri="{FF2B5EF4-FFF2-40B4-BE49-F238E27FC236}">
-                <a16:creationId xmlns:a16="http://schemas.microsoft.com/office/drawing/2014/main" xmlns="" id="{C252400B-15BB-242F-19A4-427E10EA8F1E}"/>
-              </a:ext>
-            </a:extLst>
-          </p:cNvPr>
-          <p:cNvSpPr>
-            <a:spLocks noGrp="1"/>
-          </p:cNvSpPr>
-          <p:nvPr>
-            <p:ph idx="1"/>
-          </p:nvPr>
-        </p:nvSpPr>
-        <p:spPr>
-          <a:xfrm>
-            <a:off x="1059337" y="1825625"/>
-            <a:ext cx="7886700" cy="4351338"/>
-          </a:xfrm>
-        </p:spPr>
-        <p:txBody>
-          <a:bodyPr>
-            <a:normAutofit/>
-          </a:bodyPr>
-          <a:lstStyle/>
-          <a:p>
-            <a:pPr>
-              <a:buFont typeface="Wingdings" panose="05000000000000000000" pitchFamily="2" charset="2"/>
-              <a:buChar char="v"/>
-            </a:pPr>
-            <a:r>
-              <a:rPr lang="ru-RU" dirty="0">
-                <a:latin typeface="+mj-lt"/>
-              </a:rPr>
-              <a:t>Анализ бизнес-процессов</a:t>
-            </a:r>
-          </a:p>
-          <a:p>
-            <a:pPr>
-              <a:buFont typeface="Wingdings" panose="05000000000000000000" pitchFamily="2" charset="2"/>
-              <a:buChar char="v"/>
-            </a:pPr>
-            <a:endParaRPr lang="ru-RU" dirty="0">
-              <a:latin typeface="+mj-lt"/>
-            </a:endParaRPr>
-          </a:p>
-          <a:p>
-            <a:pPr>
-              <a:buFont typeface="Wingdings" panose="05000000000000000000" pitchFamily="2" charset="2"/>
-              <a:buChar char="v"/>
-            </a:pPr>
-            <a:r>
-              <a:rPr lang="ru-RU" dirty="0">
-                <a:latin typeface="+mj-lt"/>
-              </a:rPr>
-              <a:t>Изучение существующих решений</a:t>
-            </a:r>
-          </a:p>
-          <a:p>
-            <a:pPr>
-              <a:buFont typeface="Wingdings" panose="05000000000000000000" pitchFamily="2" charset="2"/>
-              <a:buChar char="v"/>
-            </a:pPr>
-            <a:endParaRPr lang="ru-RU" dirty="0">
-              <a:latin typeface="+mj-lt"/>
-            </a:endParaRPr>
-          </a:p>
-          <a:p>
-            <a:pPr>
-              <a:buFont typeface="Wingdings" panose="05000000000000000000" pitchFamily="2" charset="2"/>
-              <a:buChar char="v"/>
-            </a:pPr>
-            <a:r>
-              <a:rPr lang="ru-RU" dirty="0">
-                <a:latin typeface="+mj-lt"/>
-              </a:rPr>
-              <a:t>Разработка ПО для автоматизации заказов</a:t>
-            </a:r>
-          </a:p>
-          <a:p>
-            <a:pPr>
-              <a:buFont typeface="Wingdings" panose="05000000000000000000" pitchFamily="2" charset="2"/>
-              <a:buChar char="v"/>
-            </a:pPr>
-            <a:endParaRPr lang="ru-RU" dirty="0">
-              <a:latin typeface="+mj-lt"/>
-            </a:endParaRPr>
-          </a:p>
-          <a:p>
-            <a:pPr>
-              <a:buFont typeface="Wingdings" panose="05000000000000000000" pitchFamily="2" charset="2"/>
-              <a:buChar char="v"/>
-            </a:pPr>
-            <a:r>
-              <a:rPr lang="ru-RU" dirty="0">
-                <a:latin typeface="+mj-lt"/>
-              </a:rPr>
-              <a:t>Обучение сотрудников</a:t>
-            </a:r>
-          </a:p>
-          <a:p>
-            <a:pPr>
-              <a:buFont typeface="Wingdings" panose="05000000000000000000" pitchFamily="2" charset="2"/>
-              <a:buChar char="v"/>
-            </a:pPr>
-            <a:endParaRPr lang="ru-RU" dirty="0">
-              <a:latin typeface="+mj-lt"/>
-            </a:endParaRPr>
-          </a:p>
-        </p:txBody>
-      </p:sp>
-      <p:sp>
-        <p:nvSpPr>
-          <p:cNvPr id="4" name="Номер слайда 3">
-            <a:extLst>
-              <a:ext uri="{FF2B5EF4-FFF2-40B4-BE49-F238E27FC236}">
-                <a16:creationId xmlns:a16="http://schemas.microsoft.com/office/drawing/2014/main" xmlns="" id="{DA9B982C-A5C6-8BF7-D18F-D18ACAB5B388}"/>
-              </a:ext>
-            </a:extLst>
-          </p:cNvPr>
-          <p:cNvSpPr>
-            <a:spLocks noGrp="1"/>
-          </p:cNvSpPr>
-          <p:nvPr>
-            <p:ph type="sldNum" sz="quarter" idx="12"/>
-          </p:nvPr>
-        </p:nvSpPr>
-        <p:spPr/>
-        <p:txBody>
-          <a:bodyPr/>
-          <a:lstStyle/>
-          <a:p>
-            <a:fld id="{AFC5D346-0896-4BCB-BD3D-84DEBAD632DA}" type="slidenum">
-              <a:rPr lang="ru-RU" sz="2400" b="1" smtClean="0">
-                <a:solidFill>
-                  <a:schemeClr val="tx1"/>
-                </a:solidFill>
-              </a:rPr>
-              <a:t>3</a:t>
-            </a:fld>
-            <a:endParaRPr lang="ru-RU" sz="2400" b="1" dirty="0">
-              <a:solidFill>
-                <a:schemeClr val="tx1"/>
-              </a:solidFill>
-            </a:endParaRPr>
-          </a:p>
-        </p:txBody>
-      </p:sp>
-      <p:pic>
-        <p:nvPicPr>
-          <p:cNvPr id="8" name="Рисунок 7">
-            <a:extLst>
-              <a:ext uri="{FF2B5EF4-FFF2-40B4-BE49-F238E27FC236}">
-                <a16:creationId xmlns:a16="http://schemas.microsoft.com/office/drawing/2014/main" xmlns="" id="{5E3818C3-CAF5-B02C-78D2-E3D788E5EB79}"/>
-              </a:ext>
-            </a:extLst>
-          </p:cNvPr>
-          <p:cNvPicPr>
-            <a:picLocks noChangeAspect="1"/>
-          </p:cNvPicPr>
-          <p:nvPr/>
-        </p:nvPicPr>
-        <p:blipFill>
-          <a:blip r:embed="rId2" cstate="print">
-            <a:extLst>
-              <a:ext uri="{28A0092B-C50C-407E-A947-70E740481C1C}">
-                <a14:useLocalDpi xmlns:a14="http://schemas.microsoft.com/office/drawing/2010/main" val="0"/>
-              </a:ext>
-            </a:extLst>
-          </a:blip>
-          <a:stretch>
-            <a:fillRect/>
-          </a:stretch>
-        </p:blipFill>
-        <p:spPr>
-          <a:xfrm rot="13937890" flipH="1">
-            <a:off x="-2091537" y="6379476"/>
-            <a:ext cx="6858000" cy="684000"/>
-          </a:xfrm>
-          <a:prstGeom prst="rect">
-            <a:avLst/>
-          </a:prstGeom>
-        </p:spPr>
-      </p:pic>
-    </p:spTree>
-    <p:extLst>
-      <p:ext uri="{BB962C8B-B14F-4D97-AF65-F5344CB8AC3E}">
-        <p14:creationId xmlns:p14="http://schemas.microsoft.com/office/powerpoint/2010/main" val="1870584745"/>
-      </p:ext>
-    </p:extLst>
-  </p:cSld>
-  <p:clrMapOvr>
-    <a:masterClrMapping/>
-  </p:clrMapOvr>
-  <p:timing>
-    <p:tnLst>
-      <p:par>
-        <p:cTn id="1" dur="indefinite" restart="never" nodeType="tmRoot"/>
-      </p:par>
-    </p:tnLst>
-  </p:timing>
-</p:sld>
-</file>
-
-<file path=ppt/slides/slide4.xml><?xml version="1.0" encoding="utf-8"?>
-<p:sld xmlns:a="http://schemas.openxmlformats.org/drawingml/2006/main" xmlns:r="http://schemas.openxmlformats.org/officeDocument/2006/relationships" xmlns:p="http://schemas.openxmlformats.org/presentationml/2006/main">
-  <p:cSld>
-    <p:spTree>
-      <p:nvGrpSpPr>
-        <p:cNvPr id="1" name=""/>
-        <p:cNvGrpSpPr/>
-        <p:nvPr/>
-      </p:nvGrpSpPr>
-      <p:grpSpPr>
-        <a:xfrm>
-          <a:off x="0" y="0"/>
-          <a:ext cx="0" cy="0"/>
-          <a:chOff x="0" y="0"/>
-          <a:chExt cx="0" cy="0"/>
-        </a:xfrm>
-      </p:grpSpPr>
-      <p:sp>
-        <p:nvSpPr>
-          <p:cNvPr id="11" name="Прямоугольный треугольник 10">
-            <a:extLst>
-              <a:ext uri="{FF2B5EF4-FFF2-40B4-BE49-F238E27FC236}">
-                <a16:creationId xmlns:a16="http://schemas.microsoft.com/office/drawing/2014/main" xmlns="" id="{9B6CB9AD-58F7-E999-B710-72EA9963A23E}"/>
-              </a:ext>
-            </a:extLst>
-          </p:cNvPr>
-          <p:cNvSpPr/>
-          <p:nvPr/>
-        </p:nvSpPr>
-        <p:spPr>
-          <a:xfrm>
-            <a:off x="2" y="4242062"/>
-            <a:ext cx="3355940" cy="2614119"/>
-          </a:xfrm>
-          <a:prstGeom prst="rtTriangle">
-            <a:avLst/>
-          </a:prstGeom>
-          <a:solidFill>
-            <a:schemeClr val="accent2"/>
-          </a:solidFill>
-        </p:spPr>
-        <p:style>
-          <a:lnRef idx="2">
-            <a:schemeClr val="accent1">
-              <a:shade val="15000"/>
-            </a:schemeClr>
-          </a:lnRef>
-          <a:fillRef idx="1">
-            <a:schemeClr val="accent1"/>
-          </a:fillRef>
-          <a:effectRef idx="0">
-            <a:schemeClr val="accent1"/>
-          </a:effectRef>
-          <a:fontRef idx="minor">
-            <a:schemeClr val="lt1"/>
-          </a:fontRef>
-        </p:style>
-        <p:txBody>
-          <a:bodyPr rtlCol="0" anchor="ctr"/>
-          <a:lstStyle/>
-          <a:p>
-            <a:pPr algn="ctr"/>
-            <a:endParaRPr lang="ru-RU"/>
-          </a:p>
-        </p:txBody>
-      </p:sp>
-      <p:sp>
-        <p:nvSpPr>
-          <p:cNvPr id="2" name="Заголовок 1">
-            <a:extLst>
-              <a:ext uri="{FF2B5EF4-FFF2-40B4-BE49-F238E27FC236}">
-                <a16:creationId xmlns:a16="http://schemas.microsoft.com/office/drawing/2014/main" xmlns="" id="{70E27E36-57BD-B396-5066-2EE1B249CE8A}"/>
-              </a:ext>
-            </a:extLst>
-          </p:cNvPr>
-          <p:cNvSpPr>
-            <a:spLocks noGrp="1"/>
-          </p:cNvSpPr>
-          <p:nvPr>
-            <p:ph type="title"/>
-          </p:nvPr>
-        </p:nvSpPr>
-        <p:spPr>
-          <a:xfrm>
-            <a:off x="1706251" y="4886339"/>
-            <a:ext cx="7437749" cy="1325563"/>
-          </a:xfrm>
-        </p:spPr>
-        <p:txBody>
-          <a:bodyPr anchor="ctr">
-            <a:normAutofit/>
-          </a:bodyPr>
-          <a:lstStyle/>
-          <a:p>
-            <a:pPr algn="r"/>
-            <a:r>
-              <a:rPr lang="ru-RU" sz="2400" dirty="0">
-                <a:ea typeface="Calibri" panose="020F0502020204030204" pitchFamily="34" charset="0"/>
-              </a:rPr>
-              <a:t>«Инженерное Бюро» организовано по принципу линейной структуры управления, характеризующееся распределением полномочий и четкой иерархией.</a:t>
-            </a:r>
-            <a:endParaRPr lang="ru-RU" sz="4800" dirty="0"/>
-          </a:p>
-        </p:txBody>
-      </p:sp>
-      <p:sp>
-        <p:nvSpPr>
-          <p:cNvPr id="6" name="Номер слайда 5">
-            <a:extLst>
-              <a:ext uri="{FF2B5EF4-FFF2-40B4-BE49-F238E27FC236}">
-                <a16:creationId xmlns:a16="http://schemas.microsoft.com/office/drawing/2014/main" xmlns="" id="{3157AA43-B7B3-66D7-875C-6EFE1455DCCC}"/>
-              </a:ext>
-            </a:extLst>
-          </p:cNvPr>
-          <p:cNvSpPr>
-            <a:spLocks noGrp="1"/>
-          </p:cNvSpPr>
-          <p:nvPr>
-            <p:ph type="sldNum" sz="quarter" idx="12"/>
-          </p:nvPr>
-        </p:nvSpPr>
-        <p:spPr/>
-        <p:txBody>
-          <a:bodyPr/>
-          <a:lstStyle/>
-          <a:p>
-            <a:fld id="{AFC5D346-0896-4BCB-BD3D-84DEBAD632DA}" type="slidenum">
-              <a:rPr lang="ru-RU" sz="2400" b="1" smtClean="0">
-                <a:solidFill>
-                  <a:schemeClr val="tx1"/>
-                </a:solidFill>
-              </a:rPr>
-              <a:t>4</a:t>
-            </a:fld>
-            <a:endParaRPr lang="ru-RU" sz="2400" b="1" dirty="0">
-              <a:solidFill>
-                <a:schemeClr val="tx1"/>
-              </a:solidFill>
-            </a:endParaRPr>
-          </a:p>
-        </p:txBody>
-      </p:sp>
-      <p:pic>
-        <p:nvPicPr>
-          <p:cNvPr id="10" name="Рисунок 9">
-            <a:extLst>
-              <a:ext uri="{FF2B5EF4-FFF2-40B4-BE49-F238E27FC236}">
-                <a16:creationId xmlns:a16="http://schemas.microsoft.com/office/drawing/2014/main" xmlns="" id="{51AF2443-7C6B-2250-4637-26EDCBC49B08}"/>
-              </a:ext>
-            </a:extLst>
-          </p:cNvPr>
-          <p:cNvPicPr>
-            <a:picLocks noChangeAspect="1"/>
-          </p:cNvPicPr>
-          <p:nvPr/>
-        </p:nvPicPr>
-        <p:blipFill>
-          <a:blip r:embed="rId2" cstate="print">
-            <a:extLst>
-              <a:ext uri="{28A0092B-C50C-407E-A947-70E740481C1C}">
-                <a14:useLocalDpi xmlns:a14="http://schemas.microsoft.com/office/drawing/2010/main" val="0"/>
-              </a:ext>
-            </a:extLst>
-          </a:blip>
-          <a:stretch>
-            <a:fillRect/>
-          </a:stretch>
-        </p:blipFill>
-        <p:spPr>
-          <a:xfrm rot="13396931" flipH="1">
-            <a:off x="5715000" y="1211067"/>
-            <a:ext cx="6858000" cy="684000"/>
-          </a:xfrm>
-          <a:prstGeom prst="rect">
-            <a:avLst/>
-          </a:prstGeom>
-        </p:spPr>
-      </p:pic>
-      <p:graphicFrame>
-        <p:nvGraphicFramePr>
-          <p:cNvPr id="9" name="Объект 8">
-            <a:extLst>
-              <a:ext uri="{FF2B5EF4-FFF2-40B4-BE49-F238E27FC236}">
-                <a16:creationId xmlns:a16="http://schemas.microsoft.com/office/drawing/2014/main" xmlns="" id="{8221248F-EF65-1E58-E9CC-AC2E0191E728}"/>
-              </a:ext>
-            </a:extLst>
-          </p:cNvPr>
-          <p:cNvGraphicFramePr>
-            <a:graphicFrameLocks noGrp="1"/>
-          </p:cNvGraphicFramePr>
-          <p:nvPr>
-            <p:ph idx="1"/>
-            <p:extLst>
-              <p:ext uri="{D42A27DB-BD31-4B8C-83A1-F6EECF244321}">
-                <p14:modId xmlns:p14="http://schemas.microsoft.com/office/powerpoint/2010/main" val="1157315277"/>
-              </p:ext>
-            </p:extLst>
-          </p:nvPr>
-        </p:nvGraphicFramePr>
-        <p:xfrm>
-          <a:off x="188537" y="722163"/>
-          <a:ext cx="8656162" cy="4455167"/>
-        </p:xfrm>
-        <a:graphic>
-          <a:graphicData uri="http://schemas.openxmlformats.org/drawingml/2006/diagram">
-            <dgm:relIds xmlns:dgm="http://schemas.openxmlformats.org/drawingml/2006/diagram" xmlns:r="http://schemas.openxmlformats.org/officeDocument/2006/relationships" r:dm="rId3" r:lo="rId4" r:qs="rId5" r:cs="rId6"/>
-          </a:graphicData>
-        </a:graphic>
-      </p:graphicFrame>
-    </p:spTree>
-    <p:extLst>
-      <p:ext uri="{BB962C8B-B14F-4D97-AF65-F5344CB8AC3E}">
-        <p14:creationId xmlns:p14="http://schemas.microsoft.com/office/powerpoint/2010/main" val="4021363366"/>
       </p:ext>
     </p:extLst>
   </p:cSld>
@@ -10724,10 +11041,1275 @@
       </p:grpSpPr>
       <p:sp>
         <p:nvSpPr>
+          <p:cNvPr id="7" name="Скругленный прямоугольник 6"/>
+          <p:cNvSpPr/>
+          <p:nvPr/>
+        </p:nvSpPr>
+        <p:spPr>
+          <a:xfrm>
+            <a:off x="-440013" y="457670"/>
+            <a:ext cx="5795783" cy="6218137"/>
+          </a:xfrm>
+          <a:prstGeom prst="roundRect">
+            <a:avLst/>
+          </a:prstGeom>
+          <a:ln>
+            <a:solidFill>
+              <a:schemeClr val="tx1"/>
+            </a:solidFill>
+          </a:ln>
+        </p:spPr>
+        <p:style>
+          <a:lnRef idx="2">
+            <a:schemeClr val="accent2">
+              <a:shade val="50000"/>
+            </a:schemeClr>
+          </a:lnRef>
+          <a:fillRef idx="1">
+            <a:schemeClr val="accent2"/>
+          </a:fillRef>
+          <a:effectRef idx="0">
+            <a:schemeClr val="accent2"/>
+          </a:effectRef>
+          <a:fontRef idx="minor">
+            <a:schemeClr val="lt1"/>
+          </a:fontRef>
+        </p:style>
+        <p:txBody>
+          <a:bodyPr rtlCol="0" anchor="ctr"/>
+          <a:lstStyle/>
+          <a:p>
+            <a:pPr algn="ctr"/>
+            <a:endParaRPr lang="ru-RU"/>
+          </a:p>
+        </p:txBody>
+      </p:sp>
+      <p:pic>
+        <p:nvPicPr>
+          <p:cNvPr id="1028" name="Picture 4"/>
+          <p:cNvPicPr>
+            <a:picLocks noChangeAspect="1" noChangeArrowheads="1"/>
+          </p:cNvPicPr>
+          <p:nvPr/>
+        </p:nvPicPr>
+        <p:blipFill>
+          <a:blip r:embed="rId2" cstate="print">
+            <a:extLst>
+              <a:ext uri="{28A0092B-C50C-407E-A947-70E740481C1C}">
+                <a14:useLocalDpi xmlns:a14="http://schemas.microsoft.com/office/drawing/2010/main" val="0"/>
+              </a:ext>
+            </a:extLst>
+          </a:blip>
+          <a:srcRect/>
+          <a:stretch>
+            <a:fillRect/>
+          </a:stretch>
+        </p:blipFill>
+        <p:spPr bwMode="auto">
+          <a:xfrm>
+            <a:off x="6026962" y="986560"/>
+            <a:ext cx="2669292" cy="2669292"/>
+          </a:xfrm>
+          <a:prstGeom prst="rect">
+            <a:avLst/>
+          </a:prstGeom>
+          <a:noFill/>
+          <a:ln>
+            <a:noFill/>
+          </a:ln>
+          <a:extLst>
+            <a:ext uri="{909E8E84-426E-40DD-AFC4-6F175D3DCCD1}">
+              <a14:hiddenFill xmlns:a14="http://schemas.microsoft.com/office/drawing/2010/main">
+                <a:solidFill>
+                  <a:schemeClr val="accent1"/>
+                </a:solidFill>
+              </a14:hiddenFill>
+            </a:ext>
+            <a:ext uri="{91240B29-F687-4F45-9708-019B960494DF}">
+              <a14:hiddenLine xmlns:a14="http://schemas.microsoft.com/office/drawing/2010/main" w="9525">
+                <a:solidFill>
+                  <a:schemeClr val="tx1"/>
+                </a:solidFill>
+                <a:miter lim="800000"/>
+                <a:headEnd/>
+                <a:tailEnd/>
+              </a14:hiddenLine>
+            </a:ext>
+          </a:extLst>
+        </p:spPr>
+      </p:pic>
+      <p:pic>
+        <p:nvPicPr>
+          <p:cNvPr id="1027" name="Picture 3"/>
+          <p:cNvPicPr>
+            <a:picLocks noChangeAspect="1" noChangeArrowheads="1"/>
+          </p:cNvPicPr>
+          <p:nvPr/>
+        </p:nvPicPr>
+        <p:blipFill>
+          <a:blip r:embed="rId3" cstate="print">
+            <a:extLst>
+              <a:ext uri="{28A0092B-C50C-407E-A947-70E740481C1C}">
+                <a14:useLocalDpi xmlns:a14="http://schemas.microsoft.com/office/drawing/2010/main" val="0"/>
+              </a:ext>
+            </a:extLst>
+          </a:blip>
+          <a:srcRect/>
+          <a:stretch>
+            <a:fillRect/>
+          </a:stretch>
+        </p:blipFill>
+        <p:spPr bwMode="auto">
+          <a:xfrm>
+            <a:off x="6026962" y="3566738"/>
+            <a:ext cx="2731168" cy="2731168"/>
+          </a:xfrm>
+          <a:prstGeom prst="rect">
+            <a:avLst/>
+          </a:prstGeom>
+          <a:noFill/>
+          <a:ln>
+            <a:noFill/>
+          </a:ln>
+          <a:extLst>
+            <a:ext uri="{909E8E84-426E-40DD-AFC4-6F175D3DCCD1}">
+              <a14:hiddenFill xmlns:a14="http://schemas.microsoft.com/office/drawing/2010/main">
+                <a:solidFill>
+                  <a:schemeClr val="accent1"/>
+                </a:solidFill>
+              </a14:hiddenFill>
+            </a:ext>
+            <a:ext uri="{91240B29-F687-4F45-9708-019B960494DF}">
+              <a14:hiddenLine xmlns:a14="http://schemas.microsoft.com/office/drawing/2010/main" w="9525">
+                <a:solidFill>
+                  <a:schemeClr val="tx1"/>
+                </a:solidFill>
+                <a:miter lim="800000"/>
+                <a:headEnd/>
+                <a:tailEnd/>
+              </a14:hiddenLine>
+            </a:ext>
+          </a:extLst>
+        </p:spPr>
+      </p:pic>
+      <p:sp>
+        <p:nvSpPr>
+          <p:cNvPr id="2" name="Заголовок 1"/>
+          <p:cNvSpPr>
+            <a:spLocks noGrp="1"/>
+          </p:cNvSpPr>
+          <p:nvPr>
+            <p:ph type="title"/>
+          </p:nvPr>
+        </p:nvSpPr>
+        <p:spPr>
+          <a:xfrm>
+            <a:off x="5355770" y="89378"/>
+            <a:ext cx="3788230" cy="1043681"/>
+          </a:xfrm>
+        </p:spPr>
+        <p:txBody>
+          <a:bodyPr>
+            <a:normAutofit/>
+          </a:bodyPr>
+          <a:lstStyle/>
+          <a:p>
+            <a:pPr algn="ctr"/>
+            <a:r>
+              <a:rPr lang="ru-RU" sz="2800" dirty="0" smtClean="0">
+                <a:latin typeface="Bahnschrift SemiBold" panose="020B0502040204020203" pitchFamily="34" charset="0"/>
+              </a:rPr>
+              <a:t>СУЩЕСТВУЮЩИЕ РЕШЕНИЯ</a:t>
+            </a:r>
+            <a:endParaRPr lang="ru-RU" sz="2800" dirty="0">
+              <a:latin typeface="Bahnschrift SemiBold" panose="020B0502040204020203" pitchFamily="34" charset="0"/>
+            </a:endParaRPr>
+          </a:p>
+        </p:txBody>
+      </p:sp>
+      <p:sp>
+        <p:nvSpPr>
+          <p:cNvPr id="3" name="Объект 2"/>
+          <p:cNvSpPr>
+            <a:spLocks noGrp="1"/>
+          </p:cNvSpPr>
+          <p:nvPr>
+            <p:ph idx="1"/>
+          </p:nvPr>
+        </p:nvSpPr>
+        <p:spPr>
+          <a:xfrm>
+            <a:off x="123753" y="913415"/>
+            <a:ext cx="5029629" cy="5317695"/>
+          </a:xfrm>
+        </p:spPr>
+        <p:txBody>
+          <a:bodyPr>
+            <a:normAutofit fontScale="92500" lnSpcReduction="10000"/>
+          </a:bodyPr>
+          <a:lstStyle/>
+          <a:p>
+            <a:pPr>
+              <a:buFont typeface="Wingdings" panose="05000000000000000000" pitchFamily="2" charset="2"/>
+              <a:buChar char="v"/>
+            </a:pPr>
+            <a:r>
+              <a:rPr lang="ru-RU" sz="2400" b="1" dirty="0" smtClean="0">
+                <a:solidFill>
+                  <a:schemeClr val="bg1"/>
+                </a:solidFill>
+                <a:latin typeface="+mj-lt"/>
+              </a:rPr>
+              <a:t>Нет поддержки специфических бизнес-процессов</a:t>
+            </a:r>
+          </a:p>
+          <a:p>
+            <a:pPr>
+              <a:buFont typeface="Wingdings" panose="05000000000000000000" pitchFamily="2" charset="2"/>
+              <a:buChar char="v"/>
+            </a:pPr>
+            <a:endParaRPr lang="ru-RU" sz="2400" b="1" dirty="0" smtClean="0">
+              <a:solidFill>
+                <a:schemeClr val="bg1"/>
+              </a:solidFill>
+              <a:latin typeface="+mj-lt"/>
+            </a:endParaRPr>
+          </a:p>
+          <a:p>
+            <a:pPr>
+              <a:buFont typeface="Wingdings" panose="05000000000000000000" pitchFamily="2" charset="2"/>
+              <a:buChar char="v"/>
+            </a:pPr>
+            <a:r>
+              <a:rPr lang="ru-RU" sz="2400" b="1" dirty="0" smtClean="0">
+                <a:solidFill>
+                  <a:schemeClr val="bg1"/>
+                </a:solidFill>
+                <a:latin typeface="+mj-lt"/>
+              </a:rPr>
+              <a:t>Отсутствует калькулятор стоимости вентиляционных систем (для интеграция с производством)</a:t>
+            </a:r>
+          </a:p>
+          <a:p>
+            <a:pPr>
+              <a:buFont typeface="Wingdings" panose="05000000000000000000" pitchFamily="2" charset="2"/>
+              <a:buChar char="v"/>
+            </a:pPr>
+            <a:endParaRPr lang="ru-RU" sz="2400" b="1" dirty="0" smtClean="0">
+              <a:solidFill>
+                <a:schemeClr val="bg1"/>
+              </a:solidFill>
+              <a:latin typeface="+mj-lt"/>
+            </a:endParaRPr>
+          </a:p>
+          <a:p>
+            <a:pPr>
+              <a:buFont typeface="Wingdings" panose="05000000000000000000" pitchFamily="2" charset="2"/>
+              <a:buChar char="v"/>
+            </a:pPr>
+            <a:r>
+              <a:rPr lang="ru-RU" sz="2400" b="1" dirty="0" smtClean="0">
+                <a:solidFill>
+                  <a:schemeClr val="bg1"/>
+                </a:solidFill>
+                <a:latin typeface="+mj-lt"/>
+              </a:rPr>
+              <a:t>Нет мобильной версии с полным функционалом для удалённой работы</a:t>
+            </a:r>
+          </a:p>
+          <a:p>
+            <a:pPr>
+              <a:buFont typeface="Wingdings" panose="05000000000000000000" pitchFamily="2" charset="2"/>
+              <a:buChar char="v"/>
+            </a:pPr>
+            <a:endParaRPr lang="ru-RU" sz="2400" b="1" dirty="0" smtClean="0">
+              <a:solidFill>
+                <a:schemeClr val="bg1"/>
+              </a:solidFill>
+              <a:latin typeface="+mj-lt"/>
+            </a:endParaRPr>
+          </a:p>
+          <a:p>
+            <a:pPr>
+              <a:buFont typeface="Wingdings" panose="05000000000000000000" pitchFamily="2" charset="2"/>
+              <a:buChar char="v"/>
+            </a:pPr>
+            <a:r>
+              <a:rPr lang="ru-RU" sz="2400" b="1" dirty="0" smtClean="0">
+                <a:solidFill>
+                  <a:schemeClr val="bg1"/>
+                </a:solidFill>
+                <a:latin typeface="+mj-lt"/>
+              </a:rPr>
+              <a:t>Дорогая </a:t>
+            </a:r>
+            <a:r>
+              <a:rPr lang="ru-RU" sz="2400" b="1" dirty="0">
+                <a:solidFill>
+                  <a:schemeClr val="bg1"/>
+                </a:solidFill>
+                <a:latin typeface="+mj-lt"/>
+              </a:rPr>
+              <a:t>интеграция с платёжными </a:t>
+            </a:r>
+            <a:r>
+              <a:rPr lang="ru-RU" sz="2400" b="1" dirty="0" smtClean="0">
+                <a:solidFill>
+                  <a:schemeClr val="bg1"/>
+                </a:solidFill>
+                <a:latin typeface="+mj-lt"/>
+              </a:rPr>
+              <a:t>системами</a:t>
+            </a:r>
+          </a:p>
+          <a:p>
+            <a:pPr>
+              <a:buFont typeface="Wingdings" panose="05000000000000000000" pitchFamily="2" charset="2"/>
+              <a:buChar char="v"/>
+            </a:pPr>
+            <a:endParaRPr lang="ru-RU" sz="2400" b="1" dirty="0" smtClean="0">
+              <a:solidFill>
+                <a:schemeClr val="bg1"/>
+              </a:solidFill>
+              <a:latin typeface="+mj-lt"/>
+            </a:endParaRPr>
+          </a:p>
+          <a:p>
+            <a:pPr>
+              <a:buFont typeface="Wingdings" panose="05000000000000000000" pitchFamily="2" charset="2"/>
+              <a:buChar char="v"/>
+            </a:pPr>
+            <a:r>
+              <a:rPr lang="ru-RU" sz="2400" b="1" dirty="0" smtClean="0">
+                <a:solidFill>
+                  <a:schemeClr val="bg1"/>
+                </a:solidFill>
+                <a:latin typeface="+mj-lt"/>
+              </a:rPr>
+              <a:t>Нет </a:t>
+            </a:r>
+            <a:r>
+              <a:rPr lang="ru-RU" sz="2400" b="1" dirty="0">
+                <a:solidFill>
+                  <a:schemeClr val="bg1"/>
+                </a:solidFill>
+                <a:latin typeface="+mj-lt"/>
+              </a:rPr>
+              <a:t>прямого доступа к БД для гибких интеграций</a:t>
+            </a:r>
+            <a:endParaRPr lang="en-US" sz="2400" b="1" dirty="0" smtClean="0">
+              <a:solidFill>
+                <a:schemeClr val="bg1"/>
+              </a:solidFill>
+              <a:latin typeface="+mj-lt"/>
+            </a:endParaRPr>
+          </a:p>
+          <a:p>
+            <a:pPr>
+              <a:buFont typeface="Wingdings" panose="05000000000000000000" pitchFamily="2" charset="2"/>
+              <a:buChar char="v"/>
+            </a:pPr>
+            <a:endParaRPr lang="ru-RU" sz="2400" b="1" dirty="0">
+              <a:solidFill>
+                <a:schemeClr val="bg1"/>
+              </a:solidFill>
+              <a:latin typeface="+mj-lt"/>
+            </a:endParaRPr>
+          </a:p>
+        </p:txBody>
+      </p:sp>
+      <p:sp>
+        <p:nvSpPr>
+          <p:cNvPr id="4" name="Номер слайда 3"/>
+          <p:cNvSpPr>
+            <a:spLocks noGrp="1"/>
+          </p:cNvSpPr>
+          <p:nvPr>
+            <p:ph type="sldNum" sz="quarter" idx="12"/>
+          </p:nvPr>
+        </p:nvSpPr>
+        <p:spPr/>
+        <p:txBody>
+          <a:bodyPr/>
+          <a:lstStyle/>
+          <a:p>
+            <a:fld id="{AFC5D346-0896-4BCB-BD3D-84DEBAD632DA}" type="slidenum">
+              <a:rPr lang="ru-RU" sz="2400" b="1" smtClean="0">
+                <a:solidFill>
+                  <a:schemeClr val="tx1"/>
+                </a:solidFill>
+              </a:rPr>
+              <a:t>5</a:t>
+            </a:fld>
+            <a:endParaRPr lang="ru-RU" sz="2400" b="1" dirty="0">
+              <a:solidFill>
+                <a:schemeClr val="tx1"/>
+              </a:solidFill>
+            </a:endParaRPr>
+          </a:p>
+        </p:txBody>
+      </p:sp>
+      <p:sp>
+        <p:nvSpPr>
+          <p:cNvPr id="15" name="TextBox 6">
+            <a:extLst>
+              <a:ext uri="{FF2B5EF4-FFF2-40B4-BE49-F238E27FC236}">
+                <a16:creationId xmlns="" xmlns:a16="http://schemas.microsoft.com/office/drawing/2014/main" id="{C1D3F08C-B9A2-0B8A-58DA-F8DD3184FC48}"/>
+              </a:ext>
+            </a:extLst>
+          </p:cNvPr>
+          <p:cNvSpPr txBox="1"/>
+          <p:nvPr/>
+        </p:nvSpPr>
+        <p:spPr>
+          <a:xfrm>
+            <a:off x="153999" y="1756684"/>
+            <a:ext cx="5786163" cy="3847164"/>
+          </a:xfrm>
+          <a:prstGeom prst="rect">
+            <a:avLst/>
+          </a:prstGeom>
+        </p:spPr>
+        <p:txBody>
+          <a:bodyPr lIns="38100" tIns="38100" rIns="38100" bIns="38100" rtlCol="0" anchor="ctr"/>
+          <a:lstStyle/>
+          <a:p>
+            <a:pPr algn="ctr">
+              <a:lnSpc>
+                <a:spcPts val="2144"/>
+              </a:lnSpc>
+            </a:pPr>
+            <a:endParaRPr sz="1350" dirty="0"/>
+          </a:p>
+        </p:txBody>
+      </p:sp>
+      <p:sp>
+        <p:nvSpPr>
+          <p:cNvPr id="18" name="TextBox 6">
+            <a:extLst>
+              <a:ext uri="{FF2B5EF4-FFF2-40B4-BE49-F238E27FC236}">
+                <a16:creationId xmlns="" xmlns:a16="http://schemas.microsoft.com/office/drawing/2014/main" id="{C1D3F08C-B9A2-0B8A-58DA-F8DD3184FC48}"/>
+              </a:ext>
+            </a:extLst>
+          </p:cNvPr>
+          <p:cNvSpPr txBox="1"/>
+          <p:nvPr/>
+        </p:nvSpPr>
+        <p:spPr>
+          <a:xfrm>
+            <a:off x="153999" y="1669675"/>
+            <a:ext cx="5518031" cy="3972354"/>
+          </a:xfrm>
+          <a:prstGeom prst="rect">
+            <a:avLst/>
+          </a:prstGeom>
+        </p:spPr>
+        <p:txBody>
+          <a:bodyPr lIns="38100" tIns="38100" rIns="38100" bIns="38100" rtlCol="0" anchor="ctr"/>
+          <a:lstStyle/>
+          <a:p>
+            <a:pPr algn="ctr">
+              <a:lnSpc>
+                <a:spcPts val="2144"/>
+              </a:lnSpc>
+            </a:pPr>
+            <a:endParaRPr sz="1350" dirty="0"/>
+          </a:p>
+        </p:txBody>
+      </p:sp>
+      <p:sp>
+        <p:nvSpPr>
+          <p:cNvPr id="27" name="TextBox 6">
+            <a:extLst>
+              <a:ext uri="{FF2B5EF4-FFF2-40B4-BE49-F238E27FC236}">
+                <a16:creationId xmlns="" xmlns:a16="http://schemas.microsoft.com/office/drawing/2014/main" id="{C1D3F08C-B9A2-0B8A-58DA-F8DD3184FC48}"/>
+              </a:ext>
+            </a:extLst>
+          </p:cNvPr>
+          <p:cNvSpPr txBox="1"/>
+          <p:nvPr/>
+        </p:nvSpPr>
+        <p:spPr>
+          <a:xfrm>
+            <a:off x="153999" y="1722344"/>
+            <a:ext cx="5579908" cy="3904944"/>
+          </a:xfrm>
+          <a:prstGeom prst="rect">
+            <a:avLst/>
+          </a:prstGeom>
+        </p:spPr>
+        <p:txBody>
+          <a:bodyPr lIns="38100" tIns="38100" rIns="38100" bIns="38100" rtlCol="0" anchor="ctr"/>
+          <a:lstStyle/>
+          <a:p>
+            <a:pPr algn="ctr">
+              <a:lnSpc>
+                <a:spcPts val="2144"/>
+              </a:lnSpc>
+            </a:pPr>
+            <a:endParaRPr sz="1350" dirty="0"/>
+          </a:p>
+        </p:txBody>
+      </p:sp>
+      <p:grpSp>
+        <p:nvGrpSpPr>
+          <p:cNvPr id="28" name="Group 4">
+            <a:extLst>
+              <a:ext uri="{FF2B5EF4-FFF2-40B4-BE49-F238E27FC236}">
+                <a16:creationId xmlns="" xmlns:a16="http://schemas.microsoft.com/office/drawing/2014/main" id="{E42F5A72-CF8C-0C70-FE42-CF4345552D60}"/>
+              </a:ext>
+            </a:extLst>
+          </p:cNvPr>
+          <p:cNvGrpSpPr/>
+          <p:nvPr/>
+        </p:nvGrpSpPr>
+        <p:grpSpPr>
+          <a:xfrm>
+            <a:off x="153999" y="701269"/>
+            <a:ext cx="5731162" cy="5596637"/>
+            <a:chOff x="0" y="-351211"/>
+            <a:chExt cx="2379118" cy="1987831"/>
+          </a:xfrm>
+        </p:grpSpPr>
+        <p:sp>
+          <p:nvSpPr>
+            <p:cNvPr id="29" name="Freeform 5">
+              <a:extLst>
+                <a:ext uri="{FF2B5EF4-FFF2-40B4-BE49-F238E27FC236}">
+                  <a16:creationId xmlns="" xmlns:a16="http://schemas.microsoft.com/office/drawing/2014/main" id="{DB2B01F6-B7A7-04B7-64AB-08770BDF7E09}"/>
+                </a:ext>
+              </a:extLst>
+            </p:cNvPr>
+            <p:cNvSpPr/>
+            <p:nvPr/>
+          </p:nvSpPr>
+          <p:spPr>
+            <a:xfrm>
+              <a:off x="0" y="-351211"/>
+              <a:ext cx="2379118" cy="1987831"/>
+            </a:xfrm>
+            <a:custGeom>
+              <a:avLst/>
+              <a:gdLst/>
+              <a:ahLst/>
+              <a:cxnLst/>
+              <a:rect l="l" t="t" r="r" b="b"/>
+              <a:pathLst>
+                <a:path w="2379118" h="1373109">
+                  <a:moveTo>
+                    <a:pt x="24854" y="0"/>
+                  </a:moveTo>
+                  <a:lnTo>
+                    <a:pt x="2354264" y="0"/>
+                  </a:lnTo>
+                  <a:cubicBezTo>
+                    <a:pt x="2367991" y="0"/>
+                    <a:pt x="2379118" y="11128"/>
+                    <a:pt x="2379118" y="24854"/>
+                  </a:cubicBezTo>
+                  <a:lnTo>
+                    <a:pt x="2379118" y="1348255"/>
+                  </a:lnTo>
+                  <a:cubicBezTo>
+                    <a:pt x="2379118" y="1361981"/>
+                    <a:pt x="2367991" y="1373109"/>
+                    <a:pt x="2354264" y="1373109"/>
+                  </a:cubicBezTo>
+                  <a:lnTo>
+                    <a:pt x="24854" y="1373109"/>
+                  </a:lnTo>
+                  <a:cubicBezTo>
+                    <a:pt x="11128" y="1373109"/>
+                    <a:pt x="0" y="1361981"/>
+                    <a:pt x="0" y="1348255"/>
+                  </a:cubicBezTo>
+                  <a:lnTo>
+                    <a:pt x="0" y="24854"/>
+                  </a:lnTo>
+                  <a:cubicBezTo>
+                    <a:pt x="0" y="11128"/>
+                    <a:pt x="11128" y="0"/>
+                    <a:pt x="24854" y="0"/>
+                  </a:cubicBezTo>
+                  <a:close/>
+                </a:path>
+              </a:pathLst>
+            </a:custGeom>
+            <a:solidFill>
+              <a:srgbClr val="000000">
+                <a:alpha val="0"/>
+              </a:srgbClr>
+            </a:solidFill>
+            <a:ln w="38100" cap="rnd">
+              <a:solidFill>
+                <a:srgbClr val="FFFFFF"/>
+              </a:solidFill>
+              <a:prstDash val="solid"/>
+              <a:round/>
+            </a:ln>
+          </p:spPr>
+          <p:txBody>
+            <a:bodyPr/>
+            <a:lstStyle/>
+            <a:p>
+              <a:endParaRPr lang="ru-RU" dirty="0"/>
+            </a:p>
+          </p:txBody>
+        </p:sp>
+        <p:sp>
+          <p:nvSpPr>
+            <p:cNvPr id="30" name="TextBox 6">
+              <a:extLst>
+                <a:ext uri="{FF2B5EF4-FFF2-40B4-BE49-F238E27FC236}">
+                  <a16:creationId xmlns="" xmlns:a16="http://schemas.microsoft.com/office/drawing/2014/main" id="{C1D3F08C-B9A2-0B8A-58DA-F8DD3184FC48}"/>
+                </a:ext>
+              </a:extLst>
+            </p:cNvPr>
+            <p:cNvSpPr txBox="1"/>
+            <p:nvPr/>
+          </p:nvSpPr>
+          <p:spPr>
+            <a:xfrm>
+              <a:off x="0" y="-19050"/>
+              <a:ext cx="2379118" cy="1392159"/>
+            </a:xfrm>
+            <a:prstGeom prst="rect">
+              <a:avLst/>
+            </a:prstGeom>
+          </p:spPr>
+          <p:txBody>
+            <a:bodyPr lIns="38100" tIns="38100" rIns="38100" bIns="38100" rtlCol="0" anchor="ctr"/>
+            <a:lstStyle/>
+            <a:p>
+              <a:pPr algn="ctr">
+                <a:lnSpc>
+                  <a:spcPts val="2144"/>
+                </a:lnSpc>
+              </a:pPr>
+              <a:endParaRPr sz="1350" dirty="0"/>
+            </a:p>
+          </p:txBody>
+        </p:sp>
+      </p:grpSp>
+    </p:spTree>
+    <p:extLst>
+      <p:ext uri="{BB962C8B-B14F-4D97-AF65-F5344CB8AC3E}">
+        <p14:creationId xmlns:p14="http://schemas.microsoft.com/office/powerpoint/2010/main" val="2916821676"/>
+      </p:ext>
+    </p:extLst>
+  </p:cSld>
+  <p:clrMapOvr>
+    <a:masterClrMapping/>
+  </p:clrMapOvr>
+  <p:timing>
+    <p:tnLst>
+      <p:par>
+        <p:cTn id="1" dur="indefinite" restart="never" nodeType="tmRoot"/>
+      </p:par>
+    </p:tnLst>
+  </p:timing>
+</p:sld>
+</file>
+
+<file path=ppt/slides/slide6.xml><?xml version="1.0" encoding="utf-8"?>
+<p:sld xmlns:a="http://schemas.openxmlformats.org/drawingml/2006/main" xmlns:r="http://schemas.openxmlformats.org/officeDocument/2006/relationships" xmlns:p="http://schemas.openxmlformats.org/presentationml/2006/main">
+  <p:cSld>
+    <p:spTree>
+      <p:nvGrpSpPr>
+        <p:cNvPr id="1" name=""/>
+        <p:cNvGrpSpPr/>
+        <p:nvPr/>
+      </p:nvGrpSpPr>
+      <p:grpSpPr>
+        <a:xfrm>
+          <a:off x="0" y="0"/>
+          <a:ext cx="0" cy="0"/>
+          <a:chOff x="0" y="0"/>
+          <a:chExt cx="0" cy="0"/>
+        </a:xfrm>
+      </p:grpSpPr>
+      <p:sp>
+        <p:nvSpPr>
+          <p:cNvPr id="5" name="Заголовок 4">
+            <a:extLst>
+              <a:ext uri="{FF2B5EF4-FFF2-40B4-BE49-F238E27FC236}">
+                <a16:creationId xmlns="" xmlns:a16="http://schemas.microsoft.com/office/drawing/2014/main" id="{C60A9AEE-1D62-81CB-0CD1-D554FE470100}"/>
+              </a:ext>
+            </a:extLst>
+          </p:cNvPr>
+          <p:cNvSpPr>
+            <a:spLocks noGrp="1"/>
+          </p:cNvSpPr>
+          <p:nvPr>
+            <p:ph type="title"/>
+          </p:nvPr>
+        </p:nvSpPr>
+        <p:spPr>
+          <a:xfrm>
+            <a:off x="-685800" y="108244"/>
+            <a:ext cx="10515600" cy="874531"/>
+          </a:xfrm>
+        </p:spPr>
+        <p:txBody>
+          <a:bodyPr>
+            <a:normAutofit/>
+          </a:bodyPr>
+          <a:lstStyle/>
+          <a:p>
+            <a:pPr algn="ctr"/>
+            <a:r>
+              <a:rPr lang="ru-RU" sz="3600" b="1" dirty="0">
+                <a:latin typeface="Bahnschrift SemiBold" panose="020B0502040204020203" pitchFamily="34" charset="0"/>
+              </a:rPr>
+              <a:t>ВИЗУАЛЬНОЕ ПРЕДСТАВЛЕНИЕ </a:t>
+            </a:r>
+            <a:r>
+              <a:rPr lang="en-US" sz="3600" b="1" dirty="0">
+                <a:latin typeface="Bahnschrift SemiBold" panose="020B0502040204020203" pitchFamily="34" charset="0"/>
+              </a:rPr>
+              <a:t>MVC</a:t>
+            </a:r>
+            <a:endParaRPr lang="ru-RU" sz="3600" b="1" dirty="0">
+              <a:latin typeface="Bahnschrift SemiBold" panose="020B0502040204020203" pitchFamily="34" charset="0"/>
+            </a:endParaRPr>
+          </a:p>
+        </p:txBody>
+      </p:sp>
+      <p:pic>
+        <p:nvPicPr>
+          <p:cNvPr id="7" name="Объект 6">
+            <a:extLst>
+              <a:ext uri="{FF2B5EF4-FFF2-40B4-BE49-F238E27FC236}">
+                <a16:creationId xmlns="" xmlns:a16="http://schemas.microsoft.com/office/drawing/2014/main" id="{66BF457C-F977-674E-6351-6762D8F23155}"/>
+              </a:ext>
+            </a:extLst>
+          </p:cNvPr>
+          <p:cNvPicPr>
+            <a:picLocks noGrp="1" noChangeAspect="1"/>
+          </p:cNvPicPr>
+          <p:nvPr>
+            <p:ph idx="1"/>
+          </p:nvPr>
+        </p:nvPicPr>
+        <p:blipFill>
+          <a:blip r:embed="rId2"/>
+          <a:stretch>
+            <a:fillRect/>
+          </a:stretch>
+        </p:blipFill>
+        <p:spPr>
+          <a:xfrm>
+            <a:off x="478042" y="963180"/>
+            <a:ext cx="8187916" cy="5051382"/>
+          </a:xfrm>
+          <a:prstGeom prst="rect">
+            <a:avLst/>
+          </a:prstGeom>
+          <a:ln>
+            <a:noFill/>
+          </a:ln>
+          <a:effectLst>
+            <a:outerShdw blurRad="292100" dist="139700" dir="2700000" algn="tl" rotWithShape="0">
+              <a:srgbClr val="333333">
+                <a:alpha val="65000"/>
+              </a:srgbClr>
+            </a:outerShdw>
+          </a:effectLst>
+        </p:spPr>
+      </p:pic>
+      <p:pic>
+        <p:nvPicPr>
+          <p:cNvPr id="8" name="Рисунок 7">
+            <a:extLst>
+              <a:ext uri="{FF2B5EF4-FFF2-40B4-BE49-F238E27FC236}">
+                <a16:creationId xmlns="" xmlns:a16="http://schemas.microsoft.com/office/drawing/2014/main" id="{5D068746-EC85-3D41-C5EB-0DD44F534AE5}"/>
+              </a:ext>
+            </a:extLst>
+          </p:cNvPr>
+          <p:cNvPicPr>
+            <a:picLocks noChangeAspect="1"/>
+          </p:cNvPicPr>
+          <p:nvPr/>
+        </p:nvPicPr>
+        <p:blipFill>
+          <a:blip r:embed="rId3" cstate="print">
+            <a:extLst>
+              <a:ext uri="{28A0092B-C50C-407E-A947-70E740481C1C}">
+                <a14:useLocalDpi xmlns:a14="http://schemas.microsoft.com/office/drawing/2010/main" val="0"/>
+              </a:ext>
+            </a:extLst>
+          </a:blip>
+          <a:stretch>
+            <a:fillRect/>
+          </a:stretch>
+        </p:blipFill>
+        <p:spPr>
+          <a:xfrm flipH="1">
+            <a:off x="-113123" y="6174000"/>
+            <a:ext cx="9407951" cy="684000"/>
+          </a:xfrm>
+          <a:prstGeom prst="rect">
+            <a:avLst/>
+          </a:prstGeom>
+          <a:effectLst>
+            <a:outerShdw blurRad="50800" dist="50800" dir="5400000" sx="99000" sy="99000" algn="ctr" rotWithShape="0">
+              <a:srgbClr val="000000">
+                <a:alpha val="99000"/>
+              </a:srgbClr>
+            </a:outerShdw>
+          </a:effectLst>
+        </p:spPr>
+      </p:pic>
+      <p:sp>
+        <p:nvSpPr>
           <p:cNvPr id="6" name="Номер слайда 5">
             <a:extLst>
               <a:ext uri="{FF2B5EF4-FFF2-40B4-BE49-F238E27FC236}">
-                <a16:creationId xmlns:a16="http://schemas.microsoft.com/office/drawing/2014/main" xmlns="" id="{0B1F6116-7326-FD49-12D0-6D2252FFA567}"/>
+                <a16:creationId xmlns="" xmlns:a16="http://schemas.microsoft.com/office/drawing/2014/main" id="{531F97A9-7535-5B53-27DB-D1922E1EF091}"/>
+              </a:ext>
+            </a:extLst>
+          </p:cNvPr>
+          <p:cNvSpPr>
+            <a:spLocks noGrp="1"/>
+          </p:cNvSpPr>
+          <p:nvPr>
+            <p:ph type="sldNum" sz="quarter" idx="12"/>
+          </p:nvPr>
+        </p:nvSpPr>
+        <p:spPr>
+          <a:xfrm>
+            <a:off x="6457950" y="6270781"/>
+            <a:ext cx="2057400" cy="365125"/>
+          </a:xfrm>
+        </p:spPr>
+        <p:txBody>
+          <a:bodyPr/>
+          <a:lstStyle/>
+          <a:p>
+            <a:fld id="{AFC5D346-0896-4BCB-BD3D-84DEBAD632DA}" type="slidenum">
+              <a:rPr lang="ru-RU" sz="2400" b="1" smtClean="0">
+                <a:solidFill>
+                  <a:schemeClr val="tx1"/>
+                </a:solidFill>
+              </a:rPr>
+              <a:t>6</a:t>
+            </a:fld>
+            <a:endParaRPr lang="ru-RU" sz="2400" b="1" dirty="0">
+              <a:solidFill>
+                <a:schemeClr val="tx1"/>
+              </a:solidFill>
+            </a:endParaRPr>
+          </a:p>
+        </p:txBody>
+      </p:sp>
+    </p:spTree>
+    <p:extLst>
+      <p:ext uri="{BB962C8B-B14F-4D97-AF65-F5344CB8AC3E}">
+        <p14:creationId xmlns:p14="http://schemas.microsoft.com/office/powerpoint/2010/main" val="1631451252"/>
+      </p:ext>
+    </p:extLst>
+  </p:cSld>
+  <p:clrMapOvr>
+    <a:masterClrMapping/>
+  </p:clrMapOvr>
+  <p:timing>
+    <p:tnLst>
+      <p:par>
+        <p:cTn id="1" dur="indefinite" restart="never" nodeType="tmRoot"/>
+      </p:par>
+    </p:tnLst>
+  </p:timing>
+</p:sld>
+</file>
+
+<file path=ppt/slides/slide7.xml><?xml version="1.0" encoding="utf-8"?>
+<p:sld xmlns:a="http://schemas.openxmlformats.org/drawingml/2006/main" xmlns:r="http://schemas.openxmlformats.org/officeDocument/2006/relationships" xmlns:p="http://schemas.openxmlformats.org/presentationml/2006/main">
+  <p:cSld>
+    <p:spTree>
+      <p:nvGrpSpPr>
+        <p:cNvPr id="1" name=""/>
+        <p:cNvGrpSpPr/>
+        <p:nvPr/>
+      </p:nvGrpSpPr>
+      <p:grpSpPr>
+        <a:xfrm>
+          <a:off x="0" y="0"/>
+          <a:ext cx="0" cy="0"/>
+          <a:chOff x="0" y="0"/>
+          <a:chExt cx="0" cy="0"/>
+        </a:xfrm>
+      </p:grpSpPr>
+      <p:sp>
+        <p:nvSpPr>
+          <p:cNvPr id="5" name="Заголовок 4">
+            <a:extLst>
+              <a:ext uri="{FF2B5EF4-FFF2-40B4-BE49-F238E27FC236}">
+                <a16:creationId xmlns="" xmlns:a16="http://schemas.microsoft.com/office/drawing/2014/main" id="{2D821327-D069-0580-52EE-BAE7E831FCAA}"/>
+              </a:ext>
+            </a:extLst>
+          </p:cNvPr>
+          <p:cNvSpPr>
+            <a:spLocks noGrp="1"/>
+          </p:cNvSpPr>
+          <p:nvPr>
+            <p:ph type="title"/>
+          </p:nvPr>
+        </p:nvSpPr>
+        <p:spPr>
+          <a:xfrm>
+            <a:off x="-496529" y="91104"/>
+            <a:ext cx="10515600" cy="842962"/>
+          </a:xfrm>
+        </p:spPr>
+        <p:txBody>
+          <a:bodyPr>
+            <a:normAutofit/>
+          </a:bodyPr>
+          <a:lstStyle/>
+          <a:p>
+            <a:pPr algn="ctr"/>
+            <a:r>
+              <a:rPr lang="ru-RU" sz="3200" b="1" dirty="0">
+                <a:latin typeface="Bahnschrift SemiBold" panose="020B0502040204020203" pitchFamily="34" charset="0"/>
+              </a:rPr>
+              <a:t>ПРОЕКТИРОВАНИЕ ВЕБ-ПРИЛОЖЕНИЯ</a:t>
+            </a:r>
+          </a:p>
+        </p:txBody>
+      </p:sp>
+      <p:sp>
+        <p:nvSpPr>
+          <p:cNvPr id="6" name="Объект 5">
+            <a:extLst>
+              <a:ext uri="{FF2B5EF4-FFF2-40B4-BE49-F238E27FC236}">
+                <a16:creationId xmlns="" xmlns:a16="http://schemas.microsoft.com/office/drawing/2014/main" id="{E7CA67AF-E0D0-92F3-0180-7BF6872E8947}"/>
+              </a:ext>
+            </a:extLst>
+          </p:cNvPr>
+          <p:cNvSpPr>
+            <a:spLocks noGrp="1"/>
+          </p:cNvSpPr>
+          <p:nvPr>
+            <p:ph sz="half" idx="1"/>
+          </p:nvPr>
+        </p:nvSpPr>
+        <p:spPr>
+          <a:xfrm>
+            <a:off x="141402" y="5878514"/>
+            <a:ext cx="9002598" cy="842962"/>
+          </a:xfrm>
+        </p:spPr>
+        <p:txBody>
+          <a:bodyPr>
+            <a:normAutofit/>
+          </a:bodyPr>
+          <a:lstStyle/>
+          <a:p>
+            <a:pPr marL="0" indent="0">
+              <a:buNone/>
+            </a:pPr>
+            <a:r>
+              <a:rPr lang="ru-RU" sz="2400" b="1" dirty="0">
+                <a:latin typeface="+mj-lt"/>
+                <a:ea typeface="Calibri" panose="020F0502020204030204" pitchFamily="34" charset="0"/>
+              </a:rPr>
+              <a:t>Концептуальная модель базы данных, построенная с использованием нотации Мартина.</a:t>
+            </a:r>
+            <a:endParaRPr lang="ru-RU" b="1" dirty="0">
+              <a:latin typeface="+mj-lt"/>
+            </a:endParaRPr>
+          </a:p>
+        </p:txBody>
+      </p:sp>
+      <p:pic>
+        <p:nvPicPr>
+          <p:cNvPr id="8" name="Рисунок 7">
+            <a:extLst>
+              <a:ext uri="{FF2B5EF4-FFF2-40B4-BE49-F238E27FC236}">
+                <a16:creationId xmlns="" xmlns:a16="http://schemas.microsoft.com/office/drawing/2014/main" id="{966198B4-8B99-C49A-1422-CC68E167F8D0}"/>
+              </a:ext>
+            </a:extLst>
+          </p:cNvPr>
+          <p:cNvPicPr>
+            <a:picLocks noChangeAspect="1"/>
+          </p:cNvPicPr>
+          <p:nvPr/>
+        </p:nvPicPr>
+        <p:blipFill>
+          <a:blip r:embed="rId3"/>
+          <a:stretch>
+            <a:fillRect/>
+          </a:stretch>
+        </p:blipFill>
+        <p:spPr>
+          <a:xfrm>
+            <a:off x="58607" y="934066"/>
+            <a:ext cx="9026785" cy="4835138"/>
+          </a:xfrm>
+          <a:prstGeom prst="rect">
+            <a:avLst/>
+          </a:prstGeom>
+          <a:ln>
+            <a:noFill/>
+          </a:ln>
+          <a:effectLst>
+            <a:outerShdw blurRad="292100" dist="139700" dir="2700000" algn="tl" rotWithShape="0">
+              <a:srgbClr val="333333">
+                <a:alpha val="65000"/>
+              </a:srgbClr>
+            </a:outerShdw>
+          </a:effectLst>
+        </p:spPr>
+      </p:pic>
+      <p:sp>
+        <p:nvSpPr>
+          <p:cNvPr id="7" name="Номер слайда 6">
+            <a:extLst>
+              <a:ext uri="{FF2B5EF4-FFF2-40B4-BE49-F238E27FC236}">
+                <a16:creationId xmlns="" xmlns:a16="http://schemas.microsoft.com/office/drawing/2014/main" id="{C718C970-3F59-F107-BCA7-DDF8BA1E907F}"/>
+              </a:ext>
+            </a:extLst>
+          </p:cNvPr>
+          <p:cNvSpPr>
+            <a:spLocks noGrp="1"/>
+          </p:cNvSpPr>
+          <p:nvPr>
+            <p:ph type="sldNum" sz="quarter" idx="12"/>
+          </p:nvPr>
+        </p:nvSpPr>
+        <p:spPr/>
+        <p:txBody>
+          <a:bodyPr/>
+          <a:lstStyle/>
+          <a:p>
+            <a:fld id="{AFC5D346-0896-4BCB-BD3D-84DEBAD632DA}" type="slidenum">
+              <a:rPr lang="ru-RU" sz="2400" b="1" smtClean="0">
+                <a:solidFill>
+                  <a:schemeClr val="tx1"/>
+                </a:solidFill>
+              </a:rPr>
+              <a:t>7</a:t>
+            </a:fld>
+            <a:endParaRPr lang="ru-RU" sz="2400" b="1" dirty="0">
+              <a:solidFill>
+                <a:schemeClr val="tx1"/>
+              </a:solidFill>
+            </a:endParaRPr>
+          </a:p>
+        </p:txBody>
+      </p:sp>
+    </p:spTree>
+    <p:extLst>
+      <p:ext uri="{BB962C8B-B14F-4D97-AF65-F5344CB8AC3E}">
+        <p14:creationId xmlns:p14="http://schemas.microsoft.com/office/powerpoint/2010/main" val="824568072"/>
+      </p:ext>
+    </p:extLst>
+  </p:cSld>
+  <p:clrMapOvr>
+    <a:masterClrMapping/>
+  </p:clrMapOvr>
+  <p:timing>
+    <p:tnLst>
+      <p:par>
+        <p:cTn id="1" dur="indefinite" restart="never" nodeType="tmRoot"/>
+      </p:par>
+    </p:tnLst>
+  </p:timing>
+</p:sld>
+</file>
+
+<file path=ppt/slides/slide8.xml><?xml version="1.0" encoding="utf-8"?>
+<p:sld xmlns:a="http://schemas.openxmlformats.org/drawingml/2006/main" xmlns:r="http://schemas.openxmlformats.org/officeDocument/2006/relationships" xmlns:p="http://schemas.openxmlformats.org/presentationml/2006/main">
+  <p:cSld>
+    <p:spTree>
+      <p:nvGrpSpPr>
+        <p:cNvPr id="1" name="">
+          <a:extLst>
+            <a:ext uri="{FF2B5EF4-FFF2-40B4-BE49-F238E27FC236}">
+              <a16:creationId xmlns="" xmlns:a16="http://schemas.microsoft.com/office/drawing/2014/main" id="{C772474E-D276-C45E-3606-20E4692CA617}"/>
+            </a:ext>
+          </a:extLst>
+        </p:cNvPr>
+        <p:cNvGrpSpPr/>
+        <p:nvPr/>
+      </p:nvGrpSpPr>
+      <p:grpSpPr>
+        <a:xfrm>
+          <a:off x="0" y="0"/>
+          <a:ext cx="0" cy="0"/>
+          <a:chOff x="0" y="0"/>
+          <a:chExt cx="0" cy="0"/>
+        </a:xfrm>
+      </p:grpSpPr>
+      <p:pic>
+        <p:nvPicPr>
+          <p:cNvPr id="2" name="Рисунок 1">
+            <a:extLst>
+              <a:ext uri="{FF2B5EF4-FFF2-40B4-BE49-F238E27FC236}">
+                <a16:creationId xmlns="" xmlns:a16="http://schemas.microsoft.com/office/drawing/2014/main" id="{A6565609-9310-EDF0-ECAF-1E1A991AF993}"/>
+              </a:ext>
+            </a:extLst>
+          </p:cNvPr>
+          <p:cNvPicPr>
+            <a:picLocks noChangeAspect="1"/>
+          </p:cNvPicPr>
+          <p:nvPr/>
+        </p:nvPicPr>
+        <p:blipFill>
+          <a:blip r:embed="rId3"/>
+          <a:stretch>
+            <a:fillRect/>
+          </a:stretch>
+        </p:blipFill>
+        <p:spPr>
+          <a:xfrm>
+            <a:off x="0" y="-1"/>
+            <a:ext cx="9144000" cy="6780059"/>
+          </a:xfrm>
+          <a:prstGeom prst="rect">
+            <a:avLst/>
+          </a:prstGeom>
+          <a:ln>
+            <a:noFill/>
+          </a:ln>
+          <a:effectLst>
+            <a:outerShdw blurRad="292100" dist="139700" dir="2700000" algn="tl" rotWithShape="0">
+              <a:srgbClr val="333333">
+                <a:alpha val="65000"/>
+              </a:srgbClr>
+            </a:outerShdw>
+          </a:effectLst>
+        </p:spPr>
+      </p:pic>
+      <p:sp>
+        <p:nvSpPr>
+          <p:cNvPr id="6" name="Объект 5">
+            <a:extLst>
+              <a:ext uri="{FF2B5EF4-FFF2-40B4-BE49-F238E27FC236}">
+                <a16:creationId xmlns="" xmlns:a16="http://schemas.microsoft.com/office/drawing/2014/main" id="{C4A7ED36-4C57-62BE-EE2D-5EFA52BBC7E9}"/>
+              </a:ext>
+            </a:extLst>
+          </p:cNvPr>
+          <p:cNvSpPr>
+            <a:spLocks noGrp="1"/>
+          </p:cNvSpPr>
+          <p:nvPr>
+            <p:ph sz="half" idx="1"/>
+          </p:nvPr>
+        </p:nvSpPr>
+        <p:spPr>
+          <a:xfrm>
+            <a:off x="2790334" y="4960521"/>
+            <a:ext cx="6353666" cy="1562828"/>
+          </a:xfrm>
+        </p:spPr>
+        <p:txBody>
+          <a:bodyPr anchor="b">
+            <a:normAutofit/>
+          </a:bodyPr>
+          <a:lstStyle/>
+          <a:p>
+            <a:pPr marL="0" indent="0">
+              <a:buNone/>
+            </a:pPr>
+            <a:r>
+              <a:rPr lang="ru-RU" sz="2400" b="1" dirty="0">
+                <a:latin typeface="+mj-lt"/>
+                <a:ea typeface="Calibri" panose="020F0502020204030204" pitchFamily="34" charset="0"/>
+              </a:rPr>
+              <a:t>На основе концептуальной диаграммы разработана логическая модель базы данных. </a:t>
+            </a:r>
+            <a:endParaRPr lang="ru-RU" sz="2400" b="1" dirty="0">
+              <a:latin typeface="+mj-lt"/>
+            </a:endParaRPr>
+          </a:p>
+        </p:txBody>
+      </p:sp>
+      <p:sp>
+        <p:nvSpPr>
+          <p:cNvPr id="9" name="Номер слайда 8">
+            <a:extLst>
+              <a:ext uri="{FF2B5EF4-FFF2-40B4-BE49-F238E27FC236}">
+                <a16:creationId xmlns="" xmlns:a16="http://schemas.microsoft.com/office/drawing/2014/main" id="{C9882451-1C9D-41A9-B53B-ADC6AF068F52}"/>
+              </a:ext>
+            </a:extLst>
+          </p:cNvPr>
+          <p:cNvSpPr>
+            <a:spLocks noGrp="1"/>
+          </p:cNvSpPr>
+          <p:nvPr>
+            <p:ph type="sldNum" sz="quarter" idx="12"/>
+          </p:nvPr>
+        </p:nvSpPr>
+        <p:spPr>
+          <a:xfrm>
+            <a:off x="-1469993" y="0"/>
+            <a:ext cx="2057400" cy="365125"/>
+          </a:xfrm>
+        </p:spPr>
+        <p:txBody>
+          <a:bodyPr/>
+          <a:lstStyle/>
+          <a:p>
+            <a:fld id="{AFC5D346-0896-4BCB-BD3D-84DEBAD632DA}" type="slidenum">
+              <a:rPr lang="ru-RU" sz="2400" b="1" smtClean="0">
+                <a:solidFill>
+                  <a:schemeClr val="tx1"/>
+                </a:solidFill>
+              </a:rPr>
+              <a:t>8</a:t>
+            </a:fld>
+            <a:endParaRPr lang="ru-RU" sz="2400" b="1" dirty="0">
+              <a:solidFill>
+                <a:schemeClr val="tx1"/>
+              </a:solidFill>
+            </a:endParaRPr>
+          </a:p>
+        </p:txBody>
+      </p:sp>
+    </p:spTree>
+    <p:extLst>
+      <p:ext uri="{BB962C8B-B14F-4D97-AF65-F5344CB8AC3E}">
+        <p14:creationId xmlns:p14="http://schemas.microsoft.com/office/powerpoint/2010/main" val="3976027692"/>
+      </p:ext>
+    </p:extLst>
+  </p:cSld>
+  <p:clrMapOvr>
+    <a:masterClrMapping/>
+  </p:clrMapOvr>
+  <p:timing>
+    <p:tnLst>
+      <p:par>
+        <p:cTn id="1" dur="indefinite" restart="never" nodeType="tmRoot"/>
+      </p:par>
+    </p:tnLst>
+  </p:timing>
+</p:sld>
+</file>
+
+<file path=ppt/slides/slide9.xml><?xml version="1.0" encoding="utf-8"?>
+<p:sld xmlns:a="http://schemas.openxmlformats.org/drawingml/2006/main" xmlns:r="http://schemas.openxmlformats.org/officeDocument/2006/relationships" xmlns:p="http://schemas.openxmlformats.org/presentationml/2006/main">
+  <p:cSld>
+    <p:spTree>
+      <p:nvGrpSpPr>
+        <p:cNvPr id="1" name=""/>
+        <p:cNvGrpSpPr/>
+        <p:nvPr/>
+      </p:nvGrpSpPr>
+      <p:grpSpPr>
+        <a:xfrm>
+          <a:off x="0" y="0"/>
+          <a:ext cx="0" cy="0"/>
+          <a:chOff x="0" y="0"/>
+          <a:chExt cx="0" cy="0"/>
+        </a:xfrm>
+      </p:grpSpPr>
+      <p:sp>
+        <p:nvSpPr>
+          <p:cNvPr id="6" name="Номер слайда 5">
+            <a:extLst>
+              <a:ext uri="{FF2B5EF4-FFF2-40B4-BE49-F238E27FC236}">
+                <a16:creationId xmlns="" xmlns:a16="http://schemas.microsoft.com/office/drawing/2014/main" id="{0B1F6116-7326-FD49-12D0-6D2252FFA567}"/>
               </a:ext>
             </a:extLst>
           </p:cNvPr>
@@ -10754,7 +12336,7 @@
                   <a:schemeClr val="tx1"/>
                 </a:solidFill>
               </a:rPr>
-              <a:t>5</a:t>
+              <a:t>9</a:t>
             </a:fld>
             <a:endParaRPr lang="ru-RU" sz="2400" b="1" dirty="0">
               <a:solidFill>
@@ -10769,7 +12351,7 @@
           <p:cNvPr id="4" name="Заголовок 3">
             <a:extLst>
               <a:ext uri="{FF2B5EF4-FFF2-40B4-BE49-F238E27FC236}">
-                <a16:creationId xmlns:a16="http://schemas.microsoft.com/office/drawing/2014/main" xmlns="" id="{F947FD6E-9F2C-2F06-BB54-29BFF5AE6B81}"/>
+                <a16:creationId xmlns="" xmlns:a16="http://schemas.microsoft.com/office/drawing/2014/main" id="{F947FD6E-9F2C-2F06-BB54-29BFF5AE6B81}"/>
               </a:ext>
             </a:extLst>
           </p:cNvPr>
@@ -10813,7 +12395,7 @@
           <p:cNvPr id="14" name="Прямоугольник: усеченные верхние углы 13">
             <a:extLst>
               <a:ext uri="{FF2B5EF4-FFF2-40B4-BE49-F238E27FC236}">
-                <a16:creationId xmlns:a16="http://schemas.microsoft.com/office/drawing/2014/main" xmlns="" id="{8DC3AA56-C119-6969-BEE0-104C920215D6}"/>
+                <a16:creationId xmlns="" xmlns:a16="http://schemas.microsoft.com/office/drawing/2014/main" id="{8DC3AA56-C119-6969-BEE0-104C920215D6}"/>
               </a:ext>
             </a:extLst>
           </p:cNvPr>
@@ -10867,7 +12449,7 @@
           <p:cNvPr id="15" name="TextBox 14">
             <a:extLst>
               <a:ext uri="{FF2B5EF4-FFF2-40B4-BE49-F238E27FC236}">
-                <a16:creationId xmlns:a16="http://schemas.microsoft.com/office/drawing/2014/main" xmlns="" id="{ADA24296-2693-6060-D417-F117D2D210BF}"/>
+                <a16:creationId xmlns="" xmlns:a16="http://schemas.microsoft.com/office/drawing/2014/main" id="{ADA24296-2693-6060-D417-F117D2D210BF}"/>
               </a:ext>
             </a:extLst>
           </p:cNvPr>
@@ -10905,7 +12487,7 @@
           <p:cNvPr id="16" name="TextBox 15">
             <a:extLst>
               <a:ext uri="{FF2B5EF4-FFF2-40B4-BE49-F238E27FC236}">
-                <a16:creationId xmlns:a16="http://schemas.microsoft.com/office/drawing/2014/main" xmlns="" id="{2F0F9209-584C-5EEB-1913-7D35987F89F5}"/>
+                <a16:creationId xmlns="" xmlns:a16="http://schemas.microsoft.com/office/drawing/2014/main" id="{2F0F9209-584C-5EEB-1913-7D35987F89F5}"/>
               </a:ext>
             </a:extLst>
           </p:cNvPr>
@@ -10968,7 +12550,7 @@
           <p:cNvPr id="17" name="TextBox 16">
             <a:extLst>
               <a:ext uri="{FF2B5EF4-FFF2-40B4-BE49-F238E27FC236}">
-                <a16:creationId xmlns:a16="http://schemas.microsoft.com/office/drawing/2014/main" xmlns="" id="{D923A459-AA98-149A-C973-C96BD0B0BA34}"/>
+                <a16:creationId xmlns="" xmlns:a16="http://schemas.microsoft.com/office/drawing/2014/main" id="{D923A459-AA98-149A-C973-C96BD0B0BA34}"/>
               </a:ext>
             </a:extLst>
           </p:cNvPr>
@@ -11009,7 +12591,7 @@
           <p:cNvPr id="18" name="TextBox 17">
             <a:extLst>
               <a:ext uri="{FF2B5EF4-FFF2-40B4-BE49-F238E27FC236}">
-                <a16:creationId xmlns:a16="http://schemas.microsoft.com/office/drawing/2014/main" xmlns="" id="{6BC605CD-3ECA-822D-6D6E-30F050F5C272}"/>
+                <a16:creationId xmlns="" xmlns:a16="http://schemas.microsoft.com/office/drawing/2014/main" id="{6BC605CD-3ECA-822D-6D6E-30F050F5C272}"/>
               </a:ext>
             </a:extLst>
           </p:cNvPr>
@@ -11056,7 +12638,7 @@
           <p:cNvPr id="19" name="Picture 2" descr="C:\Users\TroDA\Desktop\632b60f8c1aa184a0e5766d9_202209-ms-sql-icon-3x.png">
             <a:extLst>
               <a:ext uri="{FF2B5EF4-FFF2-40B4-BE49-F238E27FC236}">
-                <a16:creationId xmlns:a16="http://schemas.microsoft.com/office/drawing/2014/main" xmlns="" id="{A755AD49-3A11-E600-E950-AD8FB2522961}"/>
+                <a16:creationId xmlns="" xmlns:a16="http://schemas.microsoft.com/office/drawing/2014/main" id="{A755AD49-3A11-E600-E950-AD8FB2522961}"/>
               </a:ext>
             </a:extLst>
           </p:cNvPr>
@@ -11103,7 +12685,7 @@
           <p:cNvPr id="20" name="Picture 4" descr="Picture background">
             <a:extLst>
               <a:ext uri="{FF2B5EF4-FFF2-40B4-BE49-F238E27FC236}">
-                <a16:creationId xmlns:a16="http://schemas.microsoft.com/office/drawing/2014/main" xmlns="" id="{80ACA6C7-086E-883E-1560-8F5BC1275354}"/>
+                <a16:creationId xmlns="" xmlns:a16="http://schemas.microsoft.com/office/drawing/2014/main" id="{80ACA6C7-086E-883E-1560-8F5BC1275354}"/>
               </a:ext>
             </a:extLst>
           </p:cNvPr>
@@ -11150,7 +12732,7 @@
           <p:cNvPr id="24" name="Рисунок 23">
             <a:extLst>
               <a:ext uri="{FF2B5EF4-FFF2-40B4-BE49-F238E27FC236}">
-                <a16:creationId xmlns:a16="http://schemas.microsoft.com/office/drawing/2014/main" xmlns="" id="{BA936F3C-9B80-83A0-4311-432A98E7E222}"/>
+                <a16:creationId xmlns="" xmlns:a16="http://schemas.microsoft.com/office/drawing/2014/main" id="{BA936F3C-9B80-83A0-4311-432A98E7E222}"/>
               </a:ext>
             </a:extLst>
           </p:cNvPr>
@@ -11186,7 +12768,7 @@
           <p:cNvPr id="27" name="Picture 4" descr="C:\Users\TroDA\Desktop\entity-framework.png">
             <a:extLst>
               <a:ext uri="{FF2B5EF4-FFF2-40B4-BE49-F238E27FC236}">
-                <a16:creationId xmlns:a16="http://schemas.microsoft.com/office/drawing/2014/main" xmlns="" id="{EE1FDB24-DBC9-BAF2-9936-59EDBFDE24BB}"/>
+                <a16:creationId xmlns="" xmlns:a16="http://schemas.microsoft.com/office/drawing/2014/main" id="{EE1FDB24-DBC9-BAF2-9936-59EDBFDE24BB}"/>
               </a:ext>
             </a:extLst>
           </p:cNvPr>
@@ -11231,7 +12813,7 @@
           <p:cNvPr id="28" name="Group 4">
             <a:extLst>
               <a:ext uri="{FF2B5EF4-FFF2-40B4-BE49-F238E27FC236}">
-                <a16:creationId xmlns:a16="http://schemas.microsoft.com/office/drawing/2014/main" xmlns="" id="{32076252-D12F-AE42-F2F6-D7C3C646B045}"/>
+                <a16:creationId xmlns="" xmlns:a16="http://schemas.microsoft.com/office/drawing/2014/main" id="{32076252-D12F-AE42-F2F6-D7C3C646B045}"/>
               </a:ext>
             </a:extLst>
           </p:cNvPr>
@@ -11251,7 +12833,7 @@
             <p:cNvPr id="29" name="Freeform 5">
               <a:extLst>
                 <a:ext uri="{FF2B5EF4-FFF2-40B4-BE49-F238E27FC236}">
-                  <a16:creationId xmlns:a16="http://schemas.microsoft.com/office/drawing/2014/main" xmlns="" id="{FC6019BC-ADBE-16B4-1B26-99CB37B85773}"/>
+                  <a16:creationId xmlns="" xmlns:a16="http://schemas.microsoft.com/office/drawing/2014/main" id="{FC6019BC-ADBE-16B4-1B26-99CB37B85773}"/>
                 </a:ext>
               </a:extLst>
             </p:cNvPr>
@@ -11336,7 +12918,7 @@
             <p:cNvPr id="30" name="TextBox 6">
               <a:extLst>
                 <a:ext uri="{FF2B5EF4-FFF2-40B4-BE49-F238E27FC236}">
-                  <a16:creationId xmlns:a16="http://schemas.microsoft.com/office/drawing/2014/main" xmlns="" id="{DD11167B-0011-4583-BDD2-2E737CBC4DB5}"/>
+                  <a16:creationId xmlns="" xmlns:a16="http://schemas.microsoft.com/office/drawing/2014/main" id="{DD11167B-0011-4583-BDD2-2E737CBC4DB5}"/>
                 </a:ext>
               </a:extLst>
             </p:cNvPr>
@@ -11370,907 +12952,6 @@
     <p:extLst>
       <p:ext uri="{BB962C8B-B14F-4D97-AF65-F5344CB8AC3E}">
         <p14:creationId xmlns:p14="http://schemas.microsoft.com/office/powerpoint/2010/main" val="4019108974"/>
-      </p:ext>
-    </p:extLst>
-  </p:cSld>
-  <p:clrMapOvr>
-    <a:masterClrMapping/>
-  </p:clrMapOvr>
-  <p:timing>
-    <p:tnLst>
-      <p:par>
-        <p:cTn id="1" dur="indefinite" restart="never" nodeType="tmRoot"/>
-      </p:par>
-    </p:tnLst>
-  </p:timing>
-</p:sld>
-</file>
-
-<file path=ppt/slides/slide6.xml><?xml version="1.0" encoding="utf-8"?>
-<p:sld xmlns:a="http://schemas.openxmlformats.org/drawingml/2006/main" xmlns:r="http://schemas.openxmlformats.org/officeDocument/2006/relationships" xmlns:p="http://schemas.openxmlformats.org/presentationml/2006/main">
-  <p:cSld>
-    <p:spTree>
-      <p:nvGrpSpPr>
-        <p:cNvPr id="1" name=""/>
-        <p:cNvGrpSpPr/>
-        <p:nvPr/>
-      </p:nvGrpSpPr>
-      <p:grpSpPr>
-        <a:xfrm>
-          <a:off x="0" y="0"/>
-          <a:ext cx="0" cy="0"/>
-          <a:chOff x="0" y="0"/>
-          <a:chExt cx="0" cy="0"/>
-        </a:xfrm>
-      </p:grpSpPr>
-      <p:sp>
-        <p:nvSpPr>
-          <p:cNvPr id="5" name="Заголовок 4">
-            <a:extLst>
-              <a:ext uri="{FF2B5EF4-FFF2-40B4-BE49-F238E27FC236}">
-                <a16:creationId xmlns:a16="http://schemas.microsoft.com/office/drawing/2014/main" xmlns="" id="{C60A9AEE-1D62-81CB-0CD1-D554FE470100}"/>
-              </a:ext>
-            </a:extLst>
-          </p:cNvPr>
-          <p:cNvSpPr>
-            <a:spLocks noGrp="1"/>
-          </p:cNvSpPr>
-          <p:nvPr>
-            <p:ph type="title"/>
-          </p:nvPr>
-        </p:nvSpPr>
-        <p:spPr>
-          <a:xfrm>
-            <a:off x="-685800" y="108244"/>
-            <a:ext cx="10515600" cy="874531"/>
-          </a:xfrm>
-        </p:spPr>
-        <p:txBody>
-          <a:bodyPr>
-            <a:normAutofit/>
-          </a:bodyPr>
-          <a:lstStyle/>
-          <a:p>
-            <a:pPr algn="ctr"/>
-            <a:r>
-              <a:rPr lang="ru-RU" sz="3600" b="1" dirty="0">
-                <a:latin typeface="Bahnschrift SemiBold" panose="020B0502040204020203" pitchFamily="34" charset="0"/>
-              </a:rPr>
-              <a:t>ВИЗУАЛЬНОЕ ПРЕДСТАВЛЕНИЕ </a:t>
-            </a:r>
-            <a:r>
-              <a:rPr lang="en-US" sz="3600" b="1" dirty="0">
-                <a:latin typeface="Bahnschrift SemiBold" panose="020B0502040204020203" pitchFamily="34" charset="0"/>
-              </a:rPr>
-              <a:t>MVC</a:t>
-            </a:r>
-            <a:endParaRPr lang="ru-RU" sz="3600" b="1" dirty="0">
-              <a:latin typeface="Bahnschrift SemiBold" panose="020B0502040204020203" pitchFamily="34" charset="0"/>
-            </a:endParaRPr>
-          </a:p>
-        </p:txBody>
-      </p:sp>
-      <p:pic>
-        <p:nvPicPr>
-          <p:cNvPr id="7" name="Объект 6">
-            <a:extLst>
-              <a:ext uri="{FF2B5EF4-FFF2-40B4-BE49-F238E27FC236}">
-                <a16:creationId xmlns:a16="http://schemas.microsoft.com/office/drawing/2014/main" xmlns="" id="{66BF457C-F977-674E-6351-6762D8F23155}"/>
-              </a:ext>
-            </a:extLst>
-          </p:cNvPr>
-          <p:cNvPicPr>
-            <a:picLocks noGrp="1" noChangeAspect="1"/>
-          </p:cNvPicPr>
-          <p:nvPr>
-            <p:ph idx="1"/>
-          </p:nvPr>
-        </p:nvPicPr>
-        <p:blipFill>
-          <a:blip r:embed="rId2"/>
-          <a:stretch>
-            <a:fillRect/>
-          </a:stretch>
-        </p:blipFill>
-        <p:spPr>
-          <a:xfrm>
-            <a:off x="478042" y="963180"/>
-            <a:ext cx="8187916" cy="5051382"/>
-          </a:xfrm>
-          <a:prstGeom prst="rect">
-            <a:avLst/>
-          </a:prstGeom>
-          <a:ln>
-            <a:noFill/>
-          </a:ln>
-          <a:effectLst>
-            <a:outerShdw blurRad="292100" dist="139700" dir="2700000" algn="tl" rotWithShape="0">
-              <a:srgbClr val="333333">
-                <a:alpha val="65000"/>
-              </a:srgbClr>
-            </a:outerShdw>
-          </a:effectLst>
-        </p:spPr>
-      </p:pic>
-      <p:pic>
-        <p:nvPicPr>
-          <p:cNvPr id="8" name="Рисунок 7">
-            <a:extLst>
-              <a:ext uri="{FF2B5EF4-FFF2-40B4-BE49-F238E27FC236}">
-                <a16:creationId xmlns:a16="http://schemas.microsoft.com/office/drawing/2014/main" xmlns="" id="{5D068746-EC85-3D41-C5EB-0DD44F534AE5}"/>
-              </a:ext>
-            </a:extLst>
-          </p:cNvPr>
-          <p:cNvPicPr>
-            <a:picLocks noChangeAspect="1"/>
-          </p:cNvPicPr>
-          <p:nvPr/>
-        </p:nvPicPr>
-        <p:blipFill>
-          <a:blip r:embed="rId3" cstate="print">
-            <a:extLst>
-              <a:ext uri="{28A0092B-C50C-407E-A947-70E740481C1C}">
-                <a14:useLocalDpi xmlns:a14="http://schemas.microsoft.com/office/drawing/2010/main" val="0"/>
-              </a:ext>
-            </a:extLst>
-          </a:blip>
-          <a:stretch>
-            <a:fillRect/>
-          </a:stretch>
-        </p:blipFill>
-        <p:spPr>
-          <a:xfrm flipH="1">
-            <a:off x="-113123" y="6174000"/>
-            <a:ext cx="9407951" cy="684000"/>
-          </a:xfrm>
-          <a:prstGeom prst="rect">
-            <a:avLst/>
-          </a:prstGeom>
-          <a:effectLst>
-            <a:outerShdw blurRad="50800" dist="50800" dir="5400000" sx="99000" sy="99000" algn="ctr" rotWithShape="0">
-              <a:srgbClr val="000000">
-                <a:alpha val="99000"/>
-              </a:srgbClr>
-            </a:outerShdw>
-          </a:effectLst>
-        </p:spPr>
-      </p:pic>
-      <p:sp>
-        <p:nvSpPr>
-          <p:cNvPr id="6" name="Номер слайда 5">
-            <a:extLst>
-              <a:ext uri="{FF2B5EF4-FFF2-40B4-BE49-F238E27FC236}">
-                <a16:creationId xmlns:a16="http://schemas.microsoft.com/office/drawing/2014/main" xmlns="" id="{531F97A9-7535-5B53-27DB-D1922E1EF091}"/>
-              </a:ext>
-            </a:extLst>
-          </p:cNvPr>
-          <p:cNvSpPr>
-            <a:spLocks noGrp="1"/>
-          </p:cNvSpPr>
-          <p:nvPr>
-            <p:ph type="sldNum" sz="quarter" idx="12"/>
-          </p:nvPr>
-        </p:nvSpPr>
-        <p:spPr>
-          <a:xfrm>
-            <a:off x="6457950" y="6270781"/>
-            <a:ext cx="2057400" cy="365125"/>
-          </a:xfrm>
-        </p:spPr>
-        <p:txBody>
-          <a:bodyPr/>
-          <a:lstStyle/>
-          <a:p>
-            <a:fld id="{AFC5D346-0896-4BCB-BD3D-84DEBAD632DA}" type="slidenum">
-              <a:rPr lang="ru-RU" sz="2400" b="1" smtClean="0">
-                <a:solidFill>
-                  <a:schemeClr val="tx1"/>
-                </a:solidFill>
-              </a:rPr>
-              <a:t>6</a:t>
-            </a:fld>
-            <a:endParaRPr lang="ru-RU" sz="2400" b="1" dirty="0">
-              <a:solidFill>
-                <a:schemeClr val="tx1"/>
-              </a:solidFill>
-            </a:endParaRPr>
-          </a:p>
-        </p:txBody>
-      </p:sp>
-    </p:spTree>
-    <p:extLst>
-      <p:ext uri="{BB962C8B-B14F-4D97-AF65-F5344CB8AC3E}">
-        <p14:creationId xmlns:p14="http://schemas.microsoft.com/office/powerpoint/2010/main" val="1631451252"/>
-      </p:ext>
-    </p:extLst>
-  </p:cSld>
-  <p:clrMapOvr>
-    <a:masterClrMapping/>
-  </p:clrMapOvr>
-  <p:timing>
-    <p:tnLst>
-      <p:par>
-        <p:cTn id="1" dur="indefinite" restart="never" nodeType="tmRoot"/>
-      </p:par>
-    </p:tnLst>
-  </p:timing>
-</p:sld>
-</file>
-
-<file path=ppt/slides/slide7.xml><?xml version="1.0" encoding="utf-8"?>
-<p:sld xmlns:a="http://schemas.openxmlformats.org/drawingml/2006/main" xmlns:r="http://schemas.openxmlformats.org/officeDocument/2006/relationships" xmlns:p="http://schemas.openxmlformats.org/presentationml/2006/main">
-  <p:cSld>
-    <p:spTree>
-      <p:nvGrpSpPr>
-        <p:cNvPr id="1" name=""/>
-        <p:cNvGrpSpPr/>
-        <p:nvPr/>
-      </p:nvGrpSpPr>
-      <p:grpSpPr>
-        <a:xfrm>
-          <a:off x="0" y="0"/>
-          <a:ext cx="0" cy="0"/>
-          <a:chOff x="0" y="0"/>
-          <a:chExt cx="0" cy="0"/>
-        </a:xfrm>
-      </p:grpSpPr>
-      <p:sp>
-        <p:nvSpPr>
-          <p:cNvPr id="5" name="Заголовок 4">
-            <a:extLst>
-              <a:ext uri="{FF2B5EF4-FFF2-40B4-BE49-F238E27FC236}">
-                <a16:creationId xmlns:a16="http://schemas.microsoft.com/office/drawing/2014/main" xmlns="" id="{2D821327-D069-0580-52EE-BAE7E831FCAA}"/>
-              </a:ext>
-            </a:extLst>
-          </p:cNvPr>
-          <p:cNvSpPr>
-            <a:spLocks noGrp="1"/>
-          </p:cNvSpPr>
-          <p:nvPr>
-            <p:ph type="title"/>
-          </p:nvPr>
-        </p:nvSpPr>
-        <p:spPr>
-          <a:xfrm>
-            <a:off x="-496529" y="91104"/>
-            <a:ext cx="10515600" cy="842962"/>
-          </a:xfrm>
-        </p:spPr>
-        <p:txBody>
-          <a:bodyPr>
-            <a:normAutofit/>
-          </a:bodyPr>
-          <a:lstStyle/>
-          <a:p>
-            <a:pPr algn="ctr"/>
-            <a:r>
-              <a:rPr lang="ru-RU" sz="3200" b="1" dirty="0">
-                <a:latin typeface="Bahnschrift SemiBold" panose="020B0502040204020203" pitchFamily="34" charset="0"/>
-              </a:rPr>
-              <a:t>ПРОЕКТИРОВАНИЕ ВЕБ-ПРИЛОЖЕНИЯ</a:t>
-            </a:r>
-          </a:p>
-        </p:txBody>
-      </p:sp>
-      <p:sp>
-        <p:nvSpPr>
-          <p:cNvPr id="6" name="Объект 5">
-            <a:extLst>
-              <a:ext uri="{FF2B5EF4-FFF2-40B4-BE49-F238E27FC236}">
-                <a16:creationId xmlns:a16="http://schemas.microsoft.com/office/drawing/2014/main" xmlns="" id="{E7CA67AF-E0D0-92F3-0180-7BF6872E8947}"/>
-              </a:ext>
-            </a:extLst>
-          </p:cNvPr>
-          <p:cNvSpPr>
-            <a:spLocks noGrp="1"/>
-          </p:cNvSpPr>
-          <p:nvPr>
-            <p:ph sz="half" idx="1"/>
-          </p:nvPr>
-        </p:nvSpPr>
-        <p:spPr>
-          <a:xfrm>
-            <a:off x="141402" y="5878514"/>
-            <a:ext cx="9002598" cy="842962"/>
-          </a:xfrm>
-        </p:spPr>
-        <p:txBody>
-          <a:bodyPr>
-            <a:normAutofit/>
-          </a:bodyPr>
-          <a:lstStyle/>
-          <a:p>
-            <a:pPr marL="0" indent="0">
-              <a:buNone/>
-            </a:pPr>
-            <a:r>
-              <a:rPr lang="ru-RU" sz="2400" b="1" dirty="0">
-                <a:latin typeface="+mj-lt"/>
-                <a:ea typeface="Calibri" panose="020F0502020204030204" pitchFamily="34" charset="0"/>
-              </a:rPr>
-              <a:t>Концептуальная модель базы данных, построенная с использованием нотации Мартина.</a:t>
-            </a:r>
-            <a:endParaRPr lang="ru-RU" b="1" dirty="0">
-              <a:latin typeface="+mj-lt"/>
-            </a:endParaRPr>
-          </a:p>
-        </p:txBody>
-      </p:sp>
-      <p:pic>
-        <p:nvPicPr>
-          <p:cNvPr id="8" name="Рисунок 7">
-            <a:extLst>
-              <a:ext uri="{FF2B5EF4-FFF2-40B4-BE49-F238E27FC236}">
-                <a16:creationId xmlns:a16="http://schemas.microsoft.com/office/drawing/2014/main" xmlns="" id="{966198B4-8B99-C49A-1422-CC68E167F8D0}"/>
-              </a:ext>
-            </a:extLst>
-          </p:cNvPr>
-          <p:cNvPicPr>
-            <a:picLocks noChangeAspect="1"/>
-          </p:cNvPicPr>
-          <p:nvPr/>
-        </p:nvPicPr>
-        <p:blipFill>
-          <a:blip r:embed="rId3"/>
-          <a:stretch>
-            <a:fillRect/>
-          </a:stretch>
-        </p:blipFill>
-        <p:spPr>
-          <a:xfrm>
-            <a:off x="58607" y="934066"/>
-            <a:ext cx="9026785" cy="4835138"/>
-          </a:xfrm>
-          <a:prstGeom prst="rect">
-            <a:avLst/>
-          </a:prstGeom>
-          <a:ln>
-            <a:noFill/>
-          </a:ln>
-          <a:effectLst>
-            <a:outerShdw blurRad="292100" dist="139700" dir="2700000" algn="tl" rotWithShape="0">
-              <a:srgbClr val="333333">
-                <a:alpha val="65000"/>
-              </a:srgbClr>
-            </a:outerShdw>
-          </a:effectLst>
-        </p:spPr>
-      </p:pic>
-      <p:sp>
-        <p:nvSpPr>
-          <p:cNvPr id="7" name="Номер слайда 6">
-            <a:extLst>
-              <a:ext uri="{FF2B5EF4-FFF2-40B4-BE49-F238E27FC236}">
-                <a16:creationId xmlns:a16="http://schemas.microsoft.com/office/drawing/2014/main" xmlns="" id="{C718C970-3F59-F107-BCA7-DDF8BA1E907F}"/>
-              </a:ext>
-            </a:extLst>
-          </p:cNvPr>
-          <p:cNvSpPr>
-            <a:spLocks noGrp="1"/>
-          </p:cNvSpPr>
-          <p:nvPr>
-            <p:ph type="sldNum" sz="quarter" idx="12"/>
-          </p:nvPr>
-        </p:nvSpPr>
-        <p:spPr/>
-        <p:txBody>
-          <a:bodyPr/>
-          <a:lstStyle/>
-          <a:p>
-            <a:fld id="{AFC5D346-0896-4BCB-BD3D-84DEBAD632DA}" type="slidenum">
-              <a:rPr lang="ru-RU" sz="2400" b="1" smtClean="0">
-                <a:solidFill>
-                  <a:schemeClr val="tx1"/>
-                </a:solidFill>
-              </a:rPr>
-              <a:t>7</a:t>
-            </a:fld>
-            <a:endParaRPr lang="ru-RU" sz="2400" b="1" dirty="0">
-              <a:solidFill>
-                <a:schemeClr val="tx1"/>
-              </a:solidFill>
-            </a:endParaRPr>
-          </a:p>
-        </p:txBody>
-      </p:sp>
-    </p:spTree>
-    <p:extLst>
-      <p:ext uri="{BB962C8B-B14F-4D97-AF65-F5344CB8AC3E}">
-        <p14:creationId xmlns:p14="http://schemas.microsoft.com/office/powerpoint/2010/main" val="824568072"/>
-      </p:ext>
-    </p:extLst>
-  </p:cSld>
-  <p:clrMapOvr>
-    <a:masterClrMapping/>
-  </p:clrMapOvr>
-  <p:timing>
-    <p:tnLst>
-      <p:par>
-        <p:cTn id="1" dur="indefinite" restart="never" nodeType="tmRoot"/>
-      </p:par>
-    </p:tnLst>
-  </p:timing>
-</p:sld>
-</file>
-
-<file path=ppt/slides/slide8.xml><?xml version="1.0" encoding="utf-8"?>
-<p:sld xmlns:a="http://schemas.openxmlformats.org/drawingml/2006/main" xmlns:r="http://schemas.openxmlformats.org/officeDocument/2006/relationships" xmlns:p="http://schemas.openxmlformats.org/presentationml/2006/main">
-  <p:cSld>
-    <p:spTree>
-      <p:nvGrpSpPr>
-        <p:cNvPr id="1" name="">
-          <a:extLst>
-            <a:ext uri="{FF2B5EF4-FFF2-40B4-BE49-F238E27FC236}">
-              <a16:creationId xmlns:a16="http://schemas.microsoft.com/office/drawing/2014/main" xmlns="" id="{C772474E-D276-C45E-3606-20E4692CA617}"/>
-            </a:ext>
-          </a:extLst>
-        </p:cNvPr>
-        <p:cNvGrpSpPr/>
-        <p:nvPr/>
-      </p:nvGrpSpPr>
-      <p:grpSpPr>
-        <a:xfrm>
-          <a:off x="0" y="0"/>
-          <a:ext cx="0" cy="0"/>
-          <a:chOff x="0" y="0"/>
-          <a:chExt cx="0" cy="0"/>
-        </a:xfrm>
-      </p:grpSpPr>
-      <p:pic>
-        <p:nvPicPr>
-          <p:cNvPr id="2" name="Рисунок 1">
-            <a:extLst>
-              <a:ext uri="{FF2B5EF4-FFF2-40B4-BE49-F238E27FC236}">
-                <a16:creationId xmlns:a16="http://schemas.microsoft.com/office/drawing/2014/main" xmlns="" id="{A6565609-9310-EDF0-ECAF-1E1A991AF993}"/>
-              </a:ext>
-            </a:extLst>
-          </p:cNvPr>
-          <p:cNvPicPr>
-            <a:picLocks noChangeAspect="1"/>
-          </p:cNvPicPr>
-          <p:nvPr/>
-        </p:nvPicPr>
-        <p:blipFill>
-          <a:blip r:embed="rId3"/>
-          <a:stretch>
-            <a:fillRect/>
-          </a:stretch>
-        </p:blipFill>
-        <p:spPr>
-          <a:xfrm>
-            <a:off x="0" y="-1"/>
-            <a:ext cx="9144000" cy="6780059"/>
-          </a:xfrm>
-          <a:prstGeom prst="rect">
-            <a:avLst/>
-          </a:prstGeom>
-          <a:ln>
-            <a:noFill/>
-          </a:ln>
-          <a:effectLst>
-            <a:outerShdw blurRad="292100" dist="139700" dir="2700000" algn="tl" rotWithShape="0">
-              <a:srgbClr val="333333">
-                <a:alpha val="65000"/>
-              </a:srgbClr>
-            </a:outerShdw>
-          </a:effectLst>
-        </p:spPr>
-      </p:pic>
-      <p:sp>
-        <p:nvSpPr>
-          <p:cNvPr id="6" name="Объект 5">
-            <a:extLst>
-              <a:ext uri="{FF2B5EF4-FFF2-40B4-BE49-F238E27FC236}">
-                <a16:creationId xmlns:a16="http://schemas.microsoft.com/office/drawing/2014/main" xmlns="" id="{C4A7ED36-4C57-62BE-EE2D-5EFA52BBC7E9}"/>
-              </a:ext>
-            </a:extLst>
-          </p:cNvPr>
-          <p:cNvSpPr>
-            <a:spLocks noGrp="1"/>
-          </p:cNvSpPr>
-          <p:nvPr>
-            <p:ph sz="half" idx="1"/>
-          </p:nvPr>
-        </p:nvSpPr>
-        <p:spPr>
-          <a:xfrm>
-            <a:off x="2790334" y="4960521"/>
-            <a:ext cx="6353666" cy="1562828"/>
-          </a:xfrm>
-        </p:spPr>
-        <p:txBody>
-          <a:bodyPr anchor="b">
-            <a:normAutofit/>
-          </a:bodyPr>
-          <a:lstStyle/>
-          <a:p>
-            <a:pPr marL="0" indent="0">
-              <a:buNone/>
-            </a:pPr>
-            <a:r>
-              <a:rPr lang="ru-RU" sz="2400" b="1" dirty="0">
-                <a:latin typeface="+mj-lt"/>
-                <a:ea typeface="Calibri" panose="020F0502020204030204" pitchFamily="34" charset="0"/>
-              </a:rPr>
-              <a:t>На основе концептуальной диаграммы разработана логическая модель базы данных. </a:t>
-            </a:r>
-            <a:endParaRPr lang="ru-RU" sz="2400" b="1" dirty="0">
-              <a:latin typeface="+mj-lt"/>
-            </a:endParaRPr>
-          </a:p>
-        </p:txBody>
-      </p:sp>
-      <p:sp>
-        <p:nvSpPr>
-          <p:cNvPr id="9" name="Номер слайда 8">
-            <a:extLst>
-              <a:ext uri="{FF2B5EF4-FFF2-40B4-BE49-F238E27FC236}">
-                <a16:creationId xmlns:a16="http://schemas.microsoft.com/office/drawing/2014/main" xmlns="" id="{C9882451-1C9D-41A9-B53B-ADC6AF068F52}"/>
-              </a:ext>
-            </a:extLst>
-          </p:cNvPr>
-          <p:cNvSpPr>
-            <a:spLocks noGrp="1"/>
-          </p:cNvSpPr>
-          <p:nvPr>
-            <p:ph type="sldNum" sz="quarter" idx="12"/>
-          </p:nvPr>
-        </p:nvSpPr>
-        <p:spPr>
-          <a:xfrm>
-            <a:off x="-1469993" y="0"/>
-            <a:ext cx="2057400" cy="365125"/>
-          </a:xfrm>
-        </p:spPr>
-        <p:txBody>
-          <a:bodyPr/>
-          <a:lstStyle/>
-          <a:p>
-            <a:fld id="{AFC5D346-0896-4BCB-BD3D-84DEBAD632DA}" type="slidenum">
-              <a:rPr lang="ru-RU" sz="2400" b="1" smtClean="0">
-                <a:solidFill>
-                  <a:schemeClr val="tx1"/>
-                </a:solidFill>
-              </a:rPr>
-              <a:t>8</a:t>
-            </a:fld>
-            <a:endParaRPr lang="ru-RU" sz="2400" b="1" dirty="0">
-              <a:solidFill>
-                <a:schemeClr val="tx1"/>
-              </a:solidFill>
-            </a:endParaRPr>
-          </a:p>
-        </p:txBody>
-      </p:sp>
-    </p:spTree>
-    <p:extLst>
-      <p:ext uri="{BB962C8B-B14F-4D97-AF65-F5344CB8AC3E}">
-        <p14:creationId xmlns:p14="http://schemas.microsoft.com/office/powerpoint/2010/main" val="3976027692"/>
-      </p:ext>
-    </p:extLst>
-  </p:cSld>
-  <p:clrMapOvr>
-    <a:masterClrMapping/>
-  </p:clrMapOvr>
-  <p:timing>
-    <p:tnLst>
-      <p:par>
-        <p:cTn id="1" dur="indefinite" restart="never" nodeType="tmRoot"/>
-      </p:par>
-    </p:tnLst>
-  </p:timing>
-</p:sld>
-</file>
-
-<file path=ppt/slides/slide9.xml><?xml version="1.0" encoding="utf-8"?>
-<p:sld xmlns:a="http://schemas.openxmlformats.org/drawingml/2006/main" xmlns:r="http://schemas.openxmlformats.org/officeDocument/2006/relationships" xmlns:p="http://schemas.openxmlformats.org/presentationml/2006/main">
-  <p:cSld>
-    <p:spTree>
-      <p:nvGrpSpPr>
-        <p:cNvPr id="1" name=""/>
-        <p:cNvGrpSpPr/>
-        <p:nvPr/>
-      </p:nvGrpSpPr>
-      <p:grpSpPr>
-        <a:xfrm>
-          <a:off x="0" y="0"/>
-          <a:ext cx="0" cy="0"/>
-          <a:chOff x="0" y="0"/>
-          <a:chExt cx="0" cy="0"/>
-        </a:xfrm>
-      </p:grpSpPr>
-      <p:pic>
-        <p:nvPicPr>
-          <p:cNvPr id="30" name="Рисунок 29">
-            <a:extLst>
-              <a:ext uri="{FF2B5EF4-FFF2-40B4-BE49-F238E27FC236}">
-                <a16:creationId xmlns:a16="http://schemas.microsoft.com/office/drawing/2014/main" xmlns="" id="{6CA5ACE8-B0D8-48BA-E1EB-0D1896C5E631}"/>
-              </a:ext>
-            </a:extLst>
-          </p:cNvPr>
-          <p:cNvPicPr>
-            <a:picLocks noChangeAspect="1"/>
-          </p:cNvPicPr>
-          <p:nvPr/>
-        </p:nvPicPr>
-        <p:blipFill>
-          <a:blip r:embed="rId2" cstate="print">
-            <a:extLst>
-              <a:ext uri="{28A0092B-C50C-407E-A947-70E740481C1C}">
-                <a14:useLocalDpi xmlns:a14="http://schemas.microsoft.com/office/drawing/2010/main" val="0"/>
-              </a:ext>
-            </a:extLst>
-          </a:blip>
-          <a:stretch>
-            <a:fillRect/>
-          </a:stretch>
-        </p:blipFill>
-        <p:spPr>
-          <a:xfrm flipH="1">
-            <a:off x="-113123" y="6174000"/>
-            <a:ext cx="9407951" cy="684000"/>
-          </a:xfrm>
-          <a:prstGeom prst="rect">
-            <a:avLst/>
-          </a:prstGeom>
-          <a:effectLst>
-            <a:outerShdw blurRad="50800" dist="50800" dir="5400000" sx="99000" sy="99000" algn="ctr" rotWithShape="0">
-              <a:srgbClr val="000000">
-                <a:alpha val="99000"/>
-              </a:srgbClr>
-            </a:outerShdw>
-          </a:effectLst>
-        </p:spPr>
-      </p:pic>
-      <p:pic>
-        <p:nvPicPr>
-          <p:cNvPr id="15" name="Рисунок 14">
-            <a:extLst>
-              <a:ext uri="{FF2B5EF4-FFF2-40B4-BE49-F238E27FC236}">
-                <a16:creationId xmlns:a16="http://schemas.microsoft.com/office/drawing/2014/main" xmlns="" id="{4E8C04DE-11CA-373E-8454-49717E782E4B}"/>
-              </a:ext>
-            </a:extLst>
-          </p:cNvPr>
-          <p:cNvPicPr>
-            <a:picLocks noChangeAspect="1"/>
-          </p:cNvPicPr>
-          <p:nvPr/>
-        </p:nvPicPr>
-        <p:blipFill>
-          <a:blip r:embed="rId3"/>
-          <a:stretch>
-            <a:fillRect/>
-          </a:stretch>
-        </p:blipFill>
-        <p:spPr>
-          <a:xfrm>
-            <a:off x="52938" y="1815248"/>
-            <a:ext cx="2633111" cy="2985574"/>
-          </a:xfrm>
-          <a:prstGeom prst="rect">
-            <a:avLst/>
-          </a:prstGeom>
-          <a:ln>
-            <a:solidFill>
-              <a:schemeClr val="tx1"/>
-            </a:solidFill>
-          </a:ln>
-        </p:spPr>
-      </p:pic>
-      <p:pic>
-        <p:nvPicPr>
-          <p:cNvPr id="4" name="Рисунок 3">
-            <a:extLst>
-              <a:ext uri="{FF2B5EF4-FFF2-40B4-BE49-F238E27FC236}">
-                <a16:creationId xmlns:a16="http://schemas.microsoft.com/office/drawing/2014/main" xmlns="" id="{E992106D-969F-CAB7-10F5-356FEC5297DE}"/>
-              </a:ext>
-            </a:extLst>
-          </p:cNvPr>
-          <p:cNvPicPr>
-            <a:picLocks noChangeAspect="1"/>
-          </p:cNvPicPr>
-          <p:nvPr/>
-        </p:nvPicPr>
-        <p:blipFill>
-          <a:blip r:embed="rId4"/>
-          <a:stretch>
-            <a:fillRect/>
-          </a:stretch>
-        </p:blipFill>
-        <p:spPr>
-          <a:xfrm>
-            <a:off x="6457950" y="1775956"/>
-            <a:ext cx="2633112" cy="3024867"/>
-          </a:xfrm>
-          <a:prstGeom prst="rect">
-            <a:avLst/>
-          </a:prstGeom>
-          <a:ln>
-            <a:solidFill>
-              <a:schemeClr val="tx1"/>
-            </a:solidFill>
-          </a:ln>
-        </p:spPr>
-      </p:pic>
-      <p:sp>
-        <p:nvSpPr>
-          <p:cNvPr id="2" name="Заголовок 1"/>
-          <p:cNvSpPr>
-            <a:spLocks noGrp="1"/>
-          </p:cNvSpPr>
-          <p:nvPr>
-            <p:ph type="title"/>
-          </p:nvPr>
-        </p:nvSpPr>
-        <p:spPr>
-          <a:xfrm>
-            <a:off x="-1" y="230792"/>
-            <a:ext cx="9144000" cy="1150071"/>
-          </a:xfrm>
-        </p:spPr>
-        <p:txBody>
-          <a:bodyPr>
-            <a:noAutofit/>
-          </a:bodyPr>
-          <a:lstStyle/>
-          <a:p>
-            <a:pPr algn="ctr"/>
-            <a:r>
-              <a:rPr lang="ru-RU" sz="2800" b="1" dirty="0">
-                <a:latin typeface="Bahnschrift SemiBold" panose="020B0502040204020203" pitchFamily="34" charset="0"/>
-              </a:rPr>
-              <a:t>ИНТЕРФЕЙС ВЕБ-ПРИЛОЖЕНИЯ</a:t>
-            </a:r>
-            <a:br>
-              <a:rPr lang="ru-RU" sz="2800" b="1" dirty="0">
-                <a:latin typeface="Bahnschrift SemiBold" panose="020B0502040204020203" pitchFamily="34" charset="0"/>
-              </a:rPr>
-            </a:br>
-            <a:r>
-              <a:rPr lang="ru-RU" sz="2800" b="1" dirty="0">
-                <a:latin typeface="Bahnschrift SemiBold" panose="020B0502040204020203" pitchFamily="34" charset="0"/>
-              </a:rPr>
-              <a:t>СТРАНИЦЫ АВТОРИЗАЦИИ И РЕГИСТРАЦИИ </a:t>
-            </a:r>
-            <a:br>
-              <a:rPr lang="ru-RU" sz="2800" b="1" dirty="0">
-                <a:latin typeface="Bahnschrift SemiBold" panose="020B0502040204020203" pitchFamily="34" charset="0"/>
-              </a:rPr>
-            </a:br>
-            <a:endParaRPr lang="ru-RU" sz="2800" b="1" dirty="0">
-              <a:latin typeface="Bahnschrift SemiBold" panose="020B0502040204020203" pitchFamily="34" charset="0"/>
-            </a:endParaRPr>
-          </a:p>
-        </p:txBody>
-      </p:sp>
-      <p:sp>
-        <p:nvSpPr>
-          <p:cNvPr id="8" name="Номер слайда 7">
-            <a:extLst>
-              <a:ext uri="{FF2B5EF4-FFF2-40B4-BE49-F238E27FC236}">
-                <a16:creationId xmlns:a16="http://schemas.microsoft.com/office/drawing/2014/main" xmlns="" id="{9A787F45-C075-2D52-CA47-834C815BEA1D}"/>
-              </a:ext>
-            </a:extLst>
-          </p:cNvPr>
-          <p:cNvSpPr>
-            <a:spLocks noGrp="1"/>
-          </p:cNvSpPr>
-          <p:nvPr>
-            <p:ph type="sldNum" sz="quarter" idx="12"/>
-          </p:nvPr>
-        </p:nvSpPr>
-        <p:spPr>
-          <a:xfrm>
-            <a:off x="6457950" y="6262083"/>
-            <a:ext cx="2057400" cy="365125"/>
-          </a:xfrm>
-        </p:spPr>
-        <p:txBody>
-          <a:bodyPr/>
-          <a:lstStyle/>
-          <a:p>
-            <a:fld id="{AFC5D346-0896-4BCB-BD3D-84DEBAD632DA}" type="slidenum">
-              <a:rPr lang="ru-RU" sz="2400" b="1" smtClean="0">
-                <a:solidFill>
-                  <a:schemeClr val="tx1"/>
-                </a:solidFill>
-              </a:rPr>
-              <a:t>9</a:t>
-            </a:fld>
-            <a:endParaRPr lang="ru-RU" sz="2400" b="1" dirty="0">
-              <a:solidFill>
-                <a:schemeClr val="tx1"/>
-              </a:solidFill>
-            </a:endParaRPr>
-          </a:p>
-        </p:txBody>
-      </p:sp>
-      <p:pic>
-        <p:nvPicPr>
-          <p:cNvPr id="24" name="Рисунок 23">
-            <a:extLst>
-              <a:ext uri="{FF2B5EF4-FFF2-40B4-BE49-F238E27FC236}">
-                <a16:creationId xmlns:a16="http://schemas.microsoft.com/office/drawing/2014/main" xmlns="" id="{99806537-7318-AF43-AE8B-54E173F92AEC}"/>
-              </a:ext>
-            </a:extLst>
-          </p:cNvPr>
-          <p:cNvPicPr>
-            <a:picLocks noChangeAspect="1"/>
-          </p:cNvPicPr>
-          <p:nvPr/>
-        </p:nvPicPr>
-        <p:blipFill>
-          <a:blip r:embed="rId5"/>
-          <a:stretch>
-            <a:fillRect/>
-          </a:stretch>
-        </p:blipFill>
-        <p:spPr>
-          <a:xfrm>
-            <a:off x="3255444" y="1775956"/>
-            <a:ext cx="2633111" cy="3024866"/>
-          </a:xfrm>
-          <a:prstGeom prst="rect">
-            <a:avLst/>
-          </a:prstGeom>
-          <a:ln>
-            <a:solidFill>
-              <a:schemeClr val="tx1"/>
-            </a:solidFill>
-          </a:ln>
-        </p:spPr>
-      </p:pic>
-      <p:sp>
-        <p:nvSpPr>
-          <p:cNvPr id="31" name="TextBox 30">
-            <a:extLst>
-              <a:ext uri="{FF2B5EF4-FFF2-40B4-BE49-F238E27FC236}">
-                <a16:creationId xmlns:a16="http://schemas.microsoft.com/office/drawing/2014/main" xmlns="" id="{59E8458D-CA34-6DC8-AE8C-469A2AE1C17E}"/>
-              </a:ext>
-            </a:extLst>
-          </p:cNvPr>
-          <p:cNvSpPr txBox="1"/>
-          <p:nvPr/>
-        </p:nvSpPr>
-        <p:spPr>
-          <a:xfrm>
-            <a:off x="0" y="5195915"/>
-            <a:ext cx="9144000" cy="1015663"/>
-          </a:xfrm>
-          <a:prstGeom prst="rect">
-            <a:avLst/>
-          </a:prstGeom>
-          <a:noFill/>
-        </p:spPr>
-        <p:txBody>
-          <a:bodyPr wrap="square" rtlCol="0">
-            <a:spAutoFit/>
-          </a:bodyPr>
-          <a:lstStyle/>
-          <a:p>
-            <a:r>
-              <a:rPr lang="ru-RU" sz="2000" b="1" i="0" dirty="0">
-                <a:effectLst/>
-                <a:latin typeface="+mj-lt"/>
-              </a:rPr>
-              <a:t>В проекте используется встроенная аутентификация ASP.NET Core, ограничивающая доступ к действиям контроллера по ролям.</a:t>
-            </a:r>
-            <a:br>
-              <a:rPr lang="ru-RU" sz="2000" b="1" i="0" dirty="0">
-                <a:effectLst/>
-                <a:latin typeface="+mj-lt"/>
-              </a:rPr>
-            </a:br>
-            <a:endParaRPr lang="ru-RU" sz="2000" dirty="0">
-              <a:latin typeface="+mj-lt"/>
-            </a:endParaRPr>
-          </a:p>
-        </p:txBody>
-      </p:sp>
-    </p:spTree>
-    <p:extLst>
-      <p:ext uri="{BB962C8B-B14F-4D97-AF65-F5344CB8AC3E}">
-        <p14:creationId xmlns:p14="http://schemas.microsoft.com/office/powerpoint/2010/main" val="921281904"/>
       </p:ext>
     </p:extLst>
   </p:cSld>
@@ -12542,7 +13223,7 @@
   <a:extraClrSchemeLst/>
   <a:extLst>
     <a:ext uri="{05A4C25C-085E-4340-85A3-A5531E510DB2}">
-      <thm15:themeFamily xmlns:thm15="http://schemas.microsoft.com/office/thememl/2012/main" xmlns="" name="Office 2013 - 2022 Theme" id="{62F939B6-93AF-4DB8-9C6B-D6C7DFDC589F}" vid="{4A3C46E8-61CC-4603-A589-7422A47A8E4A}"/>
+      <thm15:themeFamily xmlns="" xmlns:thm15="http://schemas.microsoft.com/office/thememl/2012/main" name="Office 2013 - 2022 Theme" id="{62F939B6-93AF-4DB8-9C6B-D6C7DFDC589F}" vid="{4A3C46E8-61CC-4603-A589-7422A47A8E4A}"/>
     </a:ext>
   </a:extLst>
 </a:theme>
@@ -12837,7 +13518,7 @@
   <a:extraClrSchemeLst/>
   <a:extLst>
     <a:ext uri="{05A4C25C-085E-4340-85A3-A5531E510DB2}">
-      <thm15:themeFamily xmlns:thm15="http://schemas.microsoft.com/office/thememl/2012/main" xmlns="" name="Office Theme" id="{62F939B6-93AF-4DB8-9C6B-D6C7DFDC589F}" vid="{4A3C46E8-61CC-4603-A589-7422A47A8E4A}"/>
+      <thm15:themeFamily xmlns="" xmlns:thm15="http://schemas.microsoft.com/office/thememl/2012/main" name="Office Theme" id="{62F939B6-93AF-4DB8-9C6B-D6C7DFDC589F}" vid="{4A3C46E8-61CC-4603-A589-7422A47A8E4A}"/>
     </a:ext>
   </a:extLst>
 </a:theme>

--- a/ПРАВКИ_Презентация ВКР ВО.pptx
+++ b/ПРАВКИ_Презентация ВКР ВО.pptx
@@ -10,20 +10,20 @@
   <p:sldIdLst>
     <p:sldId id="256" r:id="rId2"/>
     <p:sldId id="258" r:id="rId3"/>
-    <p:sldId id="274" r:id="rId4"/>
-    <p:sldId id="273" r:id="rId5"/>
-    <p:sldId id="278" r:id="rId6"/>
+    <p:sldId id="273" r:id="rId4"/>
+    <p:sldId id="278" r:id="rId5"/>
+    <p:sldId id="274" r:id="rId6"/>
     <p:sldId id="265" r:id="rId7"/>
     <p:sldId id="263" r:id="rId8"/>
     <p:sldId id="264" r:id="rId9"/>
-    <p:sldId id="259" r:id="rId10"/>
-    <p:sldId id="267" r:id="rId11"/>
-    <p:sldId id="268" r:id="rId12"/>
-    <p:sldId id="269" r:id="rId13"/>
-    <p:sldId id="276" r:id="rId14"/>
-    <p:sldId id="277" r:id="rId15"/>
-    <p:sldId id="270" r:id="rId16"/>
-    <p:sldId id="271" r:id="rId17"/>
+    <p:sldId id="267" r:id="rId10"/>
+    <p:sldId id="268" r:id="rId11"/>
+    <p:sldId id="269" r:id="rId12"/>
+    <p:sldId id="276" r:id="rId13"/>
+    <p:sldId id="277" r:id="rId14"/>
+    <p:sldId id="270" r:id="rId15"/>
+    <p:sldId id="271" r:id="rId16"/>
+    <p:sldId id="259" r:id="rId17"/>
     <p:sldId id="272" r:id="rId18"/>
   </p:sldIdLst>
   <p:sldSz cx="9144000" cy="6858000" type="screen4x3"/>
@@ -125,7 +125,7 @@
   </p:defaultTextStyle>
   <p:extLst>
     <p:ext uri="{EFAFB233-063F-42B5-8137-9DF3F51BA10A}">
-      <p15:sldGuideLst xmlns="" xmlns:p15="http://schemas.microsoft.com/office/powerpoint/2012/main">
+      <p15:sldGuideLst xmlns:p15="http://schemas.microsoft.com/office/powerpoint/2012/main">
         <p15:guide id="1" orient="horz" pos="2160" userDrawn="1">
           <p15:clr>
             <a:srgbClr val="A4A3A4"/>
@@ -147,63 +147,6 @@
   <p:cmAuthor id="1" name="Danik Tropin" initials="DT" lastIdx="8" clrIdx="0"/>
   <p:cmAuthor id="2" name="Тропин Даниил Александрович" initials="ТДА" lastIdx="1" clrIdx="1"/>
 </p:cmAuthorLst>
-</file>
-
-<file path=ppt/comments/comment1.xml><?xml version="1.0" encoding="utf-8"?>
-<p:cmLst xmlns:a="http://schemas.openxmlformats.org/drawingml/2006/main" xmlns:r="http://schemas.openxmlformats.org/officeDocument/2006/relationships" xmlns:p="http://schemas.openxmlformats.org/presentationml/2006/main">
-  <p:cm authorId="1" dt="2025-05-26T10:00:06.569" idx="1">
-    <p:pos x="10" y="10"/>
-    <p:text>На словах с этим слайдом, расскажу немного про компанию (история, конкуренты, выполненные проекты)
-Закончу "проблематикой"- про то что всё делается руками нужно автоматизировать процессы</p:text>
-    <p:extLst>
-      <p:ext uri="{C676402C-5697-4E1C-873F-D02D1690AC5C}">
-        <p15:threadingInfo xmlns:p15="http://schemas.microsoft.com/office/powerpoint/2012/main" timeZoneBias="-420"/>
-      </p:ext>
-    </p:extLst>
-  </p:cm>
-</p:cmLst>
-</file>
-
-<file path=ppt/comments/comment2.xml><?xml version="1.0" encoding="utf-8"?>
-<p:cmLst xmlns:a="http://schemas.openxmlformats.org/drawingml/2006/main" xmlns:r="http://schemas.openxmlformats.org/officeDocument/2006/relationships" xmlns:p="http://schemas.openxmlformats.org/presentationml/2006/main">
-  <p:cm authorId="1" dt="2025-05-27T13:09:55.557" idx="6">
-    <p:pos x="10" y="10"/>
-    <p:text>По хронологии диплома, следом должен пойти слайд про выбранную БД, но я решил пропустить, чтобы уложиться в тайминг выступления...</p:text>
-    <p:extLst>
-      <p:ext uri="{C676402C-5697-4E1C-873F-D02D1690AC5C}">
-        <p15:threadingInfo xmlns:p15="http://schemas.microsoft.com/office/powerpoint/2012/main" timeZoneBias="-420"/>
-      </p:ext>
-    </p:extLst>
-  </p:cm>
-</p:cmLst>
-</file>
-
-<file path=ppt/comments/comment3.xml><?xml version="1.0" encoding="utf-8"?>
-<p:cmLst xmlns:a="http://schemas.openxmlformats.org/drawingml/2006/main" xmlns:r="http://schemas.openxmlformats.org/officeDocument/2006/relationships" xmlns:p="http://schemas.openxmlformats.org/presentationml/2006/main">
-  <p:cm authorId="1" dt="2025-05-27T13:09:55.557" idx="7">
-    <p:pos x="10" y="10"/>
-    <p:text>По хронологии диплома, следом должен пойти слайд про выбранную БД, но я решил пропустить, чтобы уложиться в тайминг выступления...</p:text>
-    <p:extLst>
-      <p:ext uri="{C676402C-5697-4E1C-873F-D02D1690AC5C}">
-        <p15:threadingInfo xmlns:p15="http://schemas.microsoft.com/office/powerpoint/2012/main" timeZoneBias="-420"/>
-      </p:ext>
-    </p:extLst>
-  </p:cm>
-</p:cmLst>
-</file>
-
-<file path=ppt/comments/comment4.xml><?xml version="1.0" encoding="utf-8"?>
-<p:cmLst xmlns:a="http://schemas.openxmlformats.org/drawingml/2006/main" xmlns:r="http://schemas.openxmlformats.org/officeDocument/2006/relationships" xmlns:p="http://schemas.openxmlformats.org/presentationml/2006/main">
-  <p:cm authorId="1" dt="2025-05-26T10:02:27.702" idx="2">
-    <p:pos x="10" y="10"/>
-    <p:text>На словах расскажу про выбор клиент-серверной архитектуры, закончу про процесс ввода в эксплуатцию приложения</p:text>
-    <p:extLst>
-      <p:ext uri="{C676402C-5697-4E1C-873F-D02D1690AC5C}">
-        <p15:threadingInfo xmlns:p15="http://schemas.microsoft.com/office/powerpoint/2012/main" timeZoneBias="-420"/>
-      </p:ext>
-    </p:extLst>
-  </p:cm>
-</p:cmLst>
 </file>
 
 <file path=ppt/diagrams/colors1.xml><?xml version="1.0" encoding="utf-8"?>
@@ -1247,13 +1190,6 @@
         </dgm:presLayoutVars>
       </dgm:prSet>
       <dgm:spPr/>
-      <dgm:t>
-        <a:bodyPr/>
-        <a:lstStyle/>
-        <a:p>
-          <a:endParaRPr lang="ru-RU"/>
-        </a:p>
-      </dgm:t>
     </dgm:pt>
     <dgm:pt modelId="{68FCCF14-3F2E-4843-A2E2-A25778F549C8}" type="pres">
       <dgm:prSet presAssocID="{3B570F82-677D-4CC2-9504-D01A41A1D349}" presName="hierRoot1" presStyleCnt="0">
@@ -1274,24 +1210,10 @@
         </dgm:presLayoutVars>
       </dgm:prSet>
       <dgm:spPr/>
-      <dgm:t>
-        <a:bodyPr/>
-        <a:lstStyle/>
-        <a:p>
-          <a:endParaRPr lang="ru-RU"/>
-        </a:p>
-      </dgm:t>
     </dgm:pt>
     <dgm:pt modelId="{FC222700-6815-42EC-9050-5E7018FF7E42}" type="pres">
       <dgm:prSet presAssocID="{3B570F82-677D-4CC2-9504-D01A41A1D349}" presName="rootConnector1" presStyleLbl="node1" presStyleIdx="0" presStyleCnt="0"/>
       <dgm:spPr/>
-      <dgm:t>
-        <a:bodyPr/>
-        <a:lstStyle/>
-        <a:p>
-          <a:endParaRPr lang="ru-RU"/>
-        </a:p>
-      </dgm:t>
     </dgm:pt>
     <dgm:pt modelId="{9A9EBDC5-ABE9-4591-941B-8B04ECFFBE28}" type="pres">
       <dgm:prSet presAssocID="{3B570F82-677D-4CC2-9504-D01A41A1D349}" presName="hierChild2" presStyleCnt="0"/>
@@ -1300,13 +1222,6 @@
     <dgm:pt modelId="{4DC629A8-7CF0-4583-A510-F86343E4C686}" type="pres">
       <dgm:prSet presAssocID="{2B488B5B-2E92-4327-BF42-2009D894616C}" presName="Name37" presStyleLbl="parChTrans1D2" presStyleIdx="0" presStyleCnt="4"/>
       <dgm:spPr/>
-      <dgm:t>
-        <a:bodyPr/>
-        <a:lstStyle/>
-        <a:p>
-          <a:endParaRPr lang="ru-RU"/>
-        </a:p>
-      </dgm:t>
     </dgm:pt>
     <dgm:pt modelId="{5C79D6A5-B2B5-46C9-B5C6-7FECB9831F42}" type="pres">
       <dgm:prSet presAssocID="{92DB0E6F-D98B-4291-AA6B-B06788768C78}" presName="hierRoot2" presStyleCnt="0">
@@ -1327,24 +1242,10 @@
         </dgm:presLayoutVars>
       </dgm:prSet>
       <dgm:spPr/>
-      <dgm:t>
-        <a:bodyPr/>
-        <a:lstStyle/>
-        <a:p>
-          <a:endParaRPr lang="ru-RU"/>
-        </a:p>
-      </dgm:t>
     </dgm:pt>
     <dgm:pt modelId="{17845902-A9F0-48A7-8D7B-AC8F0FEF4428}" type="pres">
       <dgm:prSet presAssocID="{92DB0E6F-D98B-4291-AA6B-B06788768C78}" presName="rootConnector" presStyleLbl="node2" presStyleIdx="0" presStyleCnt="4"/>
       <dgm:spPr/>
-      <dgm:t>
-        <a:bodyPr/>
-        <a:lstStyle/>
-        <a:p>
-          <a:endParaRPr lang="ru-RU"/>
-        </a:p>
-      </dgm:t>
     </dgm:pt>
     <dgm:pt modelId="{FB97C96D-1BB0-4670-8AF2-792B1432B691}" type="pres">
       <dgm:prSet presAssocID="{92DB0E6F-D98B-4291-AA6B-B06788768C78}" presName="hierChild4" presStyleCnt="0"/>
@@ -1357,13 +1258,6 @@
     <dgm:pt modelId="{7B67667C-449B-40AC-A2FB-3D23164F885D}" type="pres">
       <dgm:prSet presAssocID="{6DE20EAB-60A9-47C4-99D1-10622DD77105}" presName="Name37" presStyleLbl="parChTrans1D2" presStyleIdx="1" presStyleCnt="4"/>
       <dgm:spPr/>
-      <dgm:t>
-        <a:bodyPr/>
-        <a:lstStyle/>
-        <a:p>
-          <a:endParaRPr lang="ru-RU"/>
-        </a:p>
-      </dgm:t>
     </dgm:pt>
     <dgm:pt modelId="{71B04466-05FB-41D9-8778-921123014BCB}" type="pres">
       <dgm:prSet presAssocID="{2360333D-FB62-4098-A34F-C44956FC48A6}" presName="hierRoot2" presStyleCnt="0">
@@ -1384,24 +1278,10 @@
         </dgm:presLayoutVars>
       </dgm:prSet>
       <dgm:spPr/>
-      <dgm:t>
-        <a:bodyPr/>
-        <a:lstStyle/>
-        <a:p>
-          <a:endParaRPr lang="ru-RU"/>
-        </a:p>
-      </dgm:t>
     </dgm:pt>
     <dgm:pt modelId="{167C0E11-3DED-424E-AEBF-FDBF904DA9E9}" type="pres">
       <dgm:prSet presAssocID="{2360333D-FB62-4098-A34F-C44956FC48A6}" presName="rootConnector" presStyleLbl="node2" presStyleIdx="1" presStyleCnt="4"/>
       <dgm:spPr/>
-      <dgm:t>
-        <a:bodyPr/>
-        <a:lstStyle/>
-        <a:p>
-          <a:endParaRPr lang="ru-RU"/>
-        </a:p>
-      </dgm:t>
     </dgm:pt>
     <dgm:pt modelId="{65F282E9-2207-4E8A-BD2C-640B66E8CE39}" type="pres">
       <dgm:prSet presAssocID="{2360333D-FB62-4098-A34F-C44956FC48A6}" presName="hierChild4" presStyleCnt="0"/>
@@ -1414,13 +1294,6 @@
     <dgm:pt modelId="{B198DC8D-4707-4917-9845-3AC866ADA252}" type="pres">
       <dgm:prSet presAssocID="{DEE3936A-CB81-4314-9FCC-EE9D3347B307}" presName="Name37" presStyleLbl="parChTrans1D2" presStyleIdx="2" presStyleCnt="4"/>
       <dgm:spPr/>
-      <dgm:t>
-        <a:bodyPr/>
-        <a:lstStyle/>
-        <a:p>
-          <a:endParaRPr lang="ru-RU"/>
-        </a:p>
-      </dgm:t>
     </dgm:pt>
     <dgm:pt modelId="{7A7B8263-F3DB-4C13-9557-B462D39FB0A1}" type="pres">
       <dgm:prSet presAssocID="{3D3595AF-CBEA-41CA-85FA-5C969EE5F377}" presName="hierRoot2" presStyleCnt="0">
@@ -1441,24 +1314,10 @@
         </dgm:presLayoutVars>
       </dgm:prSet>
       <dgm:spPr/>
-      <dgm:t>
-        <a:bodyPr/>
-        <a:lstStyle/>
-        <a:p>
-          <a:endParaRPr lang="ru-RU"/>
-        </a:p>
-      </dgm:t>
     </dgm:pt>
     <dgm:pt modelId="{2D1112BF-2E61-4663-A2A1-796E27001FC8}" type="pres">
       <dgm:prSet presAssocID="{3D3595AF-CBEA-41CA-85FA-5C969EE5F377}" presName="rootConnector" presStyleLbl="node2" presStyleIdx="2" presStyleCnt="4"/>
       <dgm:spPr/>
-      <dgm:t>
-        <a:bodyPr/>
-        <a:lstStyle/>
-        <a:p>
-          <a:endParaRPr lang="ru-RU"/>
-        </a:p>
-      </dgm:t>
     </dgm:pt>
     <dgm:pt modelId="{EEDD4657-8DBA-44F1-A7AB-62AA944E4201}" type="pres">
       <dgm:prSet presAssocID="{3D3595AF-CBEA-41CA-85FA-5C969EE5F377}" presName="hierChild4" presStyleCnt="0"/>
@@ -1471,13 +1330,6 @@
     <dgm:pt modelId="{73A9594A-C46B-47E1-985A-A8BAC420E4D2}" type="pres">
       <dgm:prSet presAssocID="{E58EF0F2-F9F4-4773-AF6B-D137675B457B}" presName="Name37" presStyleLbl="parChTrans1D2" presStyleIdx="3" presStyleCnt="4"/>
       <dgm:spPr/>
-      <dgm:t>
-        <a:bodyPr/>
-        <a:lstStyle/>
-        <a:p>
-          <a:endParaRPr lang="ru-RU"/>
-        </a:p>
-      </dgm:t>
     </dgm:pt>
     <dgm:pt modelId="{F46B881B-C810-4549-AA10-0123E8757EB0}" type="pres">
       <dgm:prSet presAssocID="{E8ADEFCE-305C-440F-98A4-F021E6F3173D}" presName="hierRoot2" presStyleCnt="0">
@@ -1498,24 +1350,10 @@
         </dgm:presLayoutVars>
       </dgm:prSet>
       <dgm:spPr/>
-      <dgm:t>
-        <a:bodyPr/>
-        <a:lstStyle/>
-        <a:p>
-          <a:endParaRPr lang="ru-RU"/>
-        </a:p>
-      </dgm:t>
     </dgm:pt>
     <dgm:pt modelId="{5D1F54ED-D24A-49F1-A7BC-2890AC8FEE93}" type="pres">
       <dgm:prSet presAssocID="{E8ADEFCE-305C-440F-98A4-F021E6F3173D}" presName="rootConnector" presStyleLbl="node2" presStyleIdx="3" presStyleCnt="4"/>
       <dgm:spPr/>
-      <dgm:t>
-        <a:bodyPr/>
-        <a:lstStyle/>
-        <a:p>
-          <a:endParaRPr lang="ru-RU"/>
-        </a:p>
-      </dgm:t>
     </dgm:pt>
     <dgm:pt modelId="{1F2DBE26-F31D-4956-8BB9-239EE9C66F93}" type="pres">
       <dgm:prSet presAssocID="{E8ADEFCE-305C-440F-98A4-F021E6F3173D}" presName="hierChild4" presStyleCnt="0"/>
@@ -1531,26 +1369,26 @@
     </dgm:pt>
   </dgm:ptLst>
   <dgm:cxnLst>
-    <dgm:cxn modelId="{4CFF0CB8-9DA8-49B9-902D-B52E3301AED7}" srcId="{3B570F82-677D-4CC2-9504-D01A41A1D349}" destId="{92DB0E6F-D98B-4291-AA6B-B06788768C78}" srcOrd="0" destOrd="0" parTransId="{2B488B5B-2E92-4327-BF42-2009D894616C}" sibTransId="{82861CCC-B2ED-4DDB-BA10-028B051C008A}"/>
-    <dgm:cxn modelId="{961895A6-CD3F-4DA0-A202-BD26FDCE7F33}" type="presOf" srcId="{DEE3936A-CB81-4314-9FCC-EE9D3347B307}" destId="{B198DC8D-4707-4917-9845-3AC866ADA252}" srcOrd="0" destOrd="0" presId="urn:microsoft.com/office/officeart/2005/8/layout/orgChart1"/>
+    <dgm:cxn modelId="{8B64CE0F-EE7A-4E3E-820D-D9798DA25E58}" srcId="{3B570F82-677D-4CC2-9504-D01A41A1D349}" destId="{3D3595AF-CBEA-41CA-85FA-5C969EE5F377}" srcOrd="2" destOrd="0" parTransId="{DEE3936A-CB81-4314-9FCC-EE9D3347B307}" sibTransId="{BF8F819C-666D-49EA-A270-7C7D97D992F6}"/>
+    <dgm:cxn modelId="{B6BF462F-A73A-4BA2-A0C2-A235C1B5B081}" type="presOf" srcId="{2B488B5B-2E92-4327-BF42-2009D894616C}" destId="{4DC629A8-7CF0-4583-A510-F86343E4C686}" srcOrd="0" destOrd="0" presId="urn:microsoft.com/office/officeart/2005/8/layout/orgChart1"/>
     <dgm:cxn modelId="{61686135-590B-486E-9EA4-34420F56946C}" type="presOf" srcId="{2360333D-FB62-4098-A34F-C44956FC48A6}" destId="{167C0E11-3DED-424E-AEBF-FDBF904DA9E9}" srcOrd="1" destOrd="0" presId="urn:microsoft.com/office/officeart/2005/8/layout/orgChart1"/>
-    <dgm:cxn modelId="{8B64CE0F-EE7A-4E3E-820D-D9798DA25E58}" srcId="{3B570F82-677D-4CC2-9504-D01A41A1D349}" destId="{3D3595AF-CBEA-41CA-85FA-5C969EE5F377}" srcOrd="2" destOrd="0" parTransId="{DEE3936A-CB81-4314-9FCC-EE9D3347B307}" sibTransId="{BF8F819C-666D-49EA-A270-7C7D97D992F6}"/>
-    <dgm:cxn modelId="{3A486785-0B58-46FC-B052-303296CE1A99}" srcId="{3B570F82-677D-4CC2-9504-D01A41A1D349}" destId="{2360333D-FB62-4098-A34F-C44956FC48A6}" srcOrd="1" destOrd="0" parTransId="{6DE20EAB-60A9-47C4-99D1-10622DD77105}" sibTransId="{609F9793-9A17-457E-8D1F-FC5652CB6E3C}"/>
-    <dgm:cxn modelId="{696829D6-AD81-4CD4-A406-E7EC51A69B34}" type="presOf" srcId="{3B570F82-677D-4CC2-9504-D01A41A1D349}" destId="{FC222700-6815-42EC-9050-5E7018FF7E42}" srcOrd="1" destOrd="0" presId="urn:microsoft.com/office/officeart/2005/8/layout/orgChart1"/>
-    <dgm:cxn modelId="{099726D4-0B36-4494-8709-F4543E30D7E2}" type="presOf" srcId="{E8ADEFCE-305C-440F-98A4-F021E6F3173D}" destId="{44E5927C-A120-4F18-BA19-15984B2A54AC}" srcOrd="0" destOrd="0" presId="urn:microsoft.com/office/officeart/2005/8/layout/orgChart1"/>
-    <dgm:cxn modelId="{DA41CDCC-BEDF-44FD-A1A7-DA7945FA851B}" type="presOf" srcId="{DA9E5718-AC21-4874-8CB0-EFAD24CB1DE3}" destId="{FF58A61E-51EA-467A-9935-C911AECABBD3}" srcOrd="0" destOrd="0" presId="urn:microsoft.com/office/officeart/2005/8/layout/orgChart1"/>
-    <dgm:cxn modelId="{5F61C755-84D4-448F-98AD-2C04D33EFE10}" type="presOf" srcId="{3B570F82-677D-4CC2-9504-D01A41A1D349}" destId="{AB1CA4BF-B69A-4BF3-981F-98C24B146FFC}" srcOrd="0" destOrd="0" presId="urn:microsoft.com/office/officeart/2005/8/layout/orgChart1"/>
-    <dgm:cxn modelId="{3603BFC4-9954-4EF5-8D07-C83931DF7491}" srcId="{3B570F82-677D-4CC2-9504-D01A41A1D349}" destId="{E8ADEFCE-305C-440F-98A4-F021E6F3173D}" srcOrd="3" destOrd="0" parTransId="{E58EF0F2-F9F4-4773-AF6B-D137675B457B}" sibTransId="{7B7BF542-2301-4AEC-9E05-3959DE743F35}"/>
-    <dgm:cxn modelId="{D47EC9A4-A94A-4E70-8EBF-B313139BD651}" type="presOf" srcId="{92DB0E6F-D98B-4291-AA6B-B06788768C78}" destId="{17845902-A9F0-48A7-8D7B-AC8F0FEF4428}" srcOrd="1" destOrd="0" presId="urn:microsoft.com/office/officeart/2005/8/layout/orgChart1"/>
-    <dgm:cxn modelId="{38192B9F-BA11-40BE-A636-246392048FB3}" type="presOf" srcId="{6DE20EAB-60A9-47C4-99D1-10622DD77105}" destId="{7B67667C-449B-40AC-A2FB-3D23164F885D}" srcOrd="0" destOrd="0" presId="urn:microsoft.com/office/officeart/2005/8/layout/orgChart1"/>
-    <dgm:cxn modelId="{48BFA7C6-BEE4-45EB-81CC-9F08DDC6FAD2}" srcId="{DA9E5718-AC21-4874-8CB0-EFAD24CB1DE3}" destId="{3B570F82-677D-4CC2-9504-D01A41A1D349}" srcOrd="0" destOrd="0" parTransId="{1E5876AF-B967-47FF-A30B-0063E14A28F8}" sibTransId="{A6E7287F-2CF3-42B7-A39C-B2DB57864891}"/>
-    <dgm:cxn modelId="{BAC6C667-CC06-4435-8E28-A07A111757BD}" type="presOf" srcId="{3D3595AF-CBEA-41CA-85FA-5C969EE5F377}" destId="{2D1112BF-2E61-4663-A2A1-796E27001FC8}" srcOrd="1" destOrd="0" presId="urn:microsoft.com/office/officeart/2005/8/layout/orgChart1"/>
     <dgm:cxn modelId="{F580833D-DF0F-4A5F-BF9E-4539AF6E2707}" type="presOf" srcId="{E58EF0F2-F9F4-4773-AF6B-D137675B457B}" destId="{73A9594A-C46B-47E1-985A-A8BAC420E4D2}" srcOrd="0" destOrd="0" presId="urn:microsoft.com/office/officeart/2005/8/layout/orgChart1"/>
     <dgm:cxn modelId="{74502C5F-611C-4713-A54B-11BAC5B4408B}" type="presOf" srcId="{E8ADEFCE-305C-440F-98A4-F021E6F3173D}" destId="{5D1F54ED-D24A-49F1-A7BC-2890AC8FEE93}" srcOrd="1" destOrd="0" presId="urn:microsoft.com/office/officeart/2005/8/layout/orgChart1"/>
+    <dgm:cxn modelId="{BAC6C667-CC06-4435-8E28-A07A111757BD}" type="presOf" srcId="{3D3595AF-CBEA-41CA-85FA-5C969EE5F377}" destId="{2D1112BF-2E61-4663-A2A1-796E27001FC8}" srcOrd="1" destOrd="0" presId="urn:microsoft.com/office/officeart/2005/8/layout/orgChart1"/>
+    <dgm:cxn modelId="{5F61C755-84D4-448F-98AD-2C04D33EFE10}" type="presOf" srcId="{3B570F82-677D-4CC2-9504-D01A41A1D349}" destId="{AB1CA4BF-B69A-4BF3-981F-98C24B146FFC}" srcOrd="0" destOrd="0" presId="urn:microsoft.com/office/officeart/2005/8/layout/orgChart1"/>
+    <dgm:cxn modelId="{A6E0A958-31A2-49E5-A207-1CC9A02A5840}" type="presOf" srcId="{3D3595AF-CBEA-41CA-85FA-5C969EE5F377}" destId="{882924CA-9121-4691-BB49-D76C0D194943}" srcOrd="0" destOrd="0" presId="urn:microsoft.com/office/officeart/2005/8/layout/orgChart1"/>
+    <dgm:cxn modelId="{3A486785-0B58-46FC-B052-303296CE1A99}" srcId="{3B570F82-677D-4CC2-9504-D01A41A1D349}" destId="{2360333D-FB62-4098-A34F-C44956FC48A6}" srcOrd="1" destOrd="0" parTransId="{6DE20EAB-60A9-47C4-99D1-10622DD77105}" sibTransId="{609F9793-9A17-457E-8D1F-FC5652CB6E3C}"/>
+    <dgm:cxn modelId="{38192B9F-BA11-40BE-A636-246392048FB3}" type="presOf" srcId="{6DE20EAB-60A9-47C4-99D1-10622DD77105}" destId="{7B67667C-449B-40AC-A2FB-3D23164F885D}" srcOrd="0" destOrd="0" presId="urn:microsoft.com/office/officeart/2005/8/layout/orgChart1"/>
+    <dgm:cxn modelId="{D47EC9A4-A94A-4E70-8EBF-B313139BD651}" type="presOf" srcId="{92DB0E6F-D98B-4291-AA6B-B06788768C78}" destId="{17845902-A9F0-48A7-8D7B-AC8F0FEF4428}" srcOrd="1" destOrd="0" presId="urn:microsoft.com/office/officeart/2005/8/layout/orgChart1"/>
+    <dgm:cxn modelId="{961895A6-CD3F-4DA0-A202-BD26FDCE7F33}" type="presOf" srcId="{DEE3936A-CB81-4314-9FCC-EE9D3347B307}" destId="{B198DC8D-4707-4917-9845-3AC866ADA252}" srcOrd="0" destOrd="0" presId="urn:microsoft.com/office/officeart/2005/8/layout/orgChart1"/>
+    <dgm:cxn modelId="{4CFF0CB8-9DA8-49B9-902D-B52E3301AED7}" srcId="{3B570F82-677D-4CC2-9504-D01A41A1D349}" destId="{92DB0E6F-D98B-4291-AA6B-B06788768C78}" srcOrd="0" destOrd="0" parTransId="{2B488B5B-2E92-4327-BF42-2009D894616C}" sibTransId="{82861CCC-B2ED-4DDB-BA10-028B051C008A}"/>
+    <dgm:cxn modelId="{A2DD12C4-43DC-4D25-809D-B8980B8DDFF1}" type="presOf" srcId="{92DB0E6F-D98B-4291-AA6B-B06788768C78}" destId="{9CF0F068-6DF2-41C5-9577-3526CE7DE021}" srcOrd="0" destOrd="0" presId="urn:microsoft.com/office/officeart/2005/8/layout/orgChart1"/>
+    <dgm:cxn modelId="{3603BFC4-9954-4EF5-8D07-C83931DF7491}" srcId="{3B570F82-677D-4CC2-9504-D01A41A1D349}" destId="{E8ADEFCE-305C-440F-98A4-F021E6F3173D}" srcOrd="3" destOrd="0" parTransId="{E58EF0F2-F9F4-4773-AF6B-D137675B457B}" sibTransId="{7B7BF542-2301-4AEC-9E05-3959DE743F35}"/>
+    <dgm:cxn modelId="{48BFA7C6-BEE4-45EB-81CC-9F08DDC6FAD2}" srcId="{DA9E5718-AC21-4874-8CB0-EFAD24CB1DE3}" destId="{3B570F82-677D-4CC2-9504-D01A41A1D349}" srcOrd="0" destOrd="0" parTransId="{1E5876AF-B967-47FF-A30B-0063E14A28F8}" sibTransId="{A6E7287F-2CF3-42B7-A39C-B2DB57864891}"/>
+    <dgm:cxn modelId="{DA41CDCC-BEDF-44FD-A1A7-DA7945FA851B}" type="presOf" srcId="{DA9E5718-AC21-4874-8CB0-EFAD24CB1DE3}" destId="{FF58A61E-51EA-467A-9935-C911AECABBD3}" srcOrd="0" destOrd="0" presId="urn:microsoft.com/office/officeart/2005/8/layout/orgChart1"/>
+    <dgm:cxn modelId="{099726D4-0B36-4494-8709-F4543E30D7E2}" type="presOf" srcId="{E8ADEFCE-305C-440F-98A4-F021E6F3173D}" destId="{44E5927C-A120-4F18-BA19-15984B2A54AC}" srcOrd="0" destOrd="0" presId="urn:microsoft.com/office/officeart/2005/8/layout/orgChart1"/>
+    <dgm:cxn modelId="{696829D6-AD81-4CD4-A406-E7EC51A69B34}" type="presOf" srcId="{3B570F82-677D-4CC2-9504-D01A41A1D349}" destId="{FC222700-6815-42EC-9050-5E7018FF7E42}" srcOrd="1" destOrd="0" presId="urn:microsoft.com/office/officeart/2005/8/layout/orgChart1"/>
     <dgm:cxn modelId="{53BE45D9-8053-4622-815A-ED9026C30F27}" type="presOf" srcId="{2360333D-FB62-4098-A34F-C44956FC48A6}" destId="{89F9221F-E479-4137-9C62-318DD3A6DC09}" srcOrd="0" destOrd="0" presId="urn:microsoft.com/office/officeart/2005/8/layout/orgChart1"/>
-    <dgm:cxn modelId="{A6E0A958-31A2-49E5-A207-1CC9A02A5840}" type="presOf" srcId="{3D3595AF-CBEA-41CA-85FA-5C969EE5F377}" destId="{882924CA-9121-4691-BB49-D76C0D194943}" srcOrd="0" destOrd="0" presId="urn:microsoft.com/office/officeart/2005/8/layout/orgChart1"/>
-    <dgm:cxn modelId="{B6BF462F-A73A-4BA2-A0C2-A235C1B5B081}" type="presOf" srcId="{2B488B5B-2E92-4327-BF42-2009D894616C}" destId="{4DC629A8-7CF0-4583-A510-F86343E4C686}" srcOrd="0" destOrd="0" presId="urn:microsoft.com/office/officeart/2005/8/layout/orgChart1"/>
-    <dgm:cxn modelId="{A2DD12C4-43DC-4D25-809D-B8980B8DDFF1}" type="presOf" srcId="{92DB0E6F-D98B-4291-AA6B-B06788768C78}" destId="{9CF0F068-6DF2-41C5-9577-3526CE7DE021}" srcOrd="0" destOrd="0" presId="urn:microsoft.com/office/officeart/2005/8/layout/orgChart1"/>
     <dgm:cxn modelId="{D2817BD2-E060-40C9-8EE0-F178776B408D}" type="presParOf" srcId="{FF58A61E-51EA-467A-9935-C911AECABBD3}" destId="{68FCCF14-3F2E-4843-A2E2-A25778F549C8}" srcOrd="0" destOrd="0" presId="urn:microsoft.com/office/officeart/2005/8/layout/orgChart1"/>
     <dgm:cxn modelId="{EA863FF1-5F2D-4D76-84EC-39795A6E5323}" type="presParOf" srcId="{68FCCF14-3F2E-4843-A2E2-A25778F549C8}" destId="{A6F6B96A-3EDC-4BD0-B1F0-6596C10181A6}" srcOrd="0" destOrd="0" presId="urn:microsoft.com/office/officeart/2005/8/layout/orgChart1"/>
     <dgm:cxn modelId="{B7DD17DA-CD7A-41F3-B2A6-E72D375E0CCA}" type="presParOf" srcId="{A6F6B96A-3EDC-4BD0-B1F0-6596C10181A6}" destId="{AB1CA4BF-B69A-4BF3-981F-98C24B146FFC}" srcOrd="0" destOrd="0" presId="urn:microsoft.com/office/officeart/2005/8/layout/orgChart1"/>
@@ -1879,7 +1717,7 @@
         </a:bodyPr>
         <a:lstStyle/>
         <a:p>
-          <a:pPr lvl="0" algn="ctr" defTabSz="666750">
+          <a:pPr marL="0" lvl="0" indent="0" algn="ctr" defTabSz="666750">
             <a:lnSpc>
               <a:spcPct val="90000"/>
             </a:lnSpc>
@@ -1889,6 +1727,7 @@
             <a:spcAft>
               <a:spcPct val="35000"/>
             </a:spcAft>
+            <a:buNone/>
           </a:pPr>
           <a:r>
             <a:rPr lang="ru-RU" sz="1500" kern="1200" dirty="0">
@@ -1951,7 +1790,7 @@
         </a:bodyPr>
         <a:lstStyle/>
         <a:p>
-          <a:pPr lvl="0" algn="ctr" defTabSz="666750">
+          <a:pPr marL="0" lvl="0" indent="0" algn="ctr" defTabSz="666750">
             <a:lnSpc>
               <a:spcPct val="90000"/>
             </a:lnSpc>
@@ -1961,6 +1800,7 @@
             <a:spcAft>
               <a:spcPct val="35000"/>
             </a:spcAft>
+            <a:buNone/>
           </a:pPr>
           <a:r>
             <a:rPr lang="ru-RU" sz="1500" kern="1200" dirty="0">
@@ -2023,7 +1863,7 @@
         </a:bodyPr>
         <a:lstStyle/>
         <a:p>
-          <a:pPr lvl="0" algn="ctr" defTabSz="666750">
+          <a:pPr marL="0" lvl="0" indent="0" algn="ctr" defTabSz="666750">
             <a:lnSpc>
               <a:spcPct val="90000"/>
             </a:lnSpc>
@@ -2033,6 +1873,7 @@
             <a:spcAft>
               <a:spcPct val="35000"/>
             </a:spcAft>
+            <a:buNone/>
           </a:pPr>
           <a:r>
             <a:rPr lang="ru-RU" sz="1500" kern="1200" dirty="0">
@@ -2095,7 +1936,7 @@
         </a:bodyPr>
         <a:lstStyle/>
         <a:p>
-          <a:pPr lvl="0" algn="ctr" defTabSz="666750">
+          <a:pPr marL="0" lvl="0" indent="0" algn="ctr" defTabSz="666750">
             <a:lnSpc>
               <a:spcPct val="90000"/>
             </a:lnSpc>
@@ -2105,6 +1946,7 @@
             <a:spcAft>
               <a:spcPct val="35000"/>
             </a:spcAft>
+            <a:buNone/>
           </a:pPr>
           <a:r>
             <a:rPr lang="ru-RU" sz="1500" kern="1200" dirty="0">
@@ -2167,7 +2009,7 @@
         </a:bodyPr>
         <a:lstStyle/>
         <a:p>
-          <a:pPr lvl="0" algn="ctr" defTabSz="666750">
+          <a:pPr marL="0" lvl="0" indent="0" algn="ctr" defTabSz="666750">
             <a:lnSpc>
               <a:spcPct val="90000"/>
             </a:lnSpc>
@@ -2177,6 +2019,7 @@
             <a:spcAft>
               <a:spcPct val="35000"/>
             </a:spcAft>
+            <a:buNone/>
           </a:pPr>
           <a:r>
             <a:rPr lang="ru-RU" sz="1500" kern="1200" dirty="0">
@@ -4460,7 +4303,7 @@
           <a:p>
             <a:fld id="{18DF7F9C-15E8-459E-A0B2-74FEF7E8E10D}" type="datetimeFigureOut">
               <a:rPr lang="ru-RU" smtClean="0"/>
-              <a:t>10.06.2025</a:t>
+              <a:t>15.06.2025</a:t>
             </a:fld>
             <a:endParaRPr lang="ru-RU"/>
           </a:p>
@@ -4824,7 +4667,7 @@
         <p:cNvPr id="1" name="">
           <a:extLst>
             <a:ext uri="{FF2B5EF4-FFF2-40B4-BE49-F238E27FC236}">
-              <a16:creationId xmlns="" xmlns:a16="http://schemas.microsoft.com/office/drawing/2014/main" id="{C3A9F086-9072-4F37-33B6-AF02A842B586}"/>
+              <a16:creationId xmlns:a16="http://schemas.microsoft.com/office/drawing/2014/main" id="{C3A9F086-9072-4F37-33B6-AF02A842B586}"/>
             </a:ext>
           </a:extLst>
         </p:cNvPr>
@@ -4844,7 +4687,7 @@
           <p:cNvPr id="2" name="Образ слайда 1">
             <a:extLst>
               <a:ext uri="{FF2B5EF4-FFF2-40B4-BE49-F238E27FC236}">
-                <a16:creationId xmlns="" xmlns:a16="http://schemas.microsoft.com/office/drawing/2014/main" id="{8D921F00-B683-7DFE-A109-0C9EA184EA46}"/>
+                <a16:creationId xmlns:a16="http://schemas.microsoft.com/office/drawing/2014/main" id="{8D921F00-B683-7DFE-A109-0C9EA184EA46}"/>
               </a:ext>
             </a:extLst>
           </p:cNvPr>
@@ -4867,7 +4710,7 @@
           <p:cNvPr id="3" name="Заметки 2">
             <a:extLst>
               <a:ext uri="{FF2B5EF4-FFF2-40B4-BE49-F238E27FC236}">
-                <a16:creationId xmlns="" xmlns:a16="http://schemas.microsoft.com/office/drawing/2014/main" id="{7054E683-FB4B-38EC-4F36-ADCA2EA3F415}"/>
+                <a16:creationId xmlns:a16="http://schemas.microsoft.com/office/drawing/2014/main" id="{7054E683-FB4B-38EC-4F36-ADCA2EA3F415}"/>
               </a:ext>
             </a:extLst>
           </p:cNvPr>
@@ -4892,7 +4735,7 @@
           <p:cNvPr id="4" name="Номер слайда 3">
             <a:extLst>
               <a:ext uri="{FF2B5EF4-FFF2-40B4-BE49-F238E27FC236}">
-                <a16:creationId xmlns="" xmlns:a16="http://schemas.microsoft.com/office/drawing/2014/main" id="{742169A6-20F4-BDB4-4F40-BFE7E8CFA420}"/>
+                <a16:creationId xmlns:a16="http://schemas.microsoft.com/office/drawing/2014/main" id="{742169A6-20F4-BDB4-4F40-BFE7E8CFA420}"/>
               </a:ext>
             </a:extLst>
           </p:cNvPr>
@@ -5060,7 +4903,7 @@
           <a:p>
             <a:fld id="{E18608DC-7CED-4A0F-9646-6A43D07D7F2F}" type="datetime1">
               <a:rPr lang="ru-RU" smtClean="0"/>
-              <a:t>10.06.2025</a:t>
+              <a:t>15.06.2025</a:t>
             </a:fld>
             <a:endParaRPr lang="ru-RU"/>
           </a:p>
@@ -5230,7 +5073,7 @@
           <a:p>
             <a:fld id="{48F3F006-7F75-4DF0-9DAE-7DF45EB51706}" type="datetime1">
               <a:rPr lang="ru-RU" smtClean="0"/>
-              <a:t>10.06.2025</a:t>
+              <a:t>15.06.2025</a:t>
             </a:fld>
             <a:endParaRPr lang="ru-RU"/>
           </a:p>
@@ -5410,7 +5253,7 @@
           <a:p>
             <a:fld id="{93FECCE7-5DDB-4474-B4C2-A5A9C91D00C2}" type="datetime1">
               <a:rPr lang="ru-RU" smtClean="0"/>
-              <a:t>10.06.2025</a:t>
+              <a:t>15.06.2025</a:t>
             </a:fld>
             <a:endParaRPr lang="ru-RU"/>
           </a:p>
@@ -5580,7 +5423,7 @@
           <a:p>
             <a:fld id="{49F1E3A9-1D0A-4BFC-85DF-791A73935979}" type="datetime1">
               <a:rPr lang="ru-RU" smtClean="0"/>
-              <a:t>10.06.2025</a:t>
+              <a:t>15.06.2025</a:t>
             </a:fld>
             <a:endParaRPr lang="ru-RU"/>
           </a:p>
@@ -5824,7 +5667,7 @@
           <a:p>
             <a:fld id="{439FFCF8-4D91-4529-9EC5-A229852B98A6}" type="datetime1">
               <a:rPr lang="ru-RU" smtClean="0"/>
-              <a:t>10.06.2025</a:t>
+              <a:t>15.06.2025</a:t>
             </a:fld>
             <a:endParaRPr lang="ru-RU"/>
           </a:p>
@@ -6056,7 +5899,7 @@
           <a:p>
             <a:fld id="{DD8B560E-376B-46E7-B02E-2B138E38ED80}" type="datetime1">
               <a:rPr lang="ru-RU" smtClean="0"/>
-              <a:t>10.06.2025</a:t>
+              <a:t>15.06.2025</a:t>
             </a:fld>
             <a:endParaRPr lang="ru-RU"/>
           </a:p>
@@ -6423,7 +6266,7 @@
           <a:p>
             <a:fld id="{C3B3E27A-8606-4C55-9B9B-E14BA0E8BAE7}" type="datetime1">
               <a:rPr lang="ru-RU" smtClean="0"/>
-              <a:t>10.06.2025</a:t>
+              <a:t>15.06.2025</a:t>
             </a:fld>
             <a:endParaRPr lang="ru-RU"/>
           </a:p>
@@ -6541,7 +6384,7 @@
           <a:p>
             <a:fld id="{DCFAF234-2966-4FDB-AB7E-EC1F753BCA4E}" type="datetime1">
               <a:rPr lang="ru-RU" smtClean="0"/>
-              <a:t>10.06.2025</a:t>
+              <a:t>15.06.2025</a:t>
             </a:fld>
             <a:endParaRPr lang="ru-RU"/>
           </a:p>
@@ -6636,7 +6479,7 @@
           <a:p>
             <a:fld id="{22D61BE1-0E60-4A13-B52E-FF76467D4EDE}" type="datetime1">
               <a:rPr lang="ru-RU" smtClean="0"/>
-              <a:t>10.06.2025</a:t>
+              <a:t>15.06.2025</a:t>
             </a:fld>
             <a:endParaRPr lang="ru-RU"/>
           </a:p>
@@ -6913,7 +6756,7 @@
           <a:p>
             <a:fld id="{A5C5A2BC-BF36-41C1-961E-3C34DB4AAAD9}" type="datetime1">
               <a:rPr lang="ru-RU" smtClean="0"/>
-              <a:t>10.06.2025</a:t>
+              <a:t>15.06.2025</a:t>
             </a:fld>
             <a:endParaRPr lang="ru-RU"/>
           </a:p>
@@ -7170,7 +7013,7 @@
           <a:p>
             <a:fld id="{0FEB7CB1-D6C0-4BEB-9EB4-F51B1DF38F4F}" type="datetime1">
               <a:rPr lang="ru-RU" smtClean="0"/>
-              <a:t>10.06.2025</a:t>
+              <a:t>15.06.2025</a:t>
             </a:fld>
             <a:endParaRPr lang="ru-RU"/>
           </a:p>
@@ -7383,7 +7226,7 @@
           <a:p>
             <a:fld id="{643B1264-A997-4AC6-BE57-B9CC3C89CA28}" type="datetime1">
               <a:rPr lang="ru-RU" smtClean="0"/>
-              <a:t>10.06.2025</a:t>
+              <a:t>15.06.2025</a:t>
             </a:fld>
             <a:endParaRPr lang="ru-RU"/>
           </a:p>
@@ -7794,7 +7637,7 @@
           <p:cNvPr id="2" name="Заголовок 1">
             <a:extLst>
               <a:ext uri="{FF2B5EF4-FFF2-40B4-BE49-F238E27FC236}">
-                <a16:creationId xmlns="" xmlns:a16="http://schemas.microsoft.com/office/drawing/2014/main" id="{832C14C5-F4AA-9F80-D7C7-C310C623F60D}"/>
+                <a16:creationId xmlns:a16="http://schemas.microsoft.com/office/drawing/2014/main" id="{832C14C5-F4AA-9F80-D7C7-C310C623F60D}"/>
               </a:ext>
             </a:extLst>
           </p:cNvPr>
@@ -7853,7 +7696,7 @@
           <p:cNvPr id="3" name="Подзаголовок 2">
             <a:extLst>
               <a:ext uri="{FF2B5EF4-FFF2-40B4-BE49-F238E27FC236}">
-                <a16:creationId xmlns="" xmlns:a16="http://schemas.microsoft.com/office/drawing/2014/main" id="{D39D9A25-8686-9F9D-20C2-287CEF3E16F8}"/>
+                <a16:creationId xmlns:a16="http://schemas.microsoft.com/office/drawing/2014/main" id="{D39D9A25-8686-9F9D-20C2-287CEF3E16F8}"/>
               </a:ext>
             </a:extLst>
           </p:cNvPr>
@@ -7916,7 +7759,7 @@
           <p:cNvPr id="4" name="Рисунок 3">
             <a:extLst>
               <a:ext uri="{FF2B5EF4-FFF2-40B4-BE49-F238E27FC236}">
-                <a16:creationId xmlns="" xmlns:a16="http://schemas.microsoft.com/office/drawing/2014/main" id="{7062EEF1-BB05-DFBC-C9BF-DBE48AB9675A}"/>
+                <a16:creationId xmlns:a16="http://schemas.microsoft.com/office/drawing/2014/main" id="{7062EEF1-BB05-DFBC-C9BF-DBE48AB9675A}"/>
               </a:ext>
             </a:extLst>
           </p:cNvPr>
@@ -7962,7 +7805,7 @@
           <p:cNvPr id="5" name="Рисунок 4">
             <a:extLst>
               <a:ext uri="{FF2B5EF4-FFF2-40B4-BE49-F238E27FC236}">
-                <a16:creationId xmlns="" xmlns:a16="http://schemas.microsoft.com/office/drawing/2014/main" id="{CABA9372-160D-8E5F-373E-C0A3C47F27BD}"/>
+                <a16:creationId xmlns:a16="http://schemas.microsoft.com/office/drawing/2014/main" id="{CABA9372-160D-8E5F-373E-C0A3C47F27BD}"/>
               </a:ext>
             </a:extLst>
           </p:cNvPr>
@@ -8009,7 +7852,7 @@
           <p:cNvPr id="6" name="Рисунок 5">
             <a:extLst>
               <a:ext uri="{FF2B5EF4-FFF2-40B4-BE49-F238E27FC236}">
-                <a16:creationId xmlns="" xmlns:a16="http://schemas.microsoft.com/office/drawing/2014/main" id="{167AF7BD-7B8D-6FEF-8455-8CB02296B7A3}"/>
+                <a16:creationId xmlns:a16="http://schemas.microsoft.com/office/drawing/2014/main" id="{167AF7BD-7B8D-6FEF-8455-8CB02296B7A3}"/>
               </a:ext>
             </a:extLst>
           </p:cNvPr>
@@ -8050,342 +7893,10 @@
   <p:clrMapOvr>
     <a:masterClrMapping/>
   </p:clrMapOvr>
-  <p:timing>
-    <p:tnLst>
-      <p:par>
-        <p:cTn id="1" dur="indefinite" restart="never" nodeType="tmRoot"/>
-      </p:par>
-    </p:tnLst>
-  </p:timing>
 </p:sld>
 </file>
 
 <file path=ppt/slides/slide10.xml><?xml version="1.0" encoding="utf-8"?>
-<p:sld xmlns:a="http://schemas.openxmlformats.org/drawingml/2006/main" xmlns:r="http://schemas.openxmlformats.org/officeDocument/2006/relationships" xmlns:p="http://schemas.openxmlformats.org/presentationml/2006/main">
-  <p:cSld>
-    <p:spTree>
-      <p:nvGrpSpPr>
-        <p:cNvPr id="1" name=""/>
-        <p:cNvGrpSpPr/>
-        <p:nvPr/>
-      </p:nvGrpSpPr>
-      <p:grpSpPr>
-        <a:xfrm>
-          <a:off x="0" y="0"/>
-          <a:ext cx="0" cy="0"/>
-          <a:chOff x="0" y="0"/>
-          <a:chExt cx="0" cy="0"/>
-        </a:xfrm>
-      </p:grpSpPr>
-      <p:pic>
-        <p:nvPicPr>
-          <p:cNvPr id="30" name="Рисунок 29">
-            <a:extLst>
-              <a:ext uri="{FF2B5EF4-FFF2-40B4-BE49-F238E27FC236}">
-                <a16:creationId xmlns="" xmlns:a16="http://schemas.microsoft.com/office/drawing/2014/main" id="{6CA5ACE8-B0D8-48BA-E1EB-0D1896C5E631}"/>
-              </a:ext>
-            </a:extLst>
-          </p:cNvPr>
-          <p:cNvPicPr>
-            <a:picLocks noChangeAspect="1"/>
-          </p:cNvPicPr>
-          <p:nvPr/>
-        </p:nvPicPr>
-        <p:blipFill>
-          <a:blip r:embed="rId2" cstate="print">
-            <a:extLst>
-              <a:ext uri="{28A0092B-C50C-407E-A947-70E740481C1C}">
-                <a14:useLocalDpi xmlns:a14="http://schemas.microsoft.com/office/drawing/2010/main" val="0"/>
-              </a:ext>
-            </a:extLst>
-          </a:blip>
-          <a:stretch>
-            <a:fillRect/>
-          </a:stretch>
-        </p:blipFill>
-        <p:spPr>
-          <a:xfrm flipH="1">
-            <a:off x="-113123" y="6174000"/>
-            <a:ext cx="9407951" cy="684000"/>
-          </a:xfrm>
-          <a:prstGeom prst="rect">
-            <a:avLst/>
-          </a:prstGeom>
-          <a:effectLst>
-            <a:outerShdw blurRad="50800" dist="50800" dir="5400000" sx="99000" sy="99000" algn="ctr" rotWithShape="0">
-              <a:srgbClr val="000000">
-                <a:alpha val="99000"/>
-              </a:srgbClr>
-            </a:outerShdw>
-          </a:effectLst>
-        </p:spPr>
-      </p:pic>
-      <p:pic>
-        <p:nvPicPr>
-          <p:cNvPr id="15" name="Рисунок 14">
-            <a:extLst>
-              <a:ext uri="{FF2B5EF4-FFF2-40B4-BE49-F238E27FC236}">
-                <a16:creationId xmlns="" xmlns:a16="http://schemas.microsoft.com/office/drawing/2014/main" id="{4E8C04DE-11CA-373E-8454-49717E782E4B}"/>
-              </a:ext>
-            </a:extLst>
-          </p:cNvPr>
-          <p:cNvPicPr>
-            <a:picLocks noChangeAspect="1"/>
-          </p:cNvPicPr>
-          <p:nvPr/>
-        </p:nvPicPr>
-        <p:blipFill>
-          <a:blip r:embed="rId3"/>
-          <a:stretch>
-            <a:fillRect/>
-          </a:stretch>
-        </p:blipFill>
-        <p:spPr>
-          <a:xfrm>
-            <a:off x="52938" y="1815248"/>
-            <a:ext cx="2633111" cy="2985574"/>
-          </a:xfrm>
-          <a:prstGeom prst="rect">
-            <a:avLst/>
-          </a:prstGeom>
-          <a:ln>
-            <a:solidFill>
-              <a:schemeClr val="tx1"/>
-            </a:solidFill>
-          </a:ln>
-        </p:spPr>
-      </p:pic>
-      <p:pic>
-        <p:nvPicPr>
-          <p:cNvPr id="4" name="Рисунок 3">
-            <a:extLst>
-              <a:ext uri="{FF2B5EF4-FFF2-40B4-BE49-F238E27FC236}">
-                <a16:creationId xmlns="" xmlns:a16="http://schemas.microsoft.com/office/drawing/2014/main" id="{E992106D-969F-CAB7-10F5-356FEC5297DE}"/>
-              </a:ext>
-            </a:extLst>
-          </p:cNvPr>
-          <p:cNvPicPr>
-            <a:picLocks noChangeAspect="1"/>
-          </p:cNvPicPr>
-          <p:nvPr/>
-        </p:nvPicPr>
-        <p:blipFill>
-          <a:blip r:embed="rId4"/>
-          <a:stretch>
-            <a:fillRect/>
-          </a:stretch>
-        </p:blipFill>
-        <p:spPr>
-          <a:xfrm>
-            <a:off x="6457950" y="1775956"/>
-            <a:ext cx="2633112" cy="3024867"/>
-          </a:xfrm>
-          <a:prstGeom prst="rect">
-            <a:avLst/>
-          </a:prstGeom>
-          <a:ln>
-            <a:solidFill>
-              <a:schemeClr val="tx1"/>
-            </a:solidFill>
-          </a:ln>
-        </p:spPr>
-      </p:pic>
-      <p:sp>
-        <p:nvSpPr>
-          <p:cNvPr id="2" name="Заголовок 1"/>
-          <p:cNvSpPr>
-            <a:spLocks noGrp="1"/>
-          </p:cNvSpPr>
-          <p:nvPr>
-            <p:ph type="title"/>
-          </p:nvPr>
-        </p:nvSpPr>
-        <p:spPr>
-          <a:xfrm>
-            <a:off x="-1" y="230792"/>
-            <a:ext cx="9144000" cy="1150071"/>
-          </a:xfrm>
-        </p:spPr>
-        <p:txBody>
-          <a:bodyPr>
-            <a:noAutofit/>
-          </a:bodyPr>
-          <a:lstStyle/>
-          <a:p>
-            <a:pPr algn="ctr"/>
-            <a:r>
-              <a:rPr lang="ru-RU" sz="2800" b="1" dirty="0">
-                <a:latin typeface="Bahnschrift SemiBold" panose="020B0502040204020203" pitchFamily="34" charset="0"/>
-              </a:rPr>
-              <a:t>ИНТЕРФЕЙС ВЕБ-ПРИЛОЖЕНИЯ</a:t>
-            </a:r>
-            <a:br>
-              <a:rPr lang="ru-RU" sz="2800" b="1" dirty="0">
-                <a:latin typeface="Bahnschrift SemiBold" panose="020B0502040204020203" pitchFamily="34" charset="0"/>
-              </a:rPr>
-            </a:br>
-            <a:r>
-              <a:rPr lang="ru-RU" sz="2800" b="1" dirty="0">
-                <a:latin typeface="Bahnschrift SemiBold" panose="020B0502040204020203" pitchFamily="34" charset="0"/>
-              </a:rPr>
-              <a:t>СТРАНИЦЫ АВТОРИЗАЦИИ И РЕГИСТРАЦИИ </a:t>
-            </a:r>
-            <a:br>
-              <a:rPr lang="ru-RU" sz="2800" b="1" dirty="0">
-                <a:latin typeface="Bahnschrift SemiBold" panose="020B0502040204020203" pitchFamily="34" charset="0"/>
-              </a:rPr>
-            </a:br>
-            <a:endParaRPr lang="ru-RU" sz="2800" b="1" dirty="0">
-              <a:latin typeface="Bahnschrift SemiBold" panose="020B0502040204020203" pitchFamily="34" charset="0"/>
-            </a:endParaRPr>
-          </a:p>
-        </p:txBody>
-      </p:sp>
-      <p:sp>
-        <p:nvSpPr>
-          <p:cNvPr id="8" name="Номер слайда 7">
-            <a:extLst>
-              <a:ext uri="{FF2B5EF4-FFF2-40B4-BE49-F238E27FC236}">
-                <a16:creationId xmlns="" xmlns:a16="http://schemas.microsoft.com/office/drawing/2014/main" id="{9A787F45-C075-2D52-CA47-834C815BEA1D}"/>
-              </a:ext>
-            </a:extLst>
-          </p:cNvPr>
-          <p:cNvSpPr>
-            <a:spLocks noGrp="1"/>
-          </p:cNvSpPr>
-          <p:nvPr>
-            <p:ph type="sldNum" sz="quarter" idx="12"/>
-          </p:nvPr>
-        </p:nvSpPr>
-        <p:spPr>
-          <a:xfrm>
-            <a:off x="6457950" y="6262083"/>
-            <a:ext cx="2057400" cy="365125"/>
-          </a:xfrm>
-        </p:spPr>
-        <p:txBody>
-          <a:bodyPr/>
-          <a:lstStyle/>
-          <a:p>
-            <a:fld id="{AFC5D346-0896-4BCB-BD3D-84DEBAD632DA}" type="slidenum">
-              <a:rPr lang="ru-RU" sz="2400" b="1" smtClean="0">
-                <a:solidFill>
-                  <a:schemeClr val="tx1"/>
-                </a:solidFill>
-              </a:rPr>
-              <a:t>10</a:t>
-            </a:fld>
-            <a:endParaRPr lang="ru-RU" sz="2400" b="1" dirty="0">
-              <a:solidFill>
-                <a:schemeClr val="tx1"/>
-              </a:solidFill>
-            </a:endParaRPr>
-          </a:p>
-        </p:txBody>
-      </p:sp>
-      <p:pic>
-        <p:nvPicPr>
-          <p:cNvPr id="24" name="Рисунок 23">
-            <a:extLst>
-              <a:ext uri="{FF2B5EF4-FFF2-40B4-BE49-F238E27FC236}">
-                <a16:creationId xmlns="" xmlns:a16="http://schemas.microsoft.com/office/drawing/2014/main" id="{99806537-7318-AF43-AE8B-54E173F92AEC}"/>
-              </a:ext>
-            </a:extLst>
-          </p:cNvPr>
-          <p:cNvPicPr>
-            <a:picLocks noChangeAspect="1"/>
-          </p:cNvPicPr>
-          <p:nvPr/>
-        </p:nvPicPr>
-        <p:blipFill>
-          <a:blip r:embed="rId5"/>
-          <a:stretch>
-            <a:fillRect/>
-          </a:stretch>
-        </p:blipFill>
-        <p:spPr>
-          <a:xfrm>
-            <a:off x="3255444" y="1775956"/>
-            <a:ext cx="2633111" cy="3024866"/>
-          </a:xfrm>
-          <a:prstGeom prst="rect">
-            <a:avLst/>
-          </a:prstGeom>
-          <a:ln>
-            <a:solidFill>
-              <a:schemeClr val="tx1"/>
-            </a:solidFill>
-          </a:ln>
-        </p:spPr>
-      </p:pic>
-      <p:sp>
-        <p:nvSpPr>
-          <p:cNvPr id="31" name="TextBox 30">
-            <a:extLst>
-              <a:ext uri="{FF2B5EF4-FFF2-40B4-BE49-F238E27FC236}">
-                <a16:creationId xmlns="" xmlns:a16="http://schemas.microsoft.com/office/drawing/2014/main" id="{59E8458D-CA34-6DC8-AE8C-469A2AE1C17E}"/>
-              </a:ext>
-            </a:extLst>
-          </p:cNvPr>
-          <p:cNvSpPr txBox="1"/>
-          <p:nvPr/>
-        </p:nvSpPr>
-        <p:spPr>
-          <a:xfrm>
-            <a:off x="0" y="5195915"/>
-            <a:ext cx="9144000" cy="1015663"/>
-          </a:xfrm>
-          <a:prstGeom prst="rect">
-            <a:avLst/>
-          </a:prstGeom>
-          <a:noFill/>
-        </p:spPr>
-        <p:txBody>
-          <a:bodyPr wrap="square" rtlCol="0">
-            <a:spAutoFit/>
-          </a:bodyPr>
-          <a:lstStyle/>
-          <a:p>
-            <a:r>
-              <a:rPr lang="ru-RU" sz="2000" b="1" i="0" dirty="0">
-                <a:effectLst/>
-                <a:latin typeface="+mj-lt"/>
-              </a:rPr>
-              <a:t>В проекте используется встроенная аутентификация ASP.NET Core, ограничивающая доступ к действиям контроллера по ролям.</a:t>
-            </a:r>
-            <a:br>
-              <a:rPr lang="ru-RU" sz="2000" b="1" i="0" dirty="0">
-                <a:effectLst/>
-                <a:latin typeface="+mj-lt"/>
-              </a:rPr>
-            </a:br>
-            <a:endParaRPr lang="ru-RU" sz="2000" dirty="0">
-              <a:latin typeface="+mj-lt"/>
-            </a:endParaRPr>
-          </a:p>
-        </p:txBody>
-      </p:sp>
-    </p:spTree>
-    <p:extLst>
-      <p:ext uri="{BB962C8B-B14F-4D97-AF65-F5344CB8AC3E}">
-        <p14:creationId xmlns:p14="http://schemas.microsoft.com/office/powerpoint/2010/main" val="921281904"/>
-      </p:ext>
-    </p:extLst>
-  </p:cSld>
-  <p:clrMapOvr>
-    <a:masterClrMapping/>
-  </p:clrMapOvr>
-  <p:timing>
-    <p:tnLst>
-      <p:par>
-        <p:cTn id="1" dur="indefinite" restart="never" nodeType="tmRoot"/>
-      </p:par>
-    </p:tnLst>
-  </p:timing>
-</p:sld>
-</file>
-
-<file path=ppt/slides/slide11.xml><?xml version="1.0" encoding="utf-8"?>
 <p:sld xmlns:a="http://schemas.openxmlformats.org/drawingml/2006/main" xmlns:r="http://schemas.openxmlformats.org/officeDocument/2006/relationships" xmlns:p="http://schemas.openxmlformats.org/presentationml/2006/main">
   <p:cSld>
     <p:spTree>
@@ -8479,7 +7990,7 @@
           <p:cNvPr id="8" name="Номер слайда 7">
             <a:extLst>
               <a:ext uri="{FF2B5EF4-FFF2-40B4-BE49-F238E27FC236}">
-                <a16:creationId xmlns="" xmlns:a16="http://schemas.microsoft.com/office/drawing/2014/main" id="{6CDFDC65-817A-9349-1B48-4D67CCEBBC27}"/>
+                <a16:creationId xmlns:a16="http://schemas.microsoft.com/office/drawing/2014/main" id="{6CDFDC65-817A-9349-1B48-4D67CCEBBC27}"/>
               </a:ext>
             </a:extLst>
           </p:cNvPr>
@@ -8501,7 +8012,7 @@
                   <a:schemeClr val="tx1"/>
                 </a:solidFill>
               </a:rPr>
-              <a:t>11</a:t>
+              <a:t>10</a:t>
             </a:fld>
             <a:endParaRPr lang="ru-RU" sz="2400" b="1" dirty="0">
               <a:solidFill>
@@ -8521,17 +8032,10 @@
   <p:clrMapOvr>
     <a:masterClrMapping/>
   </p:clrMapOvr>
-  <p:timing>
-    <p:tnLst>
-      <p:par>
-        <p:cTn id="1" dur="indefinite" restart="never" nodeType="tmRoot"/>
-      </p:par>
-    </p:tnLst>
-  </p:timing>
 </p:sld>
 </file>
 
-<file path=ppt/slides/slide12.xml><?xml version="1.0" encoding="utf-8"?>
+<file path=ppt/slides/slide11.xml><?xml version="1.0" encoding="utf-8"?>
 <p:sld xmlns:a="http://schemas.openxmlformats.org/drawingml/2006/main" xmlns:r="http://schemas.openxmlformats.org/officeDocument/2006/relationships" xmlns:p="http://schemas.openxmlformats.org/presentationml/2006/main">
   <p:cSld>
     <p:spTree>
@@ -8625,7 +8129,7 @@
           <p:cNvPr id="8" name="Номер слайда 7">
             <a:extLst>
               <a:ext uri="{FF2B5EF4-FFF2-40B4-BE49-F238E27FC236}">
-                <a16:creationId xmlns="" xmlns:a16="http://schemas.microsoft.com/office/drawing/2014/main" id="{DDAD8F88-D24F-6DF5-B429-B28DDFC4F362}"/>
+                <a16:creationId xmlns:a16="http://schemas.microsoft.com/office/drawing/2014/main" id="{DDAD8F88-D24F-6DF5-B429-B28DDFC4F362}"/>
               </a:ext>
             </a:extLst>
           </p:cNvPr>
@@ -8647,7 +8151,7 @@
                   <a:schemeClr val="tx1"/>
                 </a:solidFill>
               </a:rPr>
-              <a:t>12</a:t>
+              <a:t>11</a:t>
             </a:fld>
             <a:endParaRPr lang="ru-RU" sz="2400" b="1" dirty="0">
               <a:solidFill>
@@ -8667,17 +8171,10 @@
   <p:clrMapOvr>
     <a:masterClrMapping/>
   </p:clrMapOvr>
-  <p:timing>
-    <p:tnLst>
-      <p:par>
-        <p:cTn id="1" dur="indefinite" restart="never" nodeType="tmRoot"/>
-      </p:par>
-    </p:tnLst>
-  </p:timing>
 </p:sld>
 </file>
 
-<file path=ppt/slides/slide13.xml><?xml version="1.0" encoding="utf-8"?>
+<file path=ppt/slides/slide12.xml><?xml version="1.0" encoding="utf-8"?>
 <p:sld xmlns:a="http://schemas.openxmlformats.org/drawingml/2006/main" xmlns:r="http://schemas.openxmlformats.org/officeDocument/2006/relationships" xmlns:p="http://schemas.openxmlformats.org/presentationml/2006/main">
   <p:cSld>
     <p:spTree>
@@ -8685,7 +8182,7 @@
         <p:cNvPr id="1" name="">
           <a:extLst>
             <a:ext uri="{FF2B5EF4-FFF2-40B4-BE49-F238E27FC236}">
-              <a16:creationId xmlns="" xmlns:a16="http://schemas.microsoft.com/office/drawing/2014/main" id="{225BE48F-0D07-AC76-37FA-D75C3D7CCB48}"/>
+              <a16:creationId xmlns:a16="http://schemas.microsoft.com/office/drawing/2014/main" id="{225BE48F-0D07-AC76-37FA-D75C3D7CCB48}"/>
             </a:ext>
           </a:extLst>
         </p:cNvPr>
@@ -8705,7 +8202,7 @@
           <p:cNvPr id="5" name="Заголовок 1">
             <a:extLst>
               <a:ext uri="{FF2B5EF4-FFF2-40B4-BE49-F238E27FC236}">
-                <a16:creationId xmlns="" xmlns:a16="http://schemas.microsoft.com/office/drawing/2014/main" id="{FF4D66C1-EF3D-E833-341C-A8D2037A92C0}"/>
+                <a16:creationId xmlns:a16="http://schemas.microsoft.com/office/drawing/2014/main" id="{FF4D66C1-EF3D-E833-341C-A8D2037A92C0}"/>
               </a:ext>
             </a:extLst>
           </p:cNvPr>
@@ -8751,7 +8248,7 @@
           <p:cNvPr id="8" name="Номер слайда 7">
             <a:extLst>
               <a:ext uri="{FF2B5EF4-FFF2-40B4-BE49-F238E27FC236}">
-                <a16:creationId xmlns="" xmlns:a16="http://schemas.microsoft.com/office/drawing/2014/main" id="{F46E0F24-3636-9504-6471-2D823A7EE640}"/>
+                <a16:creationId xmlns:a16="http://schemas.microsoft.com/office/drawing/2014/main" id="{F46E0F24-3636-9504-6471-2D823A7EE640}"/>
               </a:ext>
             </a:extLst>
           </p:cNvPr>
@@ -8773,7 +8270,7 @@
                   <a:schemeClr val="tx1"/>
                 </a:solidFill>
               </a:rPr>
-              <a:t>13</a:t>
+              <a:t>12</a:t>
             </a:fld>
             <a:endParaRPr lang="ru-RU" sz="2400" b="1" dirty="0">
               <a:solidFill>
@@ -8788,7 +8285,7 @@
           <p:cNvPr id="3" name="Рисунок 2">
             <a:extLst>
               <a:ext uri="{FF2B5EF4-FFF2-40B4-BE49-F238E27FC236}">
-                <a16:creationId xmlns="" xmlns:a16="http://schemas.microsoft.com/office/drawing/2014/main" id="{03E88DFB-D97A-CC47-CFB8-4AEEF5D1484C}"/>
+                <a16:creationId xmlns:a16="http://schemas.microsoft.com/office/drawing/2014/main" id="{03E88DFB-D97A-CC47-CFB8-4AEEF5D1484C}"/>
               </a:ext>
             </a:extLst>
           </p:cNvPr>
@@ -8805,8 +8302,8 @@
         </p:blipFill>
         <p:spPr>
           <a:xfrm>
-            <a:off x="0" y="850966"/>
-            <a:ext cx="9050564" cy="4889957"/>
+            <a:off x="104684" y="850966"/>
+            <a:ext cx="8945880" cy="4833397"/>
           </a:xfrm>
           <a:prstGeom prst="rect">
             <a:avLst/>
@@ -8823,17 +8320,10 @@
   <p:clrMapOvr>
     <a:masterClrMapping/>
   </p:clrMapOvr>
-  <p:timing>
-    <p:tnLst>
-      <p:par>
-        <p:cTn id="1" dur="indefinite" restart="never" nodeType="tmRoot"/>
-      </p:par>
-    </p:tnLst>
-  </p:timing>
 </p:sld>
 </file>
 
-<file path=ppt/slides/slide14.xml><?xml version="1.0" encoding="utf-8"?>
+<file path=ppt/slides/slide13.xml><?xml version="1.0" encoding="utf-8"?>
 <p:sld xmlns:a="http://schemas.openxmlformats.org/drawingml/2006/main" xmlns:r="http://schemas.openxmlformats.org/officeDocument/2006/relationships" xmlns:p="http://schemas.openxmlformats.org/presentationml/2006/main">
   <p:cSld>
     <p:spTree>
@@ -8841,7 +8331,7 @@
         <p:cNvPr id="1" name="">
           <a:extLst>
             <a:ext uri="{FF2B5EF4-FFF2-40B4-BE49-F238E27FC236}">
-              <a16:creationId xmlns="" xmlns:a16="http://schemas.microsoft.com/office/drawing/2014/main" id="{568AA278-DEA9-1002-081D-E22D00146167}"/>
+              <a16:creationId xmlns:a16="http://schemas.microsoft.com/office/drawing/2014/main" id="{568AA278-DEA9-1002-081D-E22D00146167}"/>
             </a:ext>
           </a:extLst>
         </p:cNvPr>
@@ -8861,7 +8351,7 @@
           <p:cNvPr id="5" name="Заголовок 1">
             <a:extLst>
               <a:ext uri="{FF2B5EF4-FFF2-40B4-BE49-F238E27FC236}">
-                <a16:creationId xmlns="" xmlns:a16="http://schemas.microsoft.com/office/drawing/2014/main" id="{93C1199F-4A7C-8C36-F167-496253F6DC40}"/>
+                <a16:creationId xmlns:a16="http://schemas.microsoft.com/office/drawing/2014/main" id="{93C1199F-4A7C-8C36-F167-496253F6DC40}"/>
               </a:ext>
             </a:extLst>
           </p:cNvPr>
@@ -8907,7 +8397,7 @@
           <p:cNvPr id="8" name="Номер слайда 7">
             <a:extLst>
               <a:ext uri="{FF2B5EF4-FFF2-40B4-BE49-F238E27FC236}">
-                <a16:creationId xmlns="" xmlns:a16="http://schemas.microsoft.com/office/drawing/2014/main" id="{7764CD17-1844-94A2-AA19-2310EC41A1B8}"/>
+                <a16:creationId xmlns:a16="http://schemas.microsoft.com/office/drawing/2014/main" id="{7764CD17-1844-94A2-AA19-2310EC41A1B8}"/>
               </a:ext>
             </a:extLst>
           </p:cNvPr>
@@ -8929,7 +8419,7 @@
                   <a:schemeClr val="tx1"/>
                 </a:solidFill>
               </a:rPr>
-              <a:t>14</a:t>
+              <a:t>13</a:t>
             </a:fld>
             <a:endParaRPr lang="ru-RU" sz="2400" b="1" dirty="0">
               <a:solidFill>
@@ -8944,7 +8434,7 @@
           <p:cNvPr id="4" name="Рисунок 3">
             <a:extLst>
               <a:ext uri="{FF2B5EF4-FFF2-40B4-BE49-F238E27FC236}">
-                <a16:creationId xmlns="" xmlns:a16="http://schemas.microsoft.com/office/drawing/2014/main" id="{974B683A-EFF9-0DAA-BE9F-4073EC971EF0}"/>
+                <a16:creationId xmlns:a16="http://schemas.microsoft.com/office/drawing/2014/main" id="{974B683A-EFF9-0DAA-BE9F-4073EC971EF0}"/>
               </a:ext>
             </a:extLst>
           </p:cNvPr>
@@ -8979,17 +8469,10 @@
   <p:clrMapOvr>
     <a:masterClrMapping/>
   </p:clrMapOvr>
-  <p:timing>
-    <p:tnLst>
-      <p:par>
-        <p:cTn id="1" dur="indefinite" restart="never" nodeType="tmRoot"/>
-      </p:par>
-    </p:tnLst>
-  </p:timing>
 </p:sld>
 </file>
 
-<file path=ppt/slides/slide15.xml><?xml version="1.0" encoding="utf-8"?>
+<file path=ppt/slides/slide14.xml><?xml version="1.0" encoding="utf-8"?>
 <p:sld xmlns:a="http://schemas.openxmlformats.org/drawingml/2006/main" xmlns:r="http://schemas.openxmlformats.org/officeDocument/2006/relationships" xmlns:p="http://schemas.openxmlformats.org/presentationml/2006/main">
   <p:cSld>
     <p:spTree>
@@ -9083,7 +8566,7 @@
           <p:cNvPr id="5" name="Номер слайда 4">
             <a:extLst>
               <a:ext uri="{FF2B5EF4-FFF2-40B4-BE49-F238E27FC236}">
-                <a16:creationId xmlns="" xmlns:a16="http://schemas.microsoft.com/office/drawing/2014/main" id="{7F72B0B3-1D38-4129-76A7-969F749BB17C}"/>
+                <a16:creationId xmlns:a16="http://schemas.microsoft.com/office/drawing/2014/main" id="{7F72B0B3-1D38-4129-76A7-969F749BB17C}"/>
               </a:ext>
             </a:extLst>
           </p:cNvPr>
@@ -9105,7 +8588,7 @@
                   <a:schemeClr val="tx1"/>
                 </a:solidFill>
               </a:rPr>
-              <a:t>15</a:t>
+              <a:t>14</a:t>
             </a:fld>
             <a:endParaRPr lang="ru-RU" sz="2400" b="1" dirty="0">
               <a:solidFill>
@@ -9125,17 +8608,10 @@
   <p:clrMapOvr>
     <a:masterClrMapping/>
   </p:clrMapOvr>
-  <p:timing>
-    <p:tnLst>
-      <p:par>
-        <p:cTn id="1" dur="indefinite" restart="never" nodeType="tmRoot"/>
-      </p:par>
-    </p:tnLst>
-  </p:timing>
 </p:sld>
 </file>
 
-<file path=ppt/slides/slide16.xml><?xml version="1.0" encoding="utf-8"?>
+<file path=ppt/slides/slide15.xml><?xml version="1.0" encoding="utf-8"?>
 <p:sld xmlns:a="http://schemas.openxmlformats.org/drawingml/2006/main" xmlns:r="http://schemas.openxmlformats.org/officeDocument/2006/relationships" xmlns:p="http://schemas.openxmlformats.org/presentationml/2006/main">
   <p:cSld>
     <p:spTree>
@@ -9261,7 +8737,7 @@
           <p:cNvPr id="9" name="Номер слайда 8">
             <a:extLst>
               <a:ext uri="{FF2B5EF4-FFF2-40B4-BE49-F238E27FC236}">
-                <a16:creationId xmlns="" xmlns:a16="http://schemas.microsoft.com/office/drawing/2014/main" id="{47F726BB-D459-039F-0962-29080A1B7381}"/>
+                <a16:creationId xmlns:a16="http://schemas.microsoft.com/office/drawing/2014/main" id="{47F726BB-D459-039F-0962-29080A1B7381}"/>
               </a:ext>
             </a:extLst>
           </p:cNvPr>
@@ -9283,7 +8759,7 @@
                   <a:schemeClr val="tx1"/>
                 </a:solidFill>
               </a:rPr>
-              <a:t>16</a:t>
+              <a:t>15</a:t>
             </a:fld>
             <a:endParaRPr lang="ru-RU" sz="2400" b="1" dirty="0">
               <a:solidFill>
@@ -9303,13 +8779,680 @@
   <p:clrMapOvr>
     <a:masterClrMapping/>
   </p:clrMapOvr>
-  <p:timing>
-    <p:tnLst>
-      <p:par>
-        <p:cTn id="1" dur="indefinite" restart="never" nodeType="tmRoot"/>
-      </p:par>
-    </p:tnLst>
-  </p:timing>
+</p:sld>
+</file>
+
+<file path=ppt/slides/slide16.xml><?xml version="1.0" encoding="utf-8"?>
+<p:sld xmlns:a="http://schemas.openxmlformats.org/drawingml/2006/main" xmlns:r="http://schemas.openxmlformats.org/officeDocument/2006/relationships" xmlns:p="http://schemas.openxmlformats.org/presentationml/2006/main">
+  <p:cSld>
+    <p:spTree>
+      <p:nvGrpSpPr>
+        <p:cNvPr id="1" name=""/>
+        <p:cNvGrpSpPr/>
+        <p:nvPr/>
+      </p:nvGrpSpPr>
+      <p:grpSpPr>
+        <a:xfrm>
+          <a:off x="0" y="0"/>
+          <a:ext cx="0" cy="0"/>
+          <a:chOff x="0" y="0"/>
+          <a:chExt cx="0" cy="0"/>
+        </a:xfrm>
+      </p:grpSpPr>
+      <p:sp>
+        <p:nvSpPr>
+          <p:cNvPr id="6" name="Номер слайда 5">
+            <a:extLst>
+              <a:ext uri="{FF2B5EF4-FFF2-40B4-BE49-F238E27FC236}">
+                <a16:creationId xmlns:a16="http://schemas.microsoft.com/office/drawing/2014/main" id="{0B1F6116-7326-FD49-12D0-6D2252FFA567}"/>
+              </a:ext>
+            </a:extLst>
+          </p:cNvPr>
+          <p:cNvSpPr>
+            <a:spLocks noGrp="1"/>
+          </p:cNvSpPr>
+          <p:nvPr>
+            <p:ph type="sldNum" sz="quarter" idx="12"/>
+          </p:nvPr>
+        </p:nvSpPr>
+        <p:spPr>
+          <a:xfrm>
+            <a:off x="6457950" y="6284390"/>
+            <a:ext cx="2057400" cy="365125"/>
+          </a:xfrm>
+        </p:spPr>
+        <p:txBody>
+          <a:bodyPr/>
+          <a:lstStyle/>
+          <a:p>
+            <a:fld id="{AFC5D346-0896-4BCB-BD3D-84DEBAD632DA}" type="slidenum">
+              <a:rPr lang="ru-RU" sz="2400" b="1" smtClean="0">
+                <a:solidFill>
+                  <a:schemeClr val="tx1"/>
+                </a:solidFill>
+              </a:rPr>
+              <a:t>16</a:t>
+            </a:fld>
+            <a:endParaRPr lang="ru-RU" sz="2400" b="1" dirty="0">
+              <a:solidFill>
+                <a:schemeClr val="tx1"/>
+              </a:solidFill>
+            </a:endParaRPr>
+          </a:p>
+        </p:txBody>
+      </p:sp>
+      <p:sp>
+        <p:nvSpPr>
+          <p:cNvPr id="4" name="Заголовок 3">
+            <a:extLst>
+              <a:ext uri="{FF2B5EF4-FFF2-40B4-BE49-F238E27FC236}">
+                <a16:creationId xmlns:a16="http://schemas.microsoft.com/office/drawing/2014/main" id="{F947FD6E-9F2C-2F06-BB54-29BFF5AE6B81}"/>
+              </a:ext>
+            </a:extLst>
+          </p:cNvPr>
+          <p:cNvSpPr>
+            <a:spLocks noGrp="1"/>
+          </p:cNvSpPr>
+          <p:nvPr>
+            <p:ph type="title"/>
+          </p:nvPr>
+        </p:nvSpPr>
+        <p:spPr>
+          <a:xfrm>
+            <a:off x="94810" y="208485"/>
+            <a:ext cx="9143999" cy="1216067"/>
+          </a:xfrm>
+        </p:spPr>
+        <p:txBody>
+          <a:bodyPr/>
+          <a:lstStyle/>
+          <a:p>
+            <a:pPr algn="ctr"/>
+            <a:r>
+              <a:rPr lang="ru-RU" b="1" dirty="0">
+                <a:latin typeface="Bahnschrift SemiBold" panose="020B0502040204020203" pitchFamily="34" charset="0"/>
+              </a:rPr>
+              <a:t>ИНСТРУМЕНТЫ РАЗРАБОТКИ</a:t>
+            </a:r>
+            <a:br>
+              <a:rPr lang="ru-RU" b="1" dirty="0">
+                <a:latin typeface="Bahnschrift SemiBold" panose="020B0502040204020203" pitchFamily="34" charset="0"/>
+              </a:rPr>
+            </a:br>
+            <a:endParaRPr lang="ru-RU" b="1" dirty="0">
+              <a:latin typeface="Bahnschrift SemiBold" panose="020B0502040204020203" pitchFamily="34" charset="0"/>
+            </a:endParaRPr>
+          </a:p>
+        </p:txBody>
+      </p:sp>
+      <p:sp>
+        <p:nvSpPr>
+          <p:cNvPr id="14" name="Прямоугольник: усеченные верхние углы 13">
+            <a:extLst>
+              <a:ext uri="{FF2B5EF4-FFF2-40B4-BE49-F238E27FC236}">
+                <a16:creationId xmlns:a16="http://schemas.microsoft.com/office/drawing/2014/main" id="{8DC3AA56-C119-6969-BEE0-104C920215D6}"/>
+              </a:ext>
+            </a:extLst>
+          </p:cNvPr>
+          <p:cNvSpPr/>
+          <p:nvPr/>
+        </p:nvSpPr>
+        <p:spPr>
+          <a:xfrm rot="5400000">
+            <a:off x="-545553" y="1302781"/>
+            <a:ext cx="4983012" cy="5175317"/>
+          </a:xfrm>
+          <a:prstGeom prst="snip2SameRect">
+            <a:avLst/>
+          </a:prstGeom>
+          <a:solidFill>
+            <a:schemeClr val="accent2"/>
+          </a:solidFill>
+          <a:ln>
+            <a:solidFill>
+              <a:schemeClr val="tx1"/>
+            </a:solidFill>
+          </a:ln>
+        </p:spPr>
+        <p:style>
+          <a:lnRef idx="2">
+            <a:schemeClr val="accent1">
+              <a:shade val="15000"/>
+            </a:schemeClr>
+          </a:lnRef>
+          <a:fillRef idx="1">
+            <a:schemeClr val="accent1"/>
+          </a:fillRef>
+          <a:effectRef idx="0">
+            <a:schemeClr val="accent1"/>
+          </a:effectRef>
+          <a:fontRef idx="minor">
+            <a:schemeClr val="lt1"/>
+          </a:fontRef>
+        </p:style>
+        <p:txBody>
+          <a:bodyPr rtlCol="0" anchor="ctr"/>
+          <a:lstStyle/>
+          <a:p>
+            <a:pPr algn="ctr"/>
+            <a:endParaRPr lang="ru-RU"/>
+          </a:p>
+        </p:txBody>
+      </p:sp>
+      <p:sp>
+        <p:nvSpPr>
+          <p:cNvPr id="15" name="TextBox 14">
+            <a:extLst>
+              <a:ext uri="{FF2B5EF4-FFF2-40B4-BE49-F238E27FC236}">
+                <a16:creationId xmlns:a16="http://schemas.microsoft.com/office/drawing/2014/main" id="{ADA24296-2693-6060-D417-F117D2D210BF}"/>
+              </a:ext>
+            </a:extLst>
+          </p:cNvPr>
+          <p:cNvSpPr txBox="1"/>
+          <p:nvPr/>
+        </p:nvSpPr>
+        <p:spPr>
+          <a:xfrm>
+            <a:off x="5733001" y="2248052"/>
+            <a:ext cx="2686639" cy="1015663"/>
+          </a:xfrm>
+          <a:prstGeom prst="rect">
+            <a:avLst/>
+          </a:prstGeom>
+          <a:noFill/>
+        </p:spPr>
+        <p:txBody>
+          <a:bodyPr wrap="square" rtlCol="0">
+            <a:spAutoFit/>
+          </a:bodyPr>
+          <a:lstStyle/>
+          <a:p>
+            <a:pPr algn="ctr"/>
+            <a:r>
+              <a:rPr lang="ru-RU" sz="2000" b="1" dirty="0">
+                <a:latin typeface="+mj-lt"/>
+              </a:rPr>
+              <a:t>Из языков программирования был выбран C#</a:t>
+            </a:r>
+          </a:p>
+        </p:txBody>
+      </p:sp>
+      <p:sp>
+        <p:nvSpPr>
+          <p:cNvPr id="16" name="TextBox 15">
+            <a:extLst>
+              <a:ext uri="{FF2B5EF4-FFF2-40B4-BE49-F238E27FC236}">
+                <a16:creationId xmlns:a16="http://schemas.microsoft.com/office/drawing/2014/main" id="{2F0F9209-584C-5EEB-1913-7D35987F89F5}"/>
+              </a:ext>
+            </a:extLst>
+          </p:cNvPr>
+          <p:cNvSpPr txBox="1"/>
+          <p:nvPr/>
+        </p:nvSpPr>
+        <p:spPr>
+          <a:xfrm>
+            <a:off x="429023" y="2475573"/>
+            <a:ext cx="3033860" cy="1323439"/>
+          </a:xfrm>
+          <a:prstGeom prst="rect">
+            <a:avLst/>
+          </a:prstGeom>
+          <a:noFill/>
+        </p:spPr>
+        <p:txBody>
+          <a:bodyPr wrap="square" rtlCol="0">
+            <a:spAutoFit/>
+          </a:bodyPr>
+          <a:lstStyle/>
+          <a:p>
+            <a:pPr algn="ctr"/>
+            <a:r>
+              <a:rPr lang="ru-RU" sz="2000" b="1" dirty="0">
+                <a:solidFill>
+                  <a:schemeClr val="bg1"/>
+                </a:solidFill>
+                <a:latin typeface="+mj-lt"/>
+              </a:rPr>
+              <a:t>В качестве управления БД был выбран </a:t>
+            </a:r>
+            <a:r>
+              <a:rPr lang="en-US" sz="2000" b="1" dirty="0">
+                <a:solidFill>
+                  <a:schemeClr val="bg1"/>
+                </a:solidFill>
+                <a:latin typeface="+mj-lt"/>
+              </a:rPr>
+              <a:t>MS SQL Server Express </a:t>
+            </a:r>
+            <a:endParaRPr lang="ru-RU" sz="2000" b="1" dirty="0">
+              <a:solidFill>
+                <a:schemeClr val="bg1"/>
+              </a:solidFill>
+              <a:latin typeface="+mj-lt"/>
+            </a:endParaRPr>
+          </a:p>
+          <a:p>
+            <a:endParaRPr lang="ru-RU" sz="2000" b="1" dirty="0">
+              <a:solidFill>
+                <a:schemeClr val="bg1"/>
+              </a:solidFill>
+            </a:endParaRPr>
+          </a:p>
+        </p:txBody>
+      </p:sp>
+      <p:sp>
+        <p:nvSpPr>
+          <p:cNvPr id="17" name="TextBox 16">
+            <a:extLst>
+              <a:ext uri="{FF2B5EF4-FFF2-40B4-BE49-F238E27FC236}">
+                <a16:creationId xmlns:a16="http://schemas.microsoft.com/office/drawing/2014/main" id="{D923A459-AA98-149A-C973-C96BD0B0BA34}"/>
+              </a:ext>
+            </a:extLst>
+          </p:cNvPr>
+          <p:cNvSpPr txBox="1"/>
+          <p:nvPr/>
+        </p:nvSpPr>
+        <p:spPr>
+          <a:xfrm>
+            <a:off x="429023" y="4514562"/>
+            <a:ext cx="3033860" cy="1015663"/>
+          </a:xfrm>
+          <a:prstGeom prst="rect">
+            <a:avLst/>
+          </a:prstGeom>
+          <a:noFill/>
+        </p:spPr>
+        <p:txBody>
+          <a:bodyPr wrap="square" rtlCol="0">
+            <a:spAutoFit/>
+          </a:bodyPr>
+          <a:lstStyle/>
+          <a:p>
+            <a:pPr algn="ctr"/>
+            <a:r>
+              <a:rPr lang="ru-RU" sz="2000" b="1" dirty="0">
+                <a:solidFill>
+                  <a:schemeClr val="bg1"/>
+                </a:solidFill>
+                <a:latin typeface="+mj-lt"/>
+              </a:rPr>
+              <a:t>Средой разработки была выбрана Microsoft Visual Studio 2022</a:t>
+            </a:r>
+          </a:p>
+        </p:txBody>
+      </p:sp>
+      <p:sp>
+        <p:nvSpPr>
+          <p:cNvPr id="18" name="TextBox 17">
+            <a:extLst>
+              <a:ext uri="{FF2B5EF4-FFF2-40B4-BE49-F238E27FC236}">
+                <a16:creationId xmlns:a16="http://schemas.microsoft.com/office/drawing/2014/main" id="{6BC605CD-3ECA-822D-6D6E-30F050F5C272}"/>
+              </a:ext>
+            </a:extLst>
+          </p:cNvPr>
+          <p:cNvSpPr txBox="1"/>
+          <p:nvPr/>
+        </p:nvSpPr>
+        <p:spPr>
+          <a:xfrm>
+            <a:off x="5733001" y="4276058"/>
+            <a:ext cx="2686639" cy="1631216"/>
+          </a:xfrm>
+          <a:prstGeom prst="rect">
+            <a:avLst/>
+          </a:prstGeom>
+          <a:noFill/>
+        </p:spPr>
+        <p:txBody>
+          <a:bodyPr wrap="square" rtlCol="0">
+            <a:spAutoFit/>
+          </a:bodyPr>
+          <a:lstStyle/>
+          <a:p>
+            <a:pPr algn="ctr"/>
+            <a:r>
+              <a:rPr lang="ru-RU" sz="2000" b="1" dirty="0">
+                <a:latin typeface="+mj-lt"/>
+              </a:rPr>
+              <a:t>Для отображения пользовательского интерфейса был выбран фреймворк </a:t>
+            </a:r>
+            <a:r>
+              <a:rPr lang="en-US" sz="2000" b="1" dirty="0">
+                <a:latin typeface="+mj-lt"/>
+              </a:rPr>
+              <a:t>ASP.NET MVC</a:t>
+            </a:r>
+            <a:endParaRPr lang="ru-RU" sz="2000" b="1" dirty="0">
+              <a:latin typeface="+mj-lt"/>
+            </a:endParaRPr>
+          </a:p>
+        </p:txBody>
+      </p:sp>
+      <p:pic>
+        <p:nvPicPr>
+          <p:cNvPr id="19" name="Picture 2" descr="C:\Users\TroDA\Desktop\632b60f8c1aa184a0e5766d9_202209-ms-sql-icon-3x.png">
+            <a:extLst>
+              <a:ext uri="{FF2B5EF4-FFF2-40B4-BE49-F238E27FC236}">
+                <a16:creationId xmlns:a16="http://schemas.microsoft.com/office/drawing/2014/main" id="{A755AD49-3A11-E600-E950-AD8FB2522961}"/>
+              </a:ext>
+            </a:extLst>
+          </p:cNvPr>
+          <p:cNvPicPr>
+            <a:picLocks noChangeAspect="1" noChangeArrowheads="1"/>
+          </p:cNvPicPr>
+          <p:nvPr/>
+        </p:nvPicPr>
+        <p:blipFill>
+          <a:blip r:embed="rId2" cstate="print">
+            <a:extLst>
+              <a:ext uri="{28A0092B-C50C-407E-A947-70E740481C1C}">
+                <a14:useLocalDpi xmlns:a14="http://schemas.microsoft.com/office/drawing/2010/main" val="0"/>
+              </a:ext>
+            </a:extLst>
+          </a:blip>
+          <a:srcRect/>
+          <a:stretch>
+            <a:fillRect/>
+          </a:stretch>
+        </p:blipFill>
+        <p:spPr bwMode="auto">
+          <a:xfrm>
+            <a:off x="764261" y="1700690"/>
+            <a:ext cx="2206739" cy="654084"/>
+          </a:xfrm>
+          <a:prstGeom prst="rect">
+            <a:avLst/>
+          </a:prstGeom>
+          <a:noFill/>
+          <a:extLst>
+            <a:ext uri="{909E8E84-426E-40DD-AFC4-6F175D3DCCD1}">
+              <a14:hiddenFill xmlns:a14="http://schemas.microsoft.com/office/drawing/2010/main">
+                <a:solidFill>
+                  <a:srgbClr val="FFFFFF"/>
+                </a:solidFill>
+              </a14:hiddenFill>
+            </a:ext>
+          </a:extLst>
+        </p:spPr>
+      </p:pic>
+      <p:pic>
+        <p:nvPicPr>
+          <p:cNvPr id="20" name="Picture 4" descr="Picture background">
+            <a:extLst>
+              <a:ext uri="{FF2B5EF4-FFF2-40B4-BE49-F238E27FC236}">
+                <a16:creationId xmlns:a16="http://schemas.microsoft.com/office/drawing/2014/main" id="{80ACA6C7-086E-883E-1560-8F5BC1275354}"/>
+              </a:ext>
+            </a:extLst>
+          </p:cNvPr>
+          <p:cNvPicPr>
+            <a:picLocks noChangeAspect="1" noChangeArrowheads="1"/>
+          </p:cNvPicPr>
+          <p:nvPr/>
+        </p:nvPicPr>
+        <p:blipFill>
+          <a:blip r:embed="rId3" cstate="print">
+            <a:extLst>
+              <a:ext uri="{28A0092B-C50C-407E-A947-70E740481C1C}">
+                <a14:useLocalDpi xmlns:a14="http://schemas.microsoft.com/office/drawing/2010/main" val="0"/>
+              </a:ext>
+            </a:extLst>
+          </a:blip>
+          <a:srcRect/>
+          <a:stretch>
+            <a:fillRect/>
+          </a:stretch>
+        </p:blipFill>
+        <p:spPr bwMode="auto">
+          <a:xfrm>
+            <a:off x="1214633" y="3590652"/>
+            <a:ext cx="1305996" cy="816248"/>
+          </a:xfrm>
+          <a:prstGeom prst="rect">
+            <a:avLst/>
+          </a:prstGeom>
+          <a:noFill/>
+          <a:extLst>
+            <a:ext uri="{909E8E84-426E-40DD-AFC4-6F175D3DCCD1}">
+              <a14:hiddenFill xmlns:a14="http://schemas.microsoft.com/office/drawing/2010/main">
+                <a:solidFill>
+                  <a:srgbClr val="FFFFFF"/>
+                </a:solidFill>
+              </a14:hiddenFill>
+            </a:ext>
+          </a:extLst>
+        </p:spPr>
+      </p:pic>
+      <p:pic>
+        <p:nvPicPr>
+          <p:cNvPr id="24" name="Рисунок 23">
+            <a:extLst>
+              <a:ext uri="{FF2B5EF4-FFF2-40B4-BE49-F238E27FC236}">
+                <a16:creationId xmlns:a16="http://schemas.microsoft.com/office/drawing/2014/main" id="{BA936F3C-9B80-83A0-4311-432A98E7E222}"/>
+              </a:ext>
+            </a:extLst>
+          </p:cNvPr>
+          <p:cNvPicPr>
+            <a:picLocks noChangeAspect="1"/>
+          </p:cNvPicPr>
+          <p:nvPr/>
+        </p:nvPicPr>
+        <p:blipFill>
+          <a:blip r:embed="rId4" cstate="print">
+            <a:extLst>
+              <a:ext uri="{28A0092B-C50C-407E-A947-70E740481C1C}">
+                <a14:useLocalDpi xmlns:a14="http://schemas.microsoft.com/office/drawing/2010/main" val="0"/>
+              </a:ext>
+            </a:extLst>
+          </a:blip>
+          <a:stretch>
+            <a:fillRect/>
+          </a:stretch>
+        </p:blipFill>
+        <p:spPr>
+          <a:xfrm>
+            <a:off x="6665993" y="1239025"/>
+            <a:ext cx="820657" cy="923331"/>
+          </a:xfrm>
+          <a:prstGeom prst="rect">
+            <a:avLst/>
+          </a:prstGeom>
+        </p:spPr>
+      </p:pic>
+      <p:pic>
+        <p:nvPicPr>
+          <p:cNvPr id="27" name="Picture 4" descr="C:\Users\TroDA\Desktop\entity-framework.png">
+            <a:extLst>
+              <a:ext uri="{FF2B5EF4-FFF2-40B4-BE49-F238E27FC236}">
+                <a16:creationId xmlns:a16="http://schemas.microsoft.com/office/drawing/2014/main" id="{EE1FDB24-DBC9-BAF2-9936-59EDBFDE24BB}"/>
+              </a:ext>
+            </a:extLst>
+          </p:cNvPr>
+          <p:cNvPicPr>
+            <a:picLocks noChangeAspect="1" noChangeArrowheads="1"/>
+          </p:cNvPicPr>
+          <p:nvPr/>
+        </p:nvPicPr>
+        <p:blipFill rotWithShape="1">
+          <a:blip r:embed="rId5" cstate="print">
+            <a:extLst>
+              <a:ext uri="{28A0092B-C50C-407E-A947-70E740481C1C}">
+                <a14:useLocalDpi xmlns:a14="http://schemas.microsoft.com/office/drawing/2010/main" val="0"/>
+              </a:ext>
+            </a:extLst>
+          </a:blip>
+          <a:srcRect r="47903"/>
+          <a:stretch/>
+        </p:blipFill>
+        <p:spPr bwMode="auto">
+          <a:xfrm>
+            <a:off x="6190961" y="3389123"/>
+            <a:ext cx="1770718" cy="684849"/>
+          </a:xfrm>
+          <a:prstGeom prst="rect">
+            <a:avLst/>
+          </a:prstGeom>
+          <a:noFill/>
+          <a:extLst>
+            <a:ext uri="{909E8E84-426E-40DD-AFC4-6F175D3DCCD1}">
+              <a14:hiddenFill xmlns:a14="http://schemas.microsoft.com/office/drawing/2010/main">
+                <a:solidFill>
+                  <a:srgbClr val="FFFFFF"/>
+                </a:solidFill>
+              </a14:hiddenFill>
+            </a:ext>
+          </a:extLst>
+        </p:spPr>
+      </p:pic>
+      <p:grpSp>
+        <p:nvGrpSpPr>
+          <p:cNvPr id="28" name="Group 4">
+            <a:extLst>
+              <a:ext uri="{FF2B5EF4-FFF2-40B4-BE49-F238E27FC236}">
+                <a16:creationId xmlns:a16="http://schemas.microsoft.com/office/drawing/2014/main" id="{32076252-D12F-AE42-F2F6-D7C3C646B045}"/>
+              </a:ext>
+            </a:extLst>
+          </p:cNvPr>
+          <p:cNvGrpSpPr/>
+          <p:nvPr/>
+        </p:nvGrpSpPr>
+        <p:grpSpPr>
+          <a:xfrm>
+            <a:off x="-1119679" y="-6113024"/>
+            <a:ext cx="5786489" cy="12020298"/>
+            <a:chOff x="0" y="-19050"/>
+            <a:chExt cx="2799804" cy="5645247"/>
+          </a:xfrm>
+        </p:grpSpPr>
+        <p:sp>
+          <p:nvSpPr>
+            <p:cNvPr id="29" name="Freeform 5">
+              <a:extLst>
+                <a:ext uri="{FF2B5EF4-FFF2-40B4-BE49-F238E27FC236}">
+                  <a16:creationId xmlns:a16="http://schemas.microsoft.com/office/drawing/2014/main" id="{FC6019BC-ADBE-16B4-1B26-99CB37B85773}"/>
+                </a:ext>
+              </a:extLst>
+            </p:cNvPr>
+            <p:cNvSpPr/>
+            <p:nvPr/>
+          </p:nvSpPr>
+          <p:spPr>
+            <a:xfrm>
+              <a:off x="660350" y="3638366"/>
+              <a:ext cx="2139454" cy="1987831"/>
+            </a:xfrm>
+            <a:custGeom>
+              <a:avLst/>
+              <a:gdLst/>
+              <a:ahLst/>
+              <a:cxnLst/>
+              <a:rect l="l" t="t" r="r" b="b"/>
+              <a:pathLst>
+                <a:path w="2379118" h="1373109">
+                  <a:moveTo>
+                    <a:pt x="24854" y="0"/>
+                  </a:moveTo>
+                  <a:lnTo>
+                    <a:pt x="2354264" y="0"/>
+                  </a:lnTo>
+                  <a:cubicBezTo>
+                    <a:pt x="2367991" y="0"/>
+                    <a:pt x="2379118" y="11128"/>
+                    <a:pt x="2379118" y="24854"/>
+                  </a:cubicBezTo>
+                  <a:lnTo>
+                    <a:pt x="2379118" y="1348255"/>
+                  </a:lnTo>
+                  <a:cubicBezTo>
+                    <a:pt x="2379118" y="1361981"/>
+                    <a:pt x="2367991" y="1373109"/>
+                    <a:pt x="2354264" y="1373109"/>
+                  </a:cubicBezTo>
+                  <a:lnTo>
+                    <a:pt x="24854" y="1373109"/>
+                  </a:lnTo>
+                  <a:cubicBezTo>
+                    <a:pt x="11128" y="1373109"/>
+                    <a:pt x="0" y="1361981"/>
+                    <a:pt x="0" y="1348255"/>
+                  </a:cubicBezTo>
+                  <a:lnTo>
+                    <a:pt x="0" y="24854"/>
+                  </a:lnTo>
+                  <a:cubicBezTo>
+                    <a:pt x="0" y="11128"/>
+                    <a:pt x="11128" y="0"/>
+                    <a:pt x="24854" y="0"/>
+                  </a:cubicBezTo>
+                  <a:close/>
+                </a:path>
+              </a:pathLst>
+            </a:custGeom>
+            <a:solidFill>
+              <a:srgbClr val="000000">
+                <a:alpha val="0"/>
+              </a:srgbClr>
+            </a:solidFill>
+            <a:ln w="38100" cap="rnd">
+              <a:solidFill>
+                <a:srgbClr val="FFFFFF"/>
+              </a:solidFill>
+              <a:prstDash val="solid"/>
+              <a:round/>
+            </a:ln>
+          </p:spPr>
+          <p:txBody>
+            <a:bodyPr/>
+            <a:lstStyle/>
+            <a:p>
+              <a:endParaRPr lang="ru-RU" dirty="0"/>
+            </a:p>
+          </p:txBody>
+        </p:sp>
+        <p:sp>
+          <p:nvSpPr>
+            <p:cNvPr id="30" name="TextBox 6">
+              <a:extLst>
+                <a:ext uri="{FF2B5EF4-FFF2-40B4-BE49-F238E27FC236}">
+                  <a16:creationId xmlns:a16="http://schemas.microsoft.com/office/drawing/2014/main" id="{DD11167B-0011-4583-BDD2-2E737CBC4DB5}"/>
+                </a:ext>
+              </a:extLst>
+            </p:cNvPr>
+            <p:cNvSpPr txBox="1"/>
+            <p:nvPr/>
+          </p:nvSpPr>
+          <p:spPr>
+            <a:xfrm>
+              <a:off x="0" y="-19050"/>
+              <a:ext cx="2379118" cy="1392159"/>
+            </a:xfrm>
+            <a:prstGeom prst="rect">
+              <a:avLst/>
+            </a:prstGeom>
+          </p:spPr>
+          <p:txBody>
+            <a:bodyPr lIns="38100" tIns="38100" rIns="38100" bIns="38100" rtlCol="0" anchor="ctr"/>
+            <a:lstStyle/>
+            <a:p>
+              <a:pPr algn="ctr">
+                <a:lnSpc>
+                  <a:spcPts val="2144"/>
+                </a:lnSpc>
+              </a:pPr>
+              <a:endParaRPr sz="1350" dirty="0"/>
+            </a:p>
+          </p:txBody>
+        </p:sp>
+      </p:grpSp>
+    </p:spTree>
+    <p:extLst>
+      <p:ext uri="{BB962C8B-B14F-4D97-AF65-F5344CB8AC3E}">
+        <p14:creationId xmlns:p14="http://schemas.microsoft.com/office/powerpoint/2010/main" val="4019108974"/>
+      </p:ext>
+    </p:extLst>
+  </p:cSld>
+  <p:clrMapOvr>
+    <a:masterClrMapping/>
+  </p:clrMapOvr>
 </p:sld>
 </file>
 
@@ -9359,19 +9502,25 @@
               <a:rPr lang="ru-RU" sz="2000" dirty="0">
                 <a:latin typeface="+mj-lt"/>
               </a:rPr>
-              <a:t>В ходе выполнения выпускной квалификационной работы разработано веб-приложение на ASP.NET MVC для автоматизации заказов в ООО «Инженерное Бюро».</a:t>
+              <a:t>В ходе выполнения выпускной квалификационной работы разработан</a:t>
+            </a:r>
+            <a:r>
+              <a:rPr lang="en-US" sz="2000" dirty="0">
+                <a:latin typeface="+mj-lt"/>
+              </a:rPr>
+              <a:t> </a:t>
+            </a:r>
+            <a:r>
+              <a:rPr lang="ru-RU" sz="2000" dirty="0">
+                <a:latin typeface="+mj-lt"/>
+              </a:rPr>
+              <a:t>прототип веб-приложения на ASP.NET MVC для автоматизации заказов в ООО «Инженерное Бюро».</a:t>
             </a:r>
             <a:br>
               <a:rPr lang="ru-RU" sz="2000" dirty="0">
                 <a:latin typeface="+mj-lt"/>
               </a:rPr>
             </a:br>
-            <a:r>
-              <a:rPr lang="ru-RU" sz="2000" dirty="0">
-                <a:latin typeface="+mj-lt"/>
-              </a:rPr>
-              <a:t/>
-            </a:r>
             <a:br>
               <a:rPr lang="ru-RU" sz="2000" dirty="0">
                 <a:latin typeface="+mj-lt"/>
@@ -9393,7 +9542,7 @@
               <a:rPr lang="ru-RU" sz="2000" dirty="0">
                 <a:latin typeface="+mj-lt"/>
               </a:rPr>
-              <a:t>Оптимизация бизнес-процессов</a:t>
+              <a:t>Ускоряет и упрощает процесс оформления заказов</a:t>
             </a:r>
           </a:p>
           <a:p>
@@ -9405,19 +9554,7 @@
               <a:rPr lang="ru-RU" sz="2000" dirty="0">
                 <a:latin typeface="+mj-lt"/>
               </a:rPr>
-              <a:t>Удобство для клиентов</a:t>
-            </a:r>
-          </a:p>
-          <a:p>
-            <a:pPr>
-              <a:buFont typeface="Wingdings" panose="05000000000000000000" pitchFamily="2" charset="2"/>
-              <a:buChar char="v"/>
-            </a:pPr>
-            <a:r>
-              <a:rPr lang="ru-RU" sz="2000" dirty="0">
-                <a:latin typeface="+mj-lt"/>
-              </a:rPr>
-              <a:t>Модульная архитектура для масштабируемости</a:t>
+              <a:t>Масштабируем и удобен в поддержке</a:t>
             </a:r>
           </a:p>
           <a:p>
@@ -9428,7 +9565,7 @@
               <a:rPr lang="ru-RU" sz="2000" b="1" dirty="0">
                 <a:latin typeface="+mj-lt"/>
               </a:rPr>
-              <a:t>Перспективы:</a:t>
+              <a:t>Планы на развитие:</a:t>
             </a:r>
           </a:p>
           <a:p>
@@ -9464,7 +9601,7 @@
               <a:rPr lang="ru-RU" sz="2000" dirty="0">
                 <a:latin typeface="+mj-lt"/>
               </a:rPr>
-              <a:t>Калькулятор стоимости</a:t>
+              <a:t>Калькулятор стоимости </a:t>
             </a:r>
           </a:p>
         </p:txBody>
@@ -9474,7 +9611,7 @@
           <p:cNvPr id="7" name="Рисунок 6">
             <a:extLst>
               <a:ext uri="{FF2B5EF4-FFF2-40B4-BE49-F238E27FC236}">
-                <a16:creationId xmlns="" xmlns:a16="http://schemas.microsoft.com/office/drawing/2014/main" id="{7062EEF1-BB05-DFBC-C9BF-DBE48AB9675A}"/>
+                <a16:creationId xmlns:a16="http://schemas.microsoft.com/office/drawing/2014/main" id="{7062EEF1-BB05-DFBC-C9BF-DBE48AB9675A}"/>
               </a:ext>
             </a:extLst>
           </p:cNvPr>
@@ -9520,7 +9657,7 @@
           <p:cNvPr id="8" name="TextBox 7">
             <a:extLst>
               <a:ext uri="{FF2B5EF4-FFF2-40B4-BE49-F238E27FC236}">
-                <a16:creationId xmlns="" xmlns:a16="http://schemas.microsoft.com/office/drawing/2014/main" id="{8FA28FC3-EE1C-47C8-98A8-3BDC7E42725E}"/>
+                <a16:creationId xmlns:a16="http://schemas.microsoft.com/office/drawing/2014/main" id="{8FA28FC3-EE1C-47C8-98A8-3BDC7E42725E}"/>
               </a:ext>
             </a:extLst>
           </p:cNvPr>
@@ -9529,8 +9666,8 @@
         </p:nvSpPr>
         <p:spPr>
           <a:xfrm>
-            <a:off x="4904721" y="578992"/>
-            <a:ext cx="4446375" cy="1077218"/>
+            <a:off x="4998990" y="564786"/>
+            <a:ext cx="4229852" cy="1077218"/>
           </a:xfrm>
           <a:prstGeom prst="rect">
             <a:avLst/>
@@ -9600,7 +9737,7 @@
           <p:cNvPr id="6" name="Номер слайда 5">
             <a:extLst>
               <a:ext uri="{FF2B5EF4-FFF2-40B4-BE49-F238E27FC236}">
-                <a16:creationId xmlns="" xmlns:a16="http://schemas.microsoft.com/office/drawing/2014/main" id="{1A1C0C5B-B1EF-F3BB-651B-157956725A05}"/>
+                <a16:creationId xmlns:a16="http://schemas.microsoft.com/office/drawing/2014/main" id="{1A1C0C5B-B1EF-F3BB-651B-157956725A05}"/>
               </a:ext>
             </a:extLst>
           </p:cNvPr>
@@ -9655,8 +9792,8 @@
         </p:blipFill>
         <p:spPr bwMode="auto">
           <a:xfrm>
-            <a:off x="6077666" y="3120647"/>
-            <a:ext cx="2633197" cy="2830687"/>
+            <a:off x="5901180" y="2932111"/>
+            <a:ext cx="2932232" cy="3152150"/>
           </a:xfrm>
           <a:prstGeom prst="rect">
             <a:avLst/>
@@ -9683,13 +9820,6 @@
   <p:clrMapOvr>
     <a:masterClrMapping/>
   </p:clrMapOvr>
-  <p:timing>
-    <p:tnLst>
-      <p:par>
-        <p:cTn id="1" dur="indefinite" restart="never" nodeType="tmRoot"/>
-      </p:par>
-    </p:tnLst>
-  </p:timing>
 </p:sld>
 </file>
 
@@ -9715,7 +9845,7 @@
           <p:cNvPr id="11" name="Прямоугольный треугольник 10">
             <a:extLst>
               <a:ext uri="{FF2B5EF4-FFF2-40B4-BE49-F238E27FC236}">
-                <a16:creationId xmlns="" xmlns:a16="http://schemas.microsoft.com/office/drawing/2014/main" id="{9B6CB9AD-58F7-E999-B710-72EA9963A23E}"/>
+                <a16:creationId xmlns:a16="http://schemas.microsoft.com/office/drawing/2014/main" id="{9B6CB9AD-58F7-E999-B710-72EA9963A23E}"/>
               </a:ext>
             </a:extLst>
           </p:cNvPr>
@@ -9764,7 +9894,7 @@
           <p:cNvPr id="2" name="Заголовок 1">
             <a:extLst>
               <a:ext uri="{FF2B5EF4-FFF2-40B4-BE49-F238E27FC236}">
-                <a16:creationId xmlns="" xmlns:a16="http://schemas.microsoft.com/office/drawing/2014/main" id="{70E27E36-57BD-B396-5066-2EE1B249CE8A}"/>
+                <a16:creationId xmlns:a16="http://schemas.microsoft.com/office/drawing/2014/main" id="{70E27E36-57BD-B396-5066-2EE1B249CE8A}"/>
               </a:ext>
             </a:extLst>
           </p:cNvPr>
@@ -9803,7 +9933,7 @@
           <p:cNvPr id="6" name="Номер слайда 5">
             <a:extLst>
               <a:ext uri="{FF2B5EF4-FFF2-40B4-BE49-F238E27FC236}">
-                <a16:creationId xmlns="" xmlns:a16="http://schemas.microsoft.com/office/drawing/2014/main" id="{3157AA43-B7B3-66D7-875C-6EFE1455DCCC}"/>
+                <a16:creationId xmlns:a16="http://schemas.microsoft.com/office/drawing/2014/main" id="{3157AA43-B7B3-66D7-875C-6EFE1455DCCC}"/>
               </a:ext>
             </a:extLst>
           </p:cNvPr>
@@ -9840,7 +9970,7 @@
           <p:cNvPr id="10" name="Рисунок 9">
             <a:extLst>
               <a:ext uri="{FF2B5EF4-FFF2-40B4-BE49-F238E27FC236}">
-                <a16:creationId xmlns="" xmlns:a16="http://schemas.microsoft.com/office/drawing/2014/main" id="{51AF2443-7C6B-2250-4637-26EDCBC49B08}"/>
+                <a16:creationId xmlns:a16="http://schemas.microsoft.com/office/drawing/2014/main" id="{51AF2443-7C6B-2250-4637-26EDCBC49B08}"/>
               </a:ext>
             </a:extLst>
           </p:cNvPr>
@@ -9876,7 +10006,7 @@
           <p:cNvPr id="9" name="Объект 8">
             <a:extLst>
               <a:ext uri="{FF2B5EF4-FFF2-40B4-BE49-F238E27FC236}">
-                <a16:creationId xmlns="" xmlns:a16="http://schemas.microsoft.com/office/drawing/2014/main" id="{8221248F-EF65-1E58-E9CC-AC2E0191E728}"/>
+                <a16:creationId xmlns:a16="http://schemas.microsoft.com/office/drawing/2014/main" id="{8221248F-EF65-1E58-E9CC-AC2E0191E728}"/>
               </a:ext>
             </a:extLst>
           </p:cNvPr>
@@ -9912,13 +10042,6 @@
   <p:clrMapOvr>
     <a:masterClrMapping/>
   </p:clrMapOvr>
-  <p:timing>
-    <p:tnLst>
-      <p:par>
-        <p:cTn id="1" dur="indefinite" restart="never" nodeType="tmRoot"/>
-      </p:par>
-    </p:tnLst>
-  </p:timing>
 </p:sld>
 </file>
 
@@ -9941,212 +10064,10 @@
       </p:grpSpPr>
       <p:sp>
         <p:nvSpPr>
-          <p:cNvPr id="6" name="Прямоугольный треугольник 5">
-            <a:extLst>
-              <a:ext uri="{FF2B5EF4-FFF2-40B4-BE49-F238E27FC236}">
-                <a16:creationId xmlns="" xmlns:a16="http://schemas.microsoft.com/office/drawing/2014/main" id="{677E422B-DEA9-D946-8BA5-13EF2B3A5538}"/>
-              </a:ext>
-            </a:extLst>
-          </p:cNvPr>
-          <p:cNvSpPr/>
-          <p:nvPr/>
-        </p:nvSpPr>
-        <p:spPr>
-          <a:xfrm rot="10800000">
-            <a:off x="4817096" y="-1"/>
-            <a:ext cx="4326903" cy="4006392"/>
-          </a:xfrm>
-          <a:prstGeom prst="rtTriangle">
-            <a:avLst/>
-          </a:prstGeom>
-          <a:solidFill>
-            <a:schemeClr val="accent2"/>
-          </a:solidFill>
-        </p:spPr>
-        <p:style>
-          <a:lnRef idx="2">
-            <a:schemeClr val="accent1">
-              <a:shade val="15000"/>
-            </a:schemeClr>
-          </a:lnRef>
-          <a:fillRef idx="1">
-            <a:schemeClr val="accent1"/>
-          </a:fillRef>
-          <a:effectRef idx="0">
-            <a:schemeClr val="accent1"/>
-          </a:effectRef>
-          <a:fontRef idx="minor">
-            <a:schemeClr val="lt1"/>
-          </a:fontRef>
-        </p:style>
-        <p:txBody>
-          <a:bodyPr rtlCol="0" anchor="ctr"/>
-          <a:lstStyle/>
-          <a:p>
-            <a:pPr algn="ctr"/>
-            <a:endParaRPr lang="ru-RU"/>
-          </a:p>
-        </p:txBody>
-      </p:sp>
-      <p:sp>
-        <p:nvSpPr>
-          <p:cNvPr id="2" name="Заголовок 1">
-            <a:extLst>
-              <a:ext uri="{FF2B5EF4-FFF2-40B4-BE49-F238E27FC236}">
-                <a16:creationId xmlns="" xmlns:a16="http://schemas.microsoft.com/office/drawing/2014/main" id="{D85436B6-B994-F85D-FC57-AAD74723F03C}"/>
-              </a:ext>
-            </a:extLst>
-          </p:cNvPr>
-          <p:cNvSpPr>
-            <a:spLocks noGrp="1"/>
-          </p:cNvSpPr>
-          <p:nvPr>
-            <p:ph type="title"/>
-          </p:nvPr>
-        </p:nvSpPr>
-        <p:spPr>
-          <a:xfrm>
-            <a:off x="6797314" y="500062"/>
-            <a:ext cx="2057399" cy="1325563"/>
-          </a:xfrm>
-        </p:spPr>
-        <p:txBody>
-          <a:bodyPr>
-            <a:normAutofit/>
-          </a:bodyPr>
-          <a:lstStyle/>
-          <a:p>
-            <a:r>
-              <a:rPr lang="ru-RU" sz="3600" dirty="0">
-                <a:solidFill>
-                  <a:schemeClr val="bg1"/>
-                </a:solidFill>
-                <a:latin typeface="Bahnschrift SemiBold" panose="020B0502040204020203" pitchFamily="34" charset="0"/>
-              </a:rPr>
-              <a:t>ЗАДАЧИ</a:t>
-            </a:r>
-          </a:p>
-        </p:txBody>
-      </p:sp>
-      <p:sp>
-        <p:nvSpPr>
-          <p:cNvPr id="3" name="Объект 2">
-            <a:extLst>
-              <a:ext uri="{FF2B5EF4-FFF2-40B4-BE49-F238E27FC236}">
-                <a16:creationId xmlns="" xmlns:a16="http://schemas.microsoft.com/office/drawing/2014/main" id="{C252400B-15BB-242F-19A4-427E10EA8F1E}"/>
-              </a:ext>
-            </a:extLst>
-          </p:cNvPr>
-          <p:cNvSpPr>
-            <a:spLocks noGrp="1"/>
-          </p:cNvSpPr>
-          <p:nvPr>
-            <p:ph idx="1"/>
-          </p:nvPr>
-        </p:nvSpPr>
-        <p:spPr>
-          <a:xfrm>
-            <a:off x="1059337" y="1825625"/>
-            <a:ext cx="7886700" cy="4351338"/>
-          </a:xfrm>
-        </p:spPr>
-        <p:txBody>
-          <a:bodyPr>
-            <a:normAutofit/>
-          </a:bodyPr>
-          <a:lstStyle/>
-          <a:p>
-            <a:pPr>
-              <a:buFont typeface="Wingdings" panose="05000000000000000000" pitchFamily="2" charset="2"/>
-              <a:buChar char="v"/>
-            </a:pPr>
-            <a:r>
-              <a:rPr lang="ru-RU" dirty="0">
-                <a:latin typeface="+mj-lt"/>
-              </a:rPr>
-              <a:t>Анализ бизнес-процессов</a:t>
-            </a:r>
-          </a:p>
-          <a:p>
-            <a:pPr>
-              <a:buFont typeface="Wingdings" panose="05000000000000000000" pitchFamily="2" charset="2"/>
-              <a:buChar char="v"/>
-            </a:pPr>
-            <a:endParaRPr lang="ru-RU" dirty="0">
-              <a:latin typeface="+mj-lt"/>
-            </a:endParaRPr>
-          </a:p>
-          <a:p>
-            <a:pPr>
-              <a:buFont typeface="Wingdings" panose="05000000000000000000" pitchFamily="2" charset="2"/>
-              <a:buChar char="v"/>
-            </a:pPr>
-            <a:r>
-              <a:rPr lang="ru-RU" dirty="0">
-                <a:latin typeface="+mj-lt"/>
-              </a:rPr>
-              <a:t>Изучение существующих решений</a:t>
-            </a:r>
-          </a:p>
-          <a:p>
-            <a:pPr>
-              <a:buFont typeface="Wingdings" panose="05000000000000000000" pitchFamily="2" charset="2"/>
-              <a:buChar char="v"/>
-            </a:pPr>
-            <a:endParaRPr lang="ru-RU" dirty="0">
-              <a:latin typeface="+mj-lt"/>
-            </a:endParaRPr>
-          </a:p>
-          <a:p>
-            <a:pPr>
-              <a:buFont typeface="Wingdings" panose="05000000000000000000" pitchFamily="2" charset="2"/>
-              <a:buChar char="v"/>
-            </a:pPr>
-            <a:r>
-              <a:rPr lang="ru-RU" dirty="0">
-                <a:latin typeface="+mj-lt"/>
-              </a:rPr>
-              <a:t>Разработка ПО для автоматизации заказов</a:t>
-            </a:r>
-          </a:p>
-          <a:p>
-            <a:pPr>
-              <a:buFont typeface="Wingdings" panose="05000000000000000000" pitchFamily="2" charset="2"/>
-              <a:buChar char="v"/>
-            </a:pPr>
-            <a:endParaRPr lang="ru-RU" dirty="0">
-              <a:latin typeface="+mj-lt"/>
-            </a:endParaRPr>
-          </a:p>
-          <a:p>
-            <a:pPr>
-              <a:buFont typeface="Wingdings" panose="05000000000000000000" pitchFamily="2" charset="2"/>
-              <a:buChar char="v"/>
-            </a:pPr>
-            <a:r>
-              <a:rPr lang="ru-RU" dirty="0">
-                <a:latin typeface="+mj-lt"/>
-              </a:rPr>
-              <a:t>Обучение сотрудников</a:t>
-            </a:r>
-          </a:p>
-          <a:p>
-            <a:pPr>
-              <a:buFont typeface="Wingdings" panose="05000000000000000000" pitchFamily="2" charset="2"/>
-              <a:buChar char="v"/>
-            </a:pPr>
-            <a:endParaRPr lang="ru-RU" dirty="0">
-              <a:latin typeface="+mj-lt"/>
-            </a:endParaRPr>
-          </a:p>
-        </p:txBody>
-      </p:sp>
-      <p:sp>
-        <p:nvSpPr>
           <p:cNvPr id="4" name="Номер слайда 3">
             <a:extLst>
               <a:ext uri="{FF2B5EF4-FFF2-40B4-BE49-F238E27FC236}">
-                <a16:creationId xmlns="" xmlns:a16="http://schemas.microsoft.com/office/drawing/2014/main" id="{DA9B982C-A5C6-8BF7-D18F-D18ACAB5B388}"/>
+                <a16:creationId xmlns:a16="http://schemas.microsoft.com/office/drawing/2014/main" id="{97BD0E20-09F0-17F1-74A0-677C2717BCE2}"/>
               </a:ext>
             </a:extLst>
           </p:cNvPr>
@@ -10178,122 +10099,12 @@
           </a:p>
         </p:txBody>
       </p:sp>
-      <p:pic>
-        <p:nvPicPr>
-          <p:cNvPr id="8" name="Рисунок 7">
-            <a:extLst>
-              <a:ext uri="{FF2B5EF4-FFF2-40B4-BE49-F238E27FC236}">
-                <a16:creationId xmlns="" xmlns:a16="http://schemas.microsoft.com/office/drawing/2014/main" id="{5E3818C3-CAF5-B02C-78D2-E3D788E5EB79}"/>
-              </a:ext>
-            </a:extLst>
-          </p:cNvPr>
-          <p:cNvPicPr>
-            <a:picLocks noChangeAspect="1"/>
-          </p:cNvPicPr>
-          <p:nvPr/>
-        </p:nvPicPr>
-        <p:blipFill>
-          <a:blip r:embed="rId2" cstate="print">
-            <a:extLst>
-              <a:ext uri="{28A0092B-C50C-407E-A947-70E740481C1C}">
-                <a14:useLocalDpi xmlns:a14="http://schemas.microsoft.com/office/drawing/2010/main" val="0"/>
-              </a:ext>
-            </a:extLst>
-          </a:blip>
-          <a:stretch>
-            <a:fillRect/>
-          </a:stretch>
-        </p:blipFill>
-        <p:spPr>
-          <a:xfrm rot="13937890" flipH="1">
-            <a:off x="-2091537" y="6379476"/>
-            <a:ext cx="6858000" cy="684000"/>
-          </a:xfrm>
-          <a:prstGeom prst="rect">
-            <a:avLst/>
-          </a:prstGeom>
-        </p:spPr>
-      </p:pic>
-    </p:spTree>
-    <p:extLst>
-      <p:ext uri="{BB962C8B-B14F-4D97-AF65-F5344CB8AC3E}">
-        <p14:creationId xmlns:p14="http://schemas.microsoft.com/office/powerpoint/2010/main" val="1870584745"/>
-      </p:ext>
-    </p:extLst>
-  </p:cSld>
-  <p:clrMapOvr>
-    <a:masterClrMapping/>
-  </p:clrMapOvr>
-  <p:timing>
-    <p:tnLst>
-      <p:par>
-        <p:cTn id="1" dur="indefinite" restart="never" nodeType="tmRoot"/>
-      </p:par>
-    </p:tnLst>
-  </p:timing>
-</p:sld>
-</file>
-
-<file path=ppt/slides/slide4.xml><?xml version="1.0" encoding="utf-8"?>
-<p:sld xmlns:a="http://schemas.openxmlformats.org/drawingml/2006/main" xmlns:r="http://schemas.openxmlformats.org/officeDocument/2006/relationships" xmlns:p="http://schemas.openxmlformats.org/presentationml/2006/main">
-  <p:cSld>
-    <p:spTree>
-      <p:nvGrpSpPr>
-        <p:cNvPr id="1" name=""/>
-        <p:cNvGrpSpPr/>
-        <p:nvPr/>
-      </p:nvGrpSpPr>
-      <p:grpSpPr>
-        <a:xfrm>
-          <a:off x="0" y="0"/>
-          <a:ext cx="0" cy="0"/>
-          <a:chOff x="0" y="0"/>
-          <a:chExt cx="0" cy="0"/>
-        </a:xfrm>
-      </p:grpSpPr>
-      <p:sp>
-        <p:nvSpPr>
-          <p:cNvPr id="4" name="Номер слайда 3">
-            <a:extLst>
-              <a:ext uri="{FF2B5EF4-FFF2-40B4-BE49-F238E27FC236}">
-                <a16:creationId xmlns="" xmlns:a16="http://schemas.microsoft.com/office/drawing/2014/main" id="{97BD0E20-09F0-17F1-74A0-677C2717BCE2}"/>
-              </a:ext>
-            </a:extLst>
-          </p:cNvPr>
-          <p:cNvSpPr>
-            <a:spLocks noGrp="1"/>
-          </p:cNvSpPr>
-          <p:nvPr>
-            <p:ph type="sldNum" sz="quarter" idx="12"/>
-          </p:nvPr>
-        </p:nvSpPr>
-        <p:spPr/>
-        <p:txBody>
-          <a:bodyPr/>
-          <a:lstStyle/>
-          <a:p>
-            <a:fld id="{AFC5D346-0896-4BCB-BD3D-84DEBAD632DA}" type="slidenum">
-              <a:rPr lang="ru-RU" sz="2400" b="1" smtClean="0">
-                <a:solidFill>
-                  <a:schemeClr val="tx1"/>
-                </a:solidFill>
-              </a:rPr>
-              <a:t>4</a:t>
-            </a:fld>
-            <a:endParaRPr lang="ru-RU" sz="2400" b="1" dirty="0">
-              <a:solidFill>
-                <a:schemeClr val="tx1"/>
-              </a:solidFill>
-            </a:endParaRPr>
-          </a:p>
-        </p:txBody>
-      </p:sp>
       <p:sp>
         <p:nvSpPr>
           <p:cNvPr id="10" name="TextBox 9">
             <a:extLst>
               <a:ext uri="{FF2B5EF4-FFF2-40B4-BE49-F238E27FC236}">
-                <a16:creationId xmlns="" xmlns:a16="http://schemas.microsoft.com/office/drawing/2014/main" id="{5B87C1B0-936D-CD5C-C53C-ABEDD076A1CB}"/>
+                <a16:creationId xmlns:a16="http://schemas.microsoft.com/office/drawing/2014/main" id="{5B87C1B0-936D-CD5C-C53C-ABEDD076A1CB}"/>
               </a:ext>
             </a:extLst>
           </p:cNvPr>
@@ -10346,7 +10157,7 @@
           <p:cNvPr id="14" name="Прямоугольник: скругленные углы 13">
             <a:extLst>
               <a:ext uri="{FF2B5EF4-FFF2-40B4-BE49-F238E27FC236}">
-                <a16:creationId xmlns="" xmlns:a16="http://schemas.microsoft.com/office/drawing/2014/main" id="{7F9CC584-FA59-CD96-3DEE-F71621C292AB}"/>
+                <a16:creationId xmlns:a16="http://schemas.microsoft.com/office/drawing/2014/main" id="{7F9CC584-FA59-CD96-3DEE-F71621C292AB}"/>
               </a:ext>
             </a:extLst>
           </p:cNvPr>
@@ -10395,7 +10206,7 @@
           <p:cNvPr id="15" name="Group 4">
             <a:extLst>
               <a:ext uri="{FF2B5EF4-FFF2-40B4-BE49-F238E27FC236}">
-                <a16:creationId xmlns="" xmlns:a16="http://schemas.microsoft.com/office/drawing/2014/main" id="{E42F5A72-CF8C-0C70-FE42-CF4345552D60}"/>
+                <a16:creationId xmlns:a16="http://schemas.microsoft.com/office/drawing/2014/main" id="{E42F5A72-CF8C-0C70-FE42-CF4345552D60}"/>
               </a:ext>
             </a:extLst>
           </p:cNvPr>
@@ -10415,7 +10226,7 @@
             <p:cNvPr id="16" name="Freeform 5">
               <a:extLst>
                 <a:ext uri="{FF2B5EF4-FFF2-40B4-BE49-F238E27FC236}">
-                  <a16:creationId xmlns="" xmlns:a16="http://schemas.microsoft.com/office/drawing/2014/main" id="{DB2B01F6-B7A7-04B7-64AB-08770BDF7E09}"/>
+                  <a16:creationId xmlns:a16="http://schemas.microsoft.com/office/drawing/2014/main" id="{DB2B01F6-B7A7-04B7-64AB-08770BDF7E09}"/>
                 </a:ext>
               </a:extLst>
             </p:cNvPr>
@@ -10500,7 +10311,7 @@
             <p:cNvPr id="17" name="TextBox 6">
               <a:extLst>
                 <a:ext uri="{FF2B5EF4-FFF2-40B4-BE49-F238E27FC236}">
-                  <a16:creationId xmlns="" xmlns:a16="http://schemas.microsoft.com/office/drawing/2014/main" id="{C1D3F08C-B9A2-0B8A-58DA-F8DD3184FC48}"/>
+                  <a16:creationId xmlns:a16="http://schemas.microsoft.com/office/drawing/2014/main" id="{C1D3F08C-B9A2-0B8A-58DA-F8DD3184FC48}"/>
                 </a:ext>
               </a:extLst>
             </p:cNvPr>
@@ -10535,7 +10346,7 @@
           <p:cNvPr id="18" name="TextBox 9">
             <a:extLst>
               <a:ext uri="{FF2B5EF4-FFF2-40B4-BE49-F238E27FC236}">
-                <a16:creationId xmlns="" xmlns:a16="http://schemas.microsoft.com/office/drawing/2014/main" id="{131F71A2-935B-1A46-4F49-D7EA072FA14A}"/>
+                <a16:creationId xmlns:a16="http://schemas.microsoft.com/office/drawing/2014/main" id="{131F71A2-935B-1A46-4F49-D7EA072FA14A}"/>
               </a:ext>
             </a:extLst>
           </p:cNvPr>
@@ -10588,7 +10399,7 @@
           <p:cNvPr id="19" name="TextBox 10">
             <a:extLst>
               <a:ext uri="{FF2B5EF4-FFF2-40B4-BE49-F238E27FC236}">
-                <a16:creationId xmlns="" xmlns:a16="http://schemas.microsoft.com/office/drawing/2014/main" id="{F58737C1-572F-ECB6-C94F-FC551C69D070}"/>
+                <a16:creationId xmlns:a16="http://schemas.microsoft.com/office/drawing/2014/main" id="{F58737C1-572F-ECB6-C94F-FC551C69D070}"/>
               </a:ext>
             </a:extLst>
           </p:cNvPr>
@@ -10656,7 +10467,7 @@
           <p:cNvPr id="20" name="TextBox 10">
             <a:extLst>
               <a:ext uri="{FF2B5EF4-FFF2-40B4-BE49-F238E27FC236}">
-                <a16:creationId xmlns="" xmlns:a16="http://schemas.microsoft.com/office/drawing/2014/main" id="{30CDFF79-C431-9245-9B24-A058881ED924}"/>
+                <a16:creationId xmlns:a16="http://schemas.microsoft.com/office/drawing/2014/main" id="{30CDFF79-C431-9245-9B24-A058881ED924}"/>
               </a:ext>
             </a:extLst>
           </p:cNvPr>
@@ -10706,7 +10517,7 @@
           <p:cNvPr id="21" name="TextBox 10">
             <a:extLst>
               <a:ext uri="{FF2B5EF4-FFF2-40B4-BE49-F238E27FC236}">
-                <a16:creationId xmlns="" xmlns:a16="http://schemas.microsoft.com/office/drawing/2014/main" id="{D6236475-870D-A1DA-B80C-6B5B7B7DE9D9}"/>
+                <a16:creationId xmlns:a16="http://schemas.microsoft.com/office/drawing/2014/main" id="{D6236475-870D-A1DA-B80C-6B5B7B7DE9D9}"/>
               </a:ext>
             </a:extLst>
           </p:cNvPr>
@@ -10756,7 +10567,7 @@
           <p:cNvPr id="22" name="Рисунок 21" descr="Диаграмма с тенденцией спада со сплошной заливкой">
             <a:extLst>
               <a:ext uri="{FF2B5EF4-FFF2-40B4-BE49-F238E27FC236}">
-                <a16:creationId xmlns="" xmlns:a16="http://schemas.microsoft.com/office/drawing/2014/main" id="{62324CDF-9BA8-4F24-FF3F-C4D3AED74CC7}"/>
+                <a16:creationId xmlns:a16="http://schemas.microsoft.com/office/drawing/2014/main" id="{62324CDF-9BA8-4F24-FF3F-C4D3AED74CC7}"/>
               </a:ext>
             </a:extLst>
           </p:cNvPr>
@@ -10769,7 +10580,7 @@
           <a:blip r:embed="rId2">
             <a:extLst>
               <a:ext uri="{96DAC541-7B7A-43D3-8B79-37D633B846F1}">
-                <asvg:svgBlip xmlns="" xmlns:asvg="http://schemas.microsoft.com/office/drawing/2016/SVG/main" r:embed="rId3"/>
+                <asvg:svgBlip xmlns:asvg="http://schemas.microsoft.com/office/drawing/2016/SVG/main" r:embed="rId3"/>
               </a:ext>
             </a:extLst>
           </a:blip>
@@ -10792,7 +10603,7 @@
           <p:cNvPr id="23" name="Рисунок 22" descr="Голова с шестеренками со сплошной заливкой">
             <a:extLst>
               <a:ext uri="{FF2B5EF4-FFF2-40B4-BE49-F238E27FC236}">
-                <a16:creationId xmlns="" xmlns:a16="http://schemas.microsoft.com/office/drawing/2014/main" id="{086E18AC-3031-63C3-0FCB-1F1FC9A81AC5}"/>
+                <a16:creationId xmlns:a16="http://schemas.microsoft.com/office/drawing/2014/main" id="{086E18AC-3031-63C3-0FCB-1F1FC9A81AC5}"/>
               </a:ext>
             </a:extLst>
           </p:cNvPr>
@@ -10805,7 +10616,7 @@
           <a:blip r:embed="rId4">
             <a:extLst>
               <a:ext uri="{96DAC541-7B7A-43D3-8B79-37D633B846F1}">
-                <asvg:svgBlip xmlns="" xmlns:asvg="http://schemas.microsoft.com/office/drawing/2016/SVG/main" r:embed="rId5"/>
+                <asvg:svgBlip xmlns:asvg="http://schemas.microsoft.com/office/drawing/2016/SVG/main" r:embed="rId5"/>
               </a:ext>
             </a:extLst>
           </a:blip>
@@ -10828,7 +10639,7 @@
           <p:cNvPr id="24" name="Знак умножения 23">
             <a:extLst>
               <a:ext uri="{FF2B5EF4-FFF2-40B4-BE49-F238E27FC236}">
-                <a16:creationId xmlns="" xmlns:a16="http://schemas.microsoft.com/office/drawing/2014/main" id="{AB7E8038-3BB9-9399-DF78-958C552F209F}"/>
+                <a16:creationId xmlns:a16="http://schemas.microsoft.com/office/drawing/2014/main" id="{AB7E8038-3BB9-9399-DF78-958C552F209F}"/>
               </a:ext>
             </a:extLst>
           </p:cNvPr>
@@ -10880,7 +10691,7 @@
           <p:cNvPr id="25" name="TextBox 9">
             <a:extLst>
               <a:ext uri="{FF2B5EF4-FFF2-40B4-BE49-F238E27FC236}">
-                <a16:creationId xmlns="" xmlns:a16="http://schemas.microsoft.com/office/drawing/2014/main" id="{072AD1FA-910F-6D1A-2392-973A010A504A}"/>
+                <a16:creationId xmlns:a16="http://schemas.microsoft.com/office/drawing/2014/main" id="{072AD1FA-910F-6D1A-2392-973A010A504A}"/>
               </a:ext>
             </a:extLst>
           </p:cNvPr>
@@ -10927,7 +10738,7 @@
           <p:cNvPr id="26" name="Рисунок 25" descr="В яблочко со сплошной заливкой">
             <a:extLst>
               <a:ext uri="{FF2B5EF4-FFF2-40B4-BE49-F238E27FC236}">
-                <a16:creationId xmlns="" xmlns:a16="http://schemas.microsoft.com/office/drawing/2014/main" id="{5A5E0014-68B1-253C-1DA2-56FC8A190A89}"/>
+                <a16:creationId xmlns:a16="http://schemas.microsoft.com/office/drawing/2014/main" id="{5A5E0014-68B1-253C-1DA2-56FC8A190A89}"/>
               </a:ext>
             </a:extLst>
           </p:cNvPr>
@@ -10940,7 +10751,7 @@
           <a:blip r:embed="rId6">
             <a:extLst>
               <a:ext uri="{96DAC541-7B7A-43D3-8B79-37D633B846F1}">
-                <asvg:svgBlip xmlns="" xmlns:asvg="http://schemas.microsoft.com/office/drawing/2016/SVG/main" r:embed="rId7"/>
+                <asvg:svgBlip xmlns:asvg="http://schemas.microsoft.com/office/drawing/2016/SVG/main" r:embed="rId7"/>
               </a:ext>
             </a:extLst>
           </a:blip>
@@ -10963,7 +10774,7 @@
           <p:cNvPr id="27" name="TextBox 11">
             <a:extLst>
               <a:ext uri="{FF2B5EF4-FFF2-40B4-BE49-F238E27FC236}">
-                <a16:creationId xmlns="" xmlns:a16="http://schemas.microsoft.com/office/drawing/2014/main" id="{1E902D08-8372-72EC-31A7-9ED0F9708849}"/>
+                <a16:creationId xmlns:a16="http://schemas.microsoft.com/office/drawing/2014/main" id="{1E902D08-8372-72EC-31A7-9ED0F9708849}"/>
               </a:ext>
             </a:extLst>
           </p:cNvPr>
@@ -11012,17 +10823,10 @@
   <p:clrMapOvr>
     <a:masterClrMapping/>
   </p:clrMapOvr>
-  <p:timing>
-    <p:tnLst>
-      <p:par>
-        <p:cTn id="1" dur="indefinite" restart="never" nodeType="tmRoot"/>
-      </p:par>
-    </p:tnLst>
-  </p:timing>
 </p:sld>
 </file>
 
-<file path=ppt/slides/slide5.xml><?xml version="1.0" encoding="utf-8"?>
+<file path=ppt/slides/slide4.xml><?xml version="1.0" encoding="utf-8"?>
 <p:sld xmlns:a="http://schemas.openxmlformats.org/drawingml/2006/main" xmlns:r="http://schemas.openxmlformats.org/officeDocument/2006/relationships" xmlns:p="http://schemas.openxmlformats.org/presentationml/2006/main">
   <p:cSld>
     <p:spTree>
@@ -11216,14 +11020,11 @@
           <a:p>
             <a:pPr algn="ctr"/>
             <a:r>
-              <a:rPr lang="ru-RU" sz="2800" dirty="0" smtClean="0">
+              <a:rPr lang="ru-RU" sz="2800" dirty="0">
                 <a:latin typeface="Bahnschrift SemiBold" panose="020B0502040204020203" pitchFamily="34" charset="0"/>
               </a:rPr>
               <a:t>СУЩЕСТВУЮЩИЕ РЕШЕНИЯ</a:t>
             </a:r>
-            <a:endParaRPr lang="ru-RU" sz="2800" dirty="0">
-              <a:latin typeface="Bahnschrift SemiBold" panose="020B0502040204020203" pitchFamily="34" charset="0"/>
-            </a:endParaRPr>
           </a:p>
         </p:txBody>
       </p:sp>
@@ -11254,13 +11055,13 @@
               <a:buChar char="v"/>
             </a:pPr>
             <a:r>
-              <a:rPr lang="ru-RU" sz="2400" b="1" dirty="0" smtClean="0">
+              <a:rPr lang="ru-RU" sz="2400" b="1" dirty="0">
                 <a:solidFill>
                   <a:schemeClr val="bg1"/>
                 </a:solidFill>
                 <a:latin typeface="+mj-lt"/>
               </a:rPr>
-              <a:t>Нет поддержки специфических бизнес-процессов</a:t>
+              <a:t>Нет поддержки специфических требований</a:t>
             </a:r>
           </a:p>
           <a:p>
@@ -11268,7 +11069,7 @@
               <a:buFont typeface="Wingdings" panose="05000000000000000000" pitchFamily="2" charset="2"/>
               <a:buChar char="v"/>
             </a:pPr>
-            <a:endParaRPr lang="ru-RU" sz="2400" b="1" dirty="0" smtClean="0">
+            <a:endParaRPr lang="ru-RU" sz="2400" b="1" dirty="0">
               <a:solidFill>
                 <a:schemeClr val="bg1"/>
               </a:solidFill>
@@ -11281,13 +11082,13 @@
               <a:buChar char="v"/>
             </a:pPr>
             <a:r>
-              <a:rPr lang="ru-RU" sz="2400" b="1" dirty="0" smtClean="0">
+              <a:rPr lang="ru-RU" sz="2400" b="1" dirty="0">
                 <a:solidFill>
                   <a:schemeClr val="bg1"/>
                 </a:solidFill>
                 <a:latin typeface="+mj-lt"/>
               </a:rPr>
-              <a:t>Отсутствует калькулятор стоимости вентиляционных систем (для интеграция с производством)</a:t>
+              <a:t>Отсутствует калькулятор стоимости вентиляционных систем (для интеграции с производством)</a:t>
             </a:r>
           </a:p>
           <a:p>
@@ -11295,7 +11096,7 @@
               <a:buFont typeface="Wingdings" panose="05000000000000000000" pitchFamily="2" charset="2"/>
               <a:buChar char="v"/>
             </a:pPr>
-            <a:endParaRPr lang="ru-RU" sz="2400" b="1" dirty="0" smtClean="0">
+            <a:endParaRPr lang="ru-RU" sz="2400" b="1" dirty="0">
               <a:solidFill>
                 <a:schemeClr val="bg1"/>
               </a:solidFill>
@@ -11308,7 +11109,7 @@
               <a:buChar char="v"/>
             </a:pPr>
             <a:r>
-              <a:rPr lang="ru-RU" sz="2400" b="1" dirty="0" smtClean="0">
+              <a:rPr lang="ru-RU" sz="2400" b="1" dirty="0">
                 <a:solidFill>
                   <a:schemeClr val="bg1"/>
                 </a:solidFill>
@@ -11322,7 +11123,7 @@
               <a:buFont typeface="Wingdings" panose="05000000000000000000" pitchFamily="2" charset="2"/>
               <a:buChar char="v"/>
             </a:pPr>
-            <a:endParaRPr lang="ru-RU" sz="2400" b="1" dirty="0" smtClean="0">
+            <a:endParaRPr lang="ru-RU" sz="2400" b="1" dirty="0">
               <a:solidFill>
                 <a:schemeClr val="bg1"/>
               </a:solidFill>
@@ -11334,15 +11135,6 @@
               <a:buFont typeface="Wingdings" panose="05000000000000000000" pitchFamily="2" charset="2"/>
               <a:buChar char="v"/>
             </a:pPr>
-            <a:r>
-              <a:rPr lang="ru-RU" sz="2400" b="1" dirty="0" smtClean="0">
-                <a:solidFill>
-                  <a:schemeClr val="bg1"/>
-                </a:solidFill>
-                <a:latin typeface="+mj-lt"/>
-              </a:rPr>
-              <a:t>Дорогая </a:t>
-            </a:r>
             <a:r>
               <a:rPr lang="ru-RU" sz="2400" b="1" dirty="0">
                 <a:solidFill>
@@ -11350,16 +11142,7 @@
                 </a:solidFill>
                 <a:latin typeface="+mj-lt"/>
               </a:rPr>
-              <a:t>интеграция с платёжными </a:t>
-            </a:r>
-            <a:r>
-              <a:rPr lang="ru-RU" sz="2400" b="1" dirty="0" smtClean="0">
-                <a:solidFill>
-                  <a:schemeClr val="bg1"/>
-                </a:solidFill>
-                <a:latin typeface="+mj-lt"/>
-              </a:rPr>
-              <a:t>системами</a:t>
+              <a:t>Дорогая интеграция с платёжными системами</a:t>
             </a:r>
           </a:p>
           <a:p>
@@ -11367,7 +11150,7 @@
               <a:buFont typeface="Wingdings" panose="05000000000000000000" pitchFamily="2" charset="2"/>
               <a:buChar char="v"/>
             </a:pPr>
-            <a:endParaRPr lang="ru-RU" sz="2400" b="1" dirty="0" smtClean="0">
+            <a:endParaRPr lang="ru-RU" sz="2400" b="1" dirty="0">
               <a:solidFill>
                 <a:schemeClr val="bg1"/>
               </a:solidFill>
@@ -11379,15 +11162,6 @@
               <a:buFont typeface="Wingdings" panose="05000000000000000000" pitchFamily="2" charset="2"/>
               <a:buChar char="v"/>
             </a:pPr>
-            <a:r>
-              <a:rPr lang="ru-RU" sz="2400" b="1" dirty="0" smtClean="0">
-                <a:solidFill>
-                  <a:schemeClr val="bg1"/>
-                </a:solidFill>
-                <a:latin typeface="+mj-lt"/>
-              </a:rPr>
-              <a:t>Нет </a:t>
-            </a:r>
             <a:r>
               <a:rPr lang="ru-RU" sz="2400" b="1" dirty="0">
                 <a:solidFill>
@@ -11395,9 +11169,9 @@
                 </a:solidFill>
                 <a:latin typeface="+mj-lt"/>
               </a:rPr>
-              <a:t>прямого доступа к БД для гибких интеграций</a:t>
+              <a:t>Нет прямого доступа к БД для гибких интеграций</a:t>
             </a:r>
-            <a:endParaRPr lang="en-US" sz="2400" b="1" dirty="0" smtClean="0">
+            <a:endParaRPr lang="en-US" sz="2400" b="1" dirty="0">
               <a:solidFill>
                 <a:schemeClr val="bg1"/>
               </a:solidFill>
@@ -11439,7 +11213,7 @@
                   <a:schemeClr val="tx1"/>
                 </a:solidFill>
               </a:rPr>
-              <a:t>5</a:t>
+              <a:t>4</a:t>
             </a:fld>
             <a:endParaRPr lang="ru-RU" sz="2400" b="1" dirty="0">
               <a:solidFill>
@@ -11454,7 +11228,7 @@
           <p:cNvPr id="15" name="TextBox 6">
             <a:extLst>
               <a:ext uri="{FF2B5EF4-FFF2-40B4-BE49-F238E27FC236}">
-                <a16:creationId xmlns="" xmlns:a16="http://schemas.microsoft.com/office/drawing/2014/main" id="{C1D3F08C-B9A2-0B8A-58DA-F8DD3184FC48}"/>
+                <a16:creationId xmlns:a16="http://schemas.microsoft.com/office/drawing/2014/main" id="{C1D3F08C-B9A2-0B8A-58DA-F8DD3184FC48}"/>
               </a:ext>
             </a:extLst>
           </p:cNvPr>
@@ -11488,7 +11262,7 @@
           <p:cNvPr id="18" name="TextBox 6">
             <a:extLst>
               <a:ext uri="{FF2B5EF4-FFF2-40B4-BE49-F238E27FC236}">
-                <a16:creationId xmlns="" xmlns:a16="http://schemas.microsoft.com/office/drawing/2014/main" id="{C1D3F08C-B9A2-0B8A-58DA-F8DD3184FC48}"/>
+                <a16:creationId xmlns:a16="http://schemas.microsoft.com/office/drawing/2014/main" id="{C1D3F08C-B9A2-0B8A-58DA-F8DD3184FC48}"/>
               </a:ext>
             </a:extLst>
           </p:cNvPr>
@@ -11522,7 +11296,7 @@
           <p:cNvPr id="27" name="TextBox 6">
             <a:extLst>
               <a:ext uri="{FF2B5EF4-FFF2-40B4-BE49-F238E27FC236}">
-                <a16:creationId xmlns="" xmlns:a16="http://schemas.microsoft.com/office/drawing/2014/main" id="{C1D3F08C-B9A2-0B8A-58DA-F8DD3184FC48}"/>
+                <a16:creationId xmlns:a16="http://schemas.microsoft.com/office/drawing/2014/main" id="{C1D3F08C-B9A2-0B8A-58DA-F8DD3184FC48}"/>
               </a:ext>
             </a:extLst>
           </p:cNvPr>
@@ -11556,7 +11330,7 @@
           <p:cNvPr id="28" name="Group 4">
             <a:extLst>
               <a:ext uri="{FF2B5EF4-FFF2-40B4-BE49-F238E27FC236}">
-                <a16:creationId xmlns="" xmlns:a16="http://schemas.microsoft.com/office/drawing/2014/main" id="{E42F5A72-CF8C-0C70-FE42-CF4345552D60}"/>
+                <a16:creationId xmlns:a16="http://schemas.microsoft.com/office/drawing/2014/main" id="{E42F5A72-CF8C-0C70-FE42-CF4345552D60}"/>
               </a:ext>
             </a:extLst>
           </p:cNvPr>
@@ -11565,10 +11339,10 @@
         </p:nvGrpSpPr>
         <p:grpSpPr>
           <a:xfrm>
-            <a:off x="153999" y="701269"/>
-            <a:ext cx="5731162" cy="5596637"/>
-            <a:chOff x="0" y="-351211"/>
-            <a:chExt cx="2379118" cy="1987831"/>
+            <a:off x="-2648926" y="-1112879"/>
+            <a:ext cx="8498422" cy="7513209"/>
+            <a:chOff x="0" y="-19050"/>
+            <a:chExt cx="3527862" cy="2668565"/>
           </a:xfrm>
         </p:grpSpPr>
         <p:sp>
@@ -11576,7 +11350,7 @@
             <p:cNvPr id="29" name="Freeform 5">
               <a:extLst>
                 <a:ext uri="{FF2B5EF4-FFF2-40B4-BE49-F238E27FC236}">
-                  <a16:creationId xmlns="" xmlns:a16="http://schemas.microsoft.com/office/drawing/2014/main" id="{DB2B01F6-B7A7-04B7-64AB-08770BDF7E09}"/>
+                  <a16:creationId xmlns:a16="http://schemas.microsoft.com/office/drawing/2014/main" id="{DB2B01F6-B7A7-04B7-64AB-08770BDF7E09}"/>
                 </a:ext>
               </a:extLst>
             </p:cNvPr>
@@ -11585,7 +11359,7 @@
           </p:nvSpPr>
           <p:spPr>
             <a:xfrm>
-              <a:off x="0" y="-351211"/>
+              <a:off x="1148744" y="661684"/>
               <a:ext cx="2379118" cy="1987831"/>
             </a:xfrm>
             <a:custGeom>
@@ -11661,7 +11435,7 @@
             <p:cNvPr id="30" name="TextBox 6">
               <a:extLst>
                 <a:ext uri="{FF2B5EF4-FFF2-40B4-BE49-F238E27FC236}">
-                  <a16:creationId xmlns="" xmlns:a16="http://schemas.microsoft.com/office/drawing/2014/main" id="{C1D3F08C-B9A2-0B8A-58DA-F8DD3184FC48}"/>
+                  <a16:creationId xmlns:a16="http://schemas.microsoft.com/office/drawing/2014/main" id="{C1D3F08C-B9A2-0B8A-58DA-F8DD3184FC48}"/>
                 </a:ext>
               </a:extLst>
             </p:cNvPr>
@@ -11701,13 +11475,311 @@
   <p:clrMapOvr>
     <a:masterClrMapping/>
   </p:clrMapOvr>
-  <p:timing>
-    <p:tnLst>
-      <p:par>
-        <p:cTn id="1" dur="indefinite" restart="never" nodeType="tmRoot"/>
-      </p:par>
-    </p:tnLst>
-  </p:timing>
+</p:sld>
+</file>
+
+<file path=ppt/slides/slide5.xml><?xml version="1.0" encoding="utf-8"?>
+<p:sld xmlns:a="http://schemas.openxmlformats.org/drawingml/2006/main" xmlns:r="http://schemas.openxmlformats.org/officeDocument/2006/relationships" xmlns:p="http://schemas.openxmlformats.org/presentationml/2006/main">
+  <p:cSld>
+    <p:spTree>
+      <p:nvGrpSpPr>
+        <p:cNvPr id="1" name=""/>
+        <p:cNvGrpSpPr/>
+        <p:nvPr/>
+      </p:nvGrpSpPr>
+      <p:grpSpPr>
+        <a:xfrm>
+          <a:off x="0" y="0"/>
+          <a:ext cx="0" cy="0"/>
+          <a:chOff x="0" y="0"/>
+          <a:chExt cx="0" cy="0"/>
+        </a:xfrm>
+      </p:grpSpPr>
+      <p:sp>
+        <p:nvSpPr>
+          <p:cNvPr id="6" name="Прямоугольный треугольник 5">
+            <a:extLst>
+              <a:ext uri="{FF2B5EF4-FFF2-40B4-BE49-F238E27FC236}">
+                <a16:creationId xmlns:a16="http://schemas.microsoft.com/office/drawing/2014/main" id="{677E422B-DEA9-D946-8BA5-13EF2B3A5538}"/>
+              </a:ext>
+            </a:extLst>
+          </p:cNvPr>
+          <p:cNvSpPr/>
+          <p:nvPr/>
+        </p:nvSpPr>
+        <p:spPr>
+          <a:xfrm rot="10800000">
+            <a:off x="4817096" y="-1"/>
+            <a:ext cx="4326903" cy="4006392"/>
+          </a:xfrm>
+          <a:prstGeom prst="rtTriangle">
+            <a:avLst/>
+          </a:prstGeom>
+          <a:solidFill>
+            <a:schemeClr val="accent2"/>
+          </a:solidFill>
+        </p:spPr>
+        <p:style>
+          <a:lnRef idx="2">
+            <a:schemeClr val="accent1">
+              <a:shade val="15000"/>
+            </a:schemeClr>
+          </a:lnRef>
+          <a:fillRef idx="1">
+            <a:schemeClr val="accent1"/>
+          </a:fillRef>
+          <a:effectRef idx="0">
+            <a:schemeClr val="accent1"/>
+          </a:effectRef>
+          <a:fontRef idx="minor">
+            <a:schemeClr val="lt1"/>
+          </a:fontRef>
+        </p:style>
+        <p:txBody>
+          <a:bodyPr rtlCol="0" anchor="ctr"/>
+          <a:lstStyle/>
+          <a:p>
+            <a:pPr algn="ctr"/>
+            <a:endParaRPr lang="ru-RU"/>
+          </a:p>
+        </p:txBody>
+      </p:sp>
+      <p:sp>
+        <p:nvSpPr>
+          <p:cNvPr id="2" name="Заголовок 1">
+            <a:extLst>
+              <a:ext uri="{FF2B5EF4-FFF2-40B4-BE49-F238E27FC236}">
+                <a16:creationId xmlns:a16="http://schemas.microsoft.com/office/drawing/2014/main" id="{D85436B6-B994-F85D-FC57-AAD74723F03C}"/>
+              </a:ext>
+            </a:extLst>
+          </p:cNvPr>
+          <p:cNvSpPr>
+            <a:spLocks noGrp="1"/>
+          </p:cNvSpPr>
+          <p:nvPr>
+            <p:ph type="title"/>
+          </p:nvPr>
+        </p:nvSpPr>
+        <p:spPr>
+          <a:xfrm>
+            <a:off x="6797314" y="500062"/>
+            <a:ext cx="2057399" cy="1325563"/>
+          </a:xfrm>
+        </p:spPr>
+        <p:txBody>
+          <a:bodyPr>
+            <a:normAutofit/>
+          </a:bodyPr>
+          <a:lstStyle/>
+          <a:p>
+            <a:r>
+              <a:rPr lang="ru-RU" sz="3600" dirty="0">
+                <a:solidFill>
+                  <a:schemeClr val="bg1"/>
+                </a:solidFill>
+                <a:latin typeface="Bahnschrift SemiBold" panose="020B0502040204020203" pitchFamily="34" charset="0"/>
+              </a:rPr>
+              <a:t>ЗАДАЧИ</a:t>
+            </a:r>
+          </a:p>
+        </p:txBody>
+      </p:sp>
+      <p:sp>
+        <p:nvSpPr>
+          <p:cNvPr id="3" name="Объект 2">
+            <a:extLst>
+              <a:ext uri="{FF2B5EF4-FFF2-40B4-BE49-F238E27FC236}">
+                <a16:creationId xmlns:a16="http://schemas.microsoft.com/office/drawing/2014/main" id="{C252400B-15BB-242F-19A4-427E10EA8F1E}"/>
+              </a:ext>
+            </a:extLst>
+          </p:cNvPr>
+          <p:cNvSpPr>
+            <a:spLocks noGrp="1"/>
+          </p:cNvSpPr>
+          <p:nvPr>
+            <p:ph idx="1"/>
+          </p:nvPr>
+        </p:nvSpPr>
+        <p:spPr>
+          <a:xfrm>
+            <a:off x="1059337" y="1825625"/>
+            <a:ext cx="7886700" cy="4351338"/>
+          </a:xfrm>
+        </p:spPr>
+        <p:txBody>
+          <a:bodyPr>
+            <a:normAutofit/>
+          </a:bodyPr>
+          <a:lstStyle/>
+          <a:p>
+            <a:pPr>
+              <a:buFont typeface="Wingdings" panose="05000000000000000000" pitchFamily="2" charset="2"/>
+              <a:buChar char="v"/>
+            </a:pPr>
+            <a:r>
+              <a:rPr lang="ru-RU" dirty="0">
+                <a:latin typeface="+mj-lt"/>
+              </a:rPr>
+              <a:t>Анализ бизнес-процессов</a:t>
+            </a:r>
+          </a:p>
+          <a:p>
+            <a:pPr>
+              <a:buFont typeface="Wingdings" panose="05000000000000000000" pitchFamily="2" charset="2"/>
+              <a:buChar char="v"/>
+            </a:pPr>
+            <a:endParaRPr lang="ru-RU" dirty="0">
+              <a:latin typeface="+mj-lt"/>
+            </a:endParaRPr>
+          </a:p>
+          <a:p>
+            <a:pPr>
+              <a:buFont typeface="Wingdings" panose="05000000000000000000" pitchFamily="2" charset="2"/>
+              <a:buChar char="v"/>
+            </a:pPr>
+            <a:r>
+              <a:rPr lang="ru-RU" dirty="0">
+                <a:latin typeface="+mj-lt"/>
+              </a:rPr>
+              <a:t>Изучение существующих решений</a:t>
+            </a:r>
+          </a:p>
+          <a:p>
+            <a:pPr>
+              <a:buFont typeface="Wingdings" panose="05000000000000000000" pitchFamily="2" charset="2"/>
+              <a:buChar char="v"/>
+            </a:pPr>
+            <a:endParaRPr lang="ru-RU" dirty="0">
+              <a:latin typeface="+mj-lt"/>
+            </a:endParaRPr>
+          </a:p>
+          <a:p>
+            <a:pPr>
+              <a:buFont typeface="Wingdings" panose="05000000000000000000" pitchFamily="2" charset="2"/>
+              <a:buChar char="v"/>
+            </a:pPr>
+            <a:r>
+              <a:rPr lang="ru-RU" dirty="0">
+                <a:latin typeface="+mj-lt"/>
+              </a:rPr>
+              <a:t>Разработка ПО для автоматизации заказов</a:t>
+            </a:r>
+          </a:p>
+          <a:p>
+            <a:pPr>
+              <a:buFont typeface="Wingdings" panose="05000000000000000000" pitchFamily="2" charset="2"/>
+              <a:buChar char="v"/>
+            </a:pPr>
+            <a:endParaRPr lang="ru-RU" dirty="0">
+              <a:latin typeface="+mj-lt"/>
+            </a:endParaRPr>
+          </a:p>
+          <a:p>
+            <a:pPr>
+              <a:buFont typeface="Wingdings" panose="05000000000000000000" pitchFamily="2" charset="2"/>
+              <a:buChar char="v"/>
+            </a:pPr>
+            <a:r>
+              <a:rPr lang="ru-RU" dirty="0">
+                <a:latin typeface="+mj-lt"/>
+              </a:rPr>
+              <a:t>Обучение сотрудников</a:t>
+            </a:r>
+          </a:p>
+          <a:p>
+            <a:pPr>
+              <a:buFont typeface="Wingdings" panose="05000000000000000000" pitchFamily="2" charset="2"/>
+              <a:buChar char="v"/>
+            </a:pPr>
+            <a:endParaRPr lang="ru-RU" dirty="0">
+              <a:latin typeface="+mj-lt"/>
+            </a:endParaRPr>
+          </a:p>
+        </p:txBody>
+      </p:sp>
+      <p:sp>
+        <p:nvSpPr>
+          <p:cNvPr id="4" name="Номер слайда 3">
+            <a:extLst>
+              <a:ext uri="{FF2B5EF4-FFF2-40B4-BE49-F238E27FC236}">
+                <a16:creationId xmlns:a16="http://schemas.microsoft.com/office/drawing/2014/main" id="{DA9B982C-A5C6-8BF7-D18F-D18ACAB5B388}"/>
+              </a:ext>
+            </a:extLst>
+          </p:cNvPr>
+          <p:cNvSpPr>
+            <a:spLocks noGrp="1"/>
+          </p:cNvSpPr>
+          <p:nvPr>
+            <p:ph type="sldNum" sz="quarter" idx="12"/>
+          </p:nvPr>
+        </p:nvSpPr>
+        <p:spPr/>
+        <p:txBody>
+          <a:bodyPr/>
+          <a:lstStyle/>
+          <a:p>
+            <a:fld id="{AFC5D346-0896-4BCB-BD3D-84DEBAD632DA}" type="slidenum">
+              <a:rPr lang="ru-RU" sz="2400" b="1" smtClean="0">
+                <a:solidFill>
+                  <a:schemeClr val="tx1"/>
+                </a:solidFill>
+              </a:rPr>
+              <a:t>5</a:t>
+            </a:fld>
+            <a:endParaRPr lang="ru-RU" sz="2400" b="1" dirty="0">
+              <a:solidFill>
+                <a:schemeClr val="tx1"/>
+              </a:solidFill>
+            </a:endParaRPr>
+          </a:p>
+        </p:txBody>
+      </p:sp>
+      <p:pic>
+        <p:nvPicPr>
+          <p:cNvPr id="8" name="Рисунок 7">
+            <a:extLst>
+              <a:ext uri="{FF2B5EF4-FFF2-40B4-BE49-F238E27FC236}">
+                <a16:creationId xmlns:a16="http://schemas.microsoft.com/office/drawing/2014/main" id="{5E3818C3-CAF5-B02C-78D2-E3D788E5EB79}"/>
+              </a:ext>
+            </a:extLst>
+          </p:cNvPr>
+          <p:cNvPicPr>
+            <a:picLocks noChangeAspect="1"/>
+          </p:cNvPicPr>
+          <p:nvPr/>
+        </p:nvPicPr>
+        <p:blipFill>
+          <a:blip r:embed="rId2" cstate="print">
+            <a:extLst>
+              <a:ext uri="{28A0092B-C50C-407E-A947-70E740481C1C}">
+                <a14:useLocalDpi xmlns:a14="http://schemas.microsoft.com/office/drawing/2010/main" val="0"/>
+              </a:ext>
+            </a:extLst>
+          </a:blip>
+          <a:stretch>
+            <a:fillRect/>
+          </a:stretch>
+        </p:blipFill>
+        <p:spPr>
+          <a:xfrm rot="13937890" flipH="1">
+            <a:off x="-2091537" y="6379476"/>
+            <a:ext cx="6858000" cy="684000"/>
+          </a:xfrm>
+          <a:prstGeom prst="rect">
+            <a:avLst/>
+          </a:prstGeom>
+        </p:spPr>
+      </p:pic>
+    </p:spTree>
+    <p:extLst>
+      <p:ext uri="{BB962C8B-B14F-4D97-AF65-F5344CB8AC3E}">
+        <p14:creationId xmlns:p14="http://schemas.microsoft.com/office/powerpoint/2010/main" val="1870584745"/>
+      </p:ext>
+    </p:extLst>
+  </p:cSld>
+  <p:clrMapOvr>
+    <a:masterClrMapping/>
+  </p:clrMapOvr>
 </p:sld>
 </file>
 
@@ -11733,7 +11805,7 @@
           <p:cNvPr id="5" name="Заголовок 4">
             <a:extLst>
               <a:ext uri="{FF2B5EF4-FFF2-40B4-BE49-F238E27FC236}">
-                <a16:creationId xmlns="" xmlns:a16="http://schemas.microsoft.com/office/drawing/2014/main" id="{C60A9AEE-1D62-81CB-0CD1-D554FE470100}"/>
+                <a16:creationId xmlns:a16="http://schemas.microsoft.com/office/drawing/2014/main" id="{C60A9AEE-1D62-81CB-0CD1-D554FE470100}"/>
               </a:ext>
             </a:extLst>
           </p:cNvPr>
@@ -11780,7 +11852,7 @@
           <p:cNvPr id="7" name="Объект 6">
             <a:extLst>
               <a:ext uri="{FF2B5EF4-FFF2-40B4-BE49-F238E27FC236}">
-                <a16:creationId xmlns="" xmlns:a16="http://schemas.microsoft.com/office/drawing/2014/main" id="{66BF457C-F977-674E-6351-6762D8F23155}"/>
+                <a16:creationId xmlns:a16="http://schemas.microsoft.com/office/drawing/2014/main" id="{66BF457C-F977-674E-6351-6762D8F23155}"/>
               </a:ext>
             </a:extLst>
           </p:cNvPr>
@@ -11822,7 +11894,7 @@
           <p:cNvPr id="8" name="Рисунок 7">
             <a:extLst>
               <a:ext uri="{FF2B5EF4-FFF2-40B4-BE49-F238E27FC236}">
-                <a16:creationId xmlns="" xmlns:a16="http://schemas.microsoft.com/office/drawing/2014/main" id="{5D068746-EC85-3D41-C5EB-0DD44F534AE5}"/>
+                <a16:creationId xmlns:a16="http://schemas.microsoft.com/office/drawing/2014/main" id="{5D068746-EC85-3D41-C5EB-0DD44F534AE5}"/>
               </a:ext>
             </a:extLst>
           </p:cNvPr>
@@ -11865,7 +11937,7 @@
           <p:cNvPr id="6" name="Номер слайда 5">
             <a:extLst>
               <a:ext uri="{FF2B5EF4-FFF2-40B4-BE49-F238E27FC236}">
-                <a16:creationId xmlns="" xmlns:a16="http://schemas.microsoft.com/office/drawing/2014/main" id="{531F97A9-7535-5B53-27DB-D1922E1EF091}"/>
+                <a16:creationId xmlns:a16="http://schemas.microsoft.com/office/drawing/2014/main" id="{531F97A9-7535-5B53-27DB-D1922E1EF091}"/>
               </a:ext>
             </a:extLst>
           </p:cNvPr>
@@ -11912,13 +11984,6 @@
   <p:clrMapOvr>
     <a:masterClrMapping/>
   </p:clrMapOvr>
-  <p:timing>
-    <p:tnLst>
-      <p:par>
-        <p:cTn id="1" dur="indefinite" restart="never" nodeType="tmRoot"/>
-      </p:par>
-    </p:tnLst>
-  </p:timing>
 </p:sld>
 </file>
 
@@ -11944,7 +12009,7 @@
           <p:cNvPr id="5" name="Заголовок 4">
             <a:extLst>
               <a:ext uri="{FF2B5EF4-FFF2-40B4-BE49-F238E27FC236}">
-                <a16:creationId xmlns="" xmlns:a16="http://schemas.microsoft.com/office/drawing/2014/main" id="{2D821327-D069-0580-52EE-BAE7E831FCAA}"/>
+                <a16:creationId xmlns:a16="http://schemas.microsoft.com/office/drawing/2014/main" id="{2D821327-D069-0580-52EE-BAE7E831FCAA}"/>
               </a:ext>
             </a:extLst>
           </p:cNvPr>
@@ -11982,7 +12047,7 @@
           <p:cNvPr id="6" name="Объект 5">
             <a:extLst>
               <a:ext uri="{FF2B5EF4-FFF2-40B4-BE49-F238E27FC236}">
-                <a16:creationId xmlns="" xmlns:a16="http://schemas.microsoft.com/office/drawing/2014/main" id="{E7CA67AF-E0D0-92F3-0180-7BF6872E8947}"/>
+                <a16:creationId xmlns:a16="http://schemas.microsoft.com/office/drawing/2014/main" id="{E7CA67AF-E0D0-92F3-0180-7BF6872E8947}"/>
               </a:ext>
             </a:extLst>
           </p:cNvPr>
@@ -12026,7 +12091,7 @@
           <p:cNvPr id="8" name="Рисунок 7">
             <a:extLst>
               <a:ext uri="{FF2B5EF4-FFF2-40B4-BE49-F238E27FC236}">
-                <a16:creationId xmlns="" xmlns:a16="http://schemas.microsoft.com/office/drawing/2014/main" id="{966198B4-8B99-C49A-1422-CC68E167F8D0}"/>
+                <a16:creationId xmlns:a16="http://schemas.microsoft.com/office/drawing/2014/main" id="{966198B4-8B99-C49A-1422-CC68E167F8D0}"/>
               </a:ext>
             </a:extLst>
           </p:cNvPr>
@@ -12066,7 +12131,7 @@
           <p:cNvPr id="7" name="Номер слайда 6">
             <a:extLst>
               <a:ext uri="{FF2B5EF4-FFF2-40B4-BE49-F238E27FC236}">
-                <a16:creationId xmlns="" xmlns:a16="http://schemas.microsoft.com/office/drawing/2014/main" id="{C718C970-3F59-F107-BCA7-DDF8BA1E907F}"/>
+                <a16:creationId xmlns:a16="http://schemas.microsoft.com/office/drawing/2014/main" id="{C718C970-3F59-F107-BCA7-DDF8BA1E907F}"/>
               </a:ext>
             </a:extLst>
           </p:cNvPr>
@@ -12108,13 +12173,6 @@
   <p:clrMapOvr>
     <a:masterClrMapping/>
   </p:clrMapOvr>
-  <p:timing>
-    <p:tnLst>
-      <p:par>
-        <p:cTn id="1" dur="indefinite" restart="never" nodeType="tmRoot"/>
-      </p:par>
-    </p:tnLst>
-  </p:timing>
 </p:sld>
 </file>
 
@@ -12126,7 +12184,7 @@
         <p:cNvPr id="1" name="">
           <a:extLst>
             <a:ext uri="{FF2B5EF4-FFF2-40B4-BE49-F238E27FC236}">
-              <a16:creationId xmlns="" xmlns:a16="http://schemas.microsoft.com/office/drawing/2014/main" id="{C772474E-D276-C45E-3606-20E4692CA617}"/>
+              <a16:creationId xmlns:a16="http://schemas.microsoft.com/office/drawing/2014/main" id="{C772474E-D276-C45E-3606-20E4692CA617}"/>
             </a:ext>
           </a:extLst>
         </p:cNvPr>
@@ -12146,7 +12204,7 @@
           <p:cNvPr id="2" name="Рисунок 1">
             <a:extLst>
               <a:ext uri="{FF2B5EF4-FFF2-40B4-BE49-F238E27FC236}">
-                <a16:creationId xmlns="" xmlns:a16="http://schemas.microsoft.com/office/drawing/2014/main" id="{A6565609-9310-EDF0-ECAF-1E1A991AF993}"/>
+                <a16:creationId xmlns:a16="http://schemas.microsoft.com/office/drawing/2014/main" id="{A6565609-9310-EDF0-ECAF-1E1A991AF993}"/>
               </a:ext>
             </a:extLst>
           </p:cNvPr>
@@ -12186,7 +12244,7 @@
           <p:cNvPr id="6" name="Объект 5">
             <a:extLst>
               <a:ext uri="{FF2B5EF4-FFF2-40B4-BE49-F238E27FC236}">
-                <a16:creationId xmlns="" xmlns:a16="http://schemas.microsoft.com/office/drawing/2014/main" id="{C4A7ED36-4C57-62BE-EE2D-5EFA52BBC7E9}"/>
+                <a16:creationId xmlns:a16="http://schemas.microsoft.com/office/drawing/2014/main" id="{C4A7ED36-4C57-62BE-EE2D-5EFA52BBC7E9}"/>
               </a:ext>
             </a:extLst>
           </p:cNvPr>
@@ -12230,7 +12288,7 @@
           <p:cNvPr id="9" name="Номер слайда 8">
             <a:extLst>
               <a:ext uri="{FF2B5EF4-FFF2-40B4-BE49-F238E27FC236}">
-                <a16:creationId xmlns="" xmlns:a16="http://schemas.microsoft.com/office/drawing/2014/main" id="{C9882451-1C9D-41A9-B53B-ADC6AF068F52}"/>
+                <a16:creationId xmlns:a16="http://schemas.microsoft.com/office/drawing/2014/main" id="{C9882451-1C9D-41A9-B53B-ADC6AF068F52}"/>
               </a:ext>
             </a:extLst>
           </p:cNvPr>
@@ -12277,13 +12335,6 @@
   <p:clrMapOvr>
     <a:masterClrMapping/>
   </p:clrMapOvr>
-  <p:timing>
-    <p:tnLst>
-      <p:par>
-        <p:cTn id="1" dur="indefinite" restart="never" nodeType="tmRoot"/>
-      </p:par>
-    </p:tnLst>
-  </p:timing>
 </p:sld>
 </file>
 
@@ -12304,12 +12355,176 @@
           <a:chExt cx="0" cy="0"/>
         </a:xfrm>
       </p:grpSpPr>
+      <p:pic>
+        <p:nvPicPr>
+          <p:cNvPr id="30" name="Рисунок 29">
+            <a:extLst>
+              <a:ext uri="{FF2B5EF4-FFF2-40B4-BE49-F238E27FC236}">
+                <a16:creationId xmlns:a16="http://schemas.microsoft.com/office/drawing/2014/main" id="{6CA5ACE8-B0D8-48BA-E1EB-0D1896C5E631}"/>
+              </a:ext>
+            </a:extLst>
+          </p:cNvPr>
+          <p:cNvPicPr>
+            <a:picLocks noChangeAspect="1"/>
+          </p:cNvPicPr>
+          <p:nvPr/>
+        </p:nvPicPr>
+        <p:blipFill>
+          <a:blip r:embed="rId2" cstate="print">
+            <a:extLst>
+              <a:ext uri="{28A0092B-C50C-407E-A947-70E740481C1C}">
+                <a14:useLocalDpi xmlns:a14="http://schemas.microsoft.com/office/drawing/2010/main" val="0"/>
+              </a:ext>
+            </a:extLst>
+          </a:blip>
+          <a:stretch>
+            <a:fillRect/>
+          </a:stretch>
+        </p:blipFill>
+        <p:spPr>
+          <a:xfrm flipH="1">
+            <a:off x="-113123" y="6174000"/>
+            <a:ext cx="9407951" cy="684000"/>
+          </a:xfrm>
+          <a:prstGeom prst="rect">
+            <a:avLst/>
+          </a:prstGeom>
+          <a:effectLst>
+            <a:outerShdw blurRad="50800" dist="50800" dir="5400000" sx="99000" sy="99000" algn="ctr" rotWithShape="0">
+              <a:srgbClr val="000000">
+                <a:alpha val="99000"/>
+              </a:srgbClr>
+            </a:outerShdw>
+          </a:effectLst>
+        </p:spPr>
+      </p:pic>
+      <p:pic>
+        <p:nvPicPr>
+          <p:cNvPr id="15" name="Рисунок 14">
+            <a:extLst>
+              <a:ext uri="{FF2B5EF4-FFF2-40B4-BE49-F238E27FC236}">
+                <a16:creationId xmlns:a16="http://schemas.microsoft.com/office/drawing/2014/main" id="{4E8C04DE-11CA-373E-8454-49717E782E4B}"/>
+              </a:ext>
+            </a:extLst>
+          </p:cNvPr>
+          <p:cNvPicPr>
+            <a:picLocks noChangeAspect="1"/>
+          </p:cNvPicPr>
+          <p:nvPr/>
+        </p:nvPicPr>
+        <p:blipFill>
+          <a:blip r:embed="rId3"/>
+          <a:stretch>
+            <a:fillRect/>
+          </a:stretch>
+        </p:blipFill>
+        <p:spPr>
+          <a:xfrm>
+            <a:off x="52938" y="1815248"/>
+            <a:ext cx="2633111" cy="2985574"/>
+          </a:xfrm>
+          <a:prstGeom prst="rect">
+            <a:avLst/>
+          </a:prstGeom>
+          <a:ln>
+            <a:solidFill>
+              <a:schemeClr val="tx1"/>
+            </a:solidFill>
+          </a:ln>
+        </p:spPr>
+      </p:pic>
+      <p:pic>
+        <p:nvPicPr>
+          <p:cNvPr id="4" name="Рисунок 3">
+            <a:extLst>
+              <a:ext uri="{FF2B5EF4-FFF2-40B4-BE49-F238E27FC236}">
+                <a16:creationId xmlns:a16="http://schemas.microsoft.com/office/drawing/2014/main" id="{E992106D-969F-CAB7-10F5-356FEC5297DE}"/>
+              </a:ext>
+            </a:extLst>
+          </p:cNvPr>
+          <p:cNvPicPr>
+            <a:picLocks noChangeAspect="1"/>
+          </p:cNvPicPr>
+          <p:nvPr/>
+        </p:nvPicPr>
+        <p:blipFill>
+          <a:blip r:embed="rId4"/>
+          <a:stretch>
+            <a:fillRect/>
+          </a:stretch>
+        </p:blipFill>
+        <p:spPr>
+          <a:xfrm>
+            <a:off x="6457950" y="1775956"/>
+            <a:ext cx="2633112" cy="3024867"/>
+          </a:xfrm>
+          <a:prstGeom prst="rect">
+            <a:avLst/>
+          </a:prstGeom>
+          <a:ln>
+            <a:solidFill>
+              <a:schemeClr val="tx1"/>
+            </a:solidFill>
+          </a:ln>
+        </p:spPr>
+      </p:pic>
       <p:sp>
         <p:nvSpPr>
-          <p:cNvPr id="6" name="Номер слайда 5">
+          <p:cNvPr id="2" name="Заголовок 1"/>
+          <p:cNvSpPr>
+            <a:spLocks noGrp="1"/>
+          </p:cNvSpPr>
+          <p:nvPr>
+            <p:ph type="title"/>
+          </p:nvPr>
+        </p:nvSpPr>
+        <p:spPr>
+          <a:xfrm>
+            <a:off x="-1" y="230792"/>
+            <a:ext cx="9144000" cy="1150071"/>
+          </a:xfrm>
+        </p:spPr>
+        <p:txBody>
+          <a:bodyPr>
+            <a:noAutofit/>
+          </a:bodyPr>
+          <a:lstStyle/>
+          <a:p>
+            <a:pPr algn="ctr"/>
+            <a:r>
+              <a:rPr lang="ru-RU" sz="2800" b="1" dirty="0">
+                <a:latin typeface="Bahnschrift SemiBold" panose="020B0502040204020203" pitchFamily="34" charset="0"/>
+              </a:rPr>
+              <a:t>ИНТЕРФЕЙС ВЕБ-ПРИЛОЖЕНИЯ</a:t>
+            </a:r>
+            <a:br>
+              <a:rPr lang="ru-RU" sz="2800" b="1" dirty="0">
+                <a:latin typeface="Bahnschrift SemiBold" panose="020B0502040204020203" pitchFamily="34" charset="0"/>
+              </a:rPr>
+            </a:br>
+            <a:r>
+              <a:rPr lang="ru-RU" sz="2800" b="1" dirty="0">
+                <a:latin typeface="Bahnschrift SemiBold" panose="020B0502040204020203" pitchFamily="34" charset="0"/>
+              </a:rPr>
+              <a:t>СТРАНИЦЫ АВТОРИЗАЦИИ И РЕГИСТРАЦИИ </a:t>
+            </a:r>
+            <a:br>
+              <a:rPr lang="ru-RU" sz="2800" b="1" dirty="0">
+                <a:latin typeface="Bahnschrift SemiBold" panose="020B0502040204020203" pitchFamily="34" charset="0"/>
+              </a:rPr>
+            </a:br>
+            <a:endParaRPr lang="ru-RU" sz="2800" b="1" dirty="0">
+              <a:latin typeface="Bahnschrift SemiBold" panose="020B0502040204020203" pitchFamily="34" charset="0"/>
+            </a:endParaRPr>
+          </a:p>
+        </p:txBody>
+      </p:sp>
+      <p:sp>
+        <p:nvSpPr>
+          <p:cNvPr id="8" name="Номер слайда 7">
             <a:extLst>
               <a:ext uri="{FF2B5EF4-FFF2-40B4-BE49-F238E27FC236}">
-                <a16:creationId xmlns="" xmlns:a16="http://schemas.microsoft.com/office/drawing/2014/main" id="{0B1F6116-7326-FD49-12D0-6D2252FFA567}"/>
+                <a16:creationId xmlns:a16="http://schemas.microsoft.com/office/drawing/2014/main" id="{9A787F45-C075-2D52-CA47-834C815BEA1D}"/>
               </a:ext>
             </a:extLst>
           </p:cNvPr>
@@ -12322,7 +12537,7 @@
         </p:nvSpPr>
         <p:spPr>
           <a:xfrm>
-            <a:off x="6457950" y="6284390"/>
+            <a:off x="6457950" y="6262083"/>
             <a:ext cx="2057400" cy="365125"/>
           </a:xfrm>
         </p:spPr>
@@ -12346,110 +12561,47 @@
           </a:p>
         </p:txBody>
       </p:sp>
-      <p:sp>
-        <p:nvSpPr>
-          <p:cNvPr id="4" name="Заголовок 3">
+      <p:pic>
+        <p:nvPicPr>
+          <p:cNvPr id="24" name="Рисунок 23">
             <a:extLst>
               <a:ext uri="{FF2B5EF4-FFF2-40B4-BE49-F238E27FC236}">
-                <a16:creationId xmlns="" xmlns:a16="http://schemas.microsoft.com/office/drawing/2014/main" id="{F947FD6E-9F2C-2F06-BB54-29BFF5AE6B81}"/>
+                <a16:creationId xmlns:a16="http://schemas.microsoft.com/office/drawing/2014/main" id="{99806537-7318-AF43-AE8B-54E173F92AEC}"/>
               </a:ext>
             </a:extLst>
           </p:cNvPr>
-          <p:cNvSpPr>
-            <a:spLocks noGrp="1"/>
-          </p:cNvSpPr>
-          <p:nvPr>
-            <p:ph type="title"/>
-          </p:nvPr>
-        </p:nvSpPr>
+          <p:cNvPicPr>
+            <a:picLocks noChangeAspect="1"/>
+          </p:cNvPicPr>
+          <p:nvPr/>
+        </p:nvPicPr>
+        <p:blipFill>
+          <a:blip r:embed="rId5"/>
+          <a:stretch>
+            <a:fillRect/>
+          </a:stretch>
+        </p:blipFill>
         <p:spPr>
           <a:xfrm>
-            <a:off x="94810" y="208485"/>
-            <a:ext cx="9143999" cy="1216067"/>
+            <a:off x="3255444" y="1775956"/>
+            <a:ext cx="2633111" cy="3024866"/>
           </a:xfrm>
-        </p:spPr>
-        <p:txBody>
-          <a:bodyPr/>
-          <a:lstStyle/>
-          <a:p>
-            <a:pPr algn="ctr"/>
-            <a:r>
-              <a:rPr lang="ru-RU" b="1" dirty="0">
-                <a:latin typeface="Bahnschrift SemiBold" panose="020B0502040204020203" pitchFamily="34" charset="0"/>
-              </a:rPr>
-              <a:t>ИНСТРУМЕНТЫ РАЗРАБОТКИ</a:t>
-            </a:r>
-            <a:br>
-              <a:rPr lang="ru-RU" b="1" dirty="0">
-                <a:latin typeface="Bahnschrift SemiBold" panose="020B0502040204020203" pitchFamily="34" charset="0"/>
-              </a:rPr>
-            </a:br>
-            <a:endParaRPr lang="ru-RU" b="1" dirty="0">
-              <a:latin typeface="Bahnschrift SemiBold" panose="020B0502040204020203" pitchFamily="34" charset="0"/>
-            </a:endParaRPr>
-          </a:p>
-        </p:txBody>
-      </p:sp>
-      <p:sp>
-        <p:nvSpPr>
-          <p:cNvPr id="14" name="Прямоугольник: усеченные верхние углы 13">
-            <a:extLst>
-              <a:ext uri="{FF2B5EF4-FFF2-40B4-BE49-F238E27FC236}">
-                <a16:creationId xmlns="" xmlns:a16="http://schemas.microsoft.com/office/drawing/2014/main" id="{8DC3AA56-C119-6969-BEE0-104C920215D6}"/>
-              </a:ext>
-            </a:extLst>
-          </p:cNvPr>
-          <p:cNvSpPr/>
-          <p:nvPr/>
-        </p:nvSpPr>
-        <p:spPr>
-          <a:xfrm rot="5400000">
-            <a:off x="-545553" y="1302781"/>
-            <a:ext cx="4983012" cy="5175317"/>
-          </a:xfrm>
-          <a:prstGeom prst="snip2SameRect">
+          <a:prstGeom prst="rect">
             <a:avLst/>
           </a:prstGeom>
-          <a:solidFill>
-            <a:schemeClr val="accent2"/>
-          </a:solidFill>
           <a:ln>
             <a:solidFill>
               <a:schemeClr val="tx1"/>
             </a:solidFill>
           </a:ln>
         </p:spPr>
-        <p:style>
-          <a:lnRef idx="2">
-            <a:schemeClr val="accent1">
-              <a:shade val="15000"/>
-            </a:schemeClr>
-          </a:lnRef>
-          <a:fillRef idx="1">
-            <a:schemeClr val="accent1"/>
-          </a:fillRef>
-          <a:effectRef idx="0">
-            <a:schemeClr val="accent1"/>
-          </a:effectRef>
-          <a:fontRef idx="minor">
-            <a:schemeClr val="lt1"/>
-          </a:fontRef>
-        </p:style>
-        <p:txBody>
-          <a:bodyPr rtlCol="0" anchor="ctr"/>
-          <a:lstStyle/>
-          <a:p>
-            <a:pPr algn="ctr"/>
-            <a:endParaRPr lang="ru-RU"/>
-          </a:p>
-        </p:txBody>
-      </p:sp>
+      </p:pic>
       <p:sp>
         <p:nvSpPr>
-          <p:cNvPr id="15" name="TextBox 14">
+          <p:cNvPr id="31" name="TextBox 30">
             <a:extLst>
               <a:ext uri="{FF2B5EF4-FFF2-40B4-BE49-F238E27FC236}">
-                <a16:creationId xmlns="" xmlns:a16="http://schemas.microsoft.com/office/drawing/2014/main" id="{ADA24296-2693-6060-D417-F117D2D210BF}"/>
+                <a16:creationId xmlns:a16="http://schemas.microsoft.com/office/drawing/2014/main" id="{59E8458D-CA34-6DC8-AE8C-469A2AE1C17E}"/>
               </a:ext>
             </a:extLst>
           </p:cNvPr>
@@ -12458,8 +12610,8 @@
         </p:nvSpPr>
         <p:spPr>
           <a:xfrm>
-            <a:off x="5733001" y="2248052"/>
-            <a:ext cx="2686639" cy="1015663"/>
+            <a:off x="0" y="5195915"/>
+            <a:ext cx="9144000" cy="1015663"/>
           </a:xfrm>
           <a:prstGeom prst="rect">
             <a:avLst/>
@@ -12472,499 +12624,35 @@
           </a:bodyPr>
           <a:lstStyle/>
           <a:p>
-            <a:pPr algn="ctr"/>
             <a:r>
-              <a:rPr lang="ru-RU" sz="2000" b="1" dirty="0">
+              <a:rPr lang="ru-RU" sz="2000" b="1" i="0" dirty="0">
+                <a:effectLst/>
                 <a:latin typeface="+mj-lt"/>
               </a:rPr>
-              <a:t>Из языков программирования был выбран C#</a:t>
+              <a:t>В проекте используется встроенная аутентификация ASP.NET Core, ограничивающая доступ к действиям контроллера по ролям.</a:t>
             </a:r>
+            <a:br>
+              <a:rPr lang="ru-RU" sz="2000" b="1" i="0" dirty="0">
+                <a:effectLst/>
+                <a:latin typeface="+mj-lt"/>
+              </a:rPr>
+            </a:br>
+            <a:endParaRPr lang="ru-RU" sz="2000" dirty="0">
+              <a:latin typeface="+mj-lt"/>
+            </a:endParaRPr>
           </a:p>
         </p:txBody>
       </p:sp>
-      <p:sp>
-        <p:nvSpPr>
-          <p:cNvPr id="16" name="TextBox 15">
-            <a:extLst>
-              <a:ext uri="{FF2B5EF4-FFF2-40B4-BE49-F238E27FC236}">
-                <a16:creationId xmlns="" xmlns:a16="http://schemas.microsoft.com/office/drawing/2014/main" id="{2F0F9209-584C-5EEB-1913-7D35987F89F5}"/>
-              </a:ext>
-            </a:extLst>
-          </p:cNvPr>
-          <p:cNvSpPr txBox="1"/>
-          <p:nvPr/>
-        </p:nvSpPr>
-        <p:spPr>
-          <a:xfrm>
-            <a:off x="429023" y="2475573"/>
-            <a:ext cx="3033860" cy="1323439"/>
-          </a:xfrm>
-          <a:prstGeom prst="rect">
-            <a:avLst/>
-          </a:prstGeom>
-          <a:noFill/>
-        </p:spPr>
-        <p:txBody>
-          <a:bodyPr wrap="square" rtlCol="0">
-            <a:spAutoFit/>
-          </a:bodyPr>
-          <a:lstStyle/>
-          <a:p>
-            <a:pPr algn="ctr"/>
-            <a:r>
-              <a:rPr lang="ru-RU" sz="2000" b="1" dirty="0">
-                <a:solidFill>
-                  <a:schemeClr val="bg1"/>
-                </a:solidFill>
-                <a:latin typeface="+mj-lt"/>
-              </a:rPr>
-              <a:t>В качестве управления БД был выбран </a:t>
-            </a:r>
-            <a:r>
-              <a:rPr lang="en-US" sz="2000" b="1" dirty="0">
-                <a:solidFill>
-                  <a:schemeClr val="bg1"/>
-                </a:solidFill>
-                <a:latin typeface="+mj-lt"/>
-              </a:rPr>
-              <a:t>MS SQL Server Express </a:t>
-            </a:r>
-            <a:endParaRPr lang="ru-RU" sz="2000" b="1" dirty="0">
-              <a:solidFill>
-                <a:schemeClr val="bg1"/>
-              </a:solidFill>
-              <a:latin typeface="+mj-lt"/>
-            </a:endParaRPr>
-          </a:p>
-          <a:p>
-            <a:endParaRPr lang="ru-RU" sz="2000" b="1" dirty="0">
-              <a:solidFill>
-                <a:schemeClr val="bg1"/>
-              </a:solidFill>
-            </a:endParaRPr>
-          </a:p>
-        </p:txBody>
-      </p:sp>
-      <p:sp>
-        <p:nvSpPr>
-          <p:cNvPr id="17" name="TextBox 16">
-            <a:extLst>
-              <a:ext uri="{FF2B5EF4-FFF2-40B4-BE49-F238E27FC236}">
-                <a16:creationId xmlns="" xmlns:a16="http://schemas.microsoft.com/office/drawing/2014/main" id="{D923A459-AA98-149A-C973-C96BD0B0BA34}"/>
-              </a:ext>
-            </a:extLst>
-          </p:cNvPr>
-          <p:cNvSpPr txBox="1"/>
-          <p:nvPr/>
-        </p:nvSpPr>
-        <p:spPr>
-          <a:xfrm>
-            <a:off x="429023" y="4514562"/>
-            <a:ext cx="3033860" cy="1015663"/>
-          </a:xfrm>
-          <a:prstGeom prst="rect">
-            <a:avLst/>
-          </a:prstGeom>
-          <a:noFill/>
-        </p:spPr>
-        <p:txBody>
-          <a:bodyPr wrap="square" rtlCol="0">
-            <a:spAutoFit/>
-          </a:bodyPr>
-          <a:lstStyle/>
-          <a:p>
-            <a:pPr algn="ctr"/>
-            <a:r>
-              <a:rPr lang="ru-RU" sz="2000" b="1" dirty="0">
-                <a:solidFill>
-                  <a:schemeClr val="bg1"/>
-                </a:solidFill>
-                <a:latin typeface="+mj-lt"/>
-              </a:rPr>
-              <a:t>Средой разработки была выбрана Microsoft Visual Studio 2022</a:t>
-            </a:r>
-          </a:p>
-        </p:txBody>
-      </p:sp>
-      <p:sp>
-        <p:nvSpPr>
-          <p:cNvPr id="18" name="TextBox 17">
-            <a:extLst>
-              <a:ext uri="{FF2B5EF4-FFF2-40B4-BE49-F238E27FC236}">
-                <a16:creationId xmlns="" xmlns:a16="http://schemas.microsoft.com/office/drawing/2014/main" id="{6BC605CD-3ECA-822D-6D6E-30F050F5C272}"/>
-              </a:ext>
-            </a:extLst>
-          </p:cNvPr>
-          <p:cNvSpPr txBox="1"/>
-          <p:nvPr/>
-        </p:nvSpPr>
-        <p:spPr>
-          <a:xfrm>
-            <a:off x="5733001" y="4276058"/>
-            <a:ext cx="2686639" cy="1631216"/>
-          </a:xfrm>
-          <a:prstGeom prst="rect">
-            <a:avLst/>
-          </a:prstGeom>
-          <a:noFill/>
-        </p:spPr>
-        <p:txBody>
-          <a:bodyPr wrap="square" rtlCol="0">
-            <a:spAutoFit/>
-          </a:bodyPr>
-          <a:lstStyle/>
-          <a:p>
-            <a:pPr algn="ctr"/>
-            <a:r>
-              <a:rPr lang="ru-RU" sz="2000" b="1" dirty="0">
-                <a:latin typeface="+mj-lt"/>
-              </a:rPr>
-              <a:t>Для отображения пользовательского интерфейса был выбран фреймворк </a:t>
-            </a:r>
-            <a:r>
-              <a:rPr lang="en-US" sz="2000" b="1" dirty="0">
-                <a:latin typeface="+mj-lt"/>
-              </a:rPr>
-              <a:t>ASP.NET MVC</a:t>
-            </a:r>
-            <a:endParaRPr lang="ru-RU" sz="2000" b="1" dirty="0">
-              <a:latin typeface="+mj-lt"/>
-            </a:endParaRPr>
-          </a:p>
-        </p:txBody>
-      </p:sp>
-      <p:pic>
-        <p:nvPicPr>
-          <p:cNvPr id="19" name="Picture 2" descr="C:\Users\TroDA\Desktop\632b60f8c1aa184a0e5766d9_202209-ms-sql-icon-3x.png">
-            <a:extLst>
-              <a:ext uri="{FF2B5EF4-FFF2-40B4-BE49-F238E27FC236}">
-                <a16:creationId xmlns="" xmlns:a16="http://schemas.microsoft.com/office/drawing/2014/main" id="{A755AD49-3A11-E600-E950-AD8FB2522961}"/>
-              </a:ext>
-            </a:extLst>
-          </p:cNvPr>
-          <p:cNvPicPr>
-            <a:picLocks noChangeAspect="1" noChangeArrowheads="1"/>
-          </p:cNvPicPr>
-          <p:nvPr/>
-        </p:nvPicPr>
-        <p:blipFill>
-          <a:blip r:embed="rId2" cstate="print">
-            <a:extLst>
-              <a:ext uri="{28A0092B-C50C-407E-A947-70E740481C1C}">
-                <a14:useLocalDpi xmlns:a14="http://schemas.microsoft.com/office/drawing/2010/main" val="0"/>
-              </a:ext>
-            </a:extLst>
-          </a:blip>
-          <a:srcRect/>
-          <a:stretch>
-            <a:fillRect/>
-          </a:stretch>
-        </p:blipFill>
-        <p:spPr bwMode="auto">
-          <a:xfrm>
-            <a:off x="764261" y="1700690"/>
-            <a:ext cx="2206739" cy="654084"/>
-          </a:xfrm>
-          <a:prstGeom prst="rect">
-            <a:avLst/>
-          </a:prstGeom>
-          <a:noFill/>
-          <a:extLst>
-            <a:ext uri="{909E8E84-426E-40DD-AFC4-6F175D3DCCD1}">
-              <a14:hiddenFill xmlns:a14="http://schemas.microsoft.com/office/drawing/2010/main">
-                <a:solidFill>
-                  <a:srgbClr val="FFFFFF"/>
-                </a:solidFill>
-              </a14:hiddenFill>
-            </a:ext>
-          </a:extLst>
-        </p:spPr>
-      </p:pic>
-      <p:pic>
-        <p:nvPicPr>
-          <p:cNvPr id="20" name="Picture 4" descr="Picture background">
-            <a:extLst>
-              <a:ext uri="{FF2B5EF4-FFF2-40B4-BE49-F238E27FC236}">
-                <a16:creationId xmlns="" xmlns:a16="http://schemas.microsoft.com/office/drawing/2014/main" id="{80ACA6C7-086E-883E-1560-8F5BC1275354}"/>
-              </a:ext>
-            </a:extLst>
-          </p:cNvPr>
-          <p:cNvPicPr>
-            <a:picLocks noChangeAspect="1" noChangeArrowheads="1"/>
-          </p:cNvPicPr>
-          <p:nvPr/>
-        </p:nvPicPr>
-        <p:blipFill>
-          <a:blip r:embed="rId3" cstate="print">
-            <a:extLst>
-              <a:ext uri="{28A0092B-C50C-407E-A947-70E740481C1C}">
-                <a14:useLocalDpi xmlns:a14="http://schemas.microsoft.com/office/drawing/2010/main" val="0"/>
-              </a:ext>
-            </a:extLst>
-          </a:blip>
-          <a:srcRect/>
-          <a:stretch>
-            <a:fillRect/>
-          </a:stretch>
-        </p:blipFill>
-        <p:spPr bwMode="auto">
-          <a:xfrm>
-            <a:off x="1214633" y="3590652"/>
-            <a:ext cx="1305996" cy="816248"/>
-          </a:xfrm>
-          <a:prstGeom prst="rect">
-            <a:avLst/>
-          </a:prstGeom>
-          <a:noFill/>
-          <a:extLst>
-            <a:ext uri="{909E8E84-426E-40DD-AFC4-6F175D3DCCD1}">
-              <a14:hiddenFill xmlns:a14="http://schemas.microsoft.com/office/drawing/2010/main">
-                <a:solidFill>
-                  <a:srgbClr val="FFFFFF"/>
-                </a:solidFill>
-              </a14:hiddenFill>
-            </a:ext>
-          </a:extLst>
-        </p:spPr>
-      </p:pic>
-      <p:pic>
-        <p:nvPicPr>
-          <p:cNvPr id="24" name="Рисунок 23">
-            <a:extLst>
-              <a:ext uri="{FF2B5EF4-FFF2-40B4-BE49-F238E27FC236}">
-                <a16:creationId xmlns="" xmlns:a16="http://schemas.microsoft.com/office/drawing/2014/main" id="{BA936F3C-9B80-83A0-4311-432A98E7E222}"/>
-              </a:ext>
-            </a:extLst>
-          </p:cNvPr>
-          <p:cNvPicPr>
-            <a:picLocks noChangeAspect="1"/>
-          </p:cNvPicPr>
-          <p:nvPr/>
-        </p:nvPicPr>
-        <p:blipFill>
-          <a:blip r:embed="rId4" cstate="print">
-            <a:extLst>
-              <a:ext uri="{28A0092B-C50C-407E-A947-70E740481C1C}">
-                <a14:useLocalDpi xmlns:a14="http://schemas.microsoft.com/office/drawing/2010/main" val="0"/>
-              </a:ext>
-            </a:extLst>
-          </a:blip>
-          <a:stretch>
-            <a:fillRect/>
-          </a:stretch>
-        </p:blipFill>
-        <p:spPr>
-          <a:xfrm>
-            <a:off x="6665993" y="1239025"/>
-            <a:ext cx="820657" cy="923331"/>
-          </a:xfrm>
-          <a:prstGeom prst="rect">
-            <a:avLst/>
-          </a:prstGeom>
-        </p:spPr>
-      </p:pic>
-      <p:pic>
-        <p:nvPicPr>
-          <p:cNvPr id="27" name="Picture 4" descr="C:\Users\TroDA\Desktop\entity-framework.png">
-            <a:extLst>
-              <a:ext uri="{FF2B5EF4-FFF2-40B4-BE49-F238E27FC236}">
-                <a16:creationId xmlns="" xmlns:a16="http://schemas.microsoft.com/office/drawing/2014/main" id="{EE1FDB24-DBC9-BAF2-9936-59EDBFDE24BB}"/>
-              </a:ext>
-            </a:extLst>
-          </p:cNvPr>
-          <p:cNvPicPr>
-            <a:picLocks noChangeAspect="1" noChangeArrowheads="1"/>
-          </p:cNvPicPr>
-          <p:nvPr/>
-        </p:nvPicPr>
-        <p:blipFill rotWithShape="1">
-          <a:blip r:embed="rId5" cstate="print">
-            <a:extLst>
-              <a:ext uri="{28A0092B-C50C-407E-A947-70E740481C1C}">
-                <a14:useLocalDpi xmlns:a14="http://schemas.microsoft.com/office/drawing/2010/main" val="0"/>
-              </a:ext>
-            </a:extLst>
-          </a:blip>
-          <a:srcRect r="47903"/>
-          <a:stretch/>
-        </p:blipFill>
-        <p:spPr bwMode="auto">
-          <a:xfrm>
-            <a:off x="6190961" y="3389123"/>
-            <a:ext cx="1770718" cy="684849"/>
-          </a:xfrm>
-          <a:prstGeom prst="rect">
-            <a:avLst/>
-          </a:prstGeom>
-          <a:noFill/>
-          <a:extLst>
-            <a:ext uri="{909E8E84-426E-40DD-AFC4-6F175D3DCCD1}">
-              <a14:hiddenFill xmlns:a14="http://schemas.microsoft.com/office/drawing/2010/main">
-                <a:solidFill>
-                  <a:srgbClr val="FFFFFF"/>
-                </a:solidFill>
-              </a14:hiddenFill>
-            </a:ext>
-          </a:extLst>
-        </p:spPr>
-      </p:pic>
-      <p:grpSp>
-        <p:nvGrpSpPr>
-          <p:cNvPr id="28" name="Group 4">
-            <a:extLst>
-              <a:ext uri="{FF2B5EF4-FFF2-40B4-BE49-F238E27FC236}">
-                <a16:creationId xmlns="" xmlns:a16="http://schemas.microsoft.com/office/drawing/2014/main" id="{32076252-D12F-AE42-F2F6-D7C3C646B045}"/>
-              </a:ext>
-            </a:extLst>
-          </p:cNvPr>
-          <p:cNvGrpSpPr/>
-          <p:nvPr/>
-        </p:nvGrpSpPr>
-        <p:grpSpPr>
-          <a:xfrm>
-            <a:off x="-1119679" y="-6113024"/>
-            <a:ext cx="5786489" cy="12020298"/>
-            <a:chOff x="0" y="-19050"/>
-            <a:chExt cx="2799804" cy="5645247"/>
-          </a:xfrm>
-        </p:grpSpPr>
-        <p:sp>
-          <p:nvSpPr>
-            <p:cNvPr id="29" name="Freeform 5">
-              <a:extLst>
-                <a:ext uri="{FF2B5EF4-FFF2-40B4-BE49-F238E27FC236}">
-                  <a16:creationId xmlns="" xmlns:a16="http://schemas.microsoft.com/office/drawing/2014/main" id="{FC6019BC-ADBE-16B4-1B26-99CB37B85773}"/>
-                </a:ext>
-              </a:extLst>
-            </p:cNvPr>
-            <p:cNvSpPr/>
-            <p:nvPr/>
-          </p:nvSpPr>
-          <p:spPr>
-            <a:xfrm>
-              <a:off x="660350" y="3638366"/>
-              <a:ext cx="2139454" cy="1987831"/>
-            </a:xfrm>
-            <a:custGeom>
-              <a:avLst/>
-              <a:gdLst/>
-              <a:ahLst/>
-              <a:cxnLst/>
-              <a:rect l="l" t="t" r="r" b="b"/>
-              <a:pathLst>
-                <a:path w="2379118" h="1373109">
-                  <a:moveTo>
-                    <a:pt x="24854" y="0"/>
-                  </a:moveTo>
-                  <a:lnTo>
-                    <a:pt x="2354264" y="0"/>
-                  </a:lnTo>
-                  <a:cubicBezTo>
-                    <a:pt x="2367991" y="0"/>
-                    <a:pt x="2379118" y="11128"/>
-                    <a:pt x="2379118" y="24854"/>
-                  </a:cubicBezTo>
-                  <a:lnTo>
-                    <a:pt x="2379118" y="1348255"/>
-                  </a:lnTo>
-                  <a:cubicBezTo>
-                    <a:pt x="2379118" y="1361981"/>
-                    <a:pt x="2367991" y="1373109"/>
-                    <a:pt x="2354264" y="1373109"/>
-                  </a:cubicBezTo>
-                  <a:lnTo>
-                    <a:pt x="24854" y="1373109"/>
-                  </a:lnTo>
-                  <a:cubicBezTo>
-                    <a:pt x="11128" y="1373109"/>
-                    <a:pt x="0" y="1361981"/>
-                    <a:pt x="0" y="1348255"/>
-                  </a:cubicBezTo>
-                  <a:lnTo>
-                    <a:pt x="0" y="24854"/>
-                  </a:lnTo>
-                  <a:cubicBezTo>
-                    <a:pt x="0" y="11128"/>
-                    <a:pt x="11128" y="0"/>
-                    <a:pt x="24854" y="0"/>
-                  </a:cubicBezTo>
-                  <a:close/>
-                </a:path>
-              </a:pathLst>
-            </a:custGeom>
-            <a:solidFill>
-              <a:srgbClr val="000000">
-                <a:alpha val="0"/>
-              </a:srgbClr>
-            </a:solidFill>
-            <a:ln w="38100" cap="rnd">
-              <a:solidFill>
-                <a:srgbClr val="FFFFFF"/>
-              </a:solidFill>
-              <a:prstDash val="solid"/>
-              <a:round/>
-            </a:ln>
-          </p:spPr>
-          <p:txBody>
-            <a:bodyPr/>
-            <a:lstStyle/>
-            <a:p>
-              <a:endParaRPr lang="ru-RU" dirty="0"/>
-            </a:p>
-          </p:txBody>
-        </p:sp>
-        <p:sp>
-          <p:nvSpPr>
-            <p:cNvPr id="30" name="TextBox 6">
-              <a:extLst>
-                <a:ext uri="{FF2B5EF4-FFF2-40B4-BE49-F238E27FC236}">
-                  <a16:creationId xmlns="" xmlns:a16="http://schemas.microsoft.com/office/drawing/2014/main" id="{DD11167B-0011-4583-BDD2-2E737CBC4DB5}"/>
-                </a:ext>
-              </a:extLst>
-            </p:cNvPr>
-            <p:cNvSpPr txBox="1"/>
-            <p:nvPr/>
-          </p:nvSpPr>
-          <p:spPr>
-            <a:xfrm>
-              <a:off x="0" y="-19050"/>
-              <a:ext cx="2379118" cy="1392159"/>
-            </a:xfrm>
-            <a:prstGeom prst="rect">
-              <a:avLst/>
-            </a:prstGeom>
-          </p:spPr>
-          <p:txBody>
-            <a:bodyPr lIns="38100" tIns="38100" rIns="38100" bIns="38100" rtlCol="0" anchor="ctr"/>
-            <a:lstStyle/>
-            <a:p>
-              <a:pPr algn="ctr">
-                <a:lnSpc>
-                  <a:spcPts val="2144"/>
-                </a:lnSpc>
-              </a:pPr>
-              <a:endParaRPr sz="1350" dirty="0"/>
-            </a:p>
-          </p:txBody>
-        </p:sp>
-      </p:grpSp>
     </p:spTree>
     <p:extLst>
       <p:ext uri="{BB962C8B-B14F-4D97-AF65-F5344CB8AC3E}">
-        <p14:creationId xmlns:p14="http://schemas.microsoft.com/office/powerpoint/2010/main" val="4019108974"/>
+        <p14:creationId xmlns:p14="http://schemas.microsoft.com/office/powerpoint/2010/main" val="921281904"/>
       </p:ext>
     </p:extLst>
   </p:cSld>
   <p:clrMapOvr>
     <a:masterClrMapping/>
   </p:clrMapOvr>
-  <p:timing>
-    <p:tnLst>
-      <p:par>
-        <p:cTn id="1" dur="indefinite" restart="never" nodeType="tmRoot"/>
-      </p:par>
-    </p:tnLst>
-  </p:timing>
 </p:sld>
 </file>
 
@@ -13223,7 +12911,7 @@
   <a:extraClrSchemeLst/>
   <a:extLst>
     <a:ext uri="{05A4C25C-085E-4340-85A3-A5531E510DB2}">
-      <thm15:themeFamily xmlns="" xmlns:thm15="http://schemas.microsoft.com/office/thememl/2012/main" name="Office 2013 - 2022 Theme" id="{62F939B6-93AF-4DB8-9C6B-D6C7DFDC589F}" vid="{4A3C46E8-61CC-4603-A589-7422A47A8E4A}"/>
+      <thm15:themeFamily xmlns:thm15="http://schemas.microsoft.com/office/thememl/2012/main" name="Office 2013 - 2022 Theme" id="{62F939B6-93AF-4DB8-9C6B-D6C7DFDC589F}" vid="{4A3C46E8-61CC-4603-A589-7422A47A8E4A}"/>
     </a:ext>
   </a:extLst>
 </a:theme>
@@ -13518,7 +13206,7 @@
   <a:extraClrSchemeLst/>
   <a:extLst>
     <a:ext uri="{05A4C25C-085E-4340-85A3-A5531E510DB2}">
-      <thm15:themeFamily xmlns="" xmlns:thm15="http://schemas.microsoft.com/office/thememl/2012/main" name="Office Theme" id="{62F939B6-93AF-4DB8-9C6B-D6C7DFDC589F}" vid="{4A3C46E8-61CC-4603-A589-7422A47A8E4A}"/>
+      <thm15:themeFamily xmlns:thm15="http://schemas.microsoft.com/office/thememl/2012/main" name="Office Theme" id="{62F939B6-93AF-4DB8-9C6B-D6C7DFDC589F}" vid="{4A3C46E8-61CC-4603-A589-7422A47A8E4A}"/>
     </a:ext>
   </a:extLst>
 </a:theme>

--- a/ПРАВКИ_Презентация ВКР ВО.pptx
+++ b/ПРАВКИ_Презентация ВКР ВО.pptx
@@ -12257,8 +12257,8 @@
         </p:nvSpPr>
         <p:spPr>
           <a:xfrm>
-            <a:off x="2790334" y="4960521"/>
-            <a:ext cx="6353666" cy="1562828"/>
+            <a:off x="2790334" y="4609707"/>
+            <a:ext cx="6353666" cy="1388938"/>
           </a:xfrm>
         </p:spPr>
         <p:txBody>
@@ -12301,7 +12301,7 @@
         </p:nvSpPr>
         <p:spPr>
           <a:xfrm>
-            <a:off x="-1469993" y="0"/>
+            <a:off x="6552217" y="6206789"/>
             <a:ext cx="2057400" cy="365125"/>
           </a:xfrm>
         </p:spPr>
